--- a/assets/slides/rfc8594.pptx
+++ b/assets/slides/rfc8594.pptx
@@ -6,6 +6,11 @@
   </p:sldMasterIdLst>
   <p:sldIdLst>
     <p:sldId id="256" r:id="rId2"/>
+    <p:sldId id="260" r:id="rId3"/>
+    <p:sldId id="261" r:id="rId4"/>
+    <p:sldId id="257" r:id="rId5"/>
+    <p:sldId id="258" r:id="rId6"/>
+    <p:sldId id="259" r:id="rId7"/>
   </p:sldIdLst>
   <p:sldSz cx="12192000" cy="6858000"/>
   <p:notesSz cx="6858000" cy="9144000"/>
@@ -12371,6 +12376,11 @@
           <a:p>
             <a:r>
               <a:rPr lang="en-US" cap="none" dirty="0">
+                <a:effectLst>
+                  <a:outerShdw blurRad="63500" dist="60484" dir="2700000" sx="100475" sy="100475" algn="tl" rotWithShape="0">
+                    <a:schemeClr val="bg2"/>
+                  </a:outerShdw>
+                </a:effectLst>
                 <a:latin typeface="Ford Antenna Medium Cnd" panose="02000505000000020004" pitchFamily="2" charset="0"/>
               </a:rPr>
               <a:t>The Sunset HTTP Header Field</a:t>
@@ -12407,7 +12417,9 @@
           <a:lstStyle/>
           <a:p>
             <a:r>
-              <a:rPr lang="en-US" sz="3200" cap="none" dirty="0"/>
+              <a:rPr lang="en-US" sz="3200" cap="none" dirty="0">
+                <a:latin typeface="Ford Antenna Medium Cnd" panose="02000505000000020004" pitchFamily="2" charset="0"/>
+              </a:rPr>
               <a:t>Resources and APIs disappear at some point in time; the Sunset field allows to advertise that event to clients.</a:t>
             </a:r>
           </a:p>
@@ -12619,6 +12631,7 @@
                 <a:solidFill>
                   <a:schemeClr val="bg2"/>
                 </a:solidFill>
+                <a:latin typeface="Ford Antenna Medium" panose="02000505000000020004" pitchFamily="2" charset="0"/>
               </a:rPr>
               <a:t>Internet RFC 8594</a:t>
             </a:r>
@@ -12629,6 +12642,902 @@
     <p:extLst>
       <p:ext uri="{BB962C8B-B14F-4D97-AF65-F5344CB8AC3E}">
         <p14:creationId xmlns:p14="http://schemas.microsoft.com/office/powerpoint/2010/main" val="1274364689"/>
+      </p:ext>
+    </p:extLst>
+  </p:cSld>
+  <p:clrMapOvr>
+    <a:masterClrMapping/>
+  </p:clrMapOvr>
+</p:sld>
+</file>
+
+<file path=ppt/slides/slide2.xml><?xml version="1.0" encoding="utf-8"?>
+<p:sld xmlns:a="http://schemas.openxmlformats.org/drawingml/2006/main" xmlns:r="http://schemas.openxmlformats.org/officeDocument/2006/relationships" xmlns:p="http://schemas.openxmlformats.org/presentationml/2006/main">
+  <p:cSld>
+    <p:spTree>
+      <p:nvGrpSpPr>
+        <p:cNvPr id="1" name=""/>
+        <p:cNvGrpSpPr/>
+        <p:nvPr/>
+      </p:nvGrpSpPr>
+      <p:grpSpPr>
+        <a:xfrm>
+          <a:off x="0" y="0"/>
+          <a:ext cx="0" cy="0"/>
+          <a:chOff x="0" y="0"/>
+          <a:chExt cx="0" cy="0"/>
+        </a:xfrm>
+      </p:grpSpPr>
+      <p:sp>
+        <p:nvSpPr>
+          <p:cNvPr id="3" name="Content Placeholder 2">
+            <a:extLst>
+              <a:ext uri="{FF2B5EF4-FFF2-40B4-BE49-F238E27FC236}">
+                <a16:creationId xmlns:a16="http://schemas.microsoft.com/office/drawing/2014/main" id="{17956A75-E2B2-0F45-9348-FCC5353B9806}"/>
+              </a:ext>
+            </a:extLst>
+          </p:cNvPr>
+          <p:cNvSpPr>
+            <a:spLocks noGrp="1"/>
+          </p:cNvSpPr>
+          <p:nvPr>
+            <p:ph idx="1"/>
+          </p:nvPr>
+        </p:nvSpPr>
+        <p:spPr>
+          <a:xfrm>
+            <a:off x="1344613" y="2445807"/>
+            <a:ext cx="9145586" cy="3081868"/>
+          </a:xfrm>
+        </p:spPr>
+        <p:txBody>
+          <a:bodyPr/>
+          <a:lstStyle/>
+          <a:p>
+            <a:pPr marL="0" indent="0">
+              <a:buNone/>
+            </a:pPr>
+            <a:r>
+              <a:rPr lang="en-US" dirty="0">
+                <a:latin typeface="Ford Antenna Medium" panose="02000505000000020004" pitchFamily="2" charset="0"/>
+              </a:rPr>
+              <a:t>When a resource or an API is about to be retired, it would be useful for consumers of that resource/API to be notified in advance. By using an HTTP field, this information can be conveyed in-band, instead of having to rely on out-of-band channels such as announcements that are published on Web pages or sent by email.</a:t>
+            </a:r>
+          </a:p>
+        </p:txBody>
+      </p:sp>
+      <p:sp>
+        <p:nvSpPr>
+          <p:cNvPr id="6" name="Title 1">
+            <a:extLst>
+              <a:ext uri="{FF2B5EF4-FFF2-40B4-BE49-F238E27FC236}">
+                <a16:creationId xmlns:a16="http://schemas.microsoft.com/office/drawing/2014/main" id="{4D0CE8EE-FF7C-AF4D-B6BF-D600E6EA4B66}"/>
+              </a:ext>
+            </a:extLst>
+          </p:cNvPr>
+          <p:cNvSpPr txBox="1">
+            <a:spLocks/>
+          </p:cNvSpPr>
+          <p:nvPr/>
+        </p:nvSpPr>
+        <p:spPr>
+          <a:xfrm>
+            <a:off x="1698623" y="607218"/>
+            <a:ext cx="8791575" cy="919162"/>
+          </a:xfrm>
+          <a:prstGeom prst="rect">
+            <a:avLst/>
+          </a:prstGeom>
+        </p:spPr>
+        <p:txBody>
+          <a:bodyPr vert="horz" lIns="91440" tIns="45720" rIns="91440" bIns="45720" rtlCol="0" anchor="ctr">
+            <a:normAutofit/>
+          </a:bodyPr>
+          <a:lstStyle>
+            <a:lvl1pPr algn="l" defTabSz="914400" rtl="0" eaLnBrk="1" latinLnBrk="0" hangingPunct="1">
+              <a:lnSpc>
+                <a:spcPct val="90000"/>
+              </a:lnSpc>
+              <a:spcBef>
+                <a:spcPct val="0"/>
+              </a:spcBef>
+              <a:buNone/>
+              <a:defRPr sz="3600" kern="1200" cap="all" baseline="0">
+                <a:solidFill>
+                  <a:schemeClr val="tx1"/>
+                </a:solidFill>
+                <a:latin typeface="+mj-lt"/>
+                <a:ea typeface="+mj-ea"/>
+                <a:cs typeface="+mj-cs"/>
+              </a:defRPr>
+            </a:lvl1pPr>
+          </a:lstStyle>
+          <a:p>
+            <a:r>
+              <a:rPr lang="en-US" cap="none" dirty="0">
+                <a:solidFill>
+                  <a:schemeClr val="bg2"/>
+                </a:solidFill>
+                <a:latin typeface="Ford Antenna Medium Cnd" panose="02000505000000020004" pitchFamily="2" charset="0"/>
+              </a:rPr>
+              <a:t>The Sunset HTTP Header Field</a:t>
+            </a:r>
+          </a:p>
+        </p:txBody>
+      </p:sp>
+      <p:sp>
+        <p:nvSpPr>
+          <p:cNvPr id="7" name="Title 1">
+            <a:extLst>
+              <a:ext uri="{FF2B5EF4-FFF2-40B4-BE49-F238E27FC236}">
+                <a16:creationId xmlns:a16="http://schemas.microsoft.com/office/drawing/2014/main" id="{924EB63B-9391-8F4A-A2B2-162C9716D18E}"/>
+              </a:ext>
+            </a:extLst>
+          </p:cNvPr>
+          <p:cNvSpPr txBox="1">
+            <a:spLocks/>
+          </p:cNvSpPr>
+          <p:nvPr/>
+        </p:nvSpPr>
+        <p:spPr>
+          <a:xfrm>
+            <a:off x="1698623" y="1330325"/>
+            <a:ext cx="8791575" cy="919162"/>
+          </a:xfrm>
+          <a:prstGeom prst="rect">
+            <a:avLst/>
+          </a:prstGeom>
+        </p:spPr>
+        <p:txBody>
+          <a:bodyPr vert="horz" lIns="91440" tIns="45720" rIns="91440" bIns="45720" rtlCol="0" anchor="ctr">
+            <a:normAutofit/>
+          </a:bodyPr>
+          <a:lstStyle>
+            <a:lvl1pPr algn="l" defTabSz="914400" rtl="0" eaLnBrk="1" latinLnBrk="0" hangingPunct="1">
+              <a:lnSpc>
+                <a:spcPct val="90000"/>
+              </a:lnSpc>
+              <a:spcBef>
+                <a:spcPct val="0"/>
+              </a:spcBef>
+              <a:buNone/>
+              <a:defRPr sz="3600" kern="1200" cap="all" baseline="0">
+                <a:solidFill>
+                  <a:schemeClr val="tx1"/>
+                </a:solidFill>
+                <a:latin typeface="+mj-lt"/>
+                <a:ea typeface="+mj-ea"/>
+                <a:cs typeface="+mj-cs"/>
+              </a:defRPr>
+            </a:lvl1pPr>
+          </a:lstStyle>
+          <a:p>
+            <a:r>
+              <a:rPr lang="en-US" sz="2800" cap="none" dirty="0">
+                <a:latin typeface="Ford Antenna Medium Cnd" panose="02000505000000020004" pitchFamily="2" charset="0"/>
+              </a:rPr>
+              <a:t>Description</a:t>
+            </a:r>
+          </a:p>
+        </p:txBody>
+      </p:sp>
+    </p:spTree>
+    <p:extLst>
+      <p:ext uri="{BB962C8B-B14F-4D97-AF65-F5344CB8AC3E}">
+        <p14:creationId xmlns:p14="http://schemas.microsoft.com/office/powerpoint/2010/main" val="2069324029"/>
+      </p:ext>
+    </p:extLst>
+  </p:cSld>
+  <p:clrMapOvr>
+    <a:masterClrMapping/>
+  </p:clrMapOvr>
+</p:sld>
+</file>
+
+<file path=ppt/slides/slide3.xml><?xml version="1.0" encoding="utf-8"?>
+<p:sld xmlns:a="http://schemas.openxmlformats.org/drawingml/2006/main" xmlns:r="http://schemas.openxmlformats.org/officeDocument/2006/relationships" xmlns:p="http://schemas.openxmlformats.org/presentationml/2006/main">
+  <p:cSld>
+    <p:spTree>
+      <p:nvGrpSpPr>
+        <p:cNvPr id="1" name=""/>
+        <p:cNvGrpSpPr/>
+        <p:nvPr/>
+      </p:nvGrpSpPr>
+      <p:grpSpPr>
+        <a:xfrm>
+          <a:off x="0" y="0"/>
+          <a:ext cx="0" cy="0"/>
+          <a:chOff x="0" y="0"/>
+          <a:chExt cx="0" cy="0"/>
+        </a:xfrm>
+      </p:grpSpPr>
+      <p:sp>
+        <p:nvSpPr>
+          <p:cNvPr id="3" name="Content Placeholder 2">
+            <a:extLst>
+              <a:ext uri="{FF2B5EF4-FFF2-40B4-BE49-F238E27FC236}">
+                <a16:creationId xmlns:a16="http://schemas.microsoft.com/office/drawing/2014/main" id="{17956A75-E2B2-0F45-9348-FCC5353B9806}"/>
+              </a:ext>
+            </a:extLst>
+          </p:cNvPr>
+          <p:cNvSpPr>
+            <a:spLocks noGrp="1"/>
+          </p:cNvSpPr>
+          <p:nvPr>
+            <p:ph idx="1"/>
+          </p:nvPr>
+        </p:nvSpPr>
+        <p:spPr>
+          <a:xfrm>
+            <a:off x="1344613" y="2445807"/>
+            <a:ext cx="9145586" cy="3081868"/>
+          </a:xfrm>
+        </p:spPr>
+        <p:txBody>
+          <a:bodyPr/>
+          <a:lstStyle/>
+          <a:p>
+            <a:pPr marL="0" indent="0">
+              <a:buNone/>
+            </a:pPr>
+            <a:r>
+              <a:rPr lang="en-US" dirty="0">
+                <a:latin typeface="Ford Antenna Medium" panose="02000505000000020004" pitchFamily="2" charset="0"/>
+              </a:rPr>
+              <a:t>Erik Wilde, “The Sunset HTTP Header Field”, Internet RFC 8594, May 2019</a:t>
+            </a:r>
+          </a:p>
+        </p:txBody>
+      </p:sp>
+      <p:sp>
+        <p:nvSpPr>
+          <p:cNvPr id="6" name="Title 1">
+            <a:extLst>
+              <a:ext uri="{FF2B5EF4-FFF2-40B4-BE49-F238E27FC236}">
+                <a16:creationId xmlns:a16="http://schemas.microsoft.com/office/drawing/2014/main" id="{4D0CE8EE-FF7C-AF4D-B6BF-D600E6EA4B66}"/>
+              </a:ext>
+            </a:extLst>
+          </p:cNvPr>
+          <p:cNvSpPr txBox="1">
+            <a:spLocks/>
+          </p:cNvSpPr>
+          <p:nvPr/>
+        </p:nvSpPr>
+        <p:spPr>
+          <a:xfrm>
+            <a:off x="1698623" y="607218"/>
+            <a:ext cx="8791575" cy="919162"/>
+          </a:xfrm>
+          <a:prstGeom prst="rect">
+            <a:avLst/>
+          </a:prstGeom>
+        </p:spPr>
+        <p:txBody>
+          <a:bodyPr vert="horz" lIns="91440" tIns="45720" rIns="91440" bIns="45720" rtlCol="0" anchor="ctr">
+            <a:normAutofit/>
+          </a:bodyPr>
+          <a:lstStyle>
+            <a:lvl1pPr algn="l" defTabSz="914400" rtl="0" eaLnBrk="1" latinLnBrk="0" hangingPunct="1">
+              <a:lnSpc>
+                <a:spcPct val="90000"/>
+              </a:lnSpc>
+              <a:spcBef>
+                <a:spcPct val="0"/>
+              </a:spcBef>
+              <a:buNone/>
+              <a:defRPr sz="3600" kern="1200" cap="all" baseline="0">
+                <a:solidFill>
+                  <a:schemeClr val="tx1"/>
+                </a:solidFill>
+                <a:latin typeface="+mj-lt"/>
+                <a:ea typeface="+mj-ea"/>
+                <a:cs typeface="+mj-cs"/>
+              </a:defRPr>
+            </a:lvl1pPr>
+          </a:lstStyle>
+          <a:p>
+            <a:r>
+              <a:rPr lang="en-US" cap="none" dirty="0">
+                <a:solidFill>
+                  <a:schemeClr val="bg2"/>
+                </a:solidFill>
+                <a:latin typeface="Ford Antenna Medium Cnd" panose="02000505000000020004" pitchFamily="2" charset="0"/>
+              </a:rPr>
+              <a:t>The Sunset HTTP Header Field</a:t>
+            </a:r>
+          </a:p>
+        </p:txBody>
+      </p:sp>
+      <p:sp>
+        <p:nvSpPr>
+          <p:cNvPr id="7" name="Title 1">
+            <a:extLst>
+              <a:ext uri="{FF2B5EF4-FFF2-40B4-BE49-F238E27FC236}">
+                <a16:creationId xmlns:a16="http://schemas.microsoft.com/office/drawing/2014/main" id="{924EB63B-9391-8F4A-A2B2-162C9716D18E}"/>
+              </a:ext>
+            </a:extLst>
+          </p:cNvPr>
+          <p:cNvSpPr txBox="1">
+            <a:spLocks/>
+          </p:cNvSpPr>
+          <p:nvPr/>
+        </p:nvSpPr>
+        <p:spPr>
+          <a:xfrm>
+            <a:off x="1698623" y="1330325"/>
+            <a:ext cx="8791575" cy="919162"/>
+          </a:xfrm>
+          <a:prstGeom prst="rect">
+            <a:avLst/>
+          </a:prstGeom>
+        </p:spPr>
+        <p:txBody>
+          <a:bodyPr vert="horz" lIns="91440" tIns="45720" rIns="91440" bIns="45720" rtlCol="0" anchor="ctr">
+            <a:normAutofit/>
+          </a:bodyPr>
+          <a:lstStyle>
+            <a:lvl1pPr algn="l" defTabSz="914400" rtl="0" eaLnBrk="1" latinLnBrk="0" hangingPunct="1">
+              <a:lnSpc>
+                <a:spcPct val="90000"/>
+              </a:lnSpc>
+              <a:spcBef>
+                <a:spcPct val="0"/>
+              </a:spcBef>
+              <a:buNone/>
+              <a:defRPr sz="3600" kern="1200" cap="all" baseline="0">
+                <a:solidFill>
+                  <a:schemeClr val="tx1"/>
+                </a:solidFill>
+                <a:latin typeface="+mj-lt"/>
+                <a:ea typeface="+mj-ea"/>
+                <a:cs typeface="+mj-cs"/>
+              </a:defRPr>
+            </a:lvl1pPr>
+          </a:lstStyle>
+          <a:p>
+            <a:r>
+              <a:rPr lang="en-US" sz="2800" cap="none" dirty="0">
+                <a:latin typeface="Ford Antenna Medium Cnd" panose="02000505000000020004" pitchFamily="2" charset="0"/>
+              </a:rPr>
+              <a:t>History</a:t>
+            </a:r>
+          </a:p>
+        </p:txBody>
+      </p:sp>
+    </p:spTree>
+    <p:extLst>
+      <p:ext uri="{BB962C8B-B14F-4D97-AF65-F5344CB8AC3E}">
+        <p14:creationId xmlns:p14="http://schemas.microsoft.com/office/powerpoint/2010/main" val="1693794479"/>
+      </p:ext>
+    </p:extLst>
+  </p:cSld>
+  <p:clrMapOvr>
+    <a:masterClrMapping/>
+  </p:clrMapOvr>
+</p:sld>
+</file>
+
+<file path=ppt/slides/slide4.xml><?xml version="1.0" encoding="utf-8"?>
+<p:sld xmlns:a="http://schemas.openxmlformats.org/drawingml/2006/main" xmlns:r="http://schemas.openxmlformats.org/officeDocument/2006/relationships" xmlns:p="http://schemas.openxmlformats.org/presentationml/2006/main">
+  <p:cSld>
+    <p:spTree>
+      <p:nvGrpSpPr>
+        <p:cNvPr id="1" name=""/>
+        <p:cNvGrpSpPr/>
+        <p:nvPr/>
+      </p:nvGrpSpPr>
+      <p:grpSpPr>
+        <a:xfrm>
+          <a:off x="0" y="0"/>
+          <a:ext cx="0" cy="0"/>
+          <a:chOff x="0" y="0"/>
+          <a:chExt cx="0" cy="0"/>
+        </a:xfrm>
+      </p:grpSpPr>
+      <p:pic>
+        <p:nvPicPr>
+          <p:cNvPr id="4" name="Picture 3">
+            <a:extLst>
+              <a:ext uri="{FF2B5EF4-FFF2-40B4-BE49-F238E27FC236}">
+                <a16:creationId xmlns:a16="http://schemas.microsoft.com/office/drawing/2014/main" id="{F6A185C7-2CFC-FF48-8353-FF3CB84A9E88}"/>
+              </a:ext>
+            </a:extLst>
+          </p:cNvPr>
+          <p:cNvPicPr>
+            <a:picLocks noChangeAspect="1"/>
+          </p:cNvPicPr>
+          <p:nvPr/>
+        </p:nvPicPr>
+        <p:blipFill>
+          <a:blip r:embed="rId2"/>
+          <a:stretch>
+            <a:fillRect/>
+          </a:stretch>
+        </p:blipFill>
+        <p:spPr>
+          <a:xfrm>
+            <a:off x="1351408" y="1309874"/>
+            <a:ext cx="9489183" cy="4238252"/>
+          </a:xfrm>
+          <a:prstGeom prst="rect">
+            <a:avLst/>
+          </a:prstGeom>
+          <a:effectLst>
+            <a:outerShdw blurRad="50800" dist="129421" dir="2700000" algn="tl" rotWithShape="0">
+              <a:schemeClr val="bg2">
+                <a:alpha val="40000"/>
+              </a:schemeClr>
+            </a:outerShdw>
+          </a:effectLst>
+        </p:spPr>
+      </p:pic>
+    </p:spTree>
+    <p:extLst>
+      <p:ext uri="{BB962C8B-B14F-4D97-AF65-F5344CB8AC3E}">
+        <p14:creationId xmlns:p14="http://schemas.microsoft.com/office/powerpoint/2010/main" val="3388760805"/>
+      </p:ext>
+    </p:extLst>
+  </p:cSld>
+  <p:clrMapOvr>
+    <a:masterClrMapping/>
+  </p:clrMapOvr>
+</p:sld>
+</file>
+
+<file path=ppt/slides/slide5.xml><?xml version="1.0" encoding="utf-8"?>
+<p:sld xmlns:a="http://schemas.openxmlformats.org/drawingml/2006/main" xmlns:r="http://schemas.openxmlformats.org/officeDocument/2006/relationships" xmlns:p="http://schemas.openxmlformats.org/presentationml/2006/main">
+  <p:cSld>
+    <p:spTree>
+      <p:nvGrpSpPr>
+        <p:cNvPr id="1" name=""/>
+        <p:cNvGrpSpPr/>
+        <p:nvPr/>
+      </p:nvGrpSpPr>
+      <p:grpSpPr>
+        <a:xfrm>
+          <a:off x="0" y="0"/>
+          <a:ext cx="0" cy="0"/>
+          <a:chOff x="0" y="0"/>
+          <a:chExt cx="0" cy="0"/>
+        </a:xfrm>
+      </p:grpSpPr>
+      <p:sp>
+        <p:nvSpPr>
+          <p:cNvPr id="3" name="Content Placeholder 2">
+            <a:extLst>
+              <a:ext uri="{FF2B5EF4-FFF2-40B4-BE49-F238E27FC236}">
+                <a16:creationId xmlns:a16="http://schemas.microsoft.com/office/drawing/2014/main" id="{17956A75-E2B2-0F45-9348-FCC5353B9806}"/>
+              </a:ext>
+            </a:extLst>
+          </p:cNvPr>
+          <p:cNvSpPr>
+            <a:spLocks noGrp="1"/>
+          </p:cNvSpPr>
+          <p:nvPr>
+            <p:ph idx="1"/>
+          </p:nvPr>
+        </p:nvSpPr>
+        <p:spPr>
+          <a:xfrm>
+            <a:off x="1344613" y="2445807"/>
+            <a:ext cx="9145586" cy="3081868"/>
+          </a:xfrm>
+        </p:spPr>
+        <p:txBody>
+          <a:bodyPr/>
+          <a:lstStyle/>
+          <a:p>
+            <a:pPr marL="0" indent="0">
+              <a:buNone/>
+            </a:pPr>
+            <a:r>
+              <a:rPr lang="en-US" dirty="0">
+                <a:latin typeface="Consolas" panose="020B0609020204030204" pitchFamily="49" charset="0"/>
+                <a:cs typeface="Consolas" panose="020B0609020204030204" pitchFamily="49" charset="0"/>
+              </a:rPr>
+              <a:t>Sunset: Wed, 31 Dec 2025 23:59:59 GMT</a:t>
+            </a:r>
+          </a:p>
+        </p:txBody>
+      </p:sp>
+      <p:sp>
+        <p:nvSpPr>
+          <p:cNvPr id="6" name="Title 1">
+            <a:extLst>
+              <a:ext uri="{FF2B5EF4-FFF2-40B4-BE49-F238E27FC236}">
+                <a16:creationId xmlns:a16="http://schemas.microsoft.com/office/drawing/2014/main" id="{4D0CE8EE-FF7C-AF4D-B6BF-D600E6EA4B66}"/>
+              </a:ext>
+            </a:extLst>
+          </p:cNvPr>
+          <p:cNvSpPr txBox="1">
+            <a:spLocks/>
+          </p:cNvSpPr>
+          <p:nvPr/>
+        </p:nvSpPr>
+        <p:spPr>
+          <a:xfrm>
+            <a:off x="1698623" y="607218"/>
+            <a:ext cx="8791575" cy="919162"/>
+          </a:xfrm>
+          <a:prstGeom prst="rect">
+            <a:avLst/>
+          </a:prstGeom>
+        </p:spPr>
+        <p:txBody>
+          <a:bodyPr vert="horz" lIns="91440" tIns="45720" rIns="91440" bIns="45720" rtlCol="0" anchor="ctr">
+            <a:normAutofit/>
+          </a:bodyPr>
+          <a:lstStyle>
+            <a:lvl1pPr algn="l" defTabSz="914400" rtl="0" eaLnBrk="1" latinLnBrk="0" hangingPunct="1">
+              <a:lnSpc>
+                <a:spcPct val="90000"/>
+              </a:lnSpc>
+              <a:spcBef>
+                <a:spcPct val="0"/>
+              </a:spcBef>
+              <a:buNone/>
+              <a:defRPr sz="3600" kern="1200" cap="all" baseline="0">
+                <a:solidFill>
+                  <a:schemeClr val="tx1"/>
+                </a:solidFill>
+                <a:latin typeface="+mj-lt"/>
+                <a:ea typeface="+mj-ea"/>
+                <a:cs typeface="+mj-cs"/>
+              </a:defRPr>
+            </a:lvl1pPr>
+          </a:lstStyle>
+          <a:p>
+            <a:r>
+              <a:rPr lang="en-US" cap="none" dirty="0">
+                <a:solidFill>
+                  <a:schemeClr val="bg2"/>
+                </a:solidFill>
+                <a:latin typeface="Ford Antenna Medium Cnd" panose="02000505000000020004" pitchFamily="2" charset="0"/>
+              </a:rPr>
+              <a:t>The Sunset HTTP Header Field</a:t>
+            </a:r>
+          </a:p>
+        </p:txBody>
+      </p:sp>
+      <p:sp>
+        <p:nvSpPr>
+          <p:cNvPr id="7" name="Title 1">
+            <a:extLst>
+              <a:ext uri="{FF2B5EF4-FFF2-40B4-BE49-F238E27FC236}">
+                <a16:creationId xmlns:a16="http://schemas.microsoft.com/office/drawing/2014/main" id="{924EB63B-9391-8F4A-A2B2-162C9716D18E}"/>
+              </a:ext>
+            </a:extLst>
+          </p:cNvPr>
+          <p:cNvSpPr txBox="1">
+            <a:spLocks/>
+          </p:cNvSpPr>
+          <p:nvPr/>
+        </p:nvSpPr>
+        <p:spPr>
+          <a:xfrm>
+            <a:off x="1698623" y="1330325"/>
+            <a:ext cx="8791575" cy="919162"/>
+          </a:xfrm>
+          <a:prstGeom prst="rect">
+            <a:avLst/>
+          </a:prstGeom>
+        </p:spPr>
+        <p:txBody>
+          <a:bodyPr vert="horz" lIns="91440" tIns="45720" rIns="91440" bIns="45720" rtlCol="0" anchor="ctr">
+            <a:normAutofit/>
+          </a:bodyPr>
+          <a:lstStyle>
+            <a:lvl1pPr algn="l" defTabSz="914400" rtl="0" eaLnBrk="1" latinLnBrk="0" hangingPunct="1">
+              <a:lnSpc>
+                <a:spcPct val="90000"/>
+              </a:lnSpc>
+              <a:spcBef>
+                <a:spcPct val="0"/>
+              </a:spcBef>
+              <a:buNone/>
+              <a:defRPr sz="3600" kern="1200" cap="all" baseline="0">
+                <a:solidFill>
+                  <a:schemeClr val="tx1"/>
+                </a:solidFill>
+                <a:latin typeface="+mj-lt"/>
+                <a:ea typeface="+mj-ea"/>
+                <a:cs typeface="+mj-cs"/>
+              </a:defRPr>
+            </a:lvl1pPr>
+          </a:lstStyle>
+          <a:p>
+            <a:r>
+              <a:rPr lang="en-US" sz="2800" cap="none" dirty="0">
+                <a:latin typeface="Ford Antenna Medium Cnd" panose="02000505000000020004" pitchFamily="2" charset="0"/>
+              </a:rPr>
+              <a:t>Simple Example</a:t>
+            </a:r>
+          </a:p>
+        </p:txBody>
+      </p:sp>
+    </p:spTree>
+    <p:extLst>
+      <p:ext uri="{BB962C8B-B14F-4D97-AF65-F5344CB8AC3E}">
+        <p14:creationId xmlns:p14="http://schemas.microsoft.com/office/powerpoint/2010/main" val="1499967072"/>
+      </p:ext>
+    </p:extLst>
+  </p:cSld>
+  <p:clrMapOvr>
+    <a:masterClrMapping/>
+  </p:clrMapOvr>
+</p:sld>
+</file>
+
+<file path=ppt/slides/slide6.xml><?xml version="1.0" encoding="utf-8"?>
+<p:sld xmlns:a="http://schemas.openxmlformats.org/drawingml/2006/main" xmlns:r="http://schemas.openxmlformats.org/officeDocument/2006/relationships" xmlns:p="http://schemas.openxmlformats.org/presentationml/2006/main">
+  <p:cSld>
+    <p:spTree>
+      <p:nvGrpSpPr>
+        <p:cNvPr id="1" name=""/>
+        <p:cNvGrpSpPr/>
+        <p:nvPr/>
+      </p:nvGrpSpPr>
+      <p:grpSpPr>
+        <a:xfrm>
+          <a:off x="0" y="0"/>
+          <a:ext cx="0" cy="0"/>
+          <a:chOff x="0" y="0"/>
+          <a:chExt cx="0" cy="0"/>
+        </a:xfrm>
+      </p:grpSpPr>
+      <p:sp>
+        <p:nvSpPr>
+          <p:cNvPr id="3" name="Content Placeholder 2">
+            <a:extLst>
+              <a:ext uri="{FF2B5EF4-FFF2-40B4-BE49-F238E27FC236}">
+                <a16:creationId xmlns:a16="http://schemas.microsoft.com/office/drawing/2014/main" id="{17956A75-E2B2-0F45-9348-FCC5353B9806}"/>
+              </a:ext>
+            </a:extLst>
+          </p:cNvPr>
+          <p:cNvSpPr>
+            <a:spLocks noGrp="1"/>
+          </p:cNvSpPr>
+          <p:nvPr>
+            <p:ph idx="1"/>
+          </p:nvPr>
+        </p:nvSpPr>
+        <p:spPr>
+          <a:xfrm>
+            <a:off x="1344613" y="2445807"/>
+            <a:ext cx="9145586" cy="3081868"/>
+          </a:xfrm>
+        </p:spPr>
+        <p:txBody>
+          <a:bodyPr>
+            <a:normAutofit lnSpcReduction="10000"/>
+          </a:bodyPr>
+          <a:lstStyle/>
+          <a:p>
+            <a:pPr marL="0" indent="0">
+              <a:spcBef>
+                <a:spcPts val="0"/>
+              </a:spcBef>
+              <a:buNone/>
+            </a:pPr>
+            <a:r>
+              <a:rPr lang="en-US" dirty="0">
+                <a:latin typeface="Consolas" panose="020B0609020204030204" pitchFamily="49" charset="0"/>
+                <a:cs typeface="Consolas" panose="020B0609020204030204" pitchFamily="49" charset="0"/>
+              </a:rPr>
+              <a:t>HTTP/1.1 200 OK</a:t>
+            </a:r>
+          </a:p>
+          <a:p>
+            <a:pPr marL="0" indent="0">
+              <a:spcBef>
+                <a:spcPts val="0"/>
+              </a:spcBef>
+              <a:buNone/>
+            </a:pPr>
+            <a:r>
+              <a:rPr lang="en-US" dirty="0">
+                <a:latin typeface="Consolas" panose="020B0609020204030204" pitchFamily="49" charset="0"/>
+                <a:cs typeface="Consolas" panose="020B0609020204030204" pitchFamily="49" charset="0"/>
+              </a:rPr>
+              <a:t>Date: Mon, 27 Jul 2009 12:28:53 GMT</a:t>
+            </a:r>
+          </a:p>
+          <a:p>
+            <a:pPr marL="0" indent="0">
+              <a:spcBef>
+                <a:spcPts val="0"/>
+              </a:spcBef>
+              <a:buNone/>
+            </a:pPr>
+            <a:r>
+              <a:rPr lang="en-US" dirty="0">
+                <a:latin typeface="Consolas" panose="020B0609020204030204" pitchFamily="49" charset="0"/>
+                <a:cs typeface="Consolas" panose="020B0609020204030204" pitchFamily="49" charset="0"/>
+              </a:rPr>
+              <a:t>Server: Apache</a:t>
+            </a:r>
+          </a:p>
+          <a:p>
+            <a:pPr marL="0" indent="0">
+              <a:spcBef>
+                <a:spcPts val="0"/>
+              </a:spcBef>
+              <a:buNone/>
+            </a:pPr>
+            <a:r>
+              <a:rPr lang="en-US" dirty="0">
+                <a:latin typeface="Consolas" panose="020B0609020204030204" pitchFamily="49" charset="0"/>
+                <a:cs typeface="Consolas" panose="020B0609020204030204" pitchFamily="49" charset="0"/>
+              </a:rPr>
+              <a:t>Last-Modified: Wed, 22 Jul 2009 19:15:56 GMT</a:t>
+            </a:r>
+          </a:p>
+          <a:p>
+            <a:pPr marL="0" indent="0">
+              <a:spcBef>
+                <a:spcPts val="0"/>
+              </a:spcBef>
+              <a:buNone/>
+            </a:pPr>
+            <a:r>
+              <a:rPr lang="en-US" dirty="0">
+                <a:latin typeface="Consolas" panose="020B0609020204030204" pitchFamily="49" charset="0"/>
+                <a:cs typeface="Consolas" panose="020B0609020204030204" pitchFamily="49" charset="0"/>
+              </a:rPr>
+              <a:t>Sunset: Thu, 31 Dec 2009 23:59:59 GMT</a:t>
+            </a:r>
+          </a:p>
+          <a:p>
+            <a:pPr marL="0" indent="0">
+              <a:spcBef>
+                <a:spcPts val="0"/>
+              </a:spcBef>
+              <a:buNone/>
+            </a:pPr>
+            <a:r>
+              <a:rPr lang="en-US" dirty="0">
+                <a:latin typeface="Consolas" panose="020B0609020204030204" pitchFamily="49" charset="0"/>
+                <a:cs typeface="Consolas" panose="020B0609020204030204" pitchFamily="49" charset="0"/>
+              </a:rPr>
+              <a:t>Content-Length: 51</a:t>
+            </a:r>
+          </a:p>
+          <a:p>
+            <a:pPr marL="0" indent="0">
+              <a:spcBef>
+                <a:spcPts val="0"/>
+              </a:spcBef>
+              <a:buNone/>
+            </a:pPr>
+            <a:r>
+              <a:rPr lang="en-US" dirty="0">
+                <a:latin typeface="Consolas" panose="020B0609020204030204" pitchFamily="49" charset="0"/>
+                <a:cs typeface="Consolas" panose="020B0609020204030204" pitchFamily="49" charset="0"/>
+              </a:rPr>
+              <a:t>Content-Type: text/plain</a:t>
+            </a:r>
+          </a:p>
+        </p:txBody>
+      </p:sp>
+      <p:sp>
+        <p:nvSpPr>
+          <p:cNvPr id="6" name="Title 1">
+            <a:extLst>
+              <a:ext uri="{FF2B5EF4-FFF2-40B4-BE49-F238E27FC236}">
+                <a16:creationId xmlns:a16="http://schemas.microsoft.com/office/drawing/2014/main" id="{4D0CE8EE-FF7C-AF4D-B6BF-D600E6EA4B66}"/>
+              </a:ext>
+            </a:extLst>
+          </p:cNvPr>
+          <p:cNvSpPr txBox="1">
+            <a:spLocks/>
+          </p:cNvSpPr>
+          <p:nvPr/>
+        </p:nvSpPr>
+        <p:spPr>
+          <a:xfrm>
+            <a:off x="1698623" y="607218"/>
+            <a:ext cx="8791575" cy="919162"/>
+          </a:xfrm>
+          <a:prstGeom prst="rect">
+            <a:avLst/>
+          </a:prstGeom>
+        </p:spPr>
+        <p:txBody>
+          <a:bodyPr vert="horz" lIns="91440" tIns="45720" rIns="91440" bIns="45720" rtlCol="0" anchor="ctr">
+            <a:normAutofit/>
+          </a:bodyPr>
+          <a:lstStyle>
+            <a:lvl1pPr algn="l" defTabSz="914400" rtl="0" eaLnBrk="1" latinLnBrk="0" hangingPunct="1">
+              <a:lnSpc>
+                <a:spcPct val="90000"/>
+              </a:lnSpc>
+              <a:spcBef>
+                <a:spcPct val="0"/>
+              </a:spcBef>
+              <a:buNone/>
+              <a:defRPr sz="3600" kern="1200" cap="all" baseline="0">
+                <a:solidFill>
+                  <a:schemeClr val="tx1"/>
+                </a:solidFill>
+                <a:latin typeface="+mj-lt"/>
+                <a:ea typeface="+mj-ea"/>
+                <a:cs typeface="+mj-cs"/>
+              </a:defRPr>
+            </a:lvl1pPr>
+          </a:lstStyle>
+          <a:p>
+            <a:r>
+              <a:rPr lang="en-US" cap="none" dirty="0">
+                <a:solidFill>
+                  <a:schemeClr val="bg2"/>
+                </a:solidFill>
+                <a:latin typeface="Ford Antenna Medium Cnd" panose="02000505000000020004" pitchFamily="2" charset="0"/>
+              </a:rPr>
+              <a:t>The Sunset HTTP Header Field</a:t>
+            </a:r>
+          </a:p>
+        </p:txBody>
+      </p:sp>
+      <p:sp>
+        <p:nvSpPr>
+          <p:cNvPr id="7" name="Title 1">
+            <a:extLst>
+              <a:ext uri="{FF2B5EF4-FFF2-40B4-BE49-F238E27FC236}">
+                <a16:creationId xmlns:a16="http://schemas.microsoft.com/office/drawing/2014/main" id="{924EB63B-9391-8F4A-A2B2-162C9716D18E}"/>
+              </a:ext>
+            </a:extLst>
+          </p:cNvPr>
+          <p:cNvSpPr txBox="1">
+            <a:spLocks/>
+          </p:cNvSpPr>
+          <p:nvPr/>
+        </p:nvSpPr>
+        <p:spPr>
+          <a:xfrm>
+            <a:off x="1698623" y="1330325"/>
+            <a:ext cx="8791575" cy="919162"/>
+          </a:xfrm>
+          <a:prstGeom prst="rect">
+            <a:avLst/>
+          </a:prstGeom>
+        </p:spPr>
+        <p:txBody>
+          <a:bodyPr vert="horz" lIns="91440" tIns="45720" rIns="91440" bIns="45720" rtlCol="0" anchor="ctr">
+            <a:normAutofit/>
+          </a:bodyPr>
+          <a:lstStyle>
+            <a:lvl1pPr algn="l" defTabSz="914400" rtl="0" eaLnBrk="1" latinLnBrk="0" hangingPunct="1">
+              <a:lnSpc>
+                <a:spcPct val="90000"/>
+              </a:lnSpc>
+              <a:spcBef>
+                <a:spcPct val="0"/>
+              </a:spcBef>
+              <a:buNone/>
+              <a:defRPr sz="3600" kern="1200" cap="all" baseline="0">
+                <a:solidFill>
+                  <a:schemeClr val="tx1"/>
+                </a:solidFill>
+                <a:latin typeface="+mj-lt"/>
+                <a:ea typeface="+mj-ea"/>
+                <a:cs typeface="+mj-cs"/>
+              </a:defRPr>
+            </a:lvl1pPr>
+          </a:lstStyle>
+          <a:p>
+            <a:r>
+              <a:rPr lang="en-US" sz="2800" cap="none" dirty="0">
+                <a:latin typeface="Ford Antenna Medium Cnd" panose="02000505000000020004" pitchFamily="2" charset="0"/>
+              </a:rPr>
+              <a:t>Example in Context</a:t>
+            </a:r>
+          </a:p>
+        </p:txBody>
+      </p:sp>
+    </p:spTree>
+    <p:extLst>
+      <p:ext uri="{BB962C8B-B14F-4D97-AF65-F5344CB8AC3E}">
+        <p14:creationId xmlns:p14="http://schemas.microsoft.com/office/powerpoint/2010/main" val="1359794030"/>
       </p:ext>
     </p:extLst>
   </p:cSld>

--- a/assets/slides/rfc8594.pptx
+++ b/assets/slides/rfc8594.pptx
@@ -6,11 +6,12 @@
   </p:sldMasterIdLst>
   <p:sldIdLst>
     <p:sldId id="256" r:id="rId2"/>
-    <p:sldId id="260" r:id="rId3"/>
-    <p:sldId id="261" r:id="rId4"/>
-    <p:sldId id="257" r:id="rId5"/>
-    <p:sldId id="258" r:id="rId6"/>
-    <p:sldId id="259" r:id="rId7"/>
+    <p:sldId id="262" r:id="rId3"/>
+    <p:sldId id="260" r:id="rId4"/>
+    <p:sldId id="261" r:id="rId5"/>
+    <p:sldId id="257" r:id="rId6"/>
+    <p:sldId id="258" r:id="rId7"/>
+    <p:sldId id="259" r:id="rId8"/>
   </p:sldIdLst>
   <p:sldSz cx="12192000" cy="6858000"/>
   <p:notesSz cx="6858000" cy="9144000"/>
@@ -12366,6 +12367,145 @@
         </p:nvSpPr>
         <p:spPr>
           <a:xfrm>
+            <a:off x="2401357" y="2509838"/>
+            <a:ext cx="8791575" cy="919162"/>
+          </a:xfrm>
+        </p:spPr>
+        <p:txBody>
+          <a:bodyPr/>
+          <a:lstStyle/>
+          <a:p>
+            <a:r>
+              <a:rPr lang="en-US" cap="none" dirty="0">
+                <a:effectLst>
+                  <a:outerShdw blurRad="63500" dist="60484" dir="2700000" sx="100475" sy="100475" algn="tl" rotWithShape="0">
+                    <a:schemeClr val="bg2"/>
+                  </a:outerShdw>
+                </a:effectLst>
+                <a:latin typeface="Ford Antenna Medium Cnd" panose="02000505000000020004" pitchFamily="2" charset="0"/>
+              </a:rPr>
+              <a:t>The Sunset HTTP Header Field</a:t>
+            </a:r>
+          </a:p>
+        </p:txBody>
+      </p:sp>
+      <p:sp>
+        <p:nvSpPr>
+          <p:cNvPr id="5" name="Title 1">
+            <a:extLst>
+              <a:ext uri="{FF2B5EF4-FFF2-40B4-BE49-F238E27FC236}">
+                <a16:creationId xmlns:a16="http://schemas.microsoft.com/office/drawing/2014/main" id="{9B177A5A-F4AA-E947-A478-1BE0C29F7951}"/>
+              </a:ext>
+            </a:extLst>
+          </p:cNvPr>
+          <p:cNvSpPr txBox="1">
+            <a:spLocks/>
+          </p:cNvSpPr>
+          <p:nvPr/>
+        </p:nvSpPr>
+        <p:spPr>
+          <a:xfrm>
+            <a:off x="3132667" y="5409142"/>
+            <a:ext cx="8791575" cy="919162"/>
+          </a:xfrm>
+          <a:prstGeom prst="rect">
+            <a:avLst/>
+          </a:prstGeom>
+          <a:effectLst>
+            <a:outerShdw blurRad="50800" dist="38100" dir="2700000" algn="tl" rotWithShape="0">
+              <a:prstClr val="black"/>
+            </a:outerShdw>
+          </a:effectLst>
+        </p:spPr>
+        <p:txBody>
+          <a:bodyPr vert="horz" lIns="91440" tIns="45720" rIns="91440" bIns="45720" rtlCol="0" anchor="b">
+            <a:normAutofit/>
+          </a:bodyPr>
+          <a:lstStyle>
+            <a:lvl1pPr algn="l" defTabSz="914400" rtl="0" eaLnBrk="1" latinLnBrk="0" hangingPunct="1">
+              <a:lnSpc>
+                <a:spcPct val="90000"/>
+              </a:lnSpc>
+              <a:spcBef>
+                <a:spcPct val="0"/>
+              </a:spcBef>
+              <a:buNone/>
+              <a:defRPr sz="4800" kern="1200" cap="all" baseline="0">
+                <a:solidFill>
+                  <a:schemeClr val="tx1"/>
+                </a:solidFill>
+                <a:latin typeface="+mj-lt"/>
+                <a:ea typeface="+mj-ea"/>
+                <a:cs typeface="+mj-cs"/>
+              </a:defRPr>
+            </a:lvl1pPr>
+          </a:lstStyle>
+          <a:p>
+            <a:r>
+              <a:rPr lang="en-US" cap="none" dirty="0">
+                <a:solidFill>
+                  <a:srgbClr val="48A8E3"/>
+                </a:solidFill>
+                <a:effectLst>
+                  <a:outerShdw blurRad="63500" dist="60484" dir="2700000" sx="100475" sy="100475" algn="tl" rotWithShape="0">
+                    <a:schemeClr val="bg2"/>
+                  </a:outerShdw>
+                </a:effectLst>
+                <a:latin typeface="Ford Antenna Medium Cnd" panose="02000505000000020004" pitchFamily="2" charset="0"/>
+              </a:rPr>
+              <a:t>HTTP API Building Blocks</a:t>
+            </a:r>
+          </a:p>
+        </p:txBody>
+      </p:sp>
+    </p:spTree>
+    <p:extLst>
+      <p:ext uri="{BB962C8B-B14F-4D97-AF65-F5344CB8AC3E}">
+        <p14:creationId xmlns:p14="http://schemas.microsoft.com/office/powerpoint/2010/main" val="1274364689"/>
+      </p:ext>
+    </p:extLst>
+  </p:cSld>
+  <p:clrMapOvr>
+    <a:masterClrMapping/>
+  </p:clrMapOvr>
+</p:sld>
+</file>
+
+<file path=ppt/slides/slide2.xml><?xml version="1.0" encoding="utf-8"?>
+<p:sld xmlns:a="http://schemas.openxmlformats.org/drawingml/2006/main" xmlns:r="http://schemas.openxmlformats.org/officeDocument/2006/relationships" xmlns:p="http://schemas.openxmlformats.org/presentationml/2006/main">
+  <p:cSld>
+    <p:spTree>
+      <p:nvGrpSpPr>
+        <p:cNvPr id="1" name=""/>
+        <p:cNvGrpSpPr/>
+        <p:nvPr/>
+      </p:nvGrpSpPr>
+      <p:grpSpPr>
+        <a:xfrm>
+          <a:off x="0" y="0"/>
+          <a:ext cx="0" cy="0"/>
+          <a:chOff x="0" y="0"/>
+          <a:chExt cx="0" cy="0"/>
+        </a:xfrm>
+      </p:grpSpPr>
+      <p:sp>
+        <p:nvSpPr>
+          <p:cNvPr id="2" name="Title 1">
+            <a:extLst>
+              <a:ext uri="{FF2B5EF4-FFF2-40B4-BE49-F238E27FC236}">
+                <a16:creationId xmlns:a16="http://schemas.microsoft.com/office/drawing/2014/main" id="{2FFF2C9B-392B-164A-ADF8-CAF50655D050}"/>
+              </a:ext>
+            </a:extLst>
+          </p:cNvPr>
+          <p:cNvSpPr>
+            <a:spLocks noGrp="1"/>
+          </p:cNvSpPr>
+          <p:nvPr>
+            <p:ph type="ctrTitle"/>
+          </p:nvPr>
+        </p:nvSpPr>
+        <p:spPr>
+          <a:xfrm>
             <a:off x="1876424" y="2590800"/>
             <a:ext cx="8791575" cy="919162"/>
           </a:xfrm>
@@ -12638,80 +12778,12 @@
           </a:p>
         </p:txBody>
       </p:sp>
-    </p:spTree>
-    <p:extLst>
-      <p:ext uri="{BB962C8B-B14F-4D97-AF65-F5344CB8AC3E}">
-        <p14:creationId xmlns:p14="http://schemas.microsoft.com/office/powerpoint/2010/main" val="1274364689"/>
-      </p:ext>
-    </p:extLst>
-  </p:cSld>
-  <p:clrMapOvr>
-    <a:masterClrMapping/>
-  </p:clrMapOvr>
-</p:sld>
-</file>
-
-<file path=ppt/slides/slide2.xml><?xml version="1.0" encoding="utf-8"?>
-<p:sld xmlns:a="http://schemas.openxmlformats.org/drawingml/2006/main" xmlns:r="http://schemas.openxmlformats.org/officeDocument/2006/relationships" xmlns:p="http://schemas.openxmlformats.org/presentationml/2006/main">
-  <p:cSld>
-    <p:spTree>
-      <p:nvGrpSpPr>
-        <p:cNvPr id="1" name=""/>
-        <p:cNvGrpSpPr/>
-        <p:nvPr/>
-      </p:nvGrpSpPr>
-      <p:grpSpPr>
-        <a:xfrm>
-          <a:off x="0" y="0"/>
-          <a:ext cx="0" cy="0"/>
-          <a:chOff x="0" y="0"/>
-          <a:chExt cx="0" cy="0"/>
-        </a:xfrm>
-      </p:grpSpPr>
-      <p:sp>
-        <p:nvSpPr>
-          <p:cNvPr id="3" name="Content Placeholder 2">
-            <a:extLst>
-              <a:ext uri="{FF2B5EF4-FFF2-40B4-BE49-F238E27FC236}">
-                <a16:creationId xmlns:a16="http://schemas.microsoft.com/office/drawing/2014/main" id="{17956A75-E2B2-0F45-9348-FCC5353B9806}"/>
-              </a:ext>
-            </a:extLst>
-          </p:cNvPr>
-          <p:cNvSpPr>
-            <a:spLocks noGrp="1"/>
-          </p:cNvSpPr>
-          <p:nvPr>
-            <p:ph idx="1"/>
-          </p:nvPr>
-        </p:nvSpPr>
-        <p:spPr>
-          <a:xfrm>
-            <a:off x="1344613" y="2445807"/>
-            <a:ext cx="9145586" cy="3081868"/>
-          </a:xfrm>
-        </p:spPr>
-        <p:txBody>
-          <a:bodyPr/>
-          <a:lstStyle/>
-          <a:p>
-            <a:pPr marL="0" indent="0">
-              <a:buNone/>
-            </a:pPr>
-            <a:r>
-              <a:rPr lang="en-US" dirty="0">
-                <a:latin typeface="Ford Antenna Medium" panose="02000505000000020004" pitchFamily="2" charset="0"/>
-              </a:rPr>
-              <a:t>When a resource or an API is about to be retired, it would be useful for consumers of that resource/API to be notified in advance. By using an HTTP field, this information can be conveyed in-band, instead of having to rely on out-of-band channels such as announcements that are published on Web pages or sent by email.</a:t>
-            </a:r>
-          </a:p>
-        </p:txBody>
-      </p:sp>
       <p:sp>
         <p:nvSpPr>
           <p:cNvPr id="6" name="Title 1">
             <a:extLst>
               <a:ext uri="{FF2B5EF4-FFF2-40B4-BE49-F238E27FC236}">
-                <a16:creationId xmlns:a16="http://schemas.microsoft.com/office/drawing/2014/main" id="{4D0CE8EE-FF7C-AF4D-B6BF-D600E6EA4B66}"/>
+                <a16:creationId xmlns:a16="http://schemas.microsoft.com/office/drawing/2014/main" id="{164F923F-7AFE-9B47-8278-38DF883B5B72}"/>
               </a:ext>
             </a:extLst>
           </p:cNvPr>
@@ -12722,15 +12794,16 @@
         </p:nvSpPr>
         <p:spPr>
           <a:xfrm>
-            <a:off x="1698623" y="607218"/>
-            <a:ext cx="8791575" cy="919162"/>
+            <a:off x="2292878" y="6277503"/>
+            <a:ext cx="2346856" cy="508000"/>
           </a:xfrm>
           <a:prstGeom prst="rect">
             <a:avLst/>
           </a:prstGeom>
+          <a:effectLst/>
         </p:spPr>
         <p:txBody>
-          <a:bodyPr vert="horz" lIns="91440" tIns="45720" rIns="91440" bIns="45720" rtlCol="0" anchor="ctr">
+          <a:bodyPr vert="horz" lIns="91440" tIns="45720" rIns="91440" bIns="45720" rtlCol="0" anchor="b">
             <a:normAutofit/>
           </a:bodyPr>
           <a:lstStyle>
@@ -12742,7 +12815,7 @@
                 <a:spcPct val="0"/>
               </a:spcBef>
               <a:buNone/>
-              <a:defRPr sz="3600" kern="1200" cap="all" baseline="0">
+              <a:defRPr sz="4800" kern="1200" cap="all" baseline="0">
                 <a:solidFill>
                   <a:schemeClr val="tx1"/>
                 </a:solidFill>
@@ -12754,69 +12827,18 @@
           </a:lstStyle>
           <a:p>
             <a:r>
-              <a:rPr lang="en-US" cap="none" dirty="0">
+              <a:rPr lang="en-US" sz="2400" i="1" cap="none" dirty="0">
                 <a:solidFill>
-                  <a:schemeClr val="bg2"/>
+                  <a:srgbClr val="48A8E3"/>
                 </a:solidFill>
-                <a:latin typeface="Ford Antenna Medium Cnd" panose="02000505000000020004" pitchFamily="2" charset="0"/>
+                <a:effectLst>
+                  <a:outerShdw blurRad="63500" dist="60484" dir="2700000" sx="100475" sy="100475" algn="tl" rotWithShape="0">
+                    <a:schemeClr val="bg2"/>
+                  </a:outerShdw>
+                </a:effectLst>
+                <a:latin typeface="Ford Antenna Thin XCnd" panose="02000505000000020004" pitchFamily="2" charset="0"/>
               </a:rPr>
-              <a:t>The Sunset HTTP Header Field</a:t>
-            </a:r>
-          </a:p>
-        </p:txBody>
-      </p:sp>
-      <p:sp>
-        <p:nvSpPr>
-          <p:cNvPr id="7" name="Title 1">
-            <a:extLst>
-              <a:ext uri="{FF2B5EF4-FFF2-40B4-BE49-F238E27FC236}">
-                <a16:creationId xmlns:a16="http://schemas.microsoft.com/office/drawing/2014/main" id="{924EB63B-9391-8F4A-A2B2-162C9716D18E}"/>
-              </a:ext>
-            </a:extLst>
-          </p:cNvPr>
-          <p:cNvSpPr txBox="1">
-            <a:spLocks/>
-          </p:cNvSpPr>
-          <p:nvPr/>
-        </p:nvSpPr>
-        <p:spPr>
-          <a:xfrm>
-            <a:off x="1698623" y="1330325"/>
-            <a:ext cx="8791575" cy="919162"/>
-          </a:xfrm>
-          <a:prstGeom prst="rect">
-            <a:avLst/>
-          </a:prstGeom>
-        </p:spPr>
-        <p:txBody>
-          <a:bodyPr vert="horz" lIns="91440" tIns="45720" rIns="91440" bIns="45720" rtlCol="0" anchor="ctr">
-            <a:normAutofit/>
-          </a:bodyPr>
-          <a:lstStyle>
-            <a:lvl1pPr algn="l" defTabSz="914400" rtl="0" eaLnBrk="1" latinLnBrk="0" hangingPunct="1">
-              <a:lnSpc>
-                <a:spcPct val="90000"/>
-              </a:lnSpc>
-              <a:spcBef>
-                <a:spcPct val="0"/>
-              </a:spcBef>
-              <a:buNone/>
-              <a:defRPr sz="3600" kern="1200" cap="all" baseline="0">
-                <a:solidFill>
-                  <a:schemeClr val="tx1"/>
-                </a:solidFill>
-                <a:latin typeface="+mj-lt"/>
-                <a:ea typeface="+mj-ea"/>
-                <a:cs typeface="+mj-cs"/>
-              </a:defRPr>
-            </a:lvl1pPr>
-          </a:lstStyle>
-          <a:p>
-            <a:r>
-              <a:rPr lang="en-US" sz="2800" cap="none" dirty="0">
-                <a:latin typeface="Ford Antenna Medium Cnd" panose="02000505000000020004" pitchFamily="2" charset="0"/>
-              </a:rPr>
-              <a:t>Description</a:t>
+              <a:t>HTTP API Building Blocks</a:t>
             </a:r>
           </a:p>
         </p:txBody>
@@ -12824,7 +12846,7 @@
     </p:spTree>
     <p:extLst>
       <p:ext uri="{BB962C8B-B14F-4D97-AF65-F5344CB8AC3E}">
-        <p14:creationId xmlns:p14="http://schemas.microsoft.com/office/powerpoint/2010/main" val="2069324029"/>
+        <p14:creationId xmlns:p14="http://schemas.microsoft.com/office/powerpoint/2010/main" val="1595488542"/>
       </p:ext>
     </p:extLst>
   </p:cSld>
@@ -12884,7 +12906,7 @@
               <a:rPr lang="en-US" dirty="0">
                 <a:latin typeface="Ford Antenna Medium" panose="02000505000000020004" pitchFamily="2" charset="0"/>
               </a:rPr>
-              <a:t>Erik Wilde, “The Sunset HTTP Header Field”, Internet RFC 8594, May 2019</a:t>
+              <a:t>When a resource or an API is about to be retired, it would be useful for consumers of that resource/API to be notified in advance. By using an HTTP field, this information can be conveyed in-band, instead of having to rely on out-of-band channels such as announcements that are published on Web pages or sent by email.</a:t>
             </a:r>
           </a:p>
         </p:txBody>
@@ -12999,7 +13021,320 @@
               <a:rPr lang="en-US" sz="2800" cap="none" dirty="0">
                 <a:latin typeface="Ford Antenna Medium Cnd" panose="02000505000000020004" pitchFamily="2" charset="0"/>
               </a:rPr>
+              <a:t>Description</a:t>
+            </a:r>
+          </a:p>
+        </p:txBody>
+      </p:sp>
+      <p:sp>
+        <p:nvSpPr>
+          <p:cNvPr id="9" name="Title 1">
+            <a:extLst>
+              <a:ext uri="{FF2B5EF4-FFF2-40B4-BE49-F238E27FC236}">
+                <a16:creationId xmlns:a16="http://schemas.microsoft.com/office/drawing/2014/main" id="{E97A758C-3EE1-4E49-86C8-6017B063ABDB}"/>
+              </a:ext>
+            </a:extLst>
+          </p:cNvPr>
+          <p:cNvSpPr txBox="1">
+            <a:spLocks/>
+          </p:cNvSpPr>
+          <p:nvPr/>
+        </p:nvSpPr>
+        <p:spPr>
+          <a:xfrm>
+            <a:off x="1192211" y="6284649"/>
+            <a:ext cx="2346856" cy="508000"/>
+          </a:xfrm>
+          <a:prstGeom prst="rect">
+            <a:avLst/>
+          </a:prstGeom>
+          <a:effectLst/>
+        </p:spPr>
+        <p:txBody>
+          <a:bodyPr vert="horz" lIns="91440" tIns="45720" rIns="91440" bIns="45720" rtlCol="0" anchor="b">
+            <a:normAutofit/>
+          </a:bodyPr>
+          <a:lstStyle>
+            <a:lvl1pPr algn="l" defTabSz="914400" rtl="0" eaLnBrk="1" latinLnBrk="0" hangingPunct="1">
+              <a:lnSpc>
+                <a:spcPct val="90000"/>
+              </a:lnSpc>
+              <a:spcBef>
+                <a:spcPct val="0"/>
+              </a:spcBef>
+              <a:buNone/>
+              <a:defRPr sz="4800" kern="1200" cap="all" baseline="0">
+                <a:solidFill>
+                  <a:schemeClr val="tx1"/>
+                </a:solidFill>
+                <a:latin typeface="+mj-lt"/>
+                <a:ea typeface="+mj-ea"/>
+                <a:cs typeface="+mj-cs"/>
+              </a:defRPr>
+            </a:lvl1pPr>
+          </a:lstStyle>
+          <a:p>
+            <a:r>
+              <a:rPr lang="en-US" sz="2400" i="1" cap="none" dirty="0">
+                <a:solidFill>
+                  <a:srgbClr val="48A8E3"/>
+                </a:solidFill>
+                <a:effectLst>
+                  <a:outerShdw blurRad="63500" dist="60484" dir="2700000" sx="100475" sy="100475" algn="tl" rotWithShape="0">
+                    <a:schemeClr val="bg2"/>
+                  </a:outerShdw>
+                </a:effectLst>
+                <a:latin typeface="Ford Antenna Thin XCnd" panose="02000505000000020004" pitchFamily="2" charset="0"/>
+              </a:rPr>
+              <a:t>HTTP API Building Blocks</a:t>
+            </a:r>
+          </a:p>
+        </p:txBody>
+      </p:sp>
+    </p:spTree>
+    <p:extLst>
+      <p:ext uri="{BB962C8B-B14F-4D97-AF65-F5344CB8AC3E}">
+        <p14:creationId xmlns:p14="http://schemas.microsoft.com/office/powerpoint/2010/main" val="2069324029"/>
+      </p:ext>
+    </p:extLst>
+  </p:cSld>
+  <p:clrMapOvr>
+    <a:masterClrMapping/>
+  </p:clrMapOvr>
+</p:sld>
+</file>
+
+<file path=ppt/slides/slide4.xml><?xml version="1.0" encoding="utf-8"?>
+<p:sld xmlns:a="http://schemas.openxmlformats.org/drawingml/2006/main" xmlns:r="http://schemas.openxmlformats.org/officeDocument/2006/relationships" xmlns:p="http://schemas.openxmlformats.org/presentationml/2006/main">
+  <p:cSld>
+    <p:spTree>
+      <p:nvGrpSpPr>
+        <p:cNvPr id="1" name=""/>
+        <p:cNvGrpSpPr/>
+        <p:nvPr/>
+      </p:nvGrpSpPr>
+      <p:grpSpPr>
+        <a:xfrm>
+          <a:off x="0" y="0"/>
+          <a:ext cx="0" cy="0"/>
+          <a:chOff x="0" y="0"/>
+          <a:chExt cx="0" cy="0"/>
+        </a:xfrm>
+      </p:grpSpPr>
+      <p:sp>
+        <p:nvSpPr>
+          <p:cNvPr id="3" name="Content Placeholder 2">
+            <a:extLst>
+              <a:ext uri="{FF2B5EF4-FFF2-40B4-BE49-F238E27FC236}">
+                <a16:creationId xmlns:a16="http://schemas.microsoft.com/office/drawing/2014/main" id="{17956A75-E2B2-0F45-9348-FCC5353B9806}"/>
+              </a:ext>
+            </a:extLst>
+          </p:cNvPr>
+          <p:cNvSpPr>
+            <a:spLocks noGrp="1"/>
+          </p:cNvSpPr>
+          <p:nvPr>
+            <p:ph idx="1"/>
+          </p:nvPr>
+        </p:nvSpPr>
+        <p:spPr>
+          <a:xfrm>
+            <a:off x="1344613" y="2445807"/>
+            <a:ext cx="9145586" cy="3081868"/>
+          </a:xfrm>
+        </p:spPr>
+        <p:txBody>
+          <a:bodyPr/>
+          <a:lstStyle/>
+          <a:p>
+            <a:pPr marL="0" indent="0">
+              <a:buNone/>
+            </a:pPr>
+            <a:r>
+              <a:rPr lang="en-US" dirty="0">
+                <a:latin typeface="Ford Antenna Medium" panose="02000505000000020004" pitchFamily="2" charset="0"/>
+              </a:rPr>
+              <a:t>Erik Wilde, “The Sunset HTTP Header Field”, Internet RFC 8594, May 2019</a:t>
+            </a:r>
+          </a:p>
+        </p:txBody>
+      </p:sp>
+      <p:sp>
+        <p:nvSpPr>
+          <p:cNvPr id="6" name="Title 1">
+            <a:extLst>
+              <a:ext uri="{FF2B5EF4-FFF2-40B4-BE49-F238E27FC236}">
+                <a16:creationId xmlns:a16="http://schemas.microsoft.com/office/drawing/2014/main" id="{4D0CE8EE-FF7C-AF4D-B6BF-D600E6EA4B66}"/>
+              </a:ext>
+            </a:extLst>
+          </p:cNvPr>
+          <p:cNvSpPr txBox="1">
+            <a:spLocks/>
+          </p:cNvSpPr>
+          <p:nvPr/>
+        </p:nvSpPr>
+        <p:spPr>
+          <a:xfrm>
+            <a:off x="1698623" y="607218"/>
+            <a:ext cx="8791575" cy="919162"/>
+          </a:xfrm>
+          <a:prstGeom prst="rect">
+            <a:avLst/>
+          </a:prstGeom>
+        </p:spPr>
+        <p:txBody>
+          <a:bodyPr vert="horz" lIns="91440" tIns="45720" rIns="91440" bIns="45720" rtlCol="0" anchor="ctr">
+            <a:normAutofit/>
+          </a:bodyPr>
+          <a:lstStyle>
+            <a:lvl1pPr algn="l" defTabSz="914400" rtl="0" eaLnBrk="1" latinLnBrk="0" hangingPunct="1">
+              <a:lnSpc>
+                <a:spcPct val="90000"/>
+              </a:lnSpc>
+              <a:spcBef>
+                <a:spcPct val="0"/>
+              </a:spcBef>
+              <a:buNone/>
+              <a:defRPr sz="3600" kern="1200" cap="all" baseline="0">
+                <a:solidFill>
+                  <a:schemeClr val="tx1"/>
+                </a:solidFill>
+                <a:latin typeface="+mj-lt"/>
+                <a:ea typeface="+mj-ea"/>
+                <a:cs typeface="+mj-cs"/>
+              </a:defRPr>
+            </a:lvl1pPr>
+          </a:lstStyle>
+          <a:p>
+            <a:r>
+              <a:rPr lang="en-US" cap="none" dirty="0">
+                <a:solidFill>
+                  <a:schemeClr val="bg2"/>
+                </a:solidFill>
+                <a:latin typeface="Ford Antenna Medium Cnd" panose="02000505000000020004" pitchFamily="2" charset="0"/>
+              </a:rPr>
+              <a:t>The Sunset HTTP Header Field</a:t>
+            </a:r>
+          </a:p>
+        </p:txBody>
+      </p:sp>
+      <p:sp>
+        <p:nvSpPr>
+          <p:cNvPr id="7" name="Title 1">
+            <a:extLst>
+              <a:ext uri="{FF2B5EF4-FFF2-40B4-BE49-F238E27FC236}">
+                <a16:creationId xmlns:a16="http://schemas.microsoft.com/office/drawing/2014/main" id="{924EB63B-9391-8F4A-A2B2-162C9716D18E}"/>
+              </a:ext>
+            </a:extLst>
+          </p:cNvPr>
+          <p:cNvSpPr txBox="1">
+            <a:spLocks/>
+          </p:cNvSpPr>
+          <p:nvPr/>
+        </p:nvSpPr>
+        <p:spPr>
+          <a:xfrm>
+            <a:off x="1698623" y="1330325"/>
+            <a:ext cx="8791575" cy="919162"/>
+          </a:xfrm>
+          <a:prstGeom prst="rect">
+            <a:avLst/>
+          </a:prstGeom>
+        </p:spPr>
+        <p:txBody>
+          <a:bodyPr vert="horz" lIns="91440" tIns="45720" rIns="91440" bIns="45720" rtlCol="0" anchor="ctr">
+            <a:normAutofit/>
+          </a:bodyPr>
+          <a:lstStyle>
+            <a:lvl1pPr algn="l" defTabSz="914400" rtl="0" eaLnBrk="1" latinLnBrk="0" hangingPunct="1">
+              <a:lnSpc>
+                <a:spcPct val="90000"/>
+              </a:lnSpc>
+              <a:spcBef>
+                <a:spcPct val="0"/>
+              </a:spcBef>
+              <a:buNone/>
+              <a:defRPr sz="3600" kern="1200" cap="all" baseline="0">
+                <a:solidFill>
+                  <a:schemeClr val="tx1"/>
+                </a:solidFill>
+                <a:latin typeface="+mj-lt"/>
+                <a:ea typeface="+mj-ea"/>
+                <a:cs typeface="+mj-cs"/>
+              </a:defRPr>
+            </a:lvl1pPr>
+          </a:lstStyle>
+          <a:p>
+            <a:r>
+              <a:rPr lang="en-US" sz="2800" cap="none" dirty="0">
+                <a:latin typeface="Ford Antenna Medium Cnd" panose="02000505000000020004" pitchFamily="2" charset="0"/>
+              </a:rPr>
               <a:t>History</a:t>
+            </a:r>
+          </a:p>
+        </p:txBody>
+      </p:sp>
+      <p:sp>
+        <p:nvSpPr>
+          <p:cNvPr id="5" name="Title 1">
+            <a:extLst>
+              <a:ext uri="{FF2B5EF4-FFF2-40B4-BE49-F238E27FC236}">
+                <a16:creationId xmlns:a16="http://schemas.microsoft.com/office/drawing/2014/main" id="{FB21F8BE-2E89-EE41-8768-18BF9C179B4B}"/>
+              </a:ext>
+            </a:extLst>
+          </p:cNvPr>
+          <p:cNvSpPr txBox="1">
+            <a:spLocks/>
+          </p:cNvSpPr>
+          <p:nvPr/>
+        </p:nvSpPr>
+        <p:spPr>
+          <a:xfrm>
+            <a:off x="1192211" y="6284649"/>
+            <a:ext cx="2346856" cy="508000"/>
+          </a:xfrm>
+          <a:prstGeom prst="rect">
+            <a:avLst/>
+          </a:prstGeom>
+          <a:effectLst/>
+        </p:spPr>
+        <p:txBody>
+          <a:bodyPr vert="horz" lIns="91440" tIns="45720" rIns="91440" bIns="45720" rtlCol="0" anchor="b">
+            <a:normAutofit/>
+          </a:bodyPr>
+          <a:lstStyle>
+            <a:lvl1pPr algn="l" defTabSz="914400" rtl="0" eaLnBrk="1" latinLnBrk="0" hangingPunct="1">
+              <a:lnSpc>
+                <a:spcPct val="90000"/>
+              </a:lnSpc>
+              <a:spcBef>
+                <a:spcPct val="0"/>
+              </a:spcBef>
+              <a:buNone/>
+              <a:defRPr sz="4800" kern="1200" cap="all" baseline="0">
+                <a:solidFill>
+                  <a:schemeClr val="tx1"/>
+                </a:solidFill>
+                <a:latin typeface="+mj-lt"/>
+                <a:ea typeface="+mj-ea"/>
+                <a:cs typeface="+mj-cs"/>
+              </a:defRPr>
+            </a:lvl1pPr>
+          </a:lstStyle>
+          <a:p>
+            <a:r>
+              <a:rPr lang="en-US" sz="2400" i="1" cap="none" dirty="0">
+                <a:solidFill>
+                  <a:srgbClr val="48A8E3"/>
+                </a:solidFill>
+                <a:effectLst>
+                  <a:outerShdw blurRad="63500" dist="60484" dir="2700000" sx="100475" sy="100475" algn="tl" rotWithShape="0">
+                    <a:schemeClr val="bg2"/>
+                  </a:outerShdw>
+                </a:effectLst>
+                <a:latin typeface="Ford Antenna Thin XCnd" panose="02000505000000020004" pitchFamily="2" charset="0"/>
+              </a:rPr>
+              <a:t>HTTP API Building Blocks</a:t>
             </a:r>
           </a:p>
         </p:txBody>
@@ -13017,7 +13352,7 @@
 </p:sld>
 </file>
 
-<file path=ppt/slides/slide4.xml><?xml version="1.0" encoding="utf-8"?>
+<file path=ppt/slides/slide5.xml><?xml version="1.0" encoding="utf-8"?>
 <p:sld xmlns:a="http://schemas.openxmlformats.org/drawingml/2006/main" xmlns:r="http://schemas.openxmlformats.org/officeDocument/2006/relationships" xmlns:p="http://schemas.openxmlformats.org/presentationml/2006/main">
   <p:cSld>
     <p:spTree>
@@ -13071,81 +13406,12 @@
           </a:effectLst>
         </p:spPr>
       </p:pic>
-    </p:spTree>
-    <p:extLst>
-      <p:ext uri="{BB962C8B-B14F-4D97-AF65-F5344CB8AC3E}">
-        <p14:creationId xmlns:p14="http://schemas.microsoft.com/office/powerpoint/2010/main" val="3388760805"/>
-      </p:ext>
-    </p:extLst>
-  </p:cSld>
-  <p:clrMapOvr>
-    <a:masterClrMapping/>
-  </p:clrMapOvr>
-</p:sld>
-</file>
-
-<file path=ppt/slides/slide5.xml><?xml version="1.0" encoding="utf-8"?>
-<p:sld xmlns:a="http://schemas.openxmlformats.org/drawingml/2006/main" xmlns:r="http://schemas.openxmlformats.org/officeDocument/2006/relationships" xmlns:p="http://schemas.openxmlformats.org/presentationml/2006/main">
-  <p:cSld>
-    <p:spTree>
-      <p:nvGrpSpPr>
-        <p:cNvPr id="1" name=""/>
-        <p:cNvGrpSpPr/>
-        <p:nvPr/>
-      </p:nvGrpSpPr>
-      <p:grpSpPr>
-        <a:xfrm>
-          <a:off x="0" y="0"/>
-          <a:ext cx="0" cy="0"/>
-          <a:chOff x="0" y="0"/>
-          <a:chExt cx="0" cy="0"/>
-        </a:xfrm>
-      </p:grpSpPr>
       <p:sp>
         <p:nvSpPr>
-          <p:cNvPr id="3" name="Content Placeholder 2">
+          <p:cNvPr id="5" name="Title 1">
             <a:extLst>
               <a:ext uri="{FF2B5EF4-FFF2-40B4-BE49-F238E27FC236}">
-                <a16:creationId xmlns:a16="http://schemas.microsoft.com/office/drawing/2014/main" id="{17956A75-E2B2-0F45-9348-FCC5353B9806}"/>
-              </a:ext>
-            </a:extLst>
-          </p:cNvPr>
-          <p:cNvSpPr>
-            <a:spLocks noGrp="1"/>
-          </p:cNvSpPr>
-          <p:nvPr>
-            <p:ph idx="1"/>
-          </p:nvPr>
-        </p:nvSpPr>
-        <p:spPr>
-          <a:xfrm>
-            <a:off x="1344613" y="2445807"/>
-            <a:ext cx="9145586" cy="3081868"/>
-          </a:xfrm>
-        </p:spPr>
-        <p:txBody>
-          <a:bodyPr/>
-          <a:lstStyle/>
-          <a:p>
-            <a:pPr marL="0" indent="0">
-              <a:buNone/>
-            </a:pPr>
-            <a:r>
-              <a:rPr lang="en-US" dirty="0">
-                <a:latin typeface="Consolas" panose="020B0609020204030204" pitchFamily="49" charset="0"/>
-                <a:cs typeface="Consolas" panose="020B0609020204030204" pitchFamily="49" charset="0"/>
-              </a:rPr>
-              <a:t>Sunset: Wed, 31 Dec 2025 23:59:59 GMT</a:t>
-            </a:r>
-          </a:p>
-        </p:txBody>
-      </p:sp>
-      <p:sp>
-        <p:nvSpPr>
-          <p:cNvPr id="6" name="Title 1">
-            <a:extLst>
-              <a:ext uri="{FF2B5EF4-FFF2-40B4-BE49-F238E27FC236}">
-                <a16:creationId xmlns:a16="http://schemas.microsoft.com/office/drawing/2014/main" id="{4D0CE8EE-FF7C-AF4D-B6BF-D600E6EA4B66}"/>
+                <a16:creationId xmlns:a16="http://schemas.microsoft.com/office/drawing/2014/main" id="{7DC45237-4EA1-054E-95FB-AE8ACA1389A3}"/>
               </a:ext>
             </a:extLst>
           </p:cNvPr>
@@ -13156,15 +13422,16 @@
         </p:nvSpPr>
         <p:spPr>
           <a:xfrm>
-            <a:off x="1698623" y="607218"/>
-            <a:ext cx="8791575" cy="919162"/>
+            <a:off x="1192211" y="6284649"/>
+            <a:ext cx="2346856" cy="508000"/>
           </a:xfrm>
           <a:prstGeom prst="rect">
             <a:avLst/>
           </a:prstGeom>
+          <a:effectLst/>
         </p:spPr>
         <p:txBody>
-          <a:bodyPr vert="horz" lIns="91440" tIns="45720" rIns="91440" bIns="45720" rtlCol="0" anchor="ctr">
+          <a:bodyPr vert="horz" lIns="91440" tIns="45720" rIns="91440" bIns="45720" rtlCol="0" anchor="b">
             <a:normAutofit/>
           </a:bodyPr>
           <a:lstStyle>
@@ -13176,7 +13443,7 @@
                 <a:spcPct val="0"/>
               </a:spcBef>
               <a:buNone/>
-              <a:defRPr sz="3600" kern="1200" cap="all" baseline="0">
+              <a:defRPr sz="4800" kern="1200" cap="all" baseline="0">
                 <a:solidFill>
                   <a:schemeClr val="tx1"/>
                 </a:solidFill>
@@ -13188,69 +13455,18 @@
           </a:lstStyle>
           <a:p>
             <a:r>
-              <a:rPr lang="en-US" cap="none" dirty="0">
+              <a:rPr lang="en-US" sz="2400" i="1" cap="none" dirty="0">
                 <a:solidFill>
-                  <a:schemeClr val="bg2"/>
+                  <a:srgbClr val="48A8E3"/>
                 </a:solidFill>
-                <a:latin typeface="Ford Antenna Medium Cnd" panose="02000505000000020004" pitchFamily="2" charset="0"/>
+                <a:effectLst>
+                  <a:outerShdw blurRad="63500" dist="60484" dir="2700000" sx="100475" sy="100475" algn="tl" rotWithShape="0">
+                    <a:schemeClr val="bg2"/>
+                  </a:outerShdw>
+                </a:effectLst>
+                <a:latin typeface="Ford Antenna Thin XCnd" panose="02000505000000020004" pitchFamily="2" charset="0"/>
               </a:rPr>
-              <a:t>The Sunset HTTP Header Field</a:t>
-            </a:r>
-          </a:p>
-        </p:txBody>
-      </p:sp>
-      <p:sp>
-        <p:nvSpPr>
-          <p:cNvPr id="7" name="Title 1">
-            <a:extLst>
-              <a:ext uri="{FF2B5EF4-FFF2-40B4-BE49-F238E27FC236}">
-                <a16:creationId xmlns:a16="http://schemas.microsoft.com/office/drawing/2014/main" id="{924EB63B-9391-8F4A-A2B2-162C9716D18E}"/>
-              </a:ext>
-            </a:extLst>
-          </p:cNvPr>
-          <p:cNvSpPr txBox="1">
-            <a:spLocks/>
-          </p:cNvSpPr>
-          <p:nvPr/>
-        </p:nvSpPr>
-        <p:spPr>
-          <a:xfrm>
-            <a:off x="1698623" y="1330325"/>
-            <a:ext cx="8791575" cy="919162"/>
-          </a:xfrm>
-          <a:prstGeom prst="rect">
-            <a:avLst/>
-          </a:prstGeom>
-        </p:spPr>
-        <p:txBody>
-          <a:bodyPr vert="horz" lIns="91440" tIns="45720" rIns="91440" bIns="45720" rtlCol="0" anchor="ctr">
-            <a:normAutofit/>
-          </a:bodyPr>
-          <a:lstStyle>
-            <a:lvl1pPr algn="l" defTabSz="914400" rtl="0" eaLnBrk="1" latinLnBrk="0" hangingPunct="1">
-              <a:lnSpc>
-                <a:spcPct val="90000"/>
-              </a:lnSpc>
-              <a:spcBef>
-                <a:spcPct val="0"/>
-              </a:spcBef>
-              <a:buNone/>
-              <a:defRPr sz="3600" kern="1200" cap="all" baseline="0">
-                <a:solidFill>
-                  <a:schemeClr val="tx1"/>
-                </a:solidFill>
-                <a:latin typeface="+mj-lt"/>
-                <a:ea typeface="+mj-ea"/>
-                <a:cs typeface="+mj-cs"/>
-              </a:defRPr>
-            </a:lvl1pPr>
-          </a:lstStyle>
-          <a:p>
-            <a:r>
-              <a:rPr lang="en-US" sz="2800" cap="none" dirty="0">
-                <a:latin typeface="Ford Antenna Medium Cnd" panose="02000505000000020004" pitchFamily="2" charset="0"/>
-              </a:rPr>
-              <a:t>Simple Example</a:t>
+              <a:t>HTTP API Building Blocks</a:t>
             </a:r>
           </a:p>
         </p:txBody>
@@ -13258,7 +13474,7 @@
     </p:spTree>
     <p:extLst>
       <p:ext uri="{BB962C8B-B14F-4D97-AF65-F5344CB8AC3E}">
-        <p14:creationId xmlns:p14="http://schemas.microsoft.com/office/powerpoint/2010/main" val="1499967072"/>
+        <p14:creationId xmlns:p14="http://schemas.microsoft.com/office/powerpoint/2010/main" val="3388760805"/>
       </p:ext>
     </p:extLst>
   </p:cSld>
@@ -13308,15 +13524,10 @@
           </a:xfrm>
         </p:spPr>
         <p:txBody>
-          <a:bodyPr>
-            <a:normAutofit lnSpcReduction="10000"/>
-          </a:bodyPr>
+          <a:bodyPr/>
           <a:lstStyle/>
           <a:p>
             <a:pPr marL="0" indent="0">
-              <a:spcBef>
-                <a:spcPts val="0"/>
-              </a:spcBef>
               <a:buNone/>
             </a:pPr>
             <a:r>
@@ -13324,97 +13535,7 @@
                 <a:latin typeface="Consolas" panose="020B0609020204030204" pitchFamily="49" charset="0"/>
                 <a:cs typeface="Consolas" panose="020B0609020204030204" pitchFamily="49" charset="0"/>
               </a:rPr>
-              <a:t>HTTP/1.1 200 OK</a:t>
-            </a:r>
-          </a:p>
-          <a:p>
-            <a:pPr marL="0" indent="0">
-              <a:spcBef>
-                <a:spcPts val="0"/>
-              </a:spcBef>
-              <a:buNone/>
-            </a:pPr>
-            <a:r>
-              <a:rPr lang="en-US" dirty="0">
-                <a:latin typeface="Consolas" panose="020B0609020204030204" pitchFamily="49" charset="0"/>
-                <a:cs typeface="Consolas" panose="020B0609020204030204" pitchFamily="49" charset="0"/>
-              </a:rPr>
-              <a:t>Date: Mon, 27 Jul 2009 12:28:53 GMT</a:t>
-            </a:r>
-          </a:p>
-          <a:p>
-            <a:pPr marL="0" indent="0">
-              <a:spcBef>
-                <a:spcPts val="0"/>
-              </a:spcBef>
-              <a:buNone/>
-            </a:pPr>
-            <a:r>
-              <a:rPr lang="en-US" dirty="0">
-                <a:latin typeface="Consolas" panose="020B0609020204030204" pitchFamily="49" charset="0"/>
-                <a:cs typeface="Consolas" panose="020B0609020204030204" pitchFamily="49" charset="0"/>
-              </a:rPr>
-              <a:t>Server: Apache</a:t>
-            </a:r>
-          </a:p>
-          <a:p>
-            <a:pPr marL="0" indent="0">
-              <a:spcBef>
-                <a:spcPts val="0"/>
-              </a:spcBef>
-              <a:buNone/>
-            </a:pPr>
-            <a:r>
-              <a:rPr lang="en-US" dirty="0">
-                <a:latin typeface="Consolas" panose="020B0609020204030204" pitchFamily="49" charset="0"/>
-                <a:cs typeface="Consolas" panose="020B0609020204030204" pitchFamily="49" charset="0"/>
-              </a:rPr>
-              <a:t>Last-Modified: Wed, 22 Jul 2009 19:15:56 GMT</a:t>
-            </a:r>
-          </a:p>
-          <a:p>
-            <a:pPr marL="0" indent="0">
-              <a:spcBef>
-                <a:spcPts val="0"/>
-              </a:spcBef>
-              <a:buNone/>
-            </a:pPr>
-            <a:r>
-              <a:rPr lang="en-US" dirty="0">
-                <a:latin typeface="Consolas" panose="020B0609020204030204" pitchFamily="49" charset="0"/>
-                <a:cs typeface="Consolas" panose="020B0609020204030204" pitchFamily="49" charset="0"/>
-              </a:rPr>
-              <a:t>Sunset: Thu, 31 Dec 2009 23:59:59 GMT</a:t>
-            </a:r>
-          </a:p>
-          <a:p>
-            <a:pPr marL="0" indent="0">
-              <a:spcBef>
-                <a:spcPts val="0"/>
-              </a:spcBef>
-              <a:buNone/>
-            </a:pPr>
-            <a:r>
-              <a:rPr lang="en-US" dirty="0">
-                <a:latin typeface="Consolas" panose="020B0609020204030204" pitchFamily="49" charset="0"/>
-                <a:cs typeface="Consolas" panose="020B0609020204030204" pitchFamily="49" charset="0"/>
-              </a:rPr>
-              <a:t>Content-Length: 51</a:t>
-            </a:r>
-          </a:p>
-          <a:p>
-            <a:pPr marL="0" indent="0">
-              <a:spcBef>
-                <a:spcPts val="0"/>
-              </a:spcBef>
-              <a:buNone/>
-            </a:pPr>
-            <a:r>
-              <a:rPr lang="en-US" dirty="0">
-                <a:latin typeface="Consolas" panose="020B0609020204030204" pitchFamily="49" charset="0"/>
-                <a:cs typeface="Consolas" panose="020B0609020204030204" pitchFamily="49" charset="0"/>
-              </a:rPr>
-              <a:t>Content-Type: text/plain</a:t>
+              <a:t>Sunset: Wed, 31 Dec 2025 23:59:59 GMT</a:t>
             </a:r>
           </a:p>
         </p:txBody>
@@ -13529,7 +13650,416 @@
               <a:rPr lang="en-US" sz="2800" cap="none" dirty="0">
                 <a:latin typeface="Ford Antenna Medium Cnd" panose="02000505000000020004" pitchFamily="2" charset="0"/>
               </a:rPr>
+              <a:t>Simple Example</a:t>
+            </a:r>
+          </a:p>
+        </p:txBody>
+      </p:sp>
+      <p:sp>
+        <p:nvSpPr>
+          <p:cNvPr id="10" name="Title 1">
+            <a:extLst>
+              <a:ext uri="{FF2B5EF4-FFF2-40B4-BE49-F238E27FC236}">
+                <a16:creationId xmlns:a16="http://schemas.microsoft.com/office/drawing/2014/main" id="{E491C0FE-985C-F748-9481-047B051D4B39}"/>
+              </a:ext>
+            </a:extLst>
+          </p:cNvPr>
+          <p:cNvSpPr txBox="1">
+            <a:spLocks/>
+          </p:cNvSpPr>
+          <p:nvPr/>
+        </p:nvSpPr>
+        <p:spPr>
+          <a:xfrm>
+            <a:off x="1192211" y="6284649"/>
+            <a:ext cx="2346856" cy="508000"/>
+          </a:xfrm>
+          <a:prstGeom prst="rect">
+            <a:avLst/>
+          </a:prstGeom>
+          <a:effectLst/>
+        </p:spPr>
+        <p:txBody>
+          <a:bodyPr vert="horz" lIns="91440" tIns="45720" rIns="91440" bIns="45720" rtlCol="0" anchor="b">
+            <a:normAutofit/>
+          </a:bodyPr>
+          <a:lstStyle>
+            <a:lvl1pPr algn="l" defTabSz="914400" rtl="0" eaLnBrk="1" latinLnBrk="0" hangingPunct="1">
+              <a:lnSpc>
+                <a:spcPct val="90000"/>
+              </a:lnSpc>
+              <a:spcBef>
+                <a:spcPct val="0"/>
+              </a:spcBef>
+              <a:buNone/>
+              <a:defRPr sz="4800" kern="1200" cap="all" baseline="0">
+                <a:solidFill>
+                  <a:schemeClr val="tx1"/>
+                </a:solidFill>
+                <a:latin typeface="+mj-lt"/>
+                <a:ea typeface="+mj-ea"/>
+                <a:cs typeface="+mj-cs"/>
+              </a:defRPr>
+            </a:lvl1pPr>
+          </a:lstStyle>
+          <a:p>
+            <a:r>
+              <a:rPr lang="en-US" sz="2400" i="1" cap="none" dirty="0">
+                <a:solidFill>
+                  <a:srgbClr val="48A8E3"/>
+                </a:solidFill>
+                <a:effectLst>
+                  <a:outerShdw blurRad="63500" dist="60484" dir="2700000" sx="100475" sy="100475" algn="tl" rotWithShape="0">
+                    <a:schemeClr val="bg2"/>
+                  </a:outerShdw>
+                </a:effectLst>
+                <a:latin typeface="Ford Antenna Thin XCnd" panose="02000505000000020004" pitchFamily="2" charset="0"/>
+              </a:rPr>
+              <a:t>HTTP API Building Blocks</a:t>
+            </a:r>
+          </a:p>
+        </p:txBody>
+      </p:sp>
+    </p:spTree>
+    <p:extLst>
+      <p:ext uri="{BB962C8B-B14F-4D97-AF65-F5344CB8AC3E}">
+        <p14:creationId xmlns:p14="http://schemas.microsoft.com/office/powerpoint/2010/main" val="1499967072"/>
+      </p:ext>
+    </p:extLst>
+  </p:cSld>
+  <p:clrMapOvr>
+    <a:masterClrMapping/>
+  </p:clrMapOvr>
+</p:sld>
+</file>
+
+<file path=ppt/slides/slide7.xml><?xml version="1.0" encoding="utf-8"?>
+<p:sld xmlns:a="http://schemas.openxmlformats.org/drawingml/2006/main" xmlns:r="http://schemas.openxmlformats.org/officeDocument/2006/relationships" xmlns:p="http://schemas.openxmlformats.org/presentationml/2006/main">
+  <p:cSld>
+    <p:spTree>
+      <p:nvGrpSpPr>
+        <p:cNvPr id="1" name=""/>
+        <p:cNvGrpSpPr/>
+        <p:nvPr/>
+      </p:nvGrpSpPr>
+      <p:grpSpPr>
+        <a:xfrm>
+          <a:off x="0" y="0"/>
+          <a:ext cx="0" cy="0"/>
+          <a:chOff x="0" y="0"/>
+          <a:chExt cx="0" cy="0"/>
+        </a:xfrm>
+      </p:grpSpPr>
+      <p:sp>
+        <p:nvSpPr>
+          <p:cNvPr id="3" name="Content Placeholder 2">
+            <a:extLst>
+              <a:ext uri="{FF2B5EF4-FFF2-40B4-BE49-F238E27FC236}">
+                <a16:creationId xmlns:a16="http://schemas.microsoft.com/office/drawing/2014/main" id="{17956A75-E2B2-0F45-9348-FCC5353B9806}"/>
+              </a:ext>
+            </a:extLst>
+          </p:cNvPr>
+          <p:cNvSpPr>
+            <a:spLocks noGrp="1"/>
+          </p:cNvSpPr>
+          <p:nvPr>
+            <p:ph idx="1"/>
+          </p:nvPr>
+        </p:nvSpPr>
+        <p:spPr>
+          <a:xfrm>
+            <a:off x="1344613" y="2445807"/>
+            <a:ext cx="9145586" cy="3081868"/>
+          </a:xfrm>
+        </p:spPr>
+        <p:txBody>
+          <a:bodyPr>
+            <a:normAutofit lnSpcReduction="10000"/>
+          </a:bodyPr>
+          <a:lstStyle/>
+          <a:p>
+            <a:pPr marL="0" indent="0">
+              <a:spcBef>
+                <a:spcPts val="0"/>
+              </a:spcBef>
+              <a:buNone/>
+            </a:pPr>
+            <a:r>
+              <a:rPr lang="en-US" dirty="0">
+                <a:latin typeface="Consolas" panose="020B0609020204030204" pitchFamily="49" charset="0"/>
+                <a:cs typeface="Consolas" panose="020B0609020204030204" pitchFamily="49" charset="0"/>
+              </a:rPr>
+              <a:t>HTTP/1.1 200 OK</a:t>
+            </a:r>
+          </a:p>
+          <a:p>
+            <a:pPr marL="0" indent="0">
+              <a:spcBef>
+                <a:spcPts val="0"/>
+              </a:spcBef>
+              <a:buNone/>
+            </a:pPr>
+            <a:r>
+              <a:rPr lang="en-US" dirty="0">
+                <a:latin typeface="Consolas" panose="020B0609020204030204" pitchFamily="49" charset="0"/>
+                <a:cs typeface="Consolas" panose="020B0609020204030204" pitchFamily="49" charset="0"/>
+              </a:rPr>
+              <a:t>Date: Mon, 27 Jul 2009 12:28:53 GMT</a:t>
+            </a:r>
+          </a:p>
+          <a:p>
+            <a:pPr marL="0" indent="0">
+              <a:spcBef>
+                <a:spcPts val="0"/>
+              </a:spcBef>
+              <a:buNone/>
+            </a:pPr>
+            <a:r>
+              <a:rPr lang="en-US" dirty="0">
+                <a:latin typeface="Consolas" panose="020B0609020204030204" pitchFamily="49" charset="0"/>
+                <a:cs typeface="Consolas" panose="020B0609020204030204" pitchFamily="49" charset="0"/>
+              </a:rPr>
+              <a:t>Server: Apache</a:t>
+            </a:r>
+          </a:p>
+          <a:p>
+            <a:pPr marL="0" indent="0">
+              <a:spcBef>
+                <a:spcPts val="0"/>
+              </a:spcBef>
+              <a:buNone/>
+            </a:pPr>
+            <a:r>
+              <a:rPr lang="en-US" dirty="0">
+                <a:latin typeface="Consolas" panose="020B0609020204030204" pitchFamily="49" charset="0"/>
+                <a:cs typeface="Consolas" panose="020B0609020204030204" pitchFamily="49" charset="0"/>
+              </a:rPr>
+              <a:t>Last-Modified: Wed, 22 Jul 2009 19:15:56 GMT</a:t>
+            </a:r>
+          </a:p>
+          <a:p>
+            <a:pPr marL="0" indent="0">
+              <a:spcBef>
+                <a:spcPts val="0"/>
+              </a:spcBef>
+              <a:buNone/>
+            </a:pPr>
+            <a:r>
+              <a:rPr lang="en-US" dirty="0">
+                <a:latin typeface="Consolas" panose="020B0609020204030204" pitchFamily="49" charset="0"/>
+                <a:cs typeface="Consolas" panose="020B0609020204030204" pitchFamily="49" charset="0"/>
+              </a:rPr>
+              <a:t>Sunset: Thu, 31 Dec 2009 23:59:59 GMT</a:t>
+            </a:r>
+          </a:p>
+          <a:p>
+            <a:pPr marL="0" indent="0">
+              <a:spcBef>
+                <a:spcPts val="0"/>
+              </a:spcBef>
+              <a:buNone/>
+            </a:pPr>
+            <a:r>
+              <a:rPr lang="en-US" dirty="0">
+                <a:latin typeface="Consolas" panose="020B0609020204030204" pitchFamily="49" charset="0"/>
+                <a:cs typeface="Consolas" panose="020B0609020204030204" pitchFamily="49" charset="0"/>
+              </a:rPr>
+              <a:t>Content-Length: 51</a:t>
+            </a:r>
+          </a:p>
+          <a:p>
+            <a:pPr marL="0" indent="0">
+              <a:spcBef>
+                <a:spcPts val="0"/>
+              </a:spcBef>
+              <a:buNone/>
+            </a:pPr>
+            <a:r>
+              <a:rPr lang="en-US" dirty="0">
+                <a:latin typeface="Consolas" panose="020B0609020204030204" pitchFamily="49" charset="0"/>
+                <a:cs typeface="Consolas" panose="020B0609020204030204" pitchFamily="49" charset="0"/>
+              </a:rPr>
+              <a:t>Content-Type: text/plain</a:t>
+            </a:r>
+          </a:p>
+        </p:txBody>
+      </p:sp>
+      <p:sp>
+        <p:nvSpPr>
+          <p:cNvPr id="6" name="Title 1">
+            <a:extLst>
+              <a:ext uri="{FF2B5EF4-FFF2-40B4-BE49-F238E27FC236}">
+                <a16:creationId xmlns:a16="http://schemas.microsoft.com/office/drawing/2014/main" id="{4D0CE8EE-FF7C-AF4D-B6BF-D600E6EA4B66}"/>
+              </a:ext>
+            </a:extLst>
+          </p:cNvPr>
+          <p:cNvSpPr txBox="1">
+            <a:spLocks/>
+          </p:cNvSpPr>
+          <p:nvPr/>
+        </p:nvSpPr>
+        <p:spPr>
+          <a:xfrm>
+            <a:off x="1698623" y="607218"/>
+            <a:ext cx="8791575" cy="919162"/>
+          </a:xfrm>
+          <a:prstGeom prst="rect">
+            <a:avLst/>
+          </a:prstGeom>
+        </p:spPr>
+        <p:txBody>
+          <a:bodyPr vert="horz" lIns="91440" tIns="45720" rIns="91440" bIns="45720" rtlCol="0" anchor="ctr">
+            <a:normAutofit/>
+          </a:bodyPr>
+          <a:lstStyle>
+            <a:lvl1pPr algn="l" defTabSz="914400" rtl="0" eaLnBrk="1" latinLnBrk="0" hangingPunct="1">
+              <a:lnSpc>
+                <a:spcPct val="90000"/>
+              </a:lnSpc>
+              <a:spcBef>
+                <a:spcPct val="0"/>
+              </a:spcBef>
+              <a:buNone/>
+              <a:defRPr sz="3600" kern="1200" cap="all" baseline="0">
+                <a:solidFill>
+                  <a:schemeClr val="tx1"/>
+                </a:solidFill>
+                <a:latin typeface="+mj-lt"/>
+                <a:ea typeface="+mj-ea"/>
+                <a:cs typeface="+mj-cs"/>
+              </a:defRPr>
+            </a:lvl1pPr>
+          </a:lstStyle>
+          <a:p>
+            <a:r>
+              <a:rPr lang="en-US" cap="none" dirty="0">
+                <a:solidFill>
+                  <a:schemeClr val="bg2"/>
+                </a:solidFill>
+                <a:latin typeface="Ford Antenna Medium Cnd" panose="02000505000000020004" pitchFamily="2" charset="0"/>
+              </a:rPr>
+              <a:t>The Sunset HTTP Header Field</a:t>
+            </a:r>
+          </a:p>
+        </p:txBody>
+      </p:sp>
+      <p:sp>
+        <p:nvSpPr>
+          <p:cNvPr id="7" name="Title 1">
+            <a:extLst>
+              <a:ext uri="{FF2B5EF4-FFF2-40B4-BE49-F238E27FC236}">
+                <a16:creationId xmlns:a16="http://schemas.microsoft.com/office/drawing/2014/main" id="{924EB63B-9391-8F4A-A2B2-162C9716D18E}"/>
+              </a:ext>
+            </a:extLst>
+          </p:cNvPr>
+          <p:cNvSpPr txBox="1">
+            <a:spLocks/>
+          </p:cNvSpPr>
+          <p:nvPr/>
+        </p:nvSpPr>
+        <p:spPr>
+          <a:xfrm>
+            <a:off x="1698623" y="1330325"/>
+            <a:ext cx="8791575" cy="919162"/>
+          </a:xfrm>
+          <a:prstGeom prst="rect">
+            <a:avLst/>
+          </a:prstGeom>
+        </p:spPr>
+        <p:txBody>
+          <a:bodyPr vert="horz" lIns="91440" tIns="45720" rIns="91440" bIns="45720" rtlCol="0" anchor="ctr">
+            <a:normAutofit/>
+          </a:bodyPr>
+          <a:lstStyle>
+            <a:lvl1pPr algn="l" defTabSz="914400" rtl="0" eaLnBrk="1" latinLnBrk="0" hangingPunct="1">
+              <a:lnSpc>
+                <a:spcPct val="90000"/>
+              </a:lnSpc>
+              <a:spcBef>
+                <a:spcPct val="0"/>
+              </a:spcBef>
+              <a:buNone/>
+              <a:defRPr sz="3600" kern="1200" cap="all" baseline="0">
+                <a:solidFill>
+                  <a:schemeClr val="tx1"/>
+                </a:solidFill>
+                <a:latin typeface="+mj-lt"/>
+                <a:ea typeface="+mj-ea"/>
+                <a:cs typeface="+mj-cs"/>
+              </a:defRPr>
+            </a:lvl1pPr>
+          </a:lstStyle>
+          <a:p>
+            <a:r>
+              <a:rPr lang="en-US" sz="2800" cap="none" dirty="0">
+                <a:latin typeface="Ford Antenna Medium Cnd" panose="02000505000000020004" pitchFamily="2" charset="0"/>
+              </a:rPr>
               <a:t>Example in Context</a:t>
+            </a:r>
+          </a:p>
+        </p:txBody>
+      </p:sp>
+      <p:sp>
+        <p:nvSpPr>
+          <p:cNvPr id="5" name="Title 1">
+            <a:extLst>
+              <a:ext uri="{FF2B5EF4-FFF2-40B4-BE49-F238E27FC236}">
+                <a16:creationId xmlns:a16="http://schemas.microsoft.com/office/drawing/2014/main" id="{32F1B9D1-24A1-6447-9FB7-02AF7869A49F}"/>
+              </a:ext>
+            </a:extLst>
+          </p:cNvPr>
+          <p:cNvSpPr txBox="1">
+            <a:spLocks/>
+          </p:cNvSpPr>
+          <p:nvPr/>
+        </p:nvSpPr>
+        <p:spPr>
+          <a:xfrm>
+            <a:off x="1192211" y="6284649"/>
+            <a:ext cx="2346856" cy="508000"/>
+          </a:xfrm>
+          <a:prstGeom prst="rect">
+            <a:avLst/>
+          </a:prstGeom>
+          <a:effectLst/>
+        </p:spPr>
+        <p:txBody>
+          <a:bodyPr vert="horz" lIns="91440" tIns="45720" rIns="91440" bIns="45720" rtlCol="0" anchor="b">
+            <a:normAutofit/>
+          </a:bodyPr>
+          <a:lstStyle>
+            <a:lvl1pPr algn="l" defTabSz="914400" rtl="0" eaLnBrk="1" latinLnBrk="0" hangingPunct="1">
+              <a:lnSpc>
+                <a:spcPct val="90000"/>
+              </a:lnSpc>
+              <a:spcBef>
+                <a:spcPct val="0"/>
+              </a:spcBef>
+              <a:buNone/>
+              <a:defRPr sz="4800" kern="1200" cap="all" baseline="0">
+                <a:solidFill>
+                  <a:schemeClr val="tx1"/>
+                </a:solidFill>
+                <a:latin typeface="+mj-lt"/>
+                <a:ea typeface="+mj-ea"/>
+                <a:cs typeface="+mj-cs"/>
+              </a:defRPr>
+            </a:lvl1pPr>
+          </a:lstStyle>
+          <a:p>
+            <a:r>
+              <a:rPr lang="en-US" sz="2400" i="1" cap="none" dirty="0">
+                <a:solidFill>
+                  <a:srgbClr val="48A8E3"/>
+                </a:solidFill>
+                <a:effectLst>
+                  <a:outerShdw blurRad="63500" dist="60484" dir="2700000" sx="100475" sy="100475" algn="tl" rotWithShape="0">
+                    <a:schemeClr val="bg2"/>
+                  </a:outerShdw>
+                </a:effectLst>
+                <a:latin typeface="Ford Antenna Thin XCnd" panose="02000505000000020004" pitchFamily="2" charset="0"/>
+              </a:rPr>
+              <a:t>HTTP API Building Blocks</a:t>
             </a:r>
           </a:p>
         </p:txBody>

--- a/assets/slides/rfc8594.pptx
+++ b/assets/slides/rfc8594.pptx
@@ -110,6 +110,11 @@
       </a:defRPr>
     </a:lvl9pPr>
   </p:defaultTextStyle>
+  <p:extLst>
+    <p:ext uri="{EFAFB233-063F-42B5-8137-9DF3F51BA10A}">
+      <p15:sldGuideLst xmlns:p15="http://schemas.microsoft.com/office/powerpoint/2012/main"/>
+    </p:ext>
+  </p:extLst>
 </p:presentation>
 </file>
 
@@ -163,7 +168,7 @@
           <a:noFill/>
           <a:extLst>
             <a:ext uri="{909E8E84-426E-40dd-AFC4-6F175D3DCCD1}">
-              <a14:hiddenFill xmlns:a14="http://schemas.microsoft.com/office/drawing/2010/main" xmlns="">
+              <a14:hiddenFill xmlns="" xmlns:a14="http://schemas.microsoft.com/office/drawing/2010/main">
                 <a:solidFill>
                   <a:srgbClr val="FFFFFF"/>
                 </a:solidFill>
@@ -223,7 +228,7 @@
             </a:ln>
             <a:extLst>
               <a:ext uri="{91240B29-F687-4f45-9708-019B960494DF}">
-                <a14:hiddenLine xmlns:a14="http://schemas.microsoft.com/office/drawing/2010/main" xmlns="" w="9525">
+                <a14:hiddenLine xmlns="" xmlns:a14="http://schemas.microsoft.com/office/drawing/2010/main" w="9525">
                   <a:solidFill>
                     <a:srgbClr val="000000"/>
                   </a:solidFill>
@@ -313,7 +318,7 @@
             </a:ln>
             <a:extLst>
               <a:ext uri="{91240B29-F687-4f45-9708-019B960494DF}">
-                <a14:hiddenLine xmlns:a14="http://schemas.microsoft.com/office/drawing/2010/main" xmlns="" w="9525">
+                <a14:hiddenLine xmlns="" xmlns:a14="http://schemas.microsoft.com/office/drawing/2010/main" w="9525">
                   <a:solidFill>
                     <a:srgbClr val="000000"/>
                   </a:solidFill>
@@ -403,7 +408,7 @@
             </a:ln>
             <a:extLst>
               <a:ext uri="{91240B29-F687-4f45-9708-019B960494DF}">
-                <a14:hiddenLine xmlns:a14="http://schemas.microsoft.com/office/drawing/2010/main" xmlns="" w="9525">
+                <a14:hiddenLine xmlns="" xmlns:a14="http://schemas.microsoft.com/office/drawing/2010/main" w="9525">
                   <a:solidFill>
                     <a:srgbClr val="000000"/>
                   </a:solidFill>
@@ -437,7 +442,7 @@
             </a:ln>
             <a:extLst>
               <a:ext uri="{91240B29-F687-4f45-9708-019B960494DF}">
-                <a14:hiddenLine xmlns:a14="http://schemas.microsoft.com/office/drawing/2010/main" xmlns="" w="9525">
+                <a14:hiddenLine xmlns="" xmlns:a14="http://schemas.microsoft.com/office/drawing/2010/main" w="9525">
                   <a:solidFill>
                     <a:srgbClr val="000000"/>
                   </a:solidFill>
@@ -527,7 +532,7 @@
             </a:ln>
             <a:extLst>
               <a:ext uri="{91240B29-F687-4f45-9708-019B960494DF}">
-                <a14:hiddenLine xmlns:a14="http://schemas.microsoft.com/office/drawing/2010/main" xmlns="" w="9525">
+                <a14:hiddenLine xmlns="" xmlns:a14="http://schemas.microsoft.com/office/drawing/2010/main" w="9525">
                   <a:solidFill>
                     <a:srgbClr val="000000"/>
                   </a:solidFill>
@@ -589,7 +594,7 @@
             </a:ln>
             <a:extLst>
               <a:ext uri="{91240B29-F687-4f45-9708-019B960494DF}">
-                <a14:hiddenLine xmlns:a14="http://schemas.microsoft.com/office/drawing/2010/main" xmlns="" w="9525">
+                <a14:hiddenLine xmlns="" xmlns:a14="http://schemas.microsoft.com/office/drawing/2010/main" w="9525">
                   <a:solidFill>
                     <a:srgbClr val="000000"/>
                   </a:solidFill>
@@ -651,7 +656,7 @@
             </a:ln>
             <a:extLst>
               <a:ext uri="{91240B29-F687-4f45-9708-019B960494DF}">
-                <a14:hiddenLine xmlns:a14="http://schemas.microsoft.com/office/drawing/2010/main" xmlns="" w="9525">
+                <a14:hiddenLine xmlns="" xmlns:a14="http://schemas.microsoft.com/office/drawing/2010/main" w="9525">
                   <a:solidFill>
                     <a:srgbClr val="000000"/>
                   </a:solidFill>
@@ -741,7 +746,7 @@
             </a:ln>
             <a:extLst>
               <a:ext uri="{91240B29-F687-4f45-9708-019B960494DF}">
-                <a14:hiddenLine xmlns:a14="http://schemas.microsoft.com/office/drawing/2010/main" xmlns="" w="9525">
+                <a14:hiddenLine xmlns="" xmlns:a14="http://schemas.microsoft.com/office/drawing/2010/main" w="9525">
                   <a:solidFill>
                     <a:srgbClr val="000000"/>
                   </a:solidFill>
@@ -803,7 +808,7 @@
             </a:ln>
             <a:extLst>
               <a:ext uri="{91240B29-F687-4f45-9708-019B960494DF}">
-                <a14:hiddenLine xmlns:a14="http://schemas.microsoft.com/office/drawing/2010/main" xmlns="" w="9525">
+                <a14:hiddenLine xmlns="" xmlns:a14="http://schemas.microsoft.com/office/drawing/2010/main" w="9525">
                   <a:solidFill>
                     <a:srgbClr val="000000"/>
                   </a:solidFill>
@@ -865,7 +870,7 @@
             </a:ln>
             <a:extLst>
               <a:ext uri="{91240B29-F687-4f45-9708-019B960494DF}">
-                <a14:hiddenLine xmlns:a14="http://schemas.microsoft.com/office/drawing/2010/main" xmlns="" w="9525">
+                <a14:hiddenLine xmlns="" xmlns:a14="http://schemas.microsoft.com/office/drawing/2010/main" w="9525">
                   <a:solidFill>
                     <a:srgbClr val="000000"/>
                   </a:solidFill>
@@ -955,7 +960,7 @@
             </a:ln>
             <a:extLst>
               <a:ext uri="{91240B29-F687-4f45-9708-019B960494DF}">
-                <a14:hiddenLine xmlns:a14="http://schemas.microsoft.com/office/drawing/2010/main" xmlns="" w="9525">
+                <a14:hiddenLine xmlns="" xmlns:a14="http://schemas.microsoft.com/office/drawing/2010/main" w="9525">
                   <a:solidFill>
                     <a:srgbClr val="000000"/>
                   </a:solidFill>
@@ -1045,7 +1050,7 @@
             </a:ln>
             <a:extLst>
               <a:ext uri="{91240B29-F687-4f45-9708-019B960494DF}">
-                <a14:hiddenLine xmlns:a14="http://schemas.microsoft.com/office/drawing/2010/main" xmlns="" w="9525">
+                <a14:hiddenLine xmlns="" xmlns:a14="http://schemas.microsoft.com/office/drawing/2010/main" w="9525">
                   <a:solidFill>
                     <a:srgbClr val="000000"/>
                   </a:solidFill>
@@ -1107,7 +1112,7 @@
             </a:ln>
             <a:extLst>
               <a:ext uri="{91240B29-F687-4f45-9708-019B960494DF}">
-                <a14:hiddenLine xmlns:a14="http://schemas.microsoft.com/office/drawing/2010/main" xmlns="" w="9525">
+                <a14:hiddenLine xmlns="" xmlns:a14="http://schemas.microsoft.com/office/drawing/2010/main" w="9525">
                   <a:solidFill>
                     <a:srgbClr val="000000"/>
                   </a:solidFill>
@@ -1217,7 +1222,7 @@
             </a:ln>
             <a:extLst>
               <a:ext uri="{91240B29-F687-4f45-9708-019B960494DF}">
-                <a14:hiddenLine xmlns:a14="http://schemas.microsoft.com/office/drawing/2010/main" xmlns="" w="9525">
+                <a14:hiddenLine xmlns="" xmlns:a14="http://schemas.microsoft.com/office/drawing/2010/main" w="9525">
                   <a:solidFill>
                     <a:srgbClr val="000000"/>
                   </a:solidFill>
@@ -1279,7 +1284,7 @@
             </a:ln>
             <a:extLst>
               <a:ext uri="{91240B29-F687-4f45-9708-019B960494DF}">
-                <a14:hiddenLine xmlns:a14="http://schemas.microsoft.com/office/drawing/2010/main" xmlns="" w="9525">
+                <a14:hiddenLine xmlns="" xmlns:a14="http://schemas.microsoft.com/office/drawing/2010/main" w="9525">
                   <a:solidFill>
                     <a:srgbClr val="000000"/>
                   </a:solidFill>
@@ -1369,7 +1374,7 @@
             </a:ln>
             <a:extLst>
               <a:ext uri="{91240B29-F687-4f45-9708-019B960494DF}">
-                <a14:hiddenLine xmlns:a14="http://schemas.microsoft.com/office/drawing/2010/main" xmlns="" w="9525">
+                <a14:hiddenLine xmlns="" xmlns:a14="http://schemas.microsoft.com/office/drawing/2010/main" w="9525">
                   <a:solidFill>
                     <a:srgbClr val="000000"/>
                   </a:solidFill>
@@ -1459,7 +1464,7 @@
             </a:ln>
             <a:extLst>
               <a:ext uri="{91240B29-F687-4f45-9708-019B960494DF}">
-                <a14:hiddenLine xmlns:a14="http://schemas.microsoft.com/office/drawing/2010/main" xmlns="" w="9525">
+                <a14:hiddenLine xmlns="" xmlns:a14="http://schemas.microsoft.com/office/drawing/2010/main" w="9525">
                   <a:solidFill>
                     <a:srgbClr val="000000"/>
                   </a:solidFill>
@@ -1521,7 +1526,7 @@
             </a:ln>
             <a:extLst>
               <a:ext uri="{91240B29-F687-4f45-9708-019B960494DF}">
-                <a14:hiddenLine xmlns:a14="http://schemas.microsoft.com/office/drawing/2010/main" xmlns="" w="9525">
+                <a14:hiddenLine xmlns="" xmlns:a14="http://schemas.microsoft.com/office/drawing/2010/main" w="9525">
                   <a:solidFill>
                     <a:srgbClr val="000000"/>
                   </a:solidFill>
@@ -1611,7 +1616,7 @@
             </a:ln>
             <a:extLst>
               <a:ext uri="{91240B29-F687-4f45-9708-019B960494DF}">
-                <a14:hiddenLine xmlns:a14="http://schemas.microsoft.com/office/drawing/2010/main" xmlns="" w="9525">
+                <a14:hiddenLine xmlns="" xmlns:a14="http://schemas.microsoft.com/office/drawing/2010/main" w="9525">
                   <a:solidFill>
                     <a:srgbClr val="000000"/>
                   </a:solidFill>
@@ -1701,7 +1706,7 @@
             </a:ln>
             <a:extLst>
               <a:ext uri="{91240B29-F687-4f45-9708-019B960494DF}">
-                <a14:hiddenLine xmlns:a14="http://schemas.microsoft.com/office/drawing/2010/main" xmlns="" w="9525">
+                <a14:hiddenLine xmlns="" xmlns:a14="http://schemas.microsoft.com/office/drawing/2010/main" w="9525">
                   <a:solidFill>
                     <a:srgbClr val="000000"/>
                   </a:solidFill>
@@ -1757,7 +1762,7 @@
             </a:ln>
             <a:extLst>
               <a:ext uri="{91240B29-F687-4f45-9708-019B960494DF}">
-                <a14:hiddenLine xmlns:a14="http://schemas.microsoft.com/office/drawing/2010/main" xmlns="" w="9525">
+                <a14:hiddenLine xmlns="" xmlns:a14="http://schemas.microsoft.com/office/drawing/2010/main" w="9525">
                   <a:solidFill>
                     <a:srgbClr val="000000"/>
                   </a:solidFill>
@@ -1847,7 +1852,7 @@
             </a:ln>
             <a:extLst>
               <a:ext uri="{91240B29-F687-4f45-9708-019B960494DF}">
-                <a14:hiddenLine xmlns:a14="http://schemas.microsoft.com/office/drawing/2010/main" xmlns="" w="9525">
+                <a14:hiddenLine xmlns="" xmlns:a14="http://schemas.microsoft.com/office/drawing/2010/main" w="9525">
                   <a:solidFill>
                     <a:srgbClr val="000000"/>
                   </a:solidFill>
@@ -1903,7 +1908,7 @@
             </a:ln>
             <a:extLst>
               <a:ext uri="{91240B29-F687-4f45-9708-019B960494DF}">
-                <a14:hiddenLine xmlns:a14="http://schemas.microsoft.com/office/drawing/2010/main" xmlns="" w="9525">
+                <a14:hiddenLine xmlns="" xmlns:a14="http://schemas.microsoft.com/office/drawing/2010/main" w="9525">
                   <a:solidFill>
                     <a:srgbClr val="000000"/>
                   </a:solidFill>
@@ -1993,7 +1998,7 @@
             </a:ln>
             <a:extLst>
               <a:ext uri="{91240B29-F687-4f45-9708-019B960494DF}">
-                <a14:hiddenLine xmlns:a14="http://schemas.microsoft.com/office/drawing/2010/main" xmlns="" w="9525">
+                <a14:hiddenLine xmlns="" xmlns:a14="http://schemas.microsoft.com/office/drawing/2010/main" w="9525">
                   <a:solidFill>
                     <a:srgbClr val="000000"/>
                   </a:solidFill>
@@ -2061,7 +2066,7 @@
             </a:ln>
             <a:extLst>
               <a:ext uri="{91240B29-F687-4f45-9708-019B960494DF}">
-                <a14:hiddenLine xmlns:a14="http://schemas.microsoft.com/office/drawing/2010/main" xmlns="" w="9525">
+                <a14:hiddenLine xmlns="" xmlns:a14="http://schemas.microsoft.com/office/drawing/2010/main" w="9525">
                   <a:solidFill>
                     <a:srgbClr val="000000"/>
                   </a:solidFill>
@@ -2151,7 +2156,7 @@
             </a:ln>
             <a:extLst>
               <a:ext uri="{91240B29-F687-4f45-9708-019B960494DF}">
-                <a14:hiddenLine xmlns:a14="http://schemas.microsoft.com/office/drawing/2010/main" xmlns="" w="9525">
+                <a14:hiddenLine xmlns="" xmlns:a14="http://schemas.microsoft.com/office/drawing/2010/main" w="9525">
                   <a:solidFill>
                     <a:srgbClr val="000000"/>
                   </a:solidFill>
@@ -2219,7 +2224,7 @@
             </a:ln>
             <a:extLst>
               <a:ext uri="{91240B29-F687-4f45-9708-019B960494DF}">
-                <a14:hiddenLine xmlns:a14="http://schemas.microsoft.com/office/drawing/2010/main" xmlns="" w="9525">
+                <a14:hiddenLine xmlns="" xmlns:a14="http://schemas.microsoft.com/office/drawing/2010/main" w="9525">
                   <a:solidFill>
                     <a:srgbClr val="000000"/>
                   </a:solidFill>
@@ -2309,7 +2314,7 @@
             </a:ln>
             <a:extLst>
               <a:ext uri="{91240B29-F687-4f45-9708-019B960494DF}">
-                <a14:hiddenLine xmlns:a14="http://schemas.microsoft.com/office/drawing/2010/main" xmlns="" w="9525">
+                <a14:hiddenLine xmlns="" xmlns:a14="http://schemas.microsoft.com/office/drawing/2010/main" w="9525">
                   <a:solidFill>
                     <a:srgbClr val="000000"/>
                   </a:solidFill>
@@ -2343,7 +2348,7 @@
             </a:ln>
             <a:extLst>
               <a:ext uri="{91240B29-F687-4f45-9708-019B960494DF}">
-                <a14:hiddenLine xmlns:a14="http://schemas.microsoft.com/office/drawing/2010/main" xmlns="" w="9525">
+                <a14:hiddenLine xmlns="" xmlns:a14="http://schemas.microsoft.com/office/drawing/2010/main" w="9525">
                   <a:solidFill>
                     <a:srgbClr val="000000"/>
                   </a:solidFill>
@@ -2433,7 +2438,7 @@
             </a:ln>
             <a:extLst>
               <a:ext uri="{91240B29-F687-4f45-9708-019B960494DF}">
-                <a14:hiddenLine xmlns:a14="http://schemas.microsoft.com/office/drawing/2010/main" xmlns="" w="9525">
+                <a14:hiddenLine xmlns="" xmlns:a14="http://schemas.microsoft.com/office/drawing/2010/main" w="9525">
                   <a:solidFill>
                     <a:srgbClr val="000000"/>
                   </a:solidFill>
@@ -2495,7 +2500,7 @@
             </a:ln>
             <a:extLst>
               <a:ext uri="{91240B29-F687-4f45-9708-019B960494DF}">
-                <a14:hiddenLine xmlns:a14="http://schemas.microsoft.com/office/drawing/2010/main" xmlns="" w="9525">
+                <a14:hiddenLine xmlns="" xmlns:a14="http://schemas.microsoft.com/office/drawing/2010/main" w="9525">
                   <a:solidFill>
                     <a:srgbClr val="000000"/>
                   </a:solidFill>
@@ -2557,7 +2562,7 @@
             </a:ln>
             <a:extLst>
               <a:ext uri="{91240B29-F687-4f45-9708-019B960494DF}">
-                <a14:hiddenLine xmlns:a14="http://schemas.microsoft.com/office/drawing/2010/main" xmlns="" w="9525">
+                <a14:hiddenLine xmlns="" xmlns:a14="http://schemas.microsoft.com/office/drawing/2010/main" w="9525">
                   <a:solidFill>
                     <a:srgbClr val="000000"/>
                   </a:solidFill>
@@ -2647,7 +2652,7 @@
             </a:ln>
             <a:extLst>
               <a:ext uri="{91240B29-F687-4f45-9708-019B960494DF}">
-                <a14:hiddenLine xmlns:a14="http://schemas.microsoft.com/office/drawing/2010/main" xmlns="" w="9525">
+                <a14:hiddenLine xmlns="" xmlns:a14="http://schemas.microsoft.com/office/drawing/2010/main" w="9525">
                   <a:solidFill>
                     <a:srgbClr val="000000"/>
                   </a:solidFill>
@@ -2715,7 +2720,7 @@
             </a:ln>
             <a:extLst>
               <a:ext uri="{91240B29-F687-4f45-9708-019B960494DF}">
-                <a14:hiddenLine xmlns:a14="http://schemas.microsoft.com/office/drawing/2010/main" xmlns="" w="9525">
+                <a14:hiddenLine xmlns="" xmlns:a14="http://schemas.microsoft.com/office/drawing/2010/main" w="9525">
                   <a:solidFill>
                     <a:srgbClr val="000000"/>
                   </a:solidFill>
@@ -2777,7 +2782,7 @@
             </a:ln>
             <a:extLst>
               <a:ext uri="{91240B29-F687-4f45-9708-019B960494DF}">
-                <a14:hiddenLine xmlns:a14="http://schemas.microsoft.com/office/drawing/2010/main" xmlns="" w="9525">
+                <a14:hiddenLine xmlns="" xmlns:a14="http://schemas.microsoft.com/office/drawing/2010/main" w="9525">
                   <a:solidFill>
                     <a:srgbClr val="000000"/>
                   </a:solidFill>
@@ -2867,7 +2872,7 @@
             </a:ln>
             <a:extLst>
               <a:ext uri="{91240B29-F687-4f45-9708-019B960494DF}">
-                <a14:hiddenLine xmlns:a14="http://schemas.microsoft.com/office/drawing/2010/main" xmlns="" w="9525">
+                <a14:hiddenLine xmlns="" xmlns:a14="http://schemas.microsoft.com/office/drawing/2010/main" w="9525">
                   <a:solidFill>
                     <a:srgbClr val="000000"/>
                   </a:solidFill>
@@ -2929,7 +2934,7 @@
             </a:ln>
             <a:extLst>
               <a:ext uri="{91240B29-F687-4f45-9708-019B960494DF}">
-                <a14:hiddenLine xmlns:a14="http://schemas.microsoft.com/office/drawing/2010/main" xmlns="" w="9525">
+                <a14:hiddenLine xmlns="" xmlns:a14="http://schemas.microsoft.com/office/drawing/2010/main" w="9525">
                   <a:solidFill>
                     <a:srgbClr val="000000"/>
                   </a:solidFill>
@@ -3019,7 +3024,7 @@
             </a:ln>
             <a:extLst>
               <a:ext uri="{91240B29-F687-4f45-9708-019B960494DF}">
-                <a14:hiddenLine xmlns:a14="http://schemas.microsoft.com/office/drawing/2010/main" xmlns="" w="9525">
+                <a14:hiddenLine xmlns="" xmlns:a14="http://schemas.microsoft.com/office/drawing/2010/main" w="9525">
                   <a:solidFill>
                     <a:srgbClr val="000000"/>
                   </a:solidFill>
@@ -3081,7 +3086,7 @@
             </a:ln>
             <a:extLst>
               <a:ext uri="{91240B29-F687-4f45-9708-019B960494DF}">
-                <a14:hiddenLine xmlns:a14="http://schemas.microsoft.com/office/drawing/2010/main" xmlns="" w="9525">
+                <a14:hiddenLine xmlns="" xmlns:a14="http://schemas.microsoft.com/office/drawing/2010/main" w="9525">
                   <a:solidFill>
                     <a:srgbClr val="000000"/>
                   </a:solidFill>
@@ -3171,7 +3176,7 @@
             </a:ln>
             <a:extLst>
               <a:ext uri="{91240B29-F687-4f45-9708-019B960494DF}">
-                <a14:hiddenLine xmlns:a14="http://schemas.microsoft.com/office/drawing/2010/main" xmlns="" w="9525">
+                <a14:hiddenLine xmlns="" xmlns:a14="http://schemas.microsoft.com/office/drawing/2010/main" w="9525">
                   <a:solidFill>
                     <a:srgbClr val="000000"/>
                   </a:solidFill>
@@ -3205,7 +3210,7 @@
             </a:ln>
             <a:extLst>
               <a:ext uri="{91240B29-F687-4f45-9708-019B960494DF}">
-                <a14:hiddenLine xmlns:a14="http://schemas.microsoft.com/office/drawing/2010/main" xmlns="" w="9525">
+                <a14:hiddenLine xmlns="" xmlns:a14="http://schemas.microsoft.com/office/drawing/2010/main" w="9525">
                   <a:solidFill>
                     <a:srgbClr val="000000"/>
                   </a:solidFill>
@@ -3270,7 +3275,7 @@
             </a:ln>
             <a:extLst>
               <a:ext uri="{91240B29-F687-4f45-9708-019B960494DF}">
-                <a14:hiddenLine xmlns:a14="http://schemas.microsoft.com/office/drawing/2010/main" xmlns="" w="9525">
+                <a14:hiddenLine xmlns="" xmlns:a14="http://schemas.microsoft.com/office/drawing/2010/main" w="9525">
                   <a:solidFill>
                     <a:srgbClr val="000000"/>
                   </a:solidFill>
@@ -3360,7 +3365,7 @@
             </a:ln>
             <a:extLst>
               <a:ext uri="{91240B29-F687-4f45-9708-019B960494DF}">
-                <a14:hiddenLine xmlns:a14="http://schemas.microsoft.com/office/drawing/2010/main" xmlns="" w="9525">
+                <a14:hiddenLine xmlns="" xmlns:a14="http://schemas.microsoft.com/office/drawing/2010/main" w="9525">
                   <a:solidFill>
                     <a:srgbClr val="000000"/>
                   </a:solidFill>
@@ -3422,7 +3427,7 @@
             </a:ln>
             <a:extLst>
               <a:ext uri="{91240B29-F687-4f45-9708-019B960494DF}">
-                <a14:hiddenLine xmlns:a14="http://schemas.microsoft.com/office/drawing/2010/main" xmlns="" w="9525">
+                <a14:hiddenLine xmlns="" xmlns:a14="http://schemas.microsoft.com/office/drawing/2010/main" w="9525">
                   <a:solidFill>
                     <a:srgbClr val="000000"/>
                   </a:solidFill>
@@ -3512,7 +3517,7 @@
             </a:ln>
             <a:extLst>
               <a:ext uri="{91240B29-F687-4f45-9708-019B960494DF}">
-                <a14:hiddenLine xmlns:a14="http://schemas.microsoft.com/office/drawing/2010/main" xmlns="" w="9525">
+                <a14:hiddenLine xmlns="" xmlns:a14="http://schemas.microsoft.com/office/drawing/2010/main" w="9525">
                   <a:solidFill>
                     <a:srgbClr val="000000"/>
                   </a:solidFill>
@@ -3602,7 +3607,7 @@
             </a:ln>
             <a:extLst>
               <a:ext uri="{91240B29-F687-4f45-9708-019B960494DF}">
-                <a14:hiddenLine xmlns:a14="http://schemas.microsoft.com/office/drawing/2010/main" xmlns="" w="9525">
+                <a14:hiddenLine xmlns="" xmlns:a14="http://schemas.microsoft.com/office/drawing/2010/main" w="9525">
                   <a:solidFill>
                     <a:srgbClr val="000000"/>
                   </a:solidFill>
@@ -3667,7 +3672,7 @@
             </a:ln>
             <a:extLst>
               <a:ext uri="{91240B29-F687-4f45-9708-019B960494DF}">
-                <a14:hiddenLine xmlns:a14="http://schemas.microsoft.com/office/drawing/2010/main" xmlns="" w="9525">
+                <a14:hiddenLine xmlns="" xmlns:a14="http://schemas.microsoft.com/office/drawing/2010/main" w="9525">
                   <a:solidFill>
                     <a:srgbClr val="000000"/>
                   </a:solidFill>
@@ -3729,7 +3734,7 @@
             </a:ln>
             <a:extLst>
               <a:ext uri="{91240B29-F687-4f45-9708-019B960494DF}">
-                <a14:hiddenLine xmlns:a14="http://schemas.microsoft.com/office/drawing/2010/main" xmlns="" w="9525">
+                <a14:hiddenLine xmlns="" xmlns:a14="http://schemas.microsoft.com/office/drawing/2010/main" w="9525">
                   <a:solidFill>
                     <a:srgbClr val="000000"/>
                   </a:solidFill>
@@ -3819,7 +3824,7 @@
             </a:ln>
             <a:extLst>
               <a:ext uri="{91240B29-F687-4f45-9708-019B960494DF}">
-                <a14:hiddenLine xmlns:a14="http://schemas.microsoft.com/office/drawing/2010/main" xmlns="" w="9525">
+                <a14:hiddenLine xmlns="" xmlns:a14="http://schemas.microsoft.com/office/drawing/2010/main" w="9525">
                   <a:solidFill>
                     <a:srgbClr val="000000"/>
                   </a:solidFill>
@@ -3909,7 +3914,7 @@
             </a:ln>
             <a:extLst>
               <a:ext uri="{91240B29-F687-4f45-9708-019B960494DF}">
-                <a14:hiddenLine xmlns:a14="http://schemas.microsoft.com/office/drawing/2010/main" xmlns="" w="9525">
+                <a14:hiddenLine xmlns="" xmlns:a14="http://schemas.microsoft.com/office/drawing/2010/main" w="9525">
                   <a:solidFill>
                     <a:srgbClr val="000000"/>
                   </a:solidFill>
@@ -3971,7 +3976,7 @@
             </a:ln>
             <a:extLst>
               <a:ext uri="{91240B29-F687-4f45-9708-019B960494DF}">
-                <a14:hiddenLine xmlns:a14="http://schemas.microsoft.com/office/drawing/2010/main" xmlns="" w="9525">
+                <a14:hiddenLine xmlns="" xmlns:a14="http://schemas.microsoft.com/office/drawing/2010/main" w="9525">
                   <a:solidFill>
                     <a:srgbClr val="000000"/>
                   </a:solidFill>
@@ -4091,7 +4096,7 @@
             </a:ln>
             <a:extLst>
               <a:ext uri="{91240B29-F687-4f45-9708-019B960494DF}">
-                <a14:hiddenLine xmlns:a14="http://schemas.microsoft.com/office/drawing/2010/main" xmlns="" w="9525">
+                <a14:hiddenLine xmlns="" xmlns:a14="http://schemas.microsoft.com/office/drawing/2010/main" w="9525">
                   <a:solidFill>
                     <a:srgbClr val="000000"/>
                   </a:solidFill>
@@ -4159,7 +4164,7 @@
             </a:ln>
             <a:extLst>
               <a:ext uri="{91240B29-F687-4f45-9708-019B960494DF}">
-                <a14:hiddenLine xmlns:a14="http://schemas.microsoft.com/office/drawing/2010/main" xmlns="" w="9525">
+                <a14:hiddenLine xmlns="" xmlns:a14="http://schemas.microsoft.com/office/drawing/2010/main" w="9525">
                   <a:solidFill>
                     <a:srgbClr val="000000"/>
                   </a:solidFill>
@@ -4249,7 +4254,7 @@
             </a:ln>
             <a:extLst>
               <a:ext uri="{91240B29-F687-4f45-9708-019B960494DF}">
-                <a14:hiddenLine xmlns:a14="http://schemas.microsoft.com/office/drawing/2010/main" xmlns="" w="9525">
+                <a14:hiddenLine xmlns="" xmlns:a14="http://schemas.microsoft.com/office/drawing/2010/main" w="9525">
                   <a:solidFill>
                     <a:srgbClr val="000000"/>
                   </a:solidFill>
@@ -4389,7 +4394,7 @@
           <a:p>
             <a:fld id="{48A87A34-81AB-432B-8DAE-1953F412C126}" type="datetimeFigureOut">
               <a:rPr lang="en-US" dirty="0"/>
-              <a:t>3/1/22</a:t>
+              <a:t>3/8/22</a:t>
             </a:fld>
             <a:endParaRPr lang="en-US" dirty="0"/>
           </a:p>
@@ -4651,7 +4656,7 @@
           <a:p>
             <a:fld id="{48A87A34-81AB-432B-8DAE-1953F412C126}" type="datetimeFigureOut">
               <a:rPr lang="en-US" dirty="0"/>
-              <a:t>3/1/22</a:t>
+              <a:t>3/8/22</a:t>
             </a:fld>
             <a:endParaRPr lang="en-US" dirty="0"/>
           </a:p>
@@ -4842,7 +4847,7 @@
           <a:p>
             <a:fld id="{48A87A34-81AB-432B-8DAE-1953F412C126}" type="datetimeFigureOut">
               <a:rPr lang="en-US" dirty="0"/>
-              <a:t>3/1/22</a:t>
+              <a:t>3/8/22</a:t>
             </a:fld>
             <a:endParaRPr lang="en-US" dirty="0"/>
           </a:p>
@@ -5100,7 +5105,7 @@
           <a:p>
             <a:fld id="{48A87A34-81AB-432B-8DAE-1953F412C126}" type="datetimeFigureOut">
               <a:rPr lang="en-US" dirty="0"/>
-              <a:t>3/1/22</a:t>
+              <a:t>3/8/22</a:t>
             </a:fld>
             <a:endParaRPr lang="en-US" dirty="0"/>
           </a:p>
@@ -5529,7 +5534,7 @@
           <a:p>
             <a:fld id="{48A87A34-81AB-432B-8DAE-1953F412C126}" type="datetimeFigureOut">
               <a:rPr lang="en-US" dirty="0"/>
-              <a:t>3/1/22</a:t>
+              <a:t>3/8/22</a:t>
             </a:fld>
             <a:endParaRPr lang="en-US" dirty="0"/>
           </a:p>
@@ -6070,7 +6075,7 @@
           <a:p>
             <a:fld id="{48A87A34-81AB-432B-8DAE-1953F412C126}" type="datetimeFigureOut">
               <a:rPr lang="en-US" dirty="0"/>
-              <a:t>3/1/22</a:t>
+              <a:t>3/8/22</a:t>
             </a:fld>
             <a:endParaRPr lang="en-US" dirty="0"/>
           </a:p>
@@ -6785,7 +6790,7 @@
           <a:p>
             <a:fld id="{48A87A34-81AB-432B-8DAE-1953F412C126}" type="datetimeFigureOut">
               <a:rPr lang="en-US" dirty="0"/>
-              <a:t>3/1/22</a:t>
+              <a:t>3/8/22</a:t>
             </a:fld>
             <a:endParaRPr lang="en-US" dirty="0"/>
           </a:p>
@@ -6950,7 +6955,7 @@
           <a:p>
             <a:fld id="{48A87A34-81AB-432B-8DAE-1953F412C126}" type="datetimeFigureOut">
               <a:rPr lang="en-US" dirty="0"/>
-              <a:t>3/1/22</a:t>
+              <a:t>3/8/22</a:t>
             </a:fld>
             <a:endParaRPr lang="en-US" dirty="0"/>
           </a:p>
@@ -7125,7 +7130,7 @@
           <a:p>
             <a:fld id="{48A87A34-81AB-432B-8DAE-1953F412C126}" type="datetimeFigureOut">
               <a:rPr lang="en-US" dirty="0"/>
-              <a:t>3/1/22</a:t>
+              <a:t>3/8/22</a:t>
             </a:fld>
             <a:endParaRPr lang="en-US" dirty="0"/>
           </a:p>
@@ -7290,7 +7295,7 @@
           <a:p>
             <a:fld id="{48A87A34-81AB-432B-8DAE-1953F412C126}" type="datetimeFigureOut">
               <a:rPr lang="en-US" dirty="0"/>
-              <a:t>3/1/22</a:t>
+              <a:t>3/8/22</a:t>
             </a:fld>
             <a:endParaRPr lang="en-US" dirty="0"/>
           </a:p>
@@ -7535,7 +7540,7 @@
           <a:p>
             <a:fld id="{48A87A34-81AB-432B-8DAE-1953F412C126}" type="datetimeFigureOut">
               <a:rPr lang="en-US" dirty="0"/>
-              <a:t>3/1/22</a:t>
+              <a:t>3/8/22</a:t>
             </a:fld>
             <a:endParaRPr lang="en-US" dirty="0"/>
           </a:p>
@@ -7762,7 +7767,7 @@
           <a:p>
             <a:fld id="{48A87A34-81AB-432B-8DAE-1953F412C126}" type="datetimeFigureOut">
               <a:rPr lang="en-US" dirty="0"/>
-              <a:t>3/1/22</a:t>
+              <a:t>3/8/22</a:t>
             </a:fld>
             <a:endParaRPr lang="en-US" dirty="0"/>
           </a:p>
@@ -8138,7 +8143,7 @@
           <a:p>
             <a:fld id="{48A87A34-81AB-432B-8DAE-1953F412C126}" type="datetimeFigureOut">
               <a:rPr lang="en-US" dirty="0"/>
-              <a:t>3/1/22</a:t>
+              <a:t>3/8/22</a:t>
             </a:fld>
             <a:endParaRPr lang="en-US" dirty="0"/>
           </a:p>
@@ -8251,7 +8256,7 @@
           <a:p>
             <a:fld id="{48A87A34-81AB-432B-8DAE-1953F412C126}" type="datetimeFigureOut">
               <a:rPr lang="en-US" dirty="0"/>
-              <a:t>3/1/22</a:t>
+              <a:t>3/8/22</a:t>
             </a:fld>
             <a:endParaRPr lang="en-US" dirty="0"/>
           </a:p>
@@ -8341,7 +8346,7 @@
           <a:p>
             <a:fld id="{48A87A34-81AB-432B-8DAE-1953F412C126}" type="datetimeFigureOut">
               <a:rPr lang="en-US" dirty="0"/>
-              <a:t>3/1/22</a:t>
+              <a:t>3/8/22</a:t>
             </a:fld>
             <a:endParaRPr lang="en-US" dirty="0"/>
           </a:p>
@@ -8585,7 +8590,7 @@
           <a:p>
             <a:fld id="{48A87A34-81AB-432B-8DAE-1953F412C126}" type="datetimeFigureOut">
               <a:rPr lang="en-US" dirty="0"/>
-              <a:t>3/1/22</a:t>
+              <a:t>3/8/22</a:t>
             </a:fld>
             <a:endParaRPr lang="en-US" dirty="0"/>
           </a:p>
@@ -8860,7 +8865,7 @@
           <a:p>
             <a:fld id="{48A87A34-81AB-432B-8DAE-1953F412C126}" type="datetimeFigureOut">
               <a:rPr lang="en-US" dirty="0"/>
-              <a:t>3/1/22</a:t>
+              <a:t>3/8/22</a:t>
             </a:fld>
             <a:endParaRPr lang="en-US" dirty="0"/>
           </a:p>
@@ -8971,7 +8976,7 @@
           <a:noFill/>
           <a:extLst>
             <a:ext uri="{909E8E84-426E-40dd-AFC4-6F175D3DCCD1}">
-              <a14:hiddenFill xmlns:a14="http://schemas.microsoft.com/office/drawing/2010/main" xmlns="">
+              <a14:hiddenFill xmlns="" xmlns:a14="http://schemas.microsoft.com/office/drawing/2010/main">
                 <a:solidFill>
                   <a:srgbClr val="FFFFFF"/>
                 </a:solidFill>
@@ -9045,7 +9050,7 @@
               </a:ln>
               <a:extLst>
                 <a:ext uri="{91240B29-F687-4f45-9708-019B960494DF}">
-                  <a14:hiddenLine xmlns:a14="http://schemas.microsoft.com/office/drawing/2010/main" xmlns="" w="9525">
+                  <a14:hiddenLine xmlns="" xmlns:a14="http://schemas.microsoft.com/office/drawing/2010/main" w="9525">
                     <a:solidFill>
                       <a:srgbClr val="000000"/>
                     </a:solidFill>
@@ -9135,7 +9140,7 @@
               </a:ln>
               <a:extLst>
                 <a:ext uri="{91240B29-F687-4f45-9708-019B960494DF}">
-                  <a14:hiddenLine xmlns:a14="http://schemas.microsoft.com/office/drawing/2010/main" xmlns="" w="9525">
+                  <a14:hiddenLine xmlns="" xmlns:a14="http://schemas.microsoft.com/office/drawing/2010/main" w="9525">
                     <a:solidFill>
                       <a:srgbClr val="000000"/>
                     </a:solidFill>
@@ -9225,7 +9230,7 @@
               </a:ln>
               <a:extLst>
                 <a:ext uri="{91240B29-F687-4f45-9708-019B960494DF}">
-                  <a14:hiddenLine xmlns:a14="http://schemas.microsoft.com/office/drawing/2010/main" xmlns="" w="9525">
+                  <a14:hiddenLine xmlns="" xmlns:a14="http://schemas.microsoft.com/office/drawing/2010/main" w="9525">
                     <a:solidFill>
                       <a:srgbClr val="000000"/>
                     </a:solidFill>
@@ -9287,7 +9292,7 @@
               </a:ln>
               <a:extLst>
                 <a:ext uri="{91240B29-F687-4f45-9708-019B960494DF}">
-                  <a14:hiddenLine xmlns:a14="http://schemas.microsoft.com/office/drawing/2010/main" xmlns="" w="9525">
+                  <a14:hiddenLine xmlns="" xmlns:a14="http://schemas.microsoft.com/office/drawing/2010/main" w="9525">
                     <a:solidFill>
                       <a:srgbClr val="000000"/>
                     </a:solidFill>
@@ -9377,7 +9382,7 @@
               </a:ln>
               <a:extLst>
                 <a:ext uri="{91240B29-F687-4f45-9708-019B960494DF}">
-                  <a14:hiddenLine xmlns:a14="http://schemas.microsoft.com/office/drawing/2010/main" xmlns="" w="9525">
+                  <a14:hiddenLine xmlns="" xmlns:a14="http://schemas.microsoft.com/office/drawing/2010/main" w="9525">
                     <a:solidFill>
                       <a:srgbClr val="000000"/>
                     </a:solidFill>
@@ -9439,7 +9444,7 @@
               </a:ln>
               <a:extLst>
                 <a:ext uri="{91240B29-F687-4f45-9708-019B960494DF}">
-                  <a14:hiddenLine xmlns:a14="http://schemas.microsoft.com/office/drawing/2010/main" xmlns="" w="9525">
+                  <a14:hiddenLine xmlns="" xmlns:a14="http://schemas.microsoft.com/office/drawing/2010/main" w="9525">
                     <a:solidFill>
                       <a:srgbClr val="000000"/>
                     </a:solidFill>
@@ -9501,7 +9506,7 @@
               </a:ln>
               <a:extLst>
                 <a:ext uri="{91240B29-F687-4f45-9708-019B960494DF}">
-                  <a14:hiddenLine xmlns:a14="http://schemas.microsoft.com/office/drawing/2010/main" xmlns="" w="9525">
+                  <a14:hiddenLine xmlns="" xmlns:a14="http://schemas.microsoft.com/office/drawing/2010/main" w="9525">
                     <a:solidFill>
                       <a:srgbClr val="000000"/>
                     </a:solidFill>
@@ -9591,7 +9596,7 @@
               </a:ln>
               <a:extLst>
                 <a:ext uri="{91240B29-F687-4f45-9708-019B960494DF}">
-                  <a14:hiddenLine xmlns:a14="http://schemas.microsoft.com/office/drawing/2010/main" xmlns="" w="9525">
+                  <a14:hiddenLine xmlns="" xmlns:a14="http://schemas.microsoft.com/office/drawing/2010/main" w="9525">
                     <a:solidFill>
                       <a:srgbClr val="000000"/>
                     </a:solidFill>
@@ -9681,7 +9686,7 @@
               </a:ln>
               <a:extLst>
                 <a:ext uri="{91240B29-F687-4f45-9708-019B960494DF}">
-                  <a14:hiddenLine xmlns:a14="http://schemas.microsoft.com/office/drawing/2010/main" xmlns="" w="9525">
+                  <a14:hiddenLine xmlns="" xmlns:a14="http://schemas.microsoft.com/office/drawing/2010/main" w="9525">
                     <a:solidFill>
                       <a:srgbClr val="000000"/>
                     </a:solidFill>
@@ -9743,7 +9748,7 @@
               </a:ln>
               <a:extLst>
                 <a:ext uri="{91240B29-F687-4f45-9708-019B960494DF}">
-                  <a14:hiddenLine xmlns:a14="http://schemas.microsoft.com/office/drawing/2010/main" xmlns="" w="9525">
+                  <a14:hiddenLine xmlns="" xmlns:a14="http://schemas.microsoft.com/office/drawing/2010/main" w="9525">
                     <a:solidFill>
                       <a:srgbClr val="000000"/>
                     </a:solidFill>
@@ -9853,7 +9858,7 @@
               </a:ln>
               <a:extLst>
                 <a:ext uri="{91240B29-F687-4f45-9708-019B960494DF}">
-                  <a14:hiddenLine xmlns:a14="http://schemas.microsoft.com/office/drawing/2010/main" xmlns="" w="9525">
+                  <a14:hiddenLine xmlns="" xmlns:a14="http://schemas.microsoft.com/office/drawing/2010/main" w="9525">
                     <a:solidFill>
                       <a:srgbClr val="000000"/>
                     </a:solidFill>
@@ -9937,7 +9942,7 @@
               </a:ln>
               <a:extLst>
                 <a:ext uri="{91240B29-F687-4f45-9708-019B960494DF}">
-                  <a14:hiddenLine xmlns:a14="http://schemas.microsoft.com/office/drawing/2010/main" xmlns="" w="9525">
+                  <a14:hiddenLine xmlns="" xmlns:a14="http://schemas.microsoft.com/office/drawing/2010/main" w="9525">
                     <a:solidFill>
                       <a:srgbClr val="000000"/>
                     </a:solidFill>
@@ -9999,7 +10004,7 @@
               </a:ln>
               <a:extLst>
                 <a:ext uri="{91240B29-F687-4f45-9708-019B960494DF}">
-                  <a14:hiddenLine xmlns:a14="http://schemas.microsoft.com/office/drawing/2010/main" xmlns="" w="9525">
+                  <a14:hiddenLine xmlns="" xmlns:a14="http://schemas.microsoft.com/office/drawing/2010/main" w="9525">
                     <a:solidFill>
                       <a:srgbClr val="000000"/>
                     </a:solidFill>
@@ -10061,7 +10066,7 @@
               </a:ln>
               <a:extLst>
                 <a:ext uri="{91240B29-F687-4f45-9708-019B960494DF}">
-                  <a14:hiddenLine xmlns:a14="http://schemas.microsoft.com/office/drawing/2010/main" xmlns="" w="9525">
+                  <a14:hiddenLine xmlns="" xmlns:a14="http://schemas.microsoft.com/office/drawing/2010/main" w="9525">
                     <a:solidFill>
                       <a:srgbClr val="000000"/>
                     </a:solidFill>
@@ -10151,7 +10156,7 @@
               </a:ln>
               <a:extLst>
                 <a:ext uri="{91240B29-F687-4f45-9708-019B960494DF}">
-                  <a14:hiddenLine xmlns:a14="http://schemas.microsoft.com/office/drawing/2010/main" xmlns="" w="9525">
+                  <a14:hiddenLine xmlns="" xmlns:a14="http://schemas.microsoft.com/office/drawing/2010/main" w="9525">
                     <a:solidFill>
                       <a:srgbClr val="000000"/>
                     </a:solidFill>
@@ -10185,7 +10190,7 @@
               </a:ln>
               <a:extLst>
                 <a:ext uri="{91240B29-F687-4f45-9708-019B960494DF}">
-                  <a14:hiddenLine xmlns:a14="http://schemas.microsoft.com/office/drawing/2010/main" xmlns="" w="9525">
+                  <a14:hiddenLine xmlns="" xmlns:a14="http://schemas.microsoft.com/office/drawing/2010/main" w="9525">
                     <a:solidFill>
                       <a:srgbClr val="000000"/>
                     </a:solidFill>
@@ -10250,7 +10255,7 @@
               </a:ln>
               <a:extLst>
                 <a:ext uri="{91240B29-F687-4f45-9708-019B960494DF}">
-                  <a14:hiddenLine xmlns:a14="http://schemas.microsoft.com/office/drawing/2010/main" xmlns="" w="9525">
+                  <a14:hiddenLine xmlns="" xmlns:a14="http://schemas.microsoft.com/office/drawing/2010/main" w="9525">
                     <a:solidFill>
                       <a:srgbClr val="000000"/>
                     </a:solidFill>
@@ -10340,7 +10345,7 @@
               </a:ln>
               <a:extLst>
                 <a:ext uri="{91240B29-F687-4f45-9708-019B960494DF}">
-                  <a14:hiddenLine xmlns:a14="http://schemas.microsoft.com/office/drawing/2010/main" xmlns="" w="9525">
+                  <a14:hiddenLine xmlns="" xmlns:a14="http://schemas.microsoft.com/office/drawing/2010/main" w="9525">
                     <a:solidFill>
                       <a:srgbClr val="000000"/>
                     </a:solidFill>
@@ -10402,7 +10407,7 @@
               </a:ln>
               <a:extLst>
                 <a:ext uri="{91240B29-F687-4f45-9708-019B960494DF}">
-                  <a14:hiddenLine xmlns:a14="http://schemas.microsoft.com/office/drawing/2010/main" xmlns="" w="9525">
+                  <a14:hiddenLine xmlns="" xmlns:a14="http://schemas.microsoft.com/office/drawing/2010/main" w="9525">
                     <a:solidFill>
                       <a:srgbClr val="000000"/>
                     </a:solidFill>
@@ -10492,7 +10497,7 @@
               </a:ln>
               <a:extLst>
                 <a:ext uri="{91240B29-F687-4f45-9708-019B960494DF}">
-                  <a14:hiddenLine xmlns:a14="http://schemas.microsoft.com/office/drawing/2010/main" xmlns="" w="9525">
+                  <a14:hiddenLine xmlns="" xmlns:a14="http://schemas.microsoft.com/office/drawing/2010/main" w="9525">
                     <a:solidFill>
                       <a:srgbClr val="000000"/>
                     </a:solidFill>
@@ -10557,7 +10562,7 @@
               </a:ln>
               <a:extLst>
                 <a:ext uri="{91240B29-F687-4f45-9708-019B960494DF}">
-                  <a14:hiddenLine xmlns:a14="http://schemas.microsoft.com/office/drawing/2010/main" xmlns="" w="9525">
+                  <a14:hiddenLine xmlns="" xmlns:a14="http://schemas.microsoft.com/office/drawing/2010/main" w="9525">
                     <a:solidFill>
                       <a:srgbClr val="000000"/>
                     </a:solidFill>
@@ -10619,7 +10624,7 @@
               </a:ln>
               <a:extLst>
                 <a:ext uri="{91240B29-F687-4f45-9708-019B960494DF}">
-                  <a14:hiddenLine xmlns:a14="http://schemas.microsoft.com/office/drawing/2010/main" xmlns="" w="9525">
+                  <a14:hiddenLine xmlns="" xmlns:a14="http://schemas.microsoft.com/office/drawing/2010/main" w="9525">
                     <a:solidFill>
                       <a:srgbClr val="000000"/>
                     </a:solidFill>
@@ -10709,7 +10714,7 @@
               </a:ln>
               <a:extLst>
                 <a:ext uri="{91240B29-F687-4f45-9708-019B960494DF}">
-                  <a14:hiddenLine xmlns:a14="http://schemas.microsoft.com/office/drawing/2010/main" xmlns="" w="9525">
+                  <a14:hiddenLine xmlns="" xmlns:a14="http://schemas.microsoft.com/office/drawing/2010/main" w="9525">
                     <a:solidFill>
                       <a:srgbClr val="000000"/>
                     </a:solidFill>
@@ -10799,7 +10804,7 @@
               </a:ln>
               <a:extLst>
                 <a:ext uri="{91240B29-F687-4f45-9708-019B960494DF}">
-                  <a14:hiddenLine xmlns:a14="http://schemas.microsoft.com/office/drawing/2010/main" xmlns="" w="9525">
+                  <a14:hiddenLine xmlns="" xmlns:a14="http://schemas.microsoft.com/office/drawing/2010/main" w="9525">
                     <a:solidFill>
                       <a:srgbClr val="000000"/>
                     </a:solidFill>
@@ -10864,7 +10869,7 @@
               </a:ln>
               <a:extLst>
                 <a:ext uri="{91240B29-F687-4f45-9708-019B960494DF}">
-                  <a14:hiddenLine xmlns:a14="http://schemas.microsoft.com/office/drawing/2010/main" xmlns="" w="9525">
+                  <a14:hiddenLine xmlns="" xmlns:a14="http://schemas.microsoft.com/office/drawing/2010/main" w="9525">
                     <a:solidFill>
                       <a:srgbClr val="000000"/>
                     </a:solidFill>
@@ -10984,7 +10989,7 @@
               </a:ln>
               <a:extLst>
                 <a:ext uri="{91240B29-F687-4f45-9708-019B960494DF}">
-                  <a14:hiddenLine xmlns:a14="http://schemas.microsoft.com/office/drawing/2010/main" xmlns="" w="9525">
+                  <a14:hiddenLine xmlns="" xmlns:a14="http://schemas.microsoft.com/office/drawing/2010/main" w="9525">
                     <a:solidFill>
                       <a:srgbClr val="000000"/>
                     </a:solidFill>
@@ -11082,7 +11087,7 @@
               </a:ln>
               <a:extLst>
                 <a:ext uri="{91240B29-F687-4f45-9708-019B960494DF}">
-                  <a14:hiddenLine xmlns:a14="http://schemas.microsoft.com/office/drawing/2010/main" xmlns="" w="9525">
+                  <a14:hiddenLine xmlns="" xmlns:a14="http://schemas.microsoft.com/office/drawing/2010/main" w="9525">
                     <a:solidFill>
                       <a:srgbClr val="000000"/>
                     </a:solidFill>
@@ -11197,7 +11202,7 @@
               </a:ln>
               <a:extLst>
                 <a:ext uri="{91240B29-F687-4f45-9708-019B960494DF}">
-                  <a14:hiddenLine xmlns:a14="http://schemas.microsoft.com/office/drawing/2010/main" xmlns="" w="9525">
+                  <a14:hiddenLine xmlns="" xmlns:a14="http://schemas.microsoft.com/office/drawing/2010/main" w="9525">
                     <a:solidFill>
                       <a:srgbClr val="000000"/>
                     </a:solidFill>
@@ -11287,7 +11292,7 @@
               </a:ln>
               <a:extLst>
                 <a:ext uri="{91240B29-F687-4f45-9708-019B960494DF}">
-                  <a14:hiddenLine xmlns:a14="http://schemas.microsoft.com/office/drawing/2010/main" xmlns="" w="9525">
+                  <a14:hiddenLine xmlns="" xmlns:a14="http://schemas.microsoft.com/office/drawing/2010/main" w="9525">
                     <a:solidFill>
                       <a:srgbClr val="000000"/>
                     </a:solidFill>
@@ -11352,7 +11357,7 @@
               </a:ln>
               <a:extLst>
                 <a:ext uri="{91240B29-F687-4f45-9708-019B960494DF}">
-                  <a14:hiddenLine xmlns:a14="http://schemas.microsoft.com/office/drawing/2010/main" xmlns="" w="9525">
+                  <a14:hiddenLine xmlns="" xmlns:a14="http://schemas.microsoft.com/office/drawing/2010/main" w="9525">
                     <a:solidFill>
                       <a:srgbClr val="000000"/>
                     </a:solidFill>
@@ -11442,7 +11447,7 @@
               </a:ln>
               <a:extLst>
                 <a:ext uri="{91240B29-F687-4f45-9708-019B960494DF}">
-                  <a14:hiddenLine xmlns:a14="http://schemas.microsoft.com/office/drawing/2010/main" xmlns="" w="9525">
+                  <a14:hiddenLine xmlns="" xmlns:a14="http://schemas.microsoft.com/office/drawing/2010/main" w="9525">
                     <a:solidFill>
                       <a:srgbClr val="000000"/>
                     </a:solidFill>
@@ -11510,7 +11515,7 @@
               </a:ln>
               <a:extLst>
                 <a:ext uri="{91240B29-F687-4f45-9708-019B960494DF}">
-                  <a14:hiddenLine xmlns:a14="http://schemas.microsoft.com/office/drawing/2010/main" xmlns="" w="9525">
+                  <a14:hiddenLine xmlns="" xmlns:a14="http://schemas.microsoft.com/office/drawing/2010/main" w="9525">
                     <a:solidFill>
                       <a:srgbClr val="000000"/>
                     </a:solidFill>
@@ -11600,7 +11605,7 @@
               </a:ln>
               <a:extLst>
                 <a:ext uri="{91240B29-F687-4f45-9708-019B960494DF}">
-                  <a14:hiddenLine xmlns:a14="http://schemas.microsoft.com/office/drawing/2010/main" xmlns="" w="9525">
+                  <a14:hiddenLine xmlns="" xmlns:a14="http://schemas.microsoft.com/office/drawing/2010/main" w="9525">
                     <a:solidFill>
                       <a:srgbClr val="000000"/>
                     </a:solidFill>
@@ -11668,7 +11673,7 @@
               </a:ln>
               <a:extLst>
                 <a:ext uri="{91240B29-F687-4f45-9708-019B960494DF}">
-                  <a14:hiddenLine xmlns:a14="http://schemas.microsoft.com/office/drawing/2010/main" xmlns="" w="9525">
+                  <a14:hiddenLine xmlns="" xmlns:a14="http://schemas.microsoft.com/office/drawing/2010/main" w="9525">
                     <a:solidFill>
                       <a:srgbClr val="000000"/>
                     </a:solidFill>
@@ -11758,7 +11763,7 @@
               </a:ln>
               <a:extLst>
                 <a:ext uri="{91240B29-F687-4f45-9708-019B960494DF}">
-                  <a14:hiddenLine xmlns:a14="http://schemas.microsoft.com/office/drawing/2010/main" xmlns="" w="9525">
+                  <a14:hiddenLine xmlns="" xmlns:a14="http://schemas.microsoft.com/office/drawing/2010/main" w="9525">
                     <a:solidFill>
                       <a:srgbClr val="000000"/>
                     </a:solidFill>
@@ -11792,7 +11797,7 @@
               </a:ln>
               <a:extLst>
                 <a:ext uri="{91240B29-F687-4f45-9708-019B960494DF}">
-                  <a14:hiddenLine xmlns:a14="http://schemas.microsoft.com/office/drawing/2010/main" xmlns="" w="9525">
+                  <a14:hiddenLine xmlns="" xmlns:a14="http://schemas.microsoft.com/office/drawing/2010/main" w="9525">
                     <a:solidFill>
                       <a:srgbClr val="000000"/>
                     </a:solidFill>
@@ -11933,7 +11938,7 @@
             <a:fld id="{48A87A34-81AB-432B-8DAE-1953F412C126}" type="datetimeFigureOut">
               <a:rPr lang="en-US" dirty="0"/>
               <a:pPr/>
-              <a:t>3/1/22</a:t>
+              <a:t>3/8/22</a:t>
             </a:fld>
             <a:endParaRPr lang="en-US" dirty="0"/>
           </a:p>
@@ -13021,7 +13026,7 @@
               <a:rPr lang="en-US" sz="2800" cap="none" dirty="0">
                 <a:latin typeface="Ford Antenna Medium Cnd" panose="02000505000000020004" pitchFamily="2" charset="0"/>
               </a:rPr>
-              <a:t>Description</a:t>
+              <a:t>Why this Building Block?</a:t>
             </a:r>
           </a:p>
         </p:txBody>

--- a/assets/slides/rfc8594.pptx
+++ b/assets/slides/rfc8594.pptx
@@ -9,9 +9,10 @@
     <p:sldId id="262" r:id="rId3"/>
     <p:sldId id="260" r:id="rId4"/>
     <p:sldId id="261" r:id="rId5"/>
-    <p:sldId id="257" r:id="rId6"/>
-    <p:sldId id="258" r:id="rId7"/>
-    <p:sldId id="259" r:id="rId8"/>
+    <p:sldId id="263" r:id="rId6"/>
+    <p:sldId id="257" r:id="rId7"/>
+    <p:sldId id="258" r:id="rId8"/>
+    <p:sldId id="259" r:id="rId9"/>
   </p:sldIdLst>
   <p:sldSz cx="12192000" cy="6858000"/>
   <p:notesSz cx="6858000" cy="9144000"/>
@@ -13374,6 +13375,254 @@
           <a:chExt cx="0" cy="0"/>
         </a:xfrm>
       </p:grpSpPr>
+      <p:sp>
+        <p:nvSpPr>
+          <p:cNvPr id="3" name="Content Placeholder 2">
+            <a:extLst>
+              <a:ext uri="{FF2B5EF4-FFF2-40B4-BE49-F238E27FC236}">
+                <a16:creationId xmlns:a16="http://schemas.microsoft.com/office/drawing/2014/main" id="{17956A75-E2B2-0F45-9348-FCC5353B9806}"/>
+              </a:ext>
+            </a:extLst>
+          </p:cNvPr>
+          <p:cNvSpPr>
+            <a:spLocks noGrp="1"/>
+          </p:cNvSpPr>
+          <p:nvPr>
+            <p:ph idx="1"/>
+          </p:nvPr>
+        </p:nvSpPr>
+        <p:spPr>
+          <a:xfrm>
+            <a:off x="1344613" y="2445807"/>
+            <a:ext cx="9145586" cy="3081868"/>
+          </a:xfrm>
+        </p:spPr>
+        <p:txBody>
+          <a:bodyPr/>
+          <a:lstStyle/>
+          <a:p>
+            <a:pPr marL="0" indent="0">
+              <a:buNone/>
+            </a:pPr>
+            <a:r>
+              <a:rPr lang="en-US" dirty="0">
+                <a:latin typeface="Ford Antenna Medium" panose="02000505000000020004" pitchFamily="2" charset="0"/>
+              </a:rPr>
+              <a:t>RFC 8594 defines the HTTP field "Sunset" which is used to advertise the timestamp when a resource/API will become unavailable. Providers can use this field to advertise the sunset when it is known. Consumers can use the field to react to such an advertisement, for example by raising alarms or by writing information to a log.</a:t>
+            </a:r>
+          </a:p>
+        </p:txBody>
+      </p:sp>
+      <p:sp>
+        <p:nvSpPr>
+          <p:cNvPr id="6" name="Title 1">
+            <a:extLst>
+              <a:ext uri="{FF2B5EF4-FFF2-40B4-BE49-F238E27FC236}">
+                <a16:creationId xmlns:a16="http://schemas.microsoft.com/office/drawing/2014/main" id="{4D0CE8EE-FF7C-AF4D-B6BF-D600E6EA4B66}"/>
+              </a:ext>
+            </a:extLst>
+          </p:cNvPr>
+          <p:cNvSpPr txBox="1">
+            <a:spLocks/>
+          </p:cNvSpPr>
+          <p:nvPr/>
+        </p:nvSpPr>
+        <p:spPr>
+          <a:xfrm>
+            <a:off x="1698623" y="607218"/>
+            <a:ext cx="8791575" cy="919162"/>
+          </a:xfrm>
+          <a:prstGeom prst="rect">
+            <a:avLst/>
+          </a:prstGeom>
+        </p:spPr>
+        <p:txBody>
+          <a:bodyPr vert="horz" lIns="91440" tIns="45720" rIns="91440" bIns="45720" rtlCol="0" anchor="ctr">
+            <a:normAutofit/>
+          </a:bodyPr>
+          <a:lstStyle>
+            <a:lvl1pPr algn="l" defTabSz="914400" rtl="0" eaLnBrk="1" latinLnBrk="0" hangingPunct="1">
+              <a:lnSpc>
+                <a:spcPct val="90000"/>
+              </a:lnSpc>
+              <a:spcBef>
+                <a:spcPct val="0"/>
+              </a:spcBef>
+              <a:buNone/>
+              <a:defRPr sz="3600" kern="1200" cap="all" baseline="0">
+                <a:solidFill>
+                  <a:schemeClr val="tx1"/>
+                </a:solidFill>
+                <a:latin typeface="+mj-lt"/>
+                <a:ea typeface="+mj-ea"/>
+                <a:cs typeface="+mj-cs"/>
+              </a:defRPr>
+            </a:lvl1pPr>
+          </a:lstStyle>
+          <a:p>
+            <a:r>
+              <a:rPr lang="en-US" cap="none" dirty="0">
+                <a:solidFill>
+                  <a:schemeClr val="bg2"/>
+                </a:solidFill>
+                <a:latin typeface="Ford Antenna Medium Cnd" panose="02000505000000020004" pitchFamily="2" charset="0"/>
+              </a:rPr>
+              <a:t>The Sunset HTTP Header Field</a:t>
+            </a:r>
+          </a:p>
+        </p:txBody>
+      </p:sp>
+      <p:sp>
+        <p:nvSpPr>
+          <p:cNvPr id="7" name="Title 1">
+            <a:extLst>
+              <a:ext uri="{FF2B5EF4-FFF2-40B4-BE49-F238E27FC236}">
+                <a16:creationId xmlns:a16="http://schemas.microsoft.com/office/drawing/2014/main" id="{924EB63B-9391-8F4A-A2B2-162C9716D18E}"/>
+              </a:ext>
+            </a:extLst>
+          </p:cNvPr>
+          <p:cNvSpPr txBox="1">
+            <a:spLocks/>
+          </p:cNvSpPr>
+          <p:nvPr/>
+        </p:nvSpPr>
+        <p:spPr>
+          <a:xfrm>
+            <a:off x="1698623" y="1330325"/>
+            <a:ext cx="8791575" cy="919162"/>
+          </a:xfrm>
+          <a:prstGeom prst="rect">
+            <a:avLst/>
+          </a:prstGeom>
+        </p:spPr>
+        <p:txBody>
+          <a:bodyPr vert="horz" lIns="91440" tIns="45720" rIns="91440" bIns="45720" rtlCol="0" anchor="ctr">
+            <a:normAutofit/>
+          </a:bodyPr>
+          <a:lstStyle>
+            <a:lvl1pPr algn="l" defTabSz="914400" rtl="0" eaLnBrk="1" latinLnBrk="0" hangingPunct="1">
+              <a:lnSpc>
+                <a:spcPct val="90000"/>
+              </a:lnSpc>
+              <a:spcBef>
+                <a:spcPct val="0"/>
+              </a:spcBef>
+              <a:buNone/>
+              <a:defRPr sz="3600" kern="1200" cap="all" baseline="0">
+                <a:solidFill>
+                  <a:schemeClr val="tx1"/>
+                </a:solidFill>
+                <a:latin typeface="+mj-lt"/>
+                <a:ea typeface="+mj-ea"/>
+                <a:cs typeface="+mj-cs"/>
+              </a:defRPr>
+            </a:lvl1pPr>
+          </a:lstStyle>
+          <a:p>
+            <a:r>
+              <a:rPr lang="en-US" sz="2800" cap="none" dirty="0">
+                <a:latin typeface="Ford Antenna Medium Cnd" panose="02000505000000020004" pitchFamily="2" charset="0"/>
+              </a:rPr>
+              <a:t>What does the Building Block do?</a:t>
+            </a:r>
+          </a:p>
+        </p:txBody>
+      </p:sp>
+      <p:sp>
+        <p:nvSpPr>
+          <p:cNvPr id="9" name="Title 1">
+            <a:extLst>
+              <a:ext uri="{FF2B5EF4-FFF2-40B4-BE49-F238E27FC236}">
+                <a16:creationId xmlns:a16="http://schemas.microsoft.com/office/drawing/2014/main" id="{E97A758C-3EE1-4E49-86C8-6017B063ABDB}"/>
+              </a:ext>
+            </a:extLst>
+          </p:cNvPr>
+          <p:cNvSpPr txBox="1">
+            <a:spLocks/>
+          </p:cNvSpPr>
+          <p:nvPr/>
+        </p:nvSpPr>
+        <p:spPr>
+          <a:xfrm>
+            <a:off x="1192211" y="6284649"/>
+            <a:ext cx="2346856" cy="508000"/>
+          </a:xfrm>
+          <a:prstGeom prst="rect">
+            <a:avLst/>
+          </a:prstGeom>
+          <a:effectLst/>
+        </p:spPr>
+        <p:txBody>
+          <a:bodyPr vert="horz" lIns="91440" tIns="45720" rIns="91440" bIns="45720" rtlCol="0" anchor="b">
+            <a:normAutofit/>
+          </a:bodyPr>
+          <a:lstStyle>
+            <a:lvl1pPr algn="l" defTabSz="914400" rtl="0" eaLnBrk="1" latinLnBrk="0" hangingPunct="1">
+              <a:lnSpc>
+                <a:spcPct val="90000"/>
+              </a:lnSpc>
+              <a:spcBef>
+                <a:spcPct val="0"/>
+              </a:spcBef>
+              <a:buNone/>
+              <a:defRPr sz="4800" kern="1200" cap="all" baseline="0">
+                <a:solidFill>
+                  <a:schemeClr val="tx1"/>
+                </a:solidFill>
+                <a:latin typeface="+mj-lt"/>
+                <a:ea typeface="+mj-ea"/>
+                <a:cs typeface="+mj-cs"/>
+              </a:defRPr>
+            </a:lvl1pPr>
+          </a:lstStyle>
+          <a:p>
+            <a:r>
+              <a:rPr lang="en-US" sz="2400" i="1" cap="none" dirty="0">
+                <a:solidFill>
+                  <a:srgbClr val="48A8E3"/>
+                </a:solidFill>
+                <a:effectLst>
+                  <a:outerShdw blurRad="63500" dist="60484" dir="2700000" sx="100475" sy="100475" algn="tl" rotWithShape="0">
+                    <a:schemeClr val="bg2"/>
+                  </a:outerShdw>
+                </a:effectLst>
+                <a:latin typeface="Ford Antenna Thin XCnd" panose="02000505000000020004" pitchFamily="2" charset="0"/>
+              </a:rPr>
+              <a:t>HTTP API Building Blocks</a:t>
+            </a:r>
+          </a:p>
+        </p:txBody>
+      </p:sp>
+    </p:spTree>
+    <p:extLst>
+      <p:ext uri="{BB962C8B-B14F-4D97-AF65-F5344CB8AC3E}">
+        <p14:creationId xmlns:p14="http://schemas.microsoft.com/office/powerpoint/2010/main" val="1805536950"/>
+      </p:ext>
+    </p:extLst>
+  </p:cSld>
+  <p:clrMapOvr>
+    <a:masterClrMapping/>
+  </p:clrMapOvr>
+</p:sld>
+</file>
+
+<file path=ppt/slides/slide6.xml><?xml version="1.0" encoding="utf-8"?>
+<p:sld xmlns:a="http://schemas.openxmlformats.org/drawingml/2006/main" xmlns:r="http://schemas.openxmlformats.org/officeDocument/2006/relationships" xmlns:p="http://schemas.openxmlformats.org/presentationml/2006/main">
+  <p:cSld>
+    <p:spTree>
+      <p:nvGrpSpPr>
+        <p:cNvPr id="1" name=""/>
+        <p:cNvGrpSpPr/>
+        <p:nvPr/>
+      </p:nvGrpSpPr>
+      <p:grpSpPr>
+        <a:xfrm>
+          <a:off x="0" y="0"/>
+          <a:ext cx="0" cy="0"/>
+          <a:chOff x="0" y="0"/>
+          <a:chExt cx="0" cy="0"/>
+        </a:xfrm>
+      </p:grpSpPr>
       <p:pic>
         <p:nvPicPr>
           <p:cNvPr id="4" name="Picture 3">
@@ -13489,7 +13738,7 @@
 </p:sld>
 </file>
 
-<file path=ppt/slides/slide6.xml><?xml version="1.0" encoding="utf-8"?>
+<file path=ppt/slides/slide7.xml><?xml version="1.0" encoding="utf-8"?>
 <p:sld xmlns:a="http://schemas.openxmlformats.org/drawingml/2006/main" xmlns:r="http://schemas.openxmlformats.org/officeDocument/2006/relationships" xmlns:p="http://schemas.openxmlformats.org/presentationml/2006/main">
   <p:cSld>
     <p:spTree>
@@ -13738,7 +13987,7 @@
 </p:sld>
 </file>
 
-<file path=ppt/slides/slide7.xml><?xml version="1.0" encoding="utf-8"?>
+<file path=ppt/slides/slide8.xml><?xml version="1.0" encoding="utf-8"?>
 <p:sld xmlns:a="http://schemas.openxmlformats.org/drawingml/2006/main" xmlns:r="http://schemas.openxmlformats.org/officeDocument/2006/relationships" xmlns:p="http://schemas.openxmlformats.org/presentationml/2006/main">
   <p:cSld>
     <p:spTree>

--- a/assets/slides/rfc8594.pptx
+++ b/assets/slides/rfc8594.pptx
@@ -11,8 +11,9 @@
     <p:sldId id="261" r:id="rId5"/>
     <p:sldId id="263" r:id="rId6"/>
     <p:sldId id="257" r:id="rId7"/>
-    <p:sldId id="258" r:id="rId8"/>
-    <p:sldId id="259" r:id="rId9"/>
+    <p:sldId id="264" r:id="rId8"/>
+    <p:sldId id="258" r:id="rId9"/>
+    <p:sldId id="259" r:id="rId10"/>
   </p:sldIdLst>
   <p:sldSz cx="12192000" cy="6858000"/>
   <p:notesSz cx="6858000" cy="9144000"/>
@@ -13781,6 +13782,259 @@
           <a:bodyPr/>
           <a:lstStyle/>
           <a:p>
+            <a:r>
+              <a:rPr lang="en-US" dirty="0">
+                <a:latin typeface="Ford Antenna Medium" panose="02000505000000020004" pitchFamily="2" charset="0"/>
+              </a:rPr>
+              <a:t>Sunset Header Field</a:t>
+            </a:r>
+          </a:p>
+          <a:p>
+            <a:r>
+              <a:rPr lang="en-US" dirty="0">
+                <a:latin typeface="Ford Antenna Medium" panose="02000505000000020004" pitchFamily="2" charset="0"/>
+              </a:rPr>
+              <a:t>Sunset Link Relation</a:t>
+            </a:r>
+          </a:p>
+        </p:txBody>
+      </p:sp>
+      <p:sp>
+        <p:nvSpPr>
+          <p:cNvPr id="6" name="Title 1">
+            <a:extLst>
+              <a:ext uri="{FF2B5EF4-FFF2-40B4-BE49-F238E27FC236}">
+                <a16:creationId xmlns:a16="http://schemas.microsoft.com/office/drawing/2014/main" id="{4D0CE8EE-FF7C-AF4D-B6BF-D600E6EA4B66}"/>
+              </a:ext>
+            </a:extLst>
+          </p:cNvPr>
+          <p:cNvSpPr txBox="1">
+            <a:spLocks/>
+          </p:cNvSpPr>
+          <p:nvPr/>
+        </p:nvSpPr>
+        <p:spPr>
+          <a:xfrm>
+            <a:off x="1698623" y="607218"/>
+            <a:ext cx="8791575" cy="919162"/>
+          </a:xfrm>
+          <a:prstGeom prst="rect">
+            <a:avLst/>
+          </a:prstGeom>
+        </p:spPr>
+        <p:txBody>
+          <a:bodyPr vert="horz" lIns="91440" tIns="45720" rIns="91440" bIns="45720" rtlCol="0" anchor="ctr">
+            <a:normAutofit/>
+          </a:bodyPr>
+          <a:lstStyle>
+            <a:lvl1pPr algn="l" defTabSz="914400" rtl="0" eaLnBrk="1" latinLnBrk="0" hangingPunct="1">
+              <a:lnSpc>
+                <a:spcPct val="90000"/>
+              </a:lnSpc>
+              <a:spcBef>
+                <a:spcPct val="0"/>
+              </a:spcBef>
+              <a:buNone/>
+              <a:defRPr sz="3600" kern="1200" cap="all" baseline="0">
+                <a:solidFill>
+                  <a:schemeClr val="tx1"/>
+                </a:solidFill>
+                <a:latin typeface="+mj-lt"/>
+                <a:ea typeface="+mj-ea"/>
+                <a:cs typeface="+mj-cs"/>
+              </a:defRPr>
+            </a:lvl1pPr>
+          </a:lstStyle>
+          <a:p>
+            <a:r>
+              <a:rPr lang="en-US" cap="none" dirty="0">
+                <a:solidFill>
+                  <a:schemeClr val="bg2"/>
+                </a:solidFill>
+                <a:latin typeface="Ford Antenna Medium Cnd" panose="02000505000000020004" pitchFamily="2" charset="0"/>
+              </a:rPr>
+              <a:t>The Sunset HTTP Header Field</a:t>
+            </a:r>
+          </a:p>
+        </p:txBody>
+      </p:sp>
+      <p:sp>
+        <p:nvSpPr>
+          <p:cNvPr id="7" name="Title 1">
+            <a:extLst>
+              <a:ext uri="{FF2B5EF4-FFF2-40B4-BE49-F238E27FC236}">
+                <a16:creationId xmlns:a16="http://schemas.microsoft.com/office/drawing/2014/main" id="{924EB63B-9391-8F4A-A2B2-162C9716D18E}"/>
+              </a:ext>
+            </a:extLst>
+          </p:cNvPr>
+          <p:cNvSpPr txBox="1">
+            <a:spLocks/>
+          </p:cNvSpPr>
+          <p:nvPr/>
+        </p:nvSpPr>
+        <p:spPr>
+          <a:xfrm>
+            <a:off x="1698623" y="1330325"/>
+            <a:ext cx="8791575" cy="919162"/>
+          </a:xfrm>
+          <a:prstGeom prst="rect">
+            <a:avLst/>
+          </a:prstGeom>
+        </p:spPr>
+        <p:txBody>
+          <a:bodyPr vert="horz" lIns="91440" tIns="45720" rIns="91440" bIns="45720" rtlCol="0" anchor="ctr">
+            <a:normAutofit/>
+          </a:bodyPr>
+          <a:lstStyle>
+            <a:lvl1pPr algn="l" defTabSz="914400" rtl="0" eaLnBrk="1" latinLnBrk="0" hangingPunct="1">
+              <a:lnSpc>
+                <a:spcPct val="90000"/>
+              </a:lnSpc>
+              <a:spcBef>
+                <a:spcPct val="0"/>
+              </a:spcBef>
+              <a:buNone/>
+              <a:defRPr sz="3600" kern="1200" cap="all" baseline="0">
+                <a:solidFill>
+                  <a:schemeClr val="tx1"/>
+                </a:solidFill>
+                <a:latin typeface="+mj-lt"/>
+                <a:ea typeface="+mj-ea"/>
+                <a:cs typeface="+mj-cs"/>
+              </a:defRPr>
+            </a:lvl1pPr>
+          </a:lstStyle>
+          <a:p>
+            <a:r>
+              <a:rPr lang="en-US" sz="2800" cap="none" dirty="0">
+                <a:latin typeface="Ford Antenna Medium Cnd" panose="02000505000000020004" pitchFamily="2" charset="0"/>
+              </a:rPr>
+              <a:t>Building Block Overview</a:t>
+            </a:r>
+          </a:p>
+        </p:txBody>
+      </p:sp>
+      <p:sp>
+        <p:nvSpPr>
+          <p:cNvPr id="9" name="Title 1">
+            <a:extLst>
+              <a:ext uri="{FF2B5EF4-FFF2-40B4-BE49-F238E27FC236}">
+                <a16:creationId xmlns:a16="http://schemas.microsoft.com/office/drawing/2014/main" id="{E97A758C-3EE1-4E49-86C8-6017B063ABDB}"/>
+              </a:ext>
+            </a:extLst>
+          </p:cNvPr>
+          <p:cNvSpPr txBox="1">
+            <a:spLocks/>
+          </p:cNvSpPr>
+          <p:nvPr/>
+        </p:nvSpPr>
+        <p:spPr>
+          <a:xfrm>
+            <a:off x="1192211" y="6284649"/>
+            <a:ext cx="2346856" cy="508000"/>
+          </a:xfrm>
+          <a:prstGeom prst="rect">
+            <a:avLst/>
+          </a:prstGeom>
+          <a:effectLst/>
+        </p:spPr>
+        <p:txBody>
+          <a:bodyPr vert="horz" lIns="91440" tIns="45720" rIns="91440" bIns="45720" rtlCol="0" anchor="b">
+            <a:normAutofit/>
+          </a:bodyPr>
+          <a:lstStyle>
+            <a:lvl1pPr algn="l" defTabSz="914400" rtl="0" eaLnBrk="1" latinLnBrk="0" hangingPunct="1">
+              <a:lnSpc>
+                <a:spcPct val="90000"/>
+              </a:lnSpc>
+              <a:spcBef>
+                <a:spcPct val="0"/>
+              </a:spcBef>
+              <a:buNone/>
+              <a:defRPr sz="4800" kern="1200" cap="all" baseline="0">
+                <a:solidFill>
+                  <a:schemeClr val="tx1"/>
+                </a:solidFill>
+                <a:latin typeface="+mj-lt"/>
+                <a:ea typeface="+mj-ea"/>
+                <a:cs typeface="+mj-cs"/>
+              </a:defRPr>
+            </a:lvl1pPr>
+          </a:lstStyle>
+          <a:p>
+            <a:r>
+              <a:rPr lang="en-US" sz="2400" i="1" cap="none" dirty="0">
+                <a:solidFill>
+                  <a:srgbClr val="48A8E3"/>
+                </a:solidFill>
+                <a:effectLst>
+                  <a:outerShdw blurRad="63500" dist="60484" dir="2700000" sx="100475" sy="100475" algn="tl" rotWithShape="0">
+                    <a:schemeClr val="bg2"/>
+                  </a:outerShdw>
+                </a:effectLst>
+                <a:latin typeface="Ford Antenna Thin XCnd" panose="02000505000000020004" pitchFamily="2" charset="0"/>
+              </a:rPr>
+              <a:t>HTTP API Building Blocks</a:t>
+            </a:r>
+          </a:p>
+        </p:txBody>
+      </p:sp>
+    </p:spTree>
+    <p:extLst>
+      <p:ext uri="{BB962C8B-B14F-4D97-AF65-F5344CB8AC3E}">
+        <p14:creationId xmlns:p14="http://schemas.microsoft.com/office/powerpoint/2010/main" val="1738507563"/>
+      </p:ext>
+    </p:extLst>
+  </p:cSld>
+  <p:clrMapOvr>
+    <a:masterClrMapping/>
+  </p:clrMapOvr>
+</p:sld>
+</file>
+
+<file path=ppt/slides/slide8.xml><?xml version="1.0" encoding="utf-8"?>
+<p:sld xmlns:a="http://schemas.openxmlformats.org/drawingml/2006/main" xmlns:r="http://schemas.openxmlformats.org/officeDocument/2006/relationships" xmlns:p="http://schemas.openxmlformats.org/presentationml/2006/main">
+  <p:cSld>
+    <p:spTree>
+      <p:nvGrpSpPr>
+        <p:cNvPr id="1" name=""/>
+        <p:cNvGrpSpPr/>
+        <p:nvPr/>
+      </p:nvGrpSpPr>
+      <p:grpSpPr>
+        <a:xfrm>
+          <a:off x="0" y="0"/>
+          <a:ext cx="0" cy="0"/>
+          <a:chOff x="0" y="0"/>
+          <a:chExt cx="0" cy="0"/>
+        </a:xfrm>
+      </p:grpSpPr>
+      <p:sp>
+        <p:nvSpPr>
+          <p:cNvPr id="3" name="Content Placeholder 2">
+            <a:extLst>
+              <a:ext uri="{FF2B5EF4-FFF2-40B4-BE49-F238E27FC236}">
+                <a16:creationId xmlns:a16="http://schemas.microsoft.com/office/drawing/2014/main" id="{17956A75-E2B2-0F45-9348-FCC5353B9806}"/>
+              </a:ext>
+            </a:extLst>
+          </p:cNvPr>
+          <p:cNvSpPr>
+            <a:spLocks noGrp="1"/>
+          </p:cNvSpPr>
+          <p:nvPr>
+            <p:ph idx="1"/>
+          </p:nvPr>
+        </p:nvSpPr>
+        <p:spPr>
+          <a:xfrm>
+            <a:off x="1344613" y="2445807"/>
+            <a:ext cx="9145586" cy="3081868"/>
+          </a:xfrm>
+        </p:spPr>
+        <p:txBody>
+          <a:bodyPr/>
+          <a:lstStyle/>
+          <a:p>
             <a:pPr marL="0" indent="0">
               <a:buNone/>
             </a:pPr>
@@ -13987,7 +14241,7 @@
 </p:sld>
 </file>
 
-<file path=ppt/slides/slide8.xml><?xml version="1.0" encoding="utf-8"?>
+<file path=ppt/slides/slide9.xml><?xml version="1.0" encoding="utf-8"?>
 <p:sld xmlns:a="http://schemas.openxmlformats.org/drawingml/2006/main" xmlns:r="http://schemas.openxmlformats.org/officeDocument/2006/relationships" xmlns:p="http://schemas.openxmlformats.org/presentationml/2006/main">
   <p:cSld>
     <p:spTree>

--- a/assets/slides/rfc8594.pptx
+++ b/assets/slides/rfc8594.pptx
@@ -14,6 +14,7 @@
     <p:sldId id="264" r:id="rId8"/>
     <p:sldId id="258" r:id="rId9"/>
     <p:sldId id="259" r:id="rId10"/>
+    <p:sldId id="265" r:id="rId11"/>
   </p:sldIdLst>
   <p:sldSz cx="12192000" cy="6858000"/>
   <p:notesSz cx="6858000" cy="9144000"/>
@@ -12478,6 +12479,407 @@
 </p:sld>
 </file>
 
+<file path=ppt/slides/slide10.xml><?xml version="1.0" encoding="utf-8"?>
+<p:sld xmlns:a="http://schemas.openxmlformats.org/drawingml/2006/main" xmlns:r="http://schemas.openxmlformats.org/officeDocument/2006/relationships" xmlns:p="http://schemas.openxmlformats.org/presentationml/2006/main">
+  <p:cSld>
+    <p:spTree>
+      <p:nvGrpSpPr>
+        <p:cNvPr id="1" name=""/>
+        <p:cNvGrpSpPr/>
+        <p:nvPr/>
+      </p:nvGrpSpPr>
+      <p:grpSpPr>
+        <a:xfrm>
+          <a:off x="0" y="0"/>
+          <a:ext cx="0" cy="0"/>
+          <a:chOff x="0" y="0"/>
+          <a:chExt cx="0" cy="0"/>
+        </a:xfrm>
+      </p:grpSpPr>
+      <p:sp>
+        <p:nvSpPr>
+          <p:cNvPr id="2" name="Title 1">
+            <a:extLst>
+              <a:ext uri="{FF2B5EF4-FFF2-40B4-BE49-F238E27FC236}">
+                <a16:creationId xmlns:a16="http://schemas.microsoft.com/office/drawing/2014/main" id="{2FFF2C9B-392B-164A-ADF8-CAF50655D050}"/>
+              </a:ext>
+            </a:extLst>
+          </p:cNvPr>
+          <p:cNvSpPr>
+            <a:spLocks noGrp="1"/>
+          </p:cNvSpPr>
+          <p:nvPr>
+            <p:ph type="ctrTitle"/>
+          </p:nvPr>
+        </p:nvSpPr>
+        <p:spPr>
+          <a:xfrm>
+            <a:off x="1876424" y="2590800"/>
+            <a:ext cx="8791575" cy="919162"/>
+          </a:xfrm>
+        </p:spPr>
+        <p:txBody>
+          <a:bodyPr/>
+          <a:lstStyle/>
+          <a:p>
+            <a:r>
+              <a:rPr lang="en-US" cap="none" dirty="0">
+                <a:effectLst>
+                  <a:outerShdw blurRad="63500" dist="60484" dir="2700000" sx="100475" sy="100475" algn="tl" rotWithShape="0">
+                    <a:schemeClr val="bg2"/>
+                  </a:outerShdw>
+                </a:effectLst>
+                <a:latin typeface="Ford Antenna Medium Cnd" panose="02000505000000020004" pitchFamily="2" charset="0"/>
+              </a:rPr>
+              <a:t>The Sunset HTTP Header Field</a:t>
+            </a:r>
+          </a:p>
+        </p:txBody>
+      </p:sp>
+      <p:sp>
+        <p:nvSpPr>
+          <p:cNvPr id="3" name="Subtitle 2">
+            <a:extLst>
+              <a:ext uri="{FF2B5EF4-FFF2-40B4-BE49-F238E27FC236}">
+                <a16:creationId xmlns:a16="http://schemas.microsoft.com/office/drawing/2014/main" id="{498E71C8-F41C-2146-AB4E-1CCCAEB836DD}"/>
+              </a:ext>
+            </a:extLst>
+          </p:cNvPr>
+          <p:cNvSpPr>
+            <a:spLocks noGrp="1"/>
+          </p:cNvSpPr>
+          <p:nvPr>
+            <p:ph type="subTitle" idx="1"/>
+          </p:nvPr>
+        </p:nvSpPr>
+        <p:spPr>
+          <a:xfrm>
+            <a:off x="2946400" y="3860799"/>
+            <a:ext cx="7721599" cy="2319867"/>
+          </a:xfrm>
+        </p:spPr>
+        <p:txBody>
+          <a:bodyPr>
+            <a:normAutofit/>
+          </a:bodyPr>
+          <a:lstStyle/>
+          <a:p>
+            <a:pPr marL="457200" indent="-457200">
+              <a:buFont typeface="Arial" panose="020B0604020202020204" pitchFamily="34" charset="0"/>
+              <a:buChar char="•"/>
+            </a:pPr>
+            <a:r>
+              <a:rPr lang="en-US" cap="none" dirty="0">
+                <a:latin typeface="Ford Antenna Medium Cnd" panose="02000505000000020004" pitchFamily="2" charset="0"/>
+              </a:rPr>
+              <a:t>https://httpapis.info/RFC-8594-The-Sunset-HTTP-Header-Field</a:t>
+            </a:r>
+          </a:p>
+          <a:p>
+            <a:pPr marL="457200" indent="-457200">
+              <a:buFont typeface="Arial" panose="020B0604020202020204" pitchFamily="34" charset="0"/>
+              <a:buChar char="•"/>
+            </a:pPr>
+            <a:r>
+              <a:rPr lang="en-US" cap="none" dirty="0">
+                <a:latin typeface="Ford Antenna Medium Cnd" panose="02000505000000020004" pitchFamily="2" charset="0"/>
+              </a:rPr>
+              <a:t>https://datatracker.ietf.org/doc/html/rfc8594</a:t>
+            </a:r>
+          </a:p>
+        </p:txBody>
+      </p:sp>
+      <p:sp>
+        <p:nvSpPr>
+          <p:cNvPr id="4" name="Subtitle 2">
+            <a:extLst>
+              <a:ext uri="{FF2B5EF4-FFF2-40B4-BE49-F238E27FC236}">
+                <a16:creationId xmlns:a16="http://schemas.microsoft.com/office/drawing/2014/main" id="{9BD40A76-5812-7F48-B455-A1F163C057E0}"/>
+              </a:ext>
+            </a:extLst>
+          </p:cNvPr>
+          <p:cNvSpPr txBox="1">
+            <a:spLocks/>
+          </p:cNvSpPr>
+          <p:nvPr/>
+        </p:nvSpPr>
+        <p:spPr>
+          <a:xfrm>
+            <a:off x="2946400" y="1683808"/>
+            <a:ext cx="7721599" cy="919162"/>
+          </a:xfrm>
+          <a:prstGeom prst="rect">
+            <a:avLst/>
+          </a:prstGeom>
+        </p:spPr>
+        <p:txBody>
+          <a:bodyPr vert="horz" lIns="91440" tIns="45720" rIns="91440" bIns="45720" rtlCol="0">
+            <a:normAutofit/>
+          </a:bodyPr>
+          <a:lstStyle>
+            <a:lvl1pPr marL="0" indent="0" algn="l" defTabSz="914400" rtl="0" eaLnBrk="1" latinLnBrk="0" hangingPunct="1">
+              <a:lnSpc>
+                <a:spcPct val="120000"/>
+              </a:lnSpc>
+              <a:spcBef>
+                <a:spcPts val="1000"/>
+              </a:spcBef>
+              <a:buSzPct val="125000"/>
+              <a:buFont typeface="Arial" panose="020B0604020202020204" pitchFamily="34" charset="0"/>
+              <a:buNone/>
+              <a:defRPr sz="2000" kern="1200" cap="all" baseline="0">
+                <a:solidFill>
+                  <a:schemeClr val="tx2"/>
+                </a:solidFill>
+                <a:latin typeface="+mn-lt"/>
+                <a:ea typeface="+mn-ea"/>
+                <a:cs typeface="+mn-cs"/>
+              </a:defRPr>
+            </a:lvl1pPr>
+            <a:lvl2pPr marL="457200" indent="0" algn="ctr" defTabSz="914400" rtl="0" eaLnBrk="1" latinLnBrk="0" hangingPunct="1">
+              <a:lnSpc>
+                <a:spcPct val="120000"/>
+              </a:lnSpc>
+              <a:spcBef>
+                <a:spcPts val="500"/>
+              </a:spcBef>
+              <a:buSzPct val="125000"/>
+              <a:buFont typeface="Arial" panose="020B0604020202020204" pitchFamily="34" charset="0"/>
+              <a:buNone/>
+              <a:defRPr sz="2000" kern="1200">
+                <a:solidFill>
+                  <a:schemeClr val="tx1"/>
+                </a:solidFill>
+                <a:latin typeface="+mn-lt"/>
+                <a:ea typeface="+mn-ea"/>
+                <a:cs typeface="+mn-cs"/>
+              </a:defRPr>
+            </a:lvl2pPr>
+            <a:lvl3pPr marL="914400" indent="0" algn="ctr" defTabSz="914400" rtl="0" eaLnBrk="1" latinLnBrk="0" hangingPunct="1">
+              <a:lnSpc>
+                <a:spcPct val="120000"/>
+              </a:lnSpc>
+              <a:spcBef>
+                <a:spcPts val="500"/>
+              </a:spcBef>
+              <a:buSzPct val="125000"/>
+              <a:buFont typeface="Arial" panose="020B0604020202020204" pitchFamily="34" charset="0"/>
+              <a:buNone/>
+              <a:defRPr sz="1800" kern="1200">
+                <a:solidFill>
+                  <a:schemeClr val="tx1"/>
+                </a:solidFill>
+                <a:latin typeface="+mn-lt"/>
+                <a:ea typeface="+mn-ea"/>
+                <a:cs typeface="+mn-cs"/>
+              </a:defRPr>
+            </a:lvl3pPr>
+            <a:lvl4pPr marL="1371600" indent="0" algn="ctr" defTabSz="914400" rtl="0" eaLnBrk="1" latinLnBrk="0" hangingPunct="1">
+              <a:lnSpc>
+                <a:spcPct val="120000"/>
+              </a:lnSpc>
+              <a:spcBef>
+                <a:spcPts val="500"/>
+              </a:spcBef>
+              <a:buSzPct val="125000"/>
+              <a:buFont typeface="Arial" panose="020B0604020202020204" pitchFamily="34" charset="0"/>
+              <a:buNone/>
+              <a:defRPr sz="1600" kern="1200">
+                <a:solidFill>
+                  <a:schemeClr val="tx1"/>
+                </a:solidFill>
+                <a:latin typeface="+mn-lt"/>
+                <a:ea typeface="+mn-ea"/>
+                <a:cs typeface="+mn-cs"/>
+              </a:defRPr>
+            </a:lvl4pPr>
+            <a:lvl5pPr marL="1828800" indent="0" algn="ctr" defTabSz="914400" rtl="0" eaLnBrk="1" latinLnBrk="0" hangingPunct="1">
+              <a:lnSpc>
+                <a:spcPct val="120000"/>
+              </a:lnSpc>
+              <a:spcBef>
+                <a:spcPts val="500"/>
+              </a:spcBef>
+              <a:buSzPct val="125000"/>
+              <a:buFont typeface="Arial" panose="020B0604020202020204" pitchFamily="34" charset="0"/>
+              <a:buNone/>
+              <a:defRPr sz="1600" kern="1200">
+                <a:solidFill>
+                  <a:schemeClr val="tx1"/>
+                </a:solidFill>
+                <a:latin typeface="+mn-lt"/>
+                <a:ea typeface="+mn-ea"/>
+                <a:cs typeface="+mn-cs"/>
+              </a:defRPr>
+            </a:lvl5pPr>
+            <a:lvl6pPr marL="2286000" indent="0" algn="ctr" defTabSz="914400" rtl="0" eaLnBrk="1" latinLnBrk="0" hangingPunct="1">
+              <a:lnSpc>
+                <a:spcPct val="120000"/>
+              </a:lnSpc>
+              <a:spcBef>
+                <a:spcPts val="500"/>
+              </a:spcBef>
+              <a:buSzPct val="125000"/>
+              <a:buFont typeface="Arial" panose="020B0604020202020204" pitchFamily="34" charset="0"/>
+              <a:buNone/>
+              <a:defRPr sz="1600" kern="1200">
+                <a:solidFill>
+                  <a:schemeClr val="tx1"/>
+                </a:solidFill>
+                <a:latin typeface="+mn-lt"/>
+                <a:ea typeface="+mn-ea"/>
+                <a:cs typeface="+mn-cs"/>
+              </a:defRPr>
+            </a:lvl6pPr>
+            <a:lvl7pPr marL="2743200" indent="0" algn="ctr" defTabSz="914400" rtl="0" eaLnBrk="1" latinLnBrk="0" hangingPunct="1">
+              <a:lnSpc>
+                <a:spcPct val="120000"/>
+              </a:lnSpc>
+              <a:spcBef>
+                <a:spcPts val="500"/>
+              </a:spcBef>
+              <a:buSzPct val="125000"/>
+              <a:buFont typeface="Arial" panose="020B0604020202020204" pitchFamily="34" charset="0"/>
+              <a:buNone/>
+              <a:defRPr sz="1600" kern="1200">
+                <a:solidFill>
+                  <a:schemeClr val="tx1"/>
+                </a:solidFill>
+                <a:latin typeface="+mn-lt"/>
+                <a:ea typeface="+mn-ea"/>
+                <a:cs typeface="+mn-cs"/>
+              </a:defRPr>
+            </a:lvl7pPr>
+            <a:lvl8pPr marL="3200400" indent="0" algn="ctr" defTabSz="914400" rtl="0" eaLnBrk="1" latinLnBrk="0" hangingPunct="1">
+              <a:lnSpc>
+                <a:spcPct val="120000"/>
+              </a:lnSpc>
+              <a:spcBef>
+                <a:spcPts val="500"/>
+              </a:spcBef>
+              <a:buSzPct val="125000"/>
+              <a:buFont typeface="Arial" panose="020B0604020202020204" pitchFamily="34" charset="0"/>
+              <a:buNone/>
+              <a:defRPr sz="1600" kern="1200">
+                <a:solidFill>
+                  <a:schemeClr val="tx1"/>
+                </a:solidFill>
+                <a:latin typeface="+mn-lt"/>
+                <a:ea typeface="+mn-ea"/>
+                <a:cs typeface="+mn-cs"/>
+              </a:defRPr>
+            </a:lvl8pPr>
+            <a:lvl9pPr marL="3657600" indent="0" algn="ctr" defTabSz="914400" rtl="0" eaLnBrk="1" latinLnBrk="0" hangingPunct="1">
+              <a:lnSpc>
+                <a:spcPct val="120000"/>
+              </a:lnSpc>
+              <a:spcBef>
+                <a:spcPts val="500"/>
+              </a:spcBef>
+              <a:buSzPct val="125000"/>
+              <a:buFont typeface="Arial" panose="020B0604020202020204" pitchFamily="34" charset="0"/>
+              <a:buNone/>
+              <a:defRPr sz="1600" kern="1200">
+                <a:solidFill>
+                  <a:schemeClr val="tx1"/>
+                </a:solidFill>
+                <a:latin typeface="+mn-lt"/>
+                <a:ea typeface="+mn-ea"/>
+                <a:cs typeface="+mn-cs"/>
+              </a:defRPr>
+            </a:lvl9pPr>
+          </a:lstStyle>
+          <a:p>
+            <a:r>
+              <a:rPr lang="en-US" sz="3200" cap="none" dirty="0">
+                <a:solidFill>
+                  <a:schemeClr val="bg2"/>
+                </a:solidFill>
+                <a:latin typeface="Ford Antenna Medium" panose="02000505000000020004" pitchFamily="2" charset="0"/>
+              </a:rPr>
+              <a:t>Internet RFC 8594</a:t>
+            </a:r>
+          </a:p>
+        </p:txBody>
+      </p:sp>
+      <p:sp>
+        <p:nvSpPr>
+          <p:cNvPr id="6" name="Title 1">
+            <a:extLst>
+              <a:ext uri="{FF2B5EF4-FFF2-40B4-BE49-F238E27FC236}">
+                <a16:creationId xmlns:a16="http://schemas.microsoft.com/office/drawing/2014/main" id="{164F923F-7AFE-9B47-8278-38DF883B5B72}"/>
+              </a:ext>
+            </a:extLst>
+          </p:cNvPr>
+          <p:cNvSpPr txBox="1">
+            <a:spLocks/>
+          </p:cNvSpPr>
+          <p:nvPr/>
+        </p:nvSpPr>
+        <p:spPr>
+          <a:xfrm>
+            <a:off x="2292878" y="6277503"/>
+            <a:ext cx="2346856" cy="508000"/>
+          </a:xfrm>
+          <a:prstGeom prst="rect">
+            <a:avLst/>
+          </a:prstGeom>
+          <a:effectLst/>
+        </p:spPr>
+        <p:txBody>
+          <a:bodyPr vert="horz" lIns="91440" tIns="45720" rIns="91440" bIns="45720" rtlCol="0" anchor="b">
+            <a:normAutofit/>
+          </a:bodyPr>
+          <a:lstStyle>
+            <a:lvl1pPr algn="l" defTabSz="914400" rtl="0" eaLnBrk="1" latinLnBrk="0" hangingPunct="1">
+              <a:lnSpc>
+                <a:spcPct val="90000"/>
+              </a:lnSpc>
+              <a:spcBef>
+                <a:spcPct val="0"/>
+              </a:spcBef>
+              <a:buNone/>
+              <a:defRPr sz="4800" kern="1200" cap="all" baseline="0">
+                <a:solidFill>
+                  <a:schemeClr val="tx1"/>
+                </a:solidFill>
+                <a:latin typeface="+mj-lt"/>
+                <a:ea typeface="+mj-ea"/>
+                <a:cs typeface="+mj-cs"/>
+              </a:defRPr>
+            </a:lvl1pPr>
+          </a:lstStyle>
+          <a:p>
+            <a:r>
+              <a:rPr lang="en-US" sz="2400" i="1" cap="none" dirty="0">
+                <a:solidFill>
+                  <a:srgbClr val="48A8E3"/>
+                </a:solidFill>
+                <a:effectLst>
+                  <a:outerShdw blurRad="63500" dist="60484" dir="2700000" sx="100475" sy="100475" algn="tl" rotWithShape="0">
+                    <a:schemeClr val="bg2"/>
+                  </a:outerShdw>
+                </a:effectLst>
+                <a:latin typeface="Ford Antenna Thin XCnd" panose="02000505000000020004" pitchFamily="2" charset="0"/>
+              </a:rPr>
+              <a:t>HTTP API Building Blocks</a:t>
+            </a:r>
+          </a:p>
+        </p:txBody>
+      </p:sp>
+    </p:spTree>
+    <p:extLst>
+      <p:ext uri="{BB962C8B-B14F-4D97-AF65-F5344CB8AC3E}">
+        <p14:creationId xmlns:p14="http://schemas.microsoft.com/office/powerpoint/2010/main" val="4128411861"/>
+      </p:ext>
+    </p:extLst>
+  </p:cSld>
+  <p:clrMapOvr>
+    <a:masterClrMapping/>
+  </p:clrMapOvr>
+</p:sld>
+</file>
+
 <file path=ppt/slides/slide2.xml><?xml version="1.0" encoding="utf-8"?>
 <p:sld xmlns:a="http://schemas.openxmlformats.org/drawingml/2006/main" xmlns:r="http://schemas.openxmlformats.org/officeDocument/2006/relationships" xmlns:p="http://schemas.openxmlformats.org/presentationml/2006/main">
   <p:cSld>

--- a/assets/slides/rfc8594.pptx
+++ b/assets/slides/rfc8594.pptx
@@ -171,7 +171,7 @@
           <a:noFill/>
           <a:extLst>
             <a:ext uri="{909E8E84-426E-40dd-AFC4-6F175D3DCCD1}">
-              <a14:hiddenFill xmlns="" xmlns:a14="http://schemas.microsoft.com/office/drawing/2010/main">
+              <a14:hiddenFill xmlns:a14="http://schemas.microsoft.com/office/drawing/2010/main" xmlns="">
                 <a:solidFill>
                   <a:srgbClr val="FFFFFF"/>
                 </a:solidFill>
@@ -231,7 +231,7 @@
             </a:ln>
             <a:extLst>
               <a:ext uri="{91240B29-F687-4f45-9708-019B960494DF}">
-                <a14:hiddenLine xmlns="" xmlns:a14="http://schemas.microsoft.com/office/drawing/2010/main" w="9525">
+                <a14:hiddenLine xmlns:a14="http://schemas.microsoft.com/office/drawing/2010/main" xmlns="" w="9525">
                   <a:solidFill>
                     <a:srgbClr val="000000"/>
                   </a:solidFill>
@@ -321,7 +321,7 @@
             </a:ln>
             <a:extLst>
               <a:ext uri="{91240B29-F687-4f45-9708-019B960494DF}">
-                <a14:hiddenLine xmlns="" xmlns:a14="http://schemas.microsoft.com/office/drawing/2010/main" w="9525">
+                <a14:hiddenLine xmlns:a14="http://schemas.microsoft.com/office/drawing/2010/main" xmlns="" w="9525">
                   <a:solidFill>
                     <a:srgbClr val="000000"/>
                   </a:solidFill>
@@ -411,7 +411,7 @@
             </a:ln>
             <a:extLst>
               <a:ext uri="{91240B29-F687-4f45-9708-019B960494DF}">
-                <a14:hiddenLine xmlns="" xmlns:a14="http://schemas.microsoft.com/office/drawing/2010/main" w="9525">
+                <a14:hiddenLine xmlns:a14="http://schemas.microsoft.com/office/drawing/2010/main" xmlns="" w="9525">
                   <a:solidFill>
                     <a:srgbClr val="000000"/>
                   </a:solidFill>
@@ -445,7 +445,7 @@
             </a:ln>
             <a:extLst>
               <a:ext uri="{91240B29-F687-4f45-9708-019B960494DF}">
-                <a14:hiddenLine xmlns="" xmlns:a14="http://schemas.microsoft.com/office/drawing/2010/main" w="9525">
+                <a14:hiddenLine xmlns:a14="http://schemas.microsoft.com/office/drawing/2010/main" xmlns="" w="9525">
                   <a:solidFill>
                     <a:srgbClr val="000000"/>
                   </a:solidFill>
@@ -535,7 +535,7 @@
             </a:ln>
             <a:extLst>
               <a:ext uri="{91240B29-F687-4f45-9708-019B960494DF}">
-                <a14:hiddenLine xmlns="" xmlns:a14="http://schemas.microsoft.com/office/drawing/2010/main" w="9525">
+                <a14:hiddenLine xmlns:a14="http://schemas.microsoft.com/office/drawing/2010/main" xmlns="" w="9525">
                   <a:solidFill>
                     <a:srgbClr val="000000"/>
                   </a:solidFill>
@@ -597,7 +597,7 @@
             </a:ln>
             <a:extLst>
               <a:ext uri="{91240B29-F687-4f45-9708-019B960494DF}">
-                <a14:hiddenLine xmlns="" xmlns:a14="http://schemas.microsoft.com/office/drawing/2010/main" w="9525">
+                <a14:hiddenLine xmlns:a14="http://schemas.microsoft.com/office/drawing/2010/main" xmlns="" w="9525">
                   <a:solidFill>
                     <a:srgbClr val="000000"/>
                   </a:solidFill>
@@ -659,7 +659,7 @@
             </a:ln>
             <a:extLst>
               <a:ext uri="{91240B29-F687-4f45-9708-019B960494DF}">
-                <a14:hiddenLine xmlns="" xmlns:a14="http://schemas.microsoft.com/office/drawing/2010/main" w="9525">
+                <a14:hiddenLine xmlns:a14="http://schemas.microsoft.com/office/drawing/2010/main" xmlns="" w="9525">
                   <a:solidFill>
                     <a:srgbClr val="000000"/>
                   </a:solidFill>
@@ -749,7 +749,7 @@
             </a:ln>
             <a:extLst>
               <a:ext uri="{91240B29-F687-4f45-9708-019B960494DF}">
-                <a14:hiddenLine xmlns="" xmlns:a14="http://schemas.microsoft.com/office/drawing/2010/main" w="9525">
+                <a14:hiddenLine xmlns:a14="http://schemas.microsoft.com/office/drawing/2010/main" xmlns="" w="9525">
                   <a:solidFill>
                     <a:srgbClr val="000000"/>
                   </a:solidFill>
@@ -811,7 +811,7 @@
             </a:ln>
             <a:extLst>
               <a:ext uri="{91240B29-F687-4f45-9708-019B960494DF}">
-                <a14:hiddenLine xmlns="" xmlns:a14="http://schemas.microsoft.com/office/drawing/2010/main" w="9525">
+                <a14:hiddenLine xmlns:a14="http://schemas.microsoft.com/office/drawing/2010/main" xmlns="" w="9525">
                   <a:solidFill>
                     <a:srgbClr val="000000"/>
                   </a:solidFill>
@@ -873,7 +873,7 @@
             </a:ln>
             <a:extLst>
               <a:ext uri="{91240B29-F687-4f45-9708-019B960494DF}">
-                <a14:hiddenLine xmlns="" xmlns:a14="http://schemas.microsoft.com/office/drawing/2010/main" w="9525">
+                <a14:hiddenLine xmlns:a14="http://schemas.microsoft.com/office/drawing/2010/main" xmlns="" w="9525">
                   <a:solidFill>
                     <a:srgbClr val="000000"/>
                   </a:solidFill>
@@ -963,7 +963,7 @@
             </a:ln>
             <a:extLst>
               <a:ext uri="{91240B29-F687-4f45-9708-019B960494DF}">
-                <a14:hiddenLine xmlns="" xmlns:a14="http://schemas.microsoft.com/office/drawing/2010/main" w="9525">
+                <a14:hiddenLine xmlns:a14="http://schemas.microsoft.com/office/drawing/2010/main" xmlns="" w="9525">
                   <a:solidFill>
                     <a:srgbClr val="000000"/>
                   </a:solidFill>
@@ -1053,7 +1053,7 @@
             </a:ln>
             <a:extLst>
               <a:ext uri="{91240B29-F687-4f45-9708-019B960494DF}">
-                <a14:hiddenLine xmlns="" xmlns:a14="http://schemas.microsoft.com/office/drawing/2010/main" w="9525">
+                <a14:hiddenLine xmlns:a14="http://schemas.microsoft.com/office/drawing/2010/main" xmlns="" w="9525">
                   <a:solidFill>
                     <a:srgbClr val="000000"/>
                   </a:solidFill>
@@ -1115,7 +1115,7 @@
             </a:ln>
             <a:extLst>
               <a:ext uri="{91240B29-F687-4f45-9708-019B960494DF}">
-                <a14:hiddenLine xmlns="" xmlns:a14="http://schemas.microsoft.com/office/drawing/2010/main" w="9525">
+                <a14:hiddenLine xmlns:a14="http://schemas.microsoft.com/office/drawing/2010/main" xmlns="" w="9525">
                   <a:solidFill>
                     <a:srgbClr val="000000"/>
                   </a:solidFill>
@@ -1225,7 +1225,7 @@
             </a:ln>
             <a:extLst>
               <a:ext uri="{91240B29-F687-4f45-9708-019B960494DF}">
-                <a14:hiddenLine xmlns="" xmlns:a14="http://schemas.microsoft.com/office/drawing/2010/main" w="9525">
+                <a14:hiddenLine xmlns:a14="http://schemas.microsoft.com/office/drawing/2010/main" xmlns="" w="9525">
                   <a:solidFill>
                     <a:srgbClr val="000000"/>
                   </a:solidFill>
@@ -1287,7 +1287,7 @@
             </a:ln>
             <a:extLst>
               <a:ext uri="{91240B29-F687-4f45-9708-019B960494DF}">
-                <a14:hiddenLine xmlns="" xmlns:a14="http://schemas.microsoft.com/office/drawing/2010/main" w="9525">
+                <a14:hiddenLine xmlns:a14="http://schemas.microsoft.com/office/drawing/2010/main" xmlns="" w="9525">
                   <a:solidFill>
                     <a:srgbClr val="000000"/>
                   </a:solidFill>
@@ -1377,7 +1377,7 @@
             </a:ln>
             <a:extLst>
               <a:ext uri="{91240B29-F687-4f45-9708-019B960494DF}">
-                <a14:hiddenLine xmlns="" xmlns:a14="http://schemas.microsoft.com/office/drawing/2010/main" w="9525">
+                <a14:hiddenLine xmlns:a14="http://schemas.microsoft.com/office/drawing/2010/main" xmlns="" w="9525">
                   <a:solidFill>
                     <a:srgbClr val="000000"/>
                   </a:solidFill>
@@ -1467,7 +1467,7 @@
             </a:ln>
             <a:extLst>
               <a:ext uri="{91240B29-F687-4f45-9708-019B960494DF}">
-                <a14:hiddenLine xmlns="" xmlns:a14="http://schemas.microsoft.com/office/drawing/2010/main" w="9525">
+                <a14:hiddenLine xmlns:a14="http://schemas.microsoft.com/office/drawing/2010/main" xmlns="" w="9525">
                   <a:solidFill>
                     <a:srgbClr val="000000"/>
                   </a:solidFill>
@@ -1529,7 +1529,7 @@
             </a:ln>
             <a:extLst>
               <a:ext uri="{91240B29-F687-4f45-9708-019B960494DF}">
-                <a14:hiddenLine xmlns="" xmlns:a14="http://schemas.microsoft.com/office/drawing/2010/main" w="9525">
+                <a14:hiddenLine xmlns:a14="http://schemas.microsoft.com/office/drawing/2010/main" xmlns="" w="9525">
                   <a:solidFill>
                     <a:srgbClr val="000000"/>
                   </a:solidFill>
@@ -1619,7 +1619,7 @@
             </a:ln>
             <a:extLst>
               <a:ext uri="{91240B29-F687-4f45-9708-019B960494DF}">
-                <a14:hiddenLine xmlns="" xmlns:a14="http://schemas.microsoft.com/office/drawing/2010/main" w="9525">
+                <a14:hiddenLine xmlns:a14="http://schemas.microsoft.com/office/drawing/2010/main" xmlns="" w="9525">
                   <a:solidFill>
                     <a:srgbClr val="000000"/>
                   </a:solidFill>
@@ -1709,7 +1709,7 @@
             </a:ln>
             <a:extLst>
               <a:ext uri="{91240B29-F687-4f45-9708-019B960494DF}">
-                <a14:hiddenLine xmlns="" xmlns:a14="http://schemas.microsoft.com/office/drawing/2010/main" w="9525">
+                <a14:hiddenLine xmlns:a14="http://schemas.microsoft.com/office/drawing/2010/main" xmlns="" w="9525">
                   <a:solidFill>
                     <a:srgbClr val="000000"/>
                   </a:solidFill>
@@ -1765,7 +1765,7 @@
             </a:ln>
             <a:extLst>
               <a:ext uri="{91240B29-F687-4f45-9708-019B960494DF}">
-                <a14:hiddenLine xmlns="" xmlns:a14="http://schemas.microsoft.com/office/drawing/2010/main" w="9525">
+                <a14:hiddenLine xmlns:a14="http://schemas.microsoft.com/office/drawing/2010/main" xmlns="" w="9525">
                   <a:solidFill>
                     <a:srgbClr val="000000"/>
                   </a:solidFill>
@@ -1855,7 +1855,7 @@
             </a:ln>
             <a:extLst>
               <a:ext uri="{91240B29-F687-4f45-9708-019B960494DF}">
-                <a14:hiddenLine xmlns="" xmlns:a14="http://schemas.microsoft.com/office/drawing/2010/main" w="9525">
+                <a14:hiddenLine xmlns:a14="http://schemas.microsoft.com/office/drawing/2010/main" xmlns="" w="9525">
                   <a:solidFill>
                     <a:srgbClr val="000000"/>
                   </a:solidFill>
@@ -1911,7 +1911,7 @@
             </a:ln>
             <a:extLst>
               <a:ext uri="{91240B29-F687-4f45-9708-019B960494DF}">
-                <a14:hiddenLine xmlns="" xmlns:a14="http://schemas.microsoft.com/office/drawing/2010/main" w="9525">
+                <a14:hiddenLine xmlns:a14="http://schemas.microsoft.com/office/drawing/2010/main" xmlns="" w="9525">
                   <a:solidFill>
                     <a:srgbClr val="000000"/>
                   </a:solidFill>
@@ -2001,7 +2001,7 @@
             </a:ln>
             <a:extLst>
               <a:ext uri="{91240B29-F687-4f45-9708-019B960494DF}">
-                <a14:hiddenLine xmlns="" xmlns:a14="http://schemas.microsoft.com/office/drawing/2010/main" w="9525">
+                <a14:hiddenLine xmlns:a14="http://schemas.microsoft.com/office/drawing/2010/main" xmlns="" w="9525">
                   <a:solidFill>
                     <a:srgbClr val="000000"/>
                   </a:solidFill>
@@ -2069,7 +2069,7 @@
             </a:ln>
             <a:extLst>
               <a:ext uri="{91240B29-F687-4f45-9708-019B960494DF}">
-                <a14:hiddenLine xmlns="" xmlns:a14="http://schemas.microsoft.com/office/drawing/2010/main" w="9525">
+                <a14:hiddenLine xmlns:a14="http://schemas.microsoft.com/office/drawing/2010/main" xmlns="" w="9525">
                   <a:solidFill>
                     <a:srgbClr val="000000"/>
                   </a:solidFill>
@@ -2159,7 +2159,7 @@
             </a:ln>
             <a:extLst>
               <a:ext uri="{91240B29-F687-4f45-9708-019B960494DF}">
-                <a14:hiddenLine xmlns="" xmlns:a14="http://schemas.microsoft.com/office/drawing/2010/main" w="9525">
+                <a14:hiddenLine xmlns:a14="http://schemas.microsoft.com/office/drawing/2010/main" xmlns="" w="9525">
                   <a:solidFill>
                     <a:srgbClr val="000000"/>
                   </a:solidFill>
@@ -2227,7 +2227,7 @@
             </a:ln>
             <a:extLst>
               <a:ext uri="{91240B29-F687-4f45-9708-019B960494DF}">
-                <a14:hiddenLine xmlns="" xmlns:a14="http://schemas.microsoft.com/office/drawing/2010/main" w="9525">
+                <a14:hiddenLine xmlns:a14="http://schemas.microsoft.com/office/drawing/2010/main" xmlns="" w="9525">
                   <a:solidFill>
                     <a:srgbClr val="000000"/>
                   </a:solidFill>
@@ -2317,7 +2317,7 @@
             </a:ln>
             <a:extLst>
               <a:ext uri="{91240B29-F687-4f45-9708-019B960494DF}">
-                <a14:hiddenLine xmlns="" xmlns:a14="http://schemas.microsoft.com/office/drawing/2010/main" w="9525">
+                <a14:hiddenLine xmlns:a14="http://schemas.microsoft.com/office/drawing/2010/main" xmlns="" w="9525">
                   <a:solidFill>
                     <a:srgbClr val="000000"/>
                   </a:solidFill>
@@ -2351,7 +2351,7 @@
             </a:ln>
             <a:extLst>
               <a:ext uri="{91240B29-F687-4f45-9708-019B960494DF}">
-                <a14:hiddenLine xmlns="" xmlns:a14="http://schemas.microsoft.com/office/drawing/2010/main" w="9525">
+                <a14:hiddenLine xmlns:a14="http://schemas.microsoft.com/office/drawing/2010/main" xmlns="" w="9525">
                   <a:solidFill>
                     <a:srgbClr val="000000"/>
                   </a:solidFill>
@@ -2441,7 +2441,7 @@
             </a:ln>
             <a:extLst>
               <a:ext uri="{91240B29-F687-4f45-9708-019B960494DF}">
-                <a14:hiddenLine xmlns="" xmlns:a14="http://schemas.microsoft.com/office/drawing/2010/main" w="9525">
+                <a14:hiddenLine xmlns:a14="http://schemas.microsoft.com/office/drawing/2010/main" xmlns="" w="9525">
                   <a:solidFill>
                     <a:srgbClr val="000000"/>
                   </a:solidFill>
@@ -2503,7 +2503,7 @@
             </a:ln>
             <a:extLst>
               <a:ext uri="{91240B29-F687-4f45-9708-019B960494DF}">
-                <a14:hiddenLine xmlns="" xmlns:a14="http://schemas.microsoft.com/office/drawing/2010/main" w="9525">
+                <a14:hiddenLine xmlns:a14="http://schemas.microsoft.com/office/drawing/2010/main" xmlns="" w="9525">
                   <a:solidFill>
                     <a:srgbClr val="000000"/>
                   </a:solidFill>
@@ -2565,7 +2565,7 @@
             </a:ln>
             <a:extLst>
               <a:ext uri="{91240B29-F687-4f45-9708-019B960494DF}">
-                <a14:hiddenLine xmlns="" xmlns:a14="http://schemas.microsoft.com/office/drawing/2010/main" w="9525">
+                <a14:hiddenLine xmlns:a14="http://schemas.microsoft.com/office/drawing/2010/main" xmlns="" w="9525">
                   <a:solidFill>
                     <a:srgbClr val="000000"/>
                   </a:solidFill>
@@ -2655,7 +2655,7 @@
             </a:ln>
             <a:extLst>
               <a:ext uri="{91240B29-F687-4f45-9708-019B960494DF}">
-                <a14:hiddenLine xmlns="" xmlns:a14="http://schemas.microsoft.com/office/drawing/2010/main" w="9525">
+                <a14:hiddenLine xmlns:a14="http://schemas.microsoft.com/office/drawing/2010/main" xmlns="" w="9525">
                   <a:solidFill>
                     <a:srgbClr val="000000"/>
                   </a:solidFill>
@@ -2723,7 +2723,7 @@
             </a:ln>
             <a:extLst>
               <a:ext uri="{91240B29-F687-4f45-9708-019B960494DF}">
-                <a14:hiddenLine xmlns="" xmlns:a14="http://schemas.microsoft.com/office/drawing/2010/main" w="9525">
+                <a14:hiddenLine xmlns:a14="http://schemas.microsoft.com/office/drawing/2010/main" xmlns="" w="9525">
                   <a:solidFill>
                     <a:srgbClr val="000000"/>
                   </a:solidFill>
@@ -2785,7 +2785,7 @@
             </a:ln>
             <a:extLst>
               <a:ext uri="{91240B29-F687-4f45-9708-019B960494DF}">
-                <a14:hiddenLine xmlns="" xmlns:a14="http://schemas.microsoft.com/office/drawing/2010/main" w="9525">
+                <a14:hiddenLine xmlns:a14="http://schemas.microsoft.com/office/drawing/2010/main" xmlns="" w="9525">
                   <a:solidFill>
                     <a:srgbClr val="000000"/>
                   </a:solidFill>
@@ -2875,7 +2875,7 @@
             </a:ln>
             <a:extLst>
               <a:ext uri="{91240B29-F687-4f45-9708-019B960494DF}">
-                <a14:hiddenLine xmlns="" xmlns:a14="http://schemas.microsoft.com/office/drawing/2010/main" w="9525">
+                <a14:hiddenLine xmlns:a14="http://schemas.microsoft.com/office/drawing/2010/main" xmlns="" w="9525">
                   <a:solidFill>
                     <a:srgbClr val="000000"/>
                   </a:solidFill>
@@ -2937,7 +2937,7 @@
             </a:ln>
             <a:extLst>
               <a:ext uri="{91240B29-F687-4f45-9708-019B960494DF}">
-                <a14:hiddenLine xmlns="" xmlns:a14="http://schemas.microsoft.com/office/drawing/2010/main" w="9525">
+                <a14:hiddenLine xmlns:a14="http://schemas.microsoft.com/office/drawing/2010/main" xmlns="" w="9525">
                   <a:solidFill>
                     <a:srgbClr val="000000"/>
                   </a:solidFill>
@@ -3027,7 +3027,7 @@
             </a:ln>
             <a:extLst>
               <a:ext uri="{91240B29-F687-4f45-9708-019B960494DF}">
-                <a14:hiddenLine xmlns="" xmlns:a14="http://schemas.microsoft.com/office/drawing/2010/main" w="9525">
+                <a14:hiddenLine xmlns:a14="http://schemas.microsoft.com/office/drawing/2010/main" xmlns="" w="9525">
                   <a:solidFill>
                     <a:srgbClr val="000000"/>
                   </a:solidFill>
@@ -3089,7 +3089,7 @@
             </a:ln>
             <a:extLst>
               <a:ext uri="{91240B29-F687-4f45-9708-019B960494DF}">
-                <a14:hiddenLine xmlns="" xmlns:a14="http://schemas.microsoft.com/office/drawing/2010/main" w="9525">
+                <a14:hiddenLine xmlns:a14="http://schemas.microsoft.com/office/drawing/2010/main" xmlns="" w="9525">
                   <a:solidFill>
                     <a:srgbClr val="000000"/>
                   </a:solidFill>
@@ -3179,7 +3179,7 @@
             </a:ln>
             <a:extLst>
               <a:ext uri="{91240B29-F687-4f45-9708-019B960494DF}">
-                <a14:hiddenLine xmlns="" xmlns:a14="http://schemas.microsoft.com/office/drawing/2010/main" w="9525">
+                <a14:hiddenLine xmlns:a14="http://schemas.microsoft.com/office/drawing/2010/main" xmlns="" w="9525">
                   <a:solidFill>
                     <a:srgbClr val="000000"/>
                   </a:solidFill>
@@ -3213,7 +3213,7 @@
             </a:ln>
             <a:extLst>
               <a:ext uri="{91240B29-F687-4f45-9708-019B960494DF}">
-                <a14:hiddenLine xmlns="" xmlns:a14="http://schemas.microsoft.com/office/drawing/2010/main" w="9525">
+                <a14:hiddenLine xmlns:a14="http://schemas.microsoft.com/office/drawing/2010/main" xmlns="" w="9525">
                   <a:solidFill>
                     <a:srgbClr val="000000"/>
                   </a:solidFill>
@@ -3278,7 +3278,7 @@
             </a:ln>
             <a:extLst>
               <a:ext uri="{91240B29-F687-4f45-9708-019B960494DF}">
-                <a14:hiddenLine xmlns="" xmlns:a14="http://schemas.microsoft.com/office/drawing/2010/main" w="9525">
+                <a14:hiddenLine xmlns:a14="http://schemas.microsoft.com/office/drawing/2010/main" xmlns="" w="9525">
                   <a:solidFill>
                     <a:srgbClr val="000000"/>
                   </a:solidFill>
@@ -3368,7 +3368,7 @@
             </a:ln>
             <a:extLst>
               <a:ext uri="{91240B29-F687-4f45-9708-019B960494DF}">
-                <a14:hiddenLine xmlns="" xmlns:a14="http://schemas.microsoft.com/office/drawing/2010/main" w="9525">
+                <a14:hiddenLine xmlns:a14="http://schemas.microsoft.com/office/drawing/2010/main" xmlns="" w="9525">
                   <a:solidFill>
                     <a:srgbClr val="000000"/>
                   </a:solidFill>
@@ -3430,7 +3430,7 @@
             </a:ln>
             <a:extLst>
               <a:ext uri="{91240B29-F687-4f45-9708-019B960494DF}">
-                <a14:hiddenLine xmlns="" xmlns:a14="http://schemas.microsoft.com/office/drawing/2010/main" w="9525">
+                <a14:hiddenLine xmlns:a14="http://schemas.microsoft.com/office/drawing/2010/main" xmlns="" w="9525">
                   <a:solidFill>
                     <a:srgbClr val="000000"/>
                   </a:solidFill>
@@ -3520,7 +3520,7 @@
             </a:ln>
             <a:extLst>
               <a:ext uri="{91240B29-F687-4f45-9708-019B960494DF}">
-                <a14:hiddenLine xmlns="" xmlns:a14="http://schemas.microsoft.com/office/drawing/2010/main" w="9525">
+                <a14:hiddenLine xmlns:a14="http://schemas.microsoft.com/office/drawing/2010/main" xmlns="" w="9525">
                   <a:solidFill>
                     <a:srgbClr val="000000"/>
                   </a:solidFill>
@@ -3610,7 +3610,7 @@
             </a:ln>
             <a:extLst>
               <a:ext uri="{91240B29-F687-4f45-9708-019B960494DF}">
-                <a14:hiddenLine xmlns="" xmlns:a14="http://schemas.microsoft.com/office/drawing/2010/main" w="9525">
+                <a14:hiddenLine xmlns:a14="http://schemas.microsoft.com/office/drawing/2010/main" xmlns="" w="9525">
                   <a:solidFill>
                     <a:srgbClr val="000000"/>
                   </a:solidFill>
@@ -3675,7 +3675,7 @@
             </a:ln>
             <a:extLst>
               <a:ext uri="{91240B29-F687-4f45-9708-019B960494DF}">
-                <a14:hiddenLine xmlns="" xmlns:a14="http://schemas.microsoft.com/office/drawing/2010/main" w="9525">
+                <a14:hiddenLine xmlns:a14="http://schemas.microsoft.com/office/drawing/2010/main" xmlns="" w="9525">
                   <a:solidFill>
                     <a:srgbClr val="000000"/>
                   </a:solidFill>
@@ -3737,7 +3737,7 @@
             </a:ln>
             <a:extLst>
               <a:ext uri="{91240B29-F687-4f45-9708-019B960494DF}">
-                <a14:hiddenLine xmlns="" xmlns:a14="http://schemas.microsoft.com/office/drawing/2010/main" w="9525">
+                <a14:hiddenLine xmlns:a14="http://schemas.microsoft.com/office/drawing/2010/main" xmlns="" w="9525">
                   <a:solidFill>
                     <a:srgbClr val="000000"/>
                   </a:solidFill>
@@ -3827,7 +3827,7 @@
             </a:ln>
             <a:extLst>
               <a:ext uri="{91240B29-F687-4f45-9708-019B960494DF}">
-                <a14:hiddenLine xmlns="" xmlns:a14="http://schemas.microsoft.com/office/drawing/2010/main" w="9525">
+                <a14:hiddenLine xmlns:a14="http://schemas.microsoft.com/office/drawing/2010/main" xmlns="" w="9525">
                   <a:solidFill>
                     <a:srgbClr val="000000"/>
                   </a:solidFill>
@@ -3917,7 +3917,7 @@
             </a:ln>
             <a:extLst>
               <a:ext uri="{91240B29-F687-4f45-9708-019B960494DF}">
-                <a14:hiddenLine xmlns="" xmlns:a14="http://schemas.microsoft.com/office/drawing/2010/main" w="9525">
+                <a14:hiddenLine xmlns:a14="http://schemas.microsoft.com/office/drawing/2010/main" xmlns="" w="9525">
                   <a:solidFill>
                     <a:srgbClr val="000000"/>
                   </a:solidFill>
@@ -3979,7 +3979,7 @@
             </a:ln>
             <a:extLst>
               <a:ext uri="{91240B29-F687-4f45-9708-019B960494DF}">
-                <a14:hiddenLine xmlns="" xmlns:a14="http://schemas.microsoft.com/office/drawing/2010/main" w="9525">
+                <a14:hiddenLine xmlns:a14="http://schemas.microsoft.com/office/drawing/2010/main" xmlns="" w="9525">
                   <a:solidFill>
                     <a:srgbClr val="000000"/>
                   </a:solidFill>
@@ -4099,7 +4099,7 @@
             </a:ln>
             <a:extLst>
               <a:ext uri="{91240B29-F687-4f45-9708-019B960494DF}">
-                <a14:hiddenLine xmlns="" xmlns:a14="http://schemas.microsoft.com/office/drawing/2010/main" w="9525">
+                <a14:hiddenLine xmlns:a14="http://schemas.microsoft.com/office/drawing/2010/main" xmlns="" w="9525">
                   <a:solidFill>
                     <a:srgbClr val="000000"/>
                   </a:solidFill>
@@ -4167,7 +4167,7 @@
             </a:ln>
             <a:extLst>
               <a:ext uri="{91240B29-F687-4f45-9708-019B960494DF}">
-                <a14:hiddenLine xmlns="" xmlns:a14="http://schemas.microsoft.com/office/drawing/2010/main" w="9525">
+                <a14:hiddenLine xmlns:a14="http://schemas.microsoft.com/office/drawing/2010/main" xmlns="" w="9525">
                   <a:solidFill>
                     <a:srgbClr val="000000"/>
                   </a:solidFill>
@@ -4257,7 +4257,7 @@
             </a:ln>
             <a:extLst>
               <a:ext uri="{91240B29-F687-4f45-9708-019B960494DF}">
-                <a14:hiddenLine xmlns="" xmlns:a14="http://schemas.microsoft.com/office/drawing/2010/main" w="9525">
+                <a14:hiddenLine xmlns:a14="http://schemas.microsoft.com/office/drawing/2010/main" xmlns="" w="9525">
                   <a:solidFill>
                     <a:srgbClr val="000000"/>
                   </a:solidFill>
@@ -4397,7 +4397,7 @@
           <a:p>
             <a:fld id="{48A87A34-81AB-432B-8DAE-1953F412C126}" type="datetimeFigureOut">
               <a:rPr lang="en-US" dirty="0"/>
-              <a:t>3/8/22</a:t>
+              <a:t>3/15/22</a:t>
             </a:fld>
             <a:endParaRPr lang="en-US" dirty="0"/>
           </a:p>
@@ -4659,7 +4659,7 @@
           <a:p>
             <a:fld id="{48A87A34-81AB-432B-8DAE-1953F412C126}" type="datetimeFigureOut">
               <a:rPr lang="en-US" dirty="0"/>
-              <a:t>3/8/22</a:t>
+              <a:t>3/15/22</a:t>
             </a:fld>
             <a:endParaRPr lang="en-US" dirty="0"/>
           </a:p>
@@ -4850,7 +4850,7 @@
           <a:p>
             <a:fld id="{48A87A34-81AB-432B-8DAE-1953F412C126}" type="datetimeFigureOut">
               <a:rPr lang="en-US" dirty="0"/>
-              <a:t>3/8/22</a:t>
+              <a:t>3/15/22</a:t>
             </a:fld>
             <a:endParaRPr lang="en-US" dirty="0"/>
           </a:p>
@@ -5108,7 +5108,7 @@
           <a:p>
             <a:fld id="{48A87A34-81AB-432B-8DAE-1953F412C126}" type="datetimeFigureOut">
               <a:rPr lang="en-US" dirty="0"/>
-              <a:t>3/8/22</a:t>
+              <a:t>3/15/22</a:t>
             </a:fld>
             <a:endParaRPr lang="en-US" dirty="0"/>
           </a:p>
@@ -5537,7 +5537,7 @@
           <a:p>
             <a:fld id="{48A87A34-81AB-432B-8DAE-1953F412C126}" type="datetimeFigureOut">
               <a:rPr lang="en-US" dirty="0"/>
-              <a:t>3/8/22</a:t>
+              <a:t>3/15/22</a:t>
             </a:fld>
             <a:endParaRPr lang="en-US" dirty="0"/>
           </a:p>
@@ -6078,7 +6078,7 @@
           <a:p>
             <a:fld id="{48A87A34-81AB-432B-8DAE-1953F412C126}" type="datetimeFigureOut">
               <a:rPr lang="en-US" dirty="0"/>
-              <a:t>3/8/22</a:t>
+              <a:t>3/15/22</a:t>
             </a:fld>
             <a:endParaRPr lang="en-US" dirty="0"/>
           </a:p>
@@ -6793,7 +6793,7 @@
           <a:p>
             <a:fld id="{48A87A34-81AB-432B-8DAE-1953F412C126}" type="datetimeFigureOut">
               <a:rPr lang="en-US" dirty="0"/>
-              <a:t>3/8/22</a:t>
+              <a:t>3/15/22</a:t>
             </a:fld>
             <a:endParaRPr lang="en-US" dirty="0"/>
           </a:p>
@@ -6958,7 +6958,7 @@
           <a:p>
             <a:fld id="{48A87A34-81AB-432B-8DAE-1953F412C126}" type="datetimeFigureOut">
               <a:rPr lang="en-US" dirty="0"/>
-              <a:t>3/8/22</a:t>
+              <a:t>3/15/22</a:t>
             </a:fld>
             <a:endParaRPr lang="en-US" dirty="0"/>
           </a:p>
@@ -7133,7 +7133,7 @@
           <a:p>
             <a:fld id="{48A87A34-81AB-432B-8DAE-1953F412C126}" type="datetimeFigureOut">
               <a:rPr lang="en-US" dirty="0"/>
-              <a:t>3/8/22</a:t>
+              <a:t>3/15/22</a:t>
             </a:fld>
             <a:endParaRPr lang="en-US" dirty="0"/>
           </a:p>
@@ -7298,7 +7298,7 @@
           <a:p>
             <a:fld id="{48A87A34-81AB-432B-8DAE-1953F412C126}" type="datetimeFigureOut">
               <a:rPr lang="en-US" dirty="0"/>
-              <a:t>3/8/22</a:t>
+              <a:t>3/15/22</a:t>
             </a:fld>
             <a:endParaRPr lang="en-US" dirty="0"/>
           </a:p>
@@ -7543,7 +7543,7 @@
           <a:p>
             <a:fld id="{48A87A34-81AB-432B-8DAE-1953F412C126}" type="datetimeFigureOut">
               <a:rPr lang="en-US" dirty="0"/>
-              <a:t>3/8/22</a:t>
+              <a:t>3/15/22</a:t>
             </a:fld>
             <a:endParaRPr lang="en-US" dirty="0"/>
           </a:p>
@@ -7770,7 +7770,7 @@
           <a:p>
             <a:fld id="{48A87A34-81AB-432B-8DAE-1953F412C126}" type="datetimeFigureOut">
               <a:rPr lang="en-US" dirty="0"/>
-              <a:t>3/8/22</a:t>
+              <a:t>3/15/22</a:t>
             </a:fld>
             <a:endParaRPr lang="en-US" dirty="0"/>
           </a:p>
@@ -8146,7 +8146,7 @@
           <a:p>
             <a:fld id="{48A87A34-81AB-432B-8DAE-1953F412C126}" type="datetimeFigureOut">
               <a:rPr lang="en-US" dirty="0"/>
-              <a:t>3/8/22</a:t>
+              <a:t>3/15/22</a:t>
             </a:fld>
             <a:endParaRPr lang="en-US" dirty="0"/>
           </a:p>
@@ -8259,7 +8259,7 @@
           <a:p>
             <a:fld id="{48A87A34-81AB-432B-8DAE-1953F412C126}" type="datetimeFigureOut">
               <a:rPr lang="en-US" dirty="0"/>
-              <a:t>3/8/22</a:t>
+              <a:t>3/15/22</a:t>
             </a:fld>
             <a:endParaRPr lang="en-US" dirty="0"/>
           </a:p>
@@ -8349,7 +8349,7 @@
           <a:p>
             <a:fld id="{48A87A34-81AB-432B-8DAE-1953F412C126}" type="datetimeFigureOut">
               <a:rPr lang="en-US" dirty="0"/>
-              <a:t>3/8/22</a:t>
+              <a:t>3/15/22</a:t>
             </a:fld>
             <a:endParaRPr lang="en-US" dirty="0"/>
           </a:p>
@@ -8593,7 +8593,7 @@
           <a:p>
             <a:fld id="{48A87A34-81AB-432B-8DAE-1953F412C126}" type="datetimeFigureOut">
               <a:rPr lang="en-US" dirty="0"/>
-              <a:t>3/8/22</a:t>
+              <a:t>3/15/22</a:t>
             </a:fld>
             <a:endParaRPr lang="en-US" dirty="0"/>
           </a:p>
@@ -8868,7 +8868,7 @@
           <a:p>
             <a:fld id="{48A87A34-81AB-432B-8DAE-1953F412C126}" type="datetimeFigureOut">
               <a:rPr lang="en-US" dirty="0"/>
-              <a:t>3/8/22</a:t>
+              <a:t>3/15/22</a:t>
             </a:fld>
             <a:endParaRPr lang="en-US" dirty="0"/>
           </a:p>
@@ -8979,7 +8979,7 @@
           <a:noFill/>
           <a:extLst>
             <a:ext uri="{909E8E84-426E-40dd-AFC4-6F175D3DCCD1}">
-              <a14:hiddenFill xmlns="" xmlns:a14="http://schemas.microsoft.com/office/drawing/2010/main">
+              <a14:hiddenFill xmlns:a14="http://schemas.microsoft.com/office/drawing/2010/main" xmlns="">
                 <a:solidFill>
                   <a:srgbClr val="FFFFFF"/>
                 </a:solidFill>
@@ -9053,7 +9053,7 @@
               </a:ln>
               <a:extLst>
                 <a:ext uri="{91240B29-F687-4f45-9708-019B960494DF}">
-                  <a14:hiddenLine xmlns="" xmlns:a14="http://schemas.microsoft.com/office/drawing/2010/main" w="9525">
+                  <a14:hiddenLine xmlns:a14="http://schemas.microsoft.com/office/drawing/2010/main" xmlns="" w="9525">
                     <a:solidFill>
                       <a:srgbClr val="000000"/>
                     </a:solidFill>
@@ -9143,7 +9143,7 @@
               </a:ln>
               <a:extLst>
                 <a:ext uri="{91240B29-F687-4f45-9708-019B960494DF}">
-                  <a14:hiddenLine xmlns="" xmlns:a14="http://schemas.microsoft.com/office/drawing/2010/main" w="9525">
+                  <a14:hiddenLine xmlns:a14="http://schemas.microsoft.com/office/drawing/2010/main" xmlns="" w="9525">
                     <a:solidFill>
                       <a:srgbClr val="000000"/>
                     </a:solidFill>
@@ -9233,7 +9233,7 @@
               </a:ln>
               <a:extLst>
                 <a:ext uri="{91240B29-F687-4f45-9708-019B960494DF}">
-                  <a14:hiddenLine xmlns="" xmlns:a14="http://schemas.microsoft.com/office/drawing/2010/main" w="9525">
+                  <a14:hiddenLine xmlns:a14="http://schemas.microsoft.com/office/drawing/2010/main" xmlns="" w="9525">
                     <a:solidFill>
                       <a:srgbClr val="000000"/>
                     </a:solidFill>
@@ -9295,7 +9295,7 @@
               </a:ln>
               <a:extLst>
                 <a:ext uri="{91240B29-F687-4f45-9708-019B960494DF}">
-                  <a14:hiddenLine xmlns="" xmlns:a14="http://schemas.microsoft.com/office/drawing/2010/main" w="9525">
+                  <a14:hiddenLine xmlns:a14="http://schemas.microsoft.com/office/drawing/2010/main" xmlns="" w="9525">
                     <a:solidFill>
                       <a:srgbClr val="000000"/>
                     </a:solidFill>
@@ -9385,7 +9385,7 @@
               </a:ln>
               <a:extLst>
                 <a:ext uri="{91240B29-F687-4f45-9708-019B960494DF}">
-                  <a14:hiddenLine xmlns="" xmlns:a14="http://schemas.microsoft.com/office/drawing/2010/main" w="9525">
+                  <a14:hiddenLine xmlns:a14="http://schemas.microsoft.com/office/drawing/2010/main" xmlns="" w="9525">
                     <a:solidFill>
                       <a:srgbClr val="000000"/>
                     </a:solidFill>
@@ -9447,7 +9447,7 @@
               </a:ln>
               <a:extLst>
                 <a:ext uri="{91240B29-F687-4f45-9708-019B960494DF}">
-                  <a14:hiddenLine xmlns="" xmlns:a14="http://schemas.microsoft.com/office/drawing/2010/main" w="9525">
+                  <a14:hiddenLine xmlns:a14="http://schemas.microsoft.com/office/drawing/2010/main" xmlns="" w="9525">
                     <a:solidFill>
                       <a:srgbClr val="000000"/>
                     </a:solidFill>
@@ -9509,7 +9509,7 @@
               </a:ln>
               <a:extLst>
                 <a:ext uri="{91240B29-F687-4f45-9708-019B960494DF}">
-                  <a14:hiddenLine xmlns="" xmlns:a14="http://schemas.microsoft.com/office/drawing/2010/main" w="9525">
+                  <a14:hiddenLine xmlns:a14="http://schemas.microsoft.com/office/drawing/2010/main" xmlns="" w="9525">
                     <a:solidFill>
                       <a:srgbClr val="000000"/>
                     </a:solidFill>
@@ -9599,7 +9599,7 @@
               </a:ln>
               <a:extLst>
                 <a:ext uri="{91240B29-F687-4f45-9708-019B960494DF}">
-                  <a14:hiddenLine xmlns="" xmlns:a14="http://schemas.microsoft.com/office/drawing/2010/main" w="9525">
+                  <a14:hiddenLine xmlns:a14="http://schemas.microsoft.com/office/drawing/2010/main" xmlns="" w="9525">
                     <a:solidFill>
                       <a:srgbClr val="000000"/>
                     </a:solidFill>
@@ -9689,7 +9689,7 @@
               </a:ln>
               <a:extLst>
                 <a:ext uri="{91240B29-F687-4f45-9708-019B960494DF}">
-                  <a14:hiddenLine xmlns="" xmlns:a14="http://schemas.microsoft.com/office/drawing/2010/main" w="9525">
+                  <a14:hiddenLine xmlns:a14="http://schemas.microsoft.com/office/drawing/2010/main" xmlns="" w="9525">
                     <a:solidFill>
                       <a:srgbClr val="000000"/>
                     </a:solidFill>
@@ -9751,7 +9751,7 @@
               </a:ln>
               <a:extLst>
                 <a:ext uri="{91240B29-F687-4f45-9708-019B960494DF}">
-                  <a14:hiddenLine xmlns="" xmlns:a14="http://schemas.microsoft.com/office/drawing/2010/main" w="9525">
+                  <a14:hiddenLine xmlns:a14="http://schemas.microsoft.com/office/drawing/2010/main" xmlns="" w="9525">
                     <a:solidFill>
                       <a:srgbClr val="000000"/>
                     </a:solidFill>
@@ -9861,7 +9861,7 @@
               </a:ln>
               <a:extLst>
                 <a:ext uri="{91240B29-F687-4f45-9708-019B960494DF}">
-                  <a14:hiddenLine xmlns="" xmlns:a14="http://schemas.microsoft.com/office/drawing/2010/main" w="9525">
+                  <a14:hiddenLine xmlns:a14="http://schemas.microsoft.com/office/drawing/2010/main" xmlns="" w="9525">
                     <a:solidFill>
                       <a:srgbClr val="000000"/>
                     </a:solidFill>
@@ -9945,7 +9945,7 @@
               </a:ln>
               <a:extLst>
                 <a:ext uri="{91240B29-F687-4f45-9708-019B960494DF}">
-                  <a14:hiddenLine xmlns="" xmlns:a14="http://schemas.microsoft.com/office/drawing/2010/main" w="9525">
+                  <a14:hiddenLine xmlns:a14="http://schemas.microsoft.com/office/drawing/2010/main" xmlns="" w="9525">
                     <a:solidFill>
                       <a:srgbClr val="000000"/>
                     </a:solidFill>
@@ -10007,7 +10007,7 @@
               </a:ln>
               <a:extLst>
                 <a:ext uri="{91240B29-F687-4f45-9708-019B960494DF}">
-                  <a14:hiddenLine xmlns="" xmlns:a14="http://schemas.microsoft.com/office/drawing/2010/main" w="9525">
+                  <a14:hiddenLine xmlns:a14="http://schemas.microsoft.com/office/drawing/2010/main" xmlns="" w="9525">
                     <a:solidFill>
                       <a:srgbClr val="000000"/>
                     </a:solidFill>
@@ -10069,7 +10069,7 @@
               </a:ln>
               <a:extLst>
                 <a:ext uri="{91240B29-F687-4f45-9708-019B960494DF}">
-                  <a14:hiddenLine xmlns="" xmlns:a14="http://schemas.microsoft.com/office/drawing/2010/main" w="9525">
+                  <a14:hiddenLine xmlns:a14="http://schemas.microsoft.com/office/drawing/2010/main" xmlns="" w="9525">
                     <a:solidFill>
                       <a:srgbClr val="000000"/>
                     </a:solidFill>
@@ -10159,7 +10159,7 @@
               </a:ln>
               <a:extLst>
                 <a:ext uri="{91240B29-F687-4f45-9708-019B960494DF}">
-                  <a14:hiddenLine xmlns="" xmlns:a14="http://schemas.microsoft.com/office/drawing/2010/main" w="9525">
+                  <a14:hiddenLine xmlns:a14="http://schemas.microsoft.com/office/drawing/2010/main" xmlns="" w="9525">
                     <a:solidFill>
                       <a:srgbClr val="000000"/>
                     </a:solidFill>
@@ -10193,7 +10193,7 @@
               </a:ln>
               <a:extLst>
                 <a:ext uri="{91240B29-F687-4f45-9708-019B960494DF}">
-                  <a14:hiddenLine xmlns="" xmlns:a14="http://schemas.microsoft.com/office/drawing/2010/main" w="9525">
+                  <a14:hiddenLine xmlns:a14="http://schemas.microsoft.com/office/drawing/2010/main" xmlns="" w="9525">
                     <a:solidFill>
                       <a:srgbClr val="000000"/>
                     </a:solidFill>
@@ -10258,7 +10258,7 @@
               </a:ln>
               <a:extLst>
                 <a:ext uri="{91240B29-F687-4f45-9708-019B960494DF}">
-                  <a14:hiddenLine xmlns="" xmlns:a14="http://schemas.microsoft.com/office/drawing/2010/main" w="9525">
+                  <a14:hiddenLine xmlns:a14="http://schemas.microsoft.com/office/drawing/2010/main" xmlns="" w="9525">
                     <a:solidFill>
                       <a:srgbClr val="000000"/>
                     </a:solidFill>
@@ -10348,7 +10348,7 @@
               </a:ln>
               <a:extLst>
                 <a:ext uri="{91240B29-F687-4f45-9708-019B960494DF}">
-                  <a14:hiddenLine xmlns="" xmlns:a14="http://schemas.microsoft.com/office/drawing/2010/main" w="9525">
+                  <a14:hiddenLine xmlns:a14="http://schemas.microsoft.com/office/drawing/2010/main" xmlns="" w="9525">
                     <a:solidFill>
                       <a:srgbClr val="000000"/>
                     </a:solidFill>
@@ -10410,7 +10410,7 @@
               </a:ln>
               <a:extLst>
                 <a:ext uri="{91240B29-F687-4f45-9708-019B960494DF}">
-                  <a14:hiddenLine xmlns="" xmlns:a14="http://schemas.microsoft.com/office/drawing/2010/main" w="9525">
+                  <a14:hiddenLine xmlns:a14="http://schemas.microsoft.com/office/drawing/2010/main" xmlns="" w="9525">
                     <a:solidFill>
                       <a:srgbClr val="000000"/>
                     </a:solidFill>
@@ -10500,7 +10500,7 @@
               </a:ln>
               <a:extLst>
                 <a:ext uri="{91240B29-F687-4f45-9708-019B960494DF}">
-                  <a14:hiddenLine xmlns="" xmlns:a14="http://schemas.microsoft.com/office/drawing/2010/main" w="9525">
+                  <a14:hiddenLine xmlns:a14="http://schemas.microsoft.com/office/drawing/2010/main" xmlns="" w="9525">
                     <a:solidFill>
                       <a:srgbClr val="000000"/>
                     </a:solidFill>
@@ -10565,7 +10565,7 @@
               </a:ln>
               <a:extLst>
                 <a:ext uri="{91240B29-F687-4f45-9708-019B960494DF}">
-                  <a14:hiddenLine xmlns="" xmlns:a14="http://schemas.microsoft.com/office/drawing/2010/main" w="9525">
+                  <a14:hiddenLine xmlns:a14="http://schemas.microsoft.com/office/drawing/2010/main" xmlns="" w="9525">
                     <a:solidFill>
                       <a:srgbClr val="000000"/>
                     </a:solidFill>
@@ -10627,7 +10627,7 @@
               </a:ln>
               <a:extLst>
                 <a:ext uri="{91240B29-F687-4f45-9708-019B960494DF}">
-                  <a14:hiddenLine xmlns="" xmlns:a14="http://schemas.microsoft.com/office/drawing/2010/main" w="9525">
+                  <a14:hiddenLine xmlns:a14="http://schemas.microsoft.com/office/drawing/2010/main" xmlns="" w="9525">
                     <a:solidFill>
                       <a:srgbClr val="000000"/>
                     </a:solidFill>
@@ -10717,7 +10717,7 @@
               </a:ln>
               <a:extLst>
                 <a:ext uri="{91240B29-F687-4f45-9708-019B960494DF}">
-                  <a14:hiddenLine xmlns="" xmlns:a14="http://schemas.microsoft.com/office/drawing/2010/main" w="9525">
+                  <a14:hiddenLine xmlns:a14="http://schemas.microsoft.com/office/drawing/2010/main" xmlns="" w="9525">
                     <a:solidFill>
                       <a:srgbClr val="000000"/>
                     </a:solidFill>
@@ -10807,7 +10807,7 @@
               </a:ln>
               <a:extLst>
                 <a:ext uri="{91240B29-F687-4f45-9708-019B960494DF}">
-                  <a14:hiddenLine xmlns="" xmlns:a14="http://schemas.microsoft.com/office/drawing/2010/main" w="9525">
+                  <a14:hiddenLine xmlns:a14="http://schemas.microsoft.com/office/drawing/2010/main" xmlns="" w="9525">
                     <a:solidFill>
                       <a:srgbClr val="000000"/>
                     </a:solidFill>
@@ -10872,7 +10872,7 @@
               </a:ln>
               <a:extLst>
                 <a:ext uri="{91240B29-F687-4f45-9708-019B960494DF}">
-                  <a14:hiddenLine xmlns="" xmlns:a14="http://schemas.microsoft.com/office/drawing/2010/main" w="9525">
+                  <a14:hiddenLine xmlns:a14="http://schemas.microsoft.com/office/drawing/2010/main" xmlns="" w="9525">
                     <a:solidFill>
                       <a:srgbClr val="000000"/>
                     </a:solidFill>
@@ -10992,7 +10992,7 @@
               </a:ln>
               <a:extLst>
                 <a:ext uri="{91240B29-F687-4f45-9708-019B960494DF}">
-                  <a14:hiddenLine xmlns="" xmlns:a14="http://schemas.microsoft.com/office/drawing/2010/main" w="9525">
+                  <a14:hiddenLine xmlns:a14="http://schemas.microsoft.com/office/drawing/2010/main" xmlns="" w="9525">
                     <a:solidFill>
                       <a:srgbClr val="000000"/>
                     </a:solidFill>
@@ -11090,7 +11090,7 @@
               </a:ln>
               <a:extLst>
                 <a:ext uri="{91240B29-F687-4f45-9708-019B960494DF}">
-                  <a14:hiddenLine xmlns="" xmlns:a14="http://schemas.microsoft.com/office/drawing/2010/main" w="9525">
+                  <a14:hiddenLine xmlns:a14="http://schemas.microsoft.com/office/drawing/2010/main" xmlns="" w="9525">
                     <a:solidFill>
                       <a:srgbClr val="000000"/>
                     </a:solidFill>
@@ -11205,7 +11205,7 @@
               </a:ln>
               <a:extLst>
                 <a:ext uri="{91240B29-F687-4f45-9708-019B960494DF}">
-                  <a14:hiddenLine xmlns="" xmlns:a14="http://schemas.microsoft.com/office/drawing/2010/main" w="9525">
+                  <a14:hiddenLine xmlns:a14="http://schemas.microsoft.com/office/drawing/2010/main" xmlns="" w="9525">
                     <a:solidFill>
                       <a:srgbClr val="000000"/>
                     </a:solidFill>
@@ -11295,7 +11295,7 @@
               </a:ln>
               <a:extLst>
                 <a:ext uri="{91240B29-F687-4f45-9708-019B960494DF}">
-                  <a14:hiddenLine xmlns="" xmlns:a14="http://schemas.microsoft.com/office/drawing/2010/main" w="9525">
+                  <a14:hiddenLine xmlns:a14="http://schemas.microsoft.com/office/drawing/2010/main" xmlns="" w="9525">
                     <a:solidFill>
                       <a:srgbClr val="000000"/>
                     </a:solidFill>
@@ -11360,7 +11360,7 @@
               </a:ln>
               <a:extLst>
                 <a:ext uri="{91240B29-F687-4f45-9708-019B960494DF}">
-                  <a14:hiddenLine xmlns="" xmlns:a14="http://schemas.microsoft.com/office/drawing/2010/main" w="9525">
+                  <a14:hiddenLine xmlns:a14="http://schemas.microsoft.com/office/drawing/2010/main" xmlns="" w="9525">
                     <a:solidFill>
                       <a:srgbClr val="000000"/>
                     </a:solidFill>
@@ -11450,7 +11450,7 @@
               </a:ln>
               <a:extLst>
                 <a:ext uri="{91240B29-F687-4f45-9708-019B960494DF}">
-                  <a14:hiddenLine xmlns="" xmlns:a14="http://schemas.microsoft.com/office/drawing/2010/main" w="9525">
+                  <a14:hiddenLine xmlns:a14="http://schemas.microsoft.com/office/drawing/2010/main" xmlns="" w="9525">
                     <a:solidFill>
                       <a:srgbClr val="000000"/>
                     </a:solidFill>
@@ -11518,7 +11518,7 @@
               </a:ln>
               <a:extLst>
                 <a:ext uri="{91240B29-F687-4f45-9708-019B960494DF}">
-                  <a14:hiddenLine xmlns="" xmlns:a14="http://schemas.microsoft.com/office/drawing/2010/main" w="9525">
+                  <a14:hiddenLine xmlns:a14="http://schemas.microsoft.com/office/drawing/2010/main" xmlns="" w="9525">
                     <a:solidFill>
                       <a:srgbClr val="000000"/>
                     </a:solidFill>
@@ -11608,7 +11608,7 @@
               </a:ln>
               <a:extLst>
                 <a:ext uri="{91240B29-F687-4f45-9708-019B960494DF}">
-                  <a14:hiddenLine xmlns="" xmlns:a14="http://schemas.microsoft.com/office/drawing/2010/main" w="9525">
+                  <a14:hiddenLine xmlns:a14="http://schemas.microsoft.com/office/drawing/2010/main" xmlns="" w="9525">
                     <a:solidFill>
                       <a:srgbClr val="000000"/>
                     </a:solidFill>
@@ -11676,7 +11676,7 @@
               </a:ln>
               <a:extLst>
                 <a:ext uri="{91240B29-F687-4f45-9708-019B960494DF}">
-                  <a14:hiddenLine xmlns="" xmlns:a14="http://schemas.microsoft.com/office/drawing/2010/main" w="9525">
+                  <a14:hiddenLine xmlns:a14="http://schemas.microsoft.com/office/drawing/2010/main" xmlns="" w="9525">
                     <a:solidFill>
                       <a:srgbClr val="000000"/>
                     </a:solidFill>
@@ -11766,7 +11766,7 @@
               </a:ln>
               <a:extLst>
                 <a:ext uri="{91240B29-F687-4f45-9708-019B960494DF}">
-                  <a14:hiddenLine xmlns="" xmlns:a14="http://schemas.microsoft.com/office/drawing/2010/main" w="9525">
+                  <a14:hiddenLine xmlns:a14="http://schemas.microsoft.com/office/drawing/2010/main" xmlns="" w="9525">
                     <a:solidFill>
                       <a:srgbClr val="000000"/>
                     </a:solidFill>
@@ -11800,7 +11800,7 @@
               </a:ln>
               <a:extLst>
                 <a:ext uri="{91240B29-F687-4f45-9708-019B960494DF}">
-                  <a14:hiddenLine xmlns="" xmlns:a14="http://schemas.microsoft.com/office/drawing/2010/main" w="9525">
+                  <a14:hiddenLine xmlns:a14="http://schemas.microsoft.com/office/drawing/2010/main" xmlns="" w="9525">
                     <a:solidFill>
                       <a:srgbClr val="000000"/>
                     </a:solidFill>
@@ -11941,7 +11941,7 @@
             <a:fld id="{48A87A34-81AB-432B-8DAE-1953F412C126}" type="datetimeFigureOut">
               <a:rPr lang="en-US" dirty="0"/>
               <a:pPr/>
-              <a:t>3/8/22</a:t>
+              <a:t>3/15/22</a:t>
             </a:fld>
             <a:endParaRPr lang="en-US" dirty="0"/>
           </a:p>
@@ -14188,7 +14188,14 @@
               <a:rPr lang="en-US" dirty="0">
                 <a:latin typeface="Ford Antenna Medium" panose="02000505000000020004" pitchFamily="2" charset="0"/>
               </a:rPr>
-              <a:t>Sunset Header Field</a:t>
+              <a:t>Header Field: </a:t>
+            </a:r>
+            <a:r>
+              <a:rPr lang="en-US" dirty="0">
+                <a:latin typeface="Consolas" panose="020B0609020204030204" pitchFamily="49" charset="0"/>
+                <a:cs typeface="Consolas" panose="020B0609020204030204" pitchFamily="49" charset="0"/>
+              </a:rPr>
+              <a:t>Sunset</a:t>
             </a:r>
           </a:p>
           <a:p>
@@ -14196,7 +14203,14 @@
               <a:rPr lang="en-US" dirty="0">
                 <a:latin typeface="Ford Antenna Medium" panose="02000505000000020004" pitchFamily="2" charset="0"/>
               </a:rPr>
-              <a:t>Sunset Link Relation</a:t>
+              <a:t>Link Relation: </a:t>
+            </a:r>
+            <a:r>
+              <a:rPr lang="en-US" dirty="0">
+                <a:latin typeface="Consolas" panose="020B0609020204030204" pitchFamily="49" charset="0"/>
+                <a:cs typeface="Consolas" panose="020B0609020204030204" pitchFamily="49" charset="0"/>
+              </a:rPr>
+              <a:t>Sunset</a:t>
             </a:r>
           </a:p>
         </p:txBody>
@@ -14311,7 +14325,7 @@
               <a:rPr lang="en-US" sz="2800" cap="none" dirty="0">
                 <a:latin typeface="Ford Antenna Medium Cnd" panose="02000505000000020004" pitchFamily="2" charset="0"/>
               </a:rPr>
-              <a:t>Building Block Overview</a:t>
+              <a:t>Web Concepts:</a:t>
             </a:r>
           </a:p>
         </p:txBody>

--- a/assets/slides/rfc8594.pptx
+++ b/assets/slides/rfc8594.pptx
@@ -2,7 +2,7 @@
 <file path=ppt/presentation.xml><?xml version="1.0" encoding="utf-8"?>
 <p:presentation xmlns:a="http://schemas.openxmlformats.org/drawingml/2006/main" xmlns:r="http://schemas.openxmlformats.org/officeDocument/2006/relationships" xmlns:p="http://schemas.openxmlformats.org/presentationml/2006/main" autoCompressPictures="0">
   <p:sldMasterIdLst>
-    <p:sldMasterId id="2147483648" r:id="rId1"/>
+    <p:sldMasterId id="2147483669" r:id="rId1"/>
   </p:sldMasterIdLst>
   <p:sldIdLst>
     <p:sldId id="256" r:id="rId2"/>
@@ -16,7 +16,7 @@
     <p:sldId id="259" r:id="rId10"/>
     <p:sldId id="265" r:id="rId11"/>
   </p:sldIdLst>
-  <p:sldSz cx="12192000" cy="6858000"/>
+  <p:sldSz cx="9144000" cy="5143500" type="screen16x9"/>
   <p:notesSz cx="6858000" cy="9144000"/>
   <p:defaultTextStyle>
     <a:defPPr>
@@ -162,8 +162,8 @@
         </p:blipFill>
         <p:spPr bwMode="auto">
           <a:xfrm>
-            <a:off x="0" y="-1"/>
-            <a:ext cx="12192003" cy="6858001"/>
+            <a:off x="1" y="-1"/>
+            <a:ext cx="9144002" cy="5143501"/>
           </a:xfrm>
           <a:prstGeom prst="rect">
             <a:avLst/>
@@ -188,8 +188,8 @@
         </p:nvGrpSpPr>
         <p:grpSpPr>
           <a:xfrm>
-            <a:off x="0" y="0"/>
-            <a:ext cx="2305051" cy="6858001"/>
+            <a:off x="1" y="0"/>
+            <a:ext cx="1728788" cy="5143501"/>
             <a:chOff x="0" y="0"/>
             <a:chExt cx="2305051" cy="6858001"/>
           </a:xfrm>
@@ -4282,8 +4282,8 @@
         </p:nvSpPr>
         <p:spPr>
           <a:xfrm>
-            <a:off x="1876424" y="1122363"/>
-            <a:ext cx="8791575" cy="2387600"/>
+            <a:off x="1407319" y="841772"/>
+            <a:ext cx="6593681" cy="1790700"/>
           </a:xfrm>
         </p:spPr>
         <p:txBody>
@@ -4292,7 +4292,7 @@
           </a:bodyPr>
           <a:lstStyle>
             <a:lvl1pPr algn="l">
-              <a:defRPr sz="4800"/>
+              <a:defRPr sz="3600"/>
             </a:lvl1pPr>
           </a:lstStyle>
           <a:p>
@@ -4316,8 +4316,8 @@
         </p:nvSpPr>
         <p:spPr>
           <a:xfrm>
-            <a:off x="1876424" y="3602038"/>
-            <a:ext cx="8791575" cy="1655762"/>
+            <a:off x="1407319" y="2701528"/>
+            <a:ext cx="6593681" cy="1241822"/>
           </a:xfrm>
         </p:spPr>
         <p:txBody>
@@ -4327,43 +4327,43 @@
           <a:lstStyle>
             <a:lvl1pPr marL="0" indent="0" algn="l">
               <a:buNone/>
-              <a:defRPr sz="2000" cap="all" baseline="0">
+              <a:defRPr sz="1500" cap="all" baseline="0">
                 <a:solidFill>
                   <a:schemeClr val="tx2"/>
                 </a:solidFill>
               </a:defRPr>
             </a:lvl1pPr>
-            <a:lvl2pPr marL="457200" indent="0" algn="ctr">
-              <a:buNone/>
-              <a:defRPr sz="2000"/>
+            <a:lvl2pPr marL="342900" indent="0" algn="ctr">
+              <a:buNone/>
+              <a:defRPr sz="1500"/>
             </a:lvl2pPr>
-            <a:lvl3pPr marL="914400" indent="0" algn="ctr">
-              <a:buNone/>
-              <a:defRPr sz="1800"/>
+            <a:lvl3pPr marL="685800" indent="0" algn="ctr">
+              <a:buNone/>
+              <a:defRPr sz="1350"/>
             </a:lvl3pPr>
-            <a:lvl4pPr marL="1371600" indent="0" algn="ctr">
-              <a:buNone/>
-              <a:defRPr sz="1600"/>
+            <a:lvl4pPr marL="1028700" indent="0" algn="ctr">
+              <a:buNone/>
+              <a:defRPr sz="1200"/>
             </a:lvl4pPr>
-            <a:lvl5pPr marL="1828800" indent="0" algn="ctr">
-              <a:buNone/>
-              <a:defRPr sz="1600"/>
+            <a:lvl5pPr marL="1371600" indent="0" algn="ctr">
+              <a:buNone/>
+              <a:defRPr sz="1200"/>
             </a:lvl5pPr>
-            <a:lvl6pPr marL="2286000" indent="0" algn="ctr">
-              <a:buNone/>
-              <a:defRPr sz="1600"/>
+            <a:lvl6pPr marL="1714500" indent="0" algn="ctr">
+              <a:buNone/>
+              <a:defRPr sz="1200"/>
             </a:lvl6pPr>
-            <a:lvl7pPr marL="2743200" indent="0" algn="ctr">
-              <a:buNone/>
-              <a:defRPr sz="1600"/>
+            <a:lvl7pPr marL="2057400" indent="0" algn="ctr">
+              <a:buNone/>
+              <a:defRPr sz="1200"/>
             </a:lvl7pPr>
-            <a:lvl8pPr marL="3200400" indent="0" algn="ctr">
-              <a:buNone/>
-              <a:defRPr sz="1600"/>
+            <a:lvl8pPr marL="2400300" indent="0" algn="ctr">
+              <a:buNone/>
+              <a:defRPr sz="1200"/>
             </a:lvl8pPr>
-            <a:lvl9pPr marL="3657600" indent="0" algn="ctr">
-              <a:buNone/>
-              <a:defRPr sz="1600"/>
+            <a:lvl9pPr marL="2743200" indent="0" algn="ctr">
+              <a:buNone/>
+              <a:defRPr sz="1200"/>
             </a:lvl9pPr>
           </a:lstStyle>
           <a:p>
@@ -4387,8 +4387,8 @@
         </p:nvSpPr>
         <p:spPr>
           <a:xfrm>
-            <a:off x="7077511" y="5410201"/>
-            <a:ext cx="2743200" cy="365125"/>
+            <a:off x="5308133" y="4057651"/>
+            <a:ext cx="2057400" cy="273844"/>
           </a:xfrm>
         </p:spPr>
         <p:txBody>
@@ -4396,8 +4396,8 @@
           <a:lstStyle/>
           <a:p>
             <a:fld id="{48A87A34-81AB-432B-8DAE-1953F412C126}" type="datetimeFigureOut">
-              <a:rPr lang="en-US" dirty="0"/>
-              <a:t>3/15/22</a:t>
+              <a:rPr lang="en-US" smtClean="0"/>
+              <a:t>5/5/22</a:t>
             </a:fld>
             <a:endParaRPr lang="en-US" dirty="0"/>
           </a:p>
@@ -4415,8 +4415,8 @@
         </p:nvSpPr>
         <p:spPr>
           <a:xfrm>
-            <a:off x="1876424" y="5410201"/>
-            <a:ext cx="5124886" cy="365125"/>
+            <a:off x="1407318" y="4057651"/>
+            <a:ext cx="3843665" cy="273844"/>
           </a:xfrm>
         </p:spPr>
         <p:txBody>
@@ -4439,8 +4439,8 @@
         </p:nvSpPr>
         <p:spPr>
           <a:xfrm>
-            <a:off x="9896911" y="5410199"/>
-            <a:ext cx="771089" cy="365125"/>
+            <a:off x="7422684" y="4057650"/>
+            <a:ext cx="578317" cy="273844"/>
           </a:xfrm>
         </p:spPr>
         <p:txBody>
@@ -4448,7 +4448,7 @@
           <a:lstStyle/>
           <a:p>
             <a:fld id="{6D22F896-40B5-4ADD-8801-0D06FADFA095}" type="slidenum">
-              <a:rPr lang="en-US" dirty="0"/>
+              <a:rPr lang="en-US" smtClean="0"/>
               <a:t>‹#›</a:t>
             </a:fld>
             <a:endParaRPr lang="en-US" dirty="0"/>
@@ -4456,6 +4456,11 @@
         </p:txBody>
       </p:sp>
     </p:spTree>
+    <p:extLst>
+      <p:ext uri="{BB962C8B-B14F-4D97-AF65-F5344CB8AC3E}">
+        <p14:creationId xmlns:p14="http://schemas.microsoft.com/office/powerpoint/2010/main" val="1947571608"/>
+      </p:ext>
+    </p:extLst>
   </p:cSld>
   <p:clrMapOvr>
     <a:masterClrMapping/>
@@ -4492,8 +4497,8 @@
         </p:nvSpPr>
         <p:spPr>
           <a:xfrm>
-            <a:off x="1141410" y="4304664"/>
-            <a:ext cx="9912355" cy="819355"/>
+            <a:off x="856058" y="3228499"/>
+            <a:ext cx="7434266" cy="614516"/>
           </a:xfrm>
         </p:spPr>
         <p:txBody>
@@ -4502,7 +4507,7 @@
           </a:bodyPr>
           <a:lstStyle>
             <a:lvl1pPr>
-              <a:defRPr sz="3200"/>
+              <a:defRPr sz="2400"/>
             </a:lvl1pPr>
           </a:lstStyle>
           <a:p>
@@ -4526,8 +4531,8 @@
         </p:nvSpPr>
         <p:spPr>
           <a:xfrm>
-            <a:off x="1141411" y="606426"/>
-            <a:ext cx="9912354" cy="3299778"/>
+            <a:off x="856058" y="454819"/>
+            <a:ext cx="7434266" cy="2474834"/>
           </a:xfrm>
           <a:prstGeom prst="round2DiagRect">
             <a:avLst>
@@ -4560,7 +4565,7 @@
           <a:lstStyle>
             <a:lvl1pPr>
               <a:buNone/>
-              <a:defRPr lang="en-US" sz="3200"/>
+              <a:defRPr lang="en-US" sz="2400"/>
             </a:lvl1pPr>
           </a:lstStyle>
           <a:p>
@@ -4587,8 +4592,8 @@
         </p:nvSpPr>
         <p:spPr>
           <a:xfrm>
-            <a:off x="1141364" y="5124020"/>
-            <a:ext cx="9910859" cy="682472"/>
+            <a:off x="856024" y="3843015"/>
+            <a:ext cx="7433144" cy="511854"/>
           </a:xfrm>
         </p:spPr>
         <p:txBody>
@@ -4598,39 +4603,39 @@
           <a:lstStyle>
             <a:lvl1pPr marL="0" indent="0">
               <a:buNone/>
-              <a:defRPr sz="1600"/>
+              <a:defRPr sz="1200"/>
             </a:lvl1pPr>
-            <a:lvl2pPr marL="457200" indent="0">
-              <a:buNone/>
-              <a:defRPr sz="1400"/>
+            <a:lvl2pPr marL="342900" indent="0">
+              <a:buNone/>
+              <a:defRPr sz="1050"/>
             </a:lvl2pPr>
-            <a:lvl3pPr marL="914400" indent="0">
-              <a:buNone/>
-              <a:defRPr sz="1200"/>
+            <a:lvl3pPr marL="685800" indent="0">
+              <a:buNone/>
+              <a:defRPr sz="900"/>
             </a:lvl3pPr>
-            <a:lvl4pPr marL="1371600" indent="0">
-              <a:buNone/>
-              <a:defRPr sz="1000"/>
+            <a:lvl4pPr marL="1028700" indent="0">
+              <a:buNone/>
+              <a:defRPr sz="750"/>
             </a:lvl4pPr>
-            <a:lvl5pPr marL="1828800" indent="0">
-              <a:buNone/>
-              <a:defRPr sz="1000"/>
+            <a:lvl5pPr marL="1371600" indent="0">
+              <a:buNone/>
+              <a:defRPr sz="750"/>
             </a:lvl5pPr>
-            <a:lvl6pPr marL="2286000" indent="0">
-              <a:buNone/>
-              <a:defRPr sz="1000"/>
+            <a:lvl6pPr marL="1714500" indent="0">
+              <a:buNone/>
+              <a:defRPr sz="750"/>
             </a:lvl6pPr>
-            <a:lvl7pPr marL="2743200" indent="0">
-              <a:buNone/>
-              <a:defRPr sz="1000"/>
+            <a:lvl7pPr marL="2057400" indent="0">
+              <a:buNone/>
+              <a:defRPr sz="750"/>
             </a:lvl7pPr>
-            <a:lvl8pPr marL="3200400" indent="0">
-              <a:buNone/>
-              <a:defRPr sz="1000"/>
+            <a:lvl8pPr marL="2400300" indent="0">
+              <a:buNone/>
+              <a:defRPr sz="750"/>
             </a:lvl8pPr>
-            <a:lvl9pPr marL="3657600" indent="0">
-              <a:buNone/>
-              <a:defRPr sz="1000"/>
+            <a:lvl9pPr marL="2743200" indent="0">
+              <a:buNone/>
+              <a:defRPr sz="750"/>
             </a:lvl9pPr>
           </a:lstStyle>
           <a:p>
@@ -4658,8 +4663,8 @@
           <a:lstStyle/>
           <a:p>
             <a:fld id="{48A87A34-81AB-432B-8DAE-1953F412C126}" type="datetimeFigureOut">
-              <a:rPr lang="en-US" dirty="0"/>
-              <a:t>3/15/22</a:t>
+              <a:rPr lang="en-US" smtClean="0"/>
+              <a:t>5/5/22</a:t>
             </a:fld>
             <a:endParaRPr lang="en-US" dirty="0"/>
           </a:p>
@@ -4700,7 +4705,7 @@
           <a:lstStyle/>
           <a:p>
             <a:fld id="{6D22F896-40B5-4ADD-8801-0D06FADFA095}" type="slidenum">
-              <a:rPr lang="en-US" dirty="0"/>
+              <a:rPr lang="en-US" smtClean="0"/>
               <a:t>‹#›</a:t>
             </a:fld>
             <a:endParaRPr lang="en-US" dirty="0"/>
@@ -4708,6 +4713,11 @@
         </p:txBody>
       </p:sp>
     </p:spTree>
+    <p:extLst>
+      <p:ext uri="{BB962C8B-B14F-4D97-AF65-F5344CB8AC3E}">
+        <p14:creationId xmlns:p14="http://schemas.microsoft.com/office/powerpoint/2010/main" val="2644371417"/>
+      </p:ext>
+    </p:extLst>
   </p:cSld>
   <p:clrMapOvr>
     <a:masterClrMapping/>
@@ -4744,8 +4754,8 @@
         </p:nvSpPr>
         <p:spPr>
           <a:xfrm>
-            <a:off x="1141456" y="609600"/>
-            <a:ext cx="9905955" cy="3429000"/>
+            <a:off x="856093" y="457200"/>
+            <a:ext cx="7429466" cy="2571750"/>
           </a:xfrm>
         </p:spPr>
         <p:txBody>
@@ -4754,7 +4764,7 @@
           </a:bodyPr>
           <a:lstStyle>
             <a:lvl1pPr>
-              <a:defRPr sz="3600"/>
+              <a:defRPr sz="2700"/>
             </a:lvl1pPr>
           </a:lstStyle>
           <a:p>
@@ -4778,8 +4788,8 @@
         </p:nvSpPr>
         <p:spPr>
           <a:xfrm>
-            <a:off x="1141410" y="4419599"/>
-            <a:ext cx="9904459" cy="1371599"/>
+            <a:off x="856058" y="3314700"/>
+            <a:ext cx="7428344" cy="1028699"/>
           </a:xfrm>
         </p:spPr>
         <p:txBody>
@@ -4789,39 +4799,39 @@
           <a:lstStyle>
             <a:lvl1pPr marL="0" indent="0">
               <a:buNone/>
-              <a:defRPr sz="1800"/>
+              <a:defRPr sz="1350"/>
             </a:lvl1pPr>
-            <a:lvl2pPr marL="457200" indent="0">
-              <a:buNone/>
-              <a:defRPr sz="1400"/>
+            <a:lvl2pPr marL="342900" indent="0">
+              <a:buNone/>
+              <a:defRPr sz="1050"/>
             </a:lvl2pPr>
-            <a:lvl3pPr marL="914400" indent="0">
-              <a:buNone/>
-              <a:defRPr sz="1200"/>
+            <a:lvl3pPr marL="685800" indent="0">
+              <a:buNone/>
+              <a:defRPr sz="900"/>
             </a:lvl3pPr>
-            <a:lvl4pPr marL="1371600" indent="0">
-              <a:buNone/>
-              <a:defRPr sz="1000"/>
+            <a:lvl4pPr marL="1028700" indent="0">
+              <a:buNone/>
+              <a:defRPr sz="750"/>
             </a:lvl4pPr>
-            <a:lvl5pPr marL="1828800" indent="0">
-              <a:buNone/>
-              <a:defRPr sz="1000"/>
+            <a:lvl5pPr marL="1371600" indent="0">
+              <a:buNone/>
+              <a:defRPr sz="750"/>
             </a:lvl5pPr>
-            <a:lvl6pPr marL="2286000" indent="0">
-              <a:buNone/>
-              <a:defRPr sz="1000"/>
+            <a:lvl6pPr marL="1714500" indent="0">
+              <a:buNone/>
+              <a:defRPr sz="750"/>
             </a:lvl6pPr>
-            <a:lvl7pPr marL="2743200" indent="0">
-              <a:buNone/>
-              <a:defRPr sz="1000"/>
+            <a:lvl7pPr marL="2057400" indent="0">
+              <a:buNone/>
+              <a:defRPr sz="750"/>
             </a:lvl7pPr>
-            <a:lvl8pPr marL="3200400" indent="0">
-              <a:buNone/>
-              <a:defRPr sz="1000"/>
+            <a:lvl8pPr marL="2400300" indent="0">
+              <a:buNone/>
+              <a:defRPr sz="750"/>
             </a:lvl8pPr>
-            <a:lvl9pPr marL="3657600" indent="0">
-              <a:buNone/>
-              <a:defRPr sz="1000"/>
+            <a:lvl9pPr marL="2743200" indent="0">
+              <a:buNone/>
+              <a:defRPr sz="750"/>
             </a:lvl9pPr>
           </a:lstStyle>
           <a:p>
@@ -4849,8 +4859,8 @@
           <a:lstStyle/>
           <a:p>
             <a:fld id="{48A87A34-81AB-432B-8DAE-1953F412C126}" type="datetimeFigureOut">
-              <a:rPr lang="en-US" dirty="0"/>
-              <a:t>3/15/22</a:t>
+              <a:rPr lang="en-US" smtClean="0"/>
+              <a:t>5/5/22</a:t>
             </a:fld>
             <a:endParaRPr lang="en-US" dirty="0"/>
           </a:p>
@@ -4891,7 +4901,7 @@
           <a:lstStyle/>
           <a:p>
             <a:fld id="{6D22F896-40B5-4ADD-8801-0D06FADFA095}" type="slidenum">
-              <a:rPr lang="en-US" dirty="0"/>
+              <a:rPr lang="en-US" smtClean="0"/>
               <a:t>‹#›</a:t>
             </a:fld>
             <a:endParaRPr lang="en-US" dirty="0"/>
@@ -4899,6 +4909,11 @@
         </p:txBody>
       </p:sp>
     </p:spTree>
+    <p:extLst>
+      <p:ext uri="{BB962C8B-B14F-4D97-AF65-F5344CB8AC3E}">
+        <p14:creationId xmlns:p14="http://schemas.microsoft.com/office/powerpoint/2010/main" val="2747716481"/>
+      </p:ext>
+    </p:extLst>
   </p:cSld>
   <p:clrMapOvr>
     <a:masterClrMapping/>
@@ -4935,8 +4950,8 @@
         </p:nvSpPr>
         <p:spPr>
           <a:xfrm>
-            <a:off x="1446212" y="609599"/>
-            <a:ext cx="9302752" cy="2748429"/>
+            <a:off x="1084659" y="457200"/>
+            <a:ext cx="6977064" cy="2061322"/>
           </a:xfrm>
         </p:spPr>
         <p:txBody>
@@ -4945,7 +4960,7 @@
           </a:bodyPr>
           <a:lstStyle>
             <a:lvl1pPr>
-              <a:defRPr sz="3600"/>
+              <a:defRPr sz="2700"/>
             </a:lvl1pPr>
           </a:lstStyle>
           <a:p>
@@ -4969,8 +4984,8 @@
         </p:nvSpPr>
         <p:spPr>
           <a:xfrm>
-            <a:off x="1720644" y="3365557"/>
-            <a:ext cx="8752299" cy="548968"/>
+            <a:off x="1290484" y="2524168"/>
+            <a:ext cx="6564224" cy="411726"/>
           </a:xfrm>
         </p:spPr>
         <p:txBody>
@@ -4980,39 +4995,39 @@
           <a:lstStyle>
             <a:lvl1pPr marL="0" indent="0">
               <a:buNone/>
-              <a:defRPr sz="1400"/>
+              <a:defRPr sz="1050"/>
             </a:lvl1pPr>
-            <a:lvl2pPr marL="457200" indent="0">
-              <a:buNone/>
-              <a:defRPr sz="1400"/>
+            <a:lvl2pPr marL="342900" indent="0">
+              <a:buNone/>
+              <a:defRPr sz="1050"/>
             </a:lvl2pPr>
-            <a:lvl3pPr marL="914400" indent="0">
-              <a:buNone/>
-              <a:defRPr sz="1200"/>
+            <a:lvl3pPr marL="685800" indent="0">
+              <a:buNone/>
+              <a:defRPr sz="900"/>
             </a:lvl3pPr>
-            <a:lvl4pPr marL="1371600" indent="0">
-              <a:buNone/>
-              <a:defRPr sz="1000"/>
+            <a:lvl4pPr marL="1028700" indent="0">
+              <a:buNone/>
+              <a:defRPr sz="750"/>
             </a:lvl4pPr>
-            <a:lvl5pPr marL="1828800" indent="0">
-              <a:buNone/>
-              <a:defRPr sz="1000"/>
+            <a:lvl5pPr marL="1371600" indent="0">
+              <a:buNone/>
+              <a:defRPr sz="750"/>
             </a:lvl5pPr>
-            <a:lvl6pPr marL="2286000" indent="0">
-              <a:buNone/>
-              <a:defRPr sz="1000"/>
+            <a:lvl6pPr marL="1714500" indent="0">
+              <a:buNone/>
+              <a:defRPr sz="750"/>
             </a:lvl6pPr>
-            <a:lvl7pPr marL="2743200" indent="0">
-              <a:buNone/>
-              <a:defRPr sz="1000"/>
+            <a:lvl7pPr marL="2057400" indent="0">
+              <a:buNone/>
+              <a:defRPr sz="750"/>
             </a:lvl7pPr>
-            <a:lvl8pPr marL="3200400" indent="0">
-              <a:buNone/>
-              <a:defRPr sz="1000"/>
+            <a:lvl8pPr marL="2400300" indent="0">
+              <a:buNone/>
+              <a:defRPr sz="750"/>
             </a:lvl8pPr>
-            <a:lvl9pPr marL="3657600" indent="0">
-              <a:buNone/>
-              <a:defRPr sz="1000"/>
+            <a:lvl9pPr marL="2743200" indent="0">
+              <a:buNone/>
+              <a:defRPr sz="750"/>
             </a:lvl9pPr>
           </a:lstStyle>
           <a:p>
@@ -5036,8 +5051,8 @@
         </p:nvSpPr>
         <p:spPr>
           <a:xfrm>
-            <a:off x="1141411" y="4309919"/>
-            <a:ext cx="9906002" cy="1489496"/>
+            <a:off x="856058" y="3232439"/>
+            <a:ext cx="7429502" cy="1117122"/>
           </a:xfrm>
         </p:spPr>
         <p:txBody>
@@ -5047,39 +5062,39 @@
           <a:lstStyle>
             <a:lvl1pPr marL="0" indent="0">
               <a:buNone/>
-              <a:defRPr sz="1800"/>
+              <a:defRPr sz="1350"/>
             </a:lvl1pPr>
-            <a:lvl2pPr marL="457200" indent="0">
-              <a:buNone/>
-              <a:defRPr sz="1400"/>
+            <a:lvl2pPr marL="342900" indent="0">
+              <a:buNone/>
+              <a:defRPr sz="1050"/>
             </a:lvl2pPr>
-            <a:lvl3pPr marL="914400" indent="0">
-              <a:buNone/>
-              <a:defRPr sz="1200"/>
+            <a:lvl3pPr marL="685800" indent="0">
+              <a:buNone/>
+              <a:defRPr sz="900"/>
             </a:lvl3pPr>
-            <a:lvl4pPr marL="1371600" indent="0">
-              <a:buNone/>
-              <a:defRPr sz="1000"/>
+            <a:lvl4pPr marL="1028700" indent="0">
+              <a:buNone/>
+              <a:defRPr sz="750"/>
             </a:lvl4pPr>
-            <a:lvl5pPr marL="1828800" indent="0">
-              <a:buNone/>
-              <a:defRPr sz="1000"/>
+            <a:lvl5pPr marL="1371600" indent="0">
+              <a:buNone/>
+              <a:defRPr sz="750"/>
             </a:lvl5pPr>
-            <a:lvl6pPr marL="2286000" indent="0">
-              <a:buNone/>
-              <a:defRPr sz="1000"/>
+            <a:lvl6pPr marL="1714500" indent="0">
+              <a:buNone/>
+              <a:defRPr sz="750"/>
             </a:lvl6pPr>
-            <a:lvl7pPr marL="2743200" indent="0">
-              <a:buNone/>
-              <a:defRPr sz="1000"/>
+            <a:lvl7pPr marL="2057400" indent="0">
+              <a:buNone/>
+              <a:defRPr sz="750"/>
             </a:lvl7pPr>
-            <a:lvl8pPr marL="3200400" indent="0">
-              <a:buNone/>
-              <a:defRPr sz="1000"/>
+            <a:lvl8pPr marL="2400300" indent="0">
+              <a:buNone/>
+              <a:defRPr sz="750"/>
             </a:lvl8pPr>
-            <a:lvl9pPr marL="3657600" indent="0">
-              <a:buNone/>
-              <a:defRPr sz="1000"/>
+            <a:lvl9pPr marL="2743200" indent="0">
+              <a:buNone/>
+              <a:defRPr sz="750"/>
             </a:lvl9pPr>
           </a:lstStyle>
           <a:p>
@@ -5107,8 +5122,8 @@
           <a:lstStyle/>
           <a:p>
             <a:fld id="{48A87A34-81AB-432B-8DAE-1953F412C126}" type="datetimeFigureOut">
-              <a:rPr lang="en-US" dirty="0"/>
-              <a:t>3/15/22</a:t>
+              <a:rPr lang="en-US" smtClean="0"/>
+              <a:t>5/5/22</a:t>
             </a:fld>
             <a:endParaRPr lang="en-US" dirty="0"/>
           </a:p>
@@ -5149,7 +5164,7 @@
           <a:lstStyle/>
           <a:p>
             <a:fld id="{6D22F896-40B5-4ADD-8801-0D06FADFA095}" type="slidenum">
-              <a:rPr lang="en-US" dirty="0"/>
+              <a:rPr lang="en-US" smtClean="0"/>
               <a:t>‹#›</a:t>
             </a:fld>
             <a:endParaRPr lang="en-US" dirty="0"/>
@@ -5164,15 +5179,15 @@
         </p:nvSpPr>
         <p:spPr>
           <a:xfrm>
-            <a:off x="903512" y="732394"/>
-            <a:ext cx="609600" cy="584776"/>
+            <a:off x="677634" y="549295"/>
+            <a:ext cx="457200" cy="438582"/>
           </a:xfrm>
           <a:prstGeom prst="rect">
             <a:avLst/>
           </a:prstGeom>
         </p:spPr>
         <p:txBody>
-          <a:bodyPr vert="horz" lIns="91440" tIns="45720" rIns="91440" bIns="45720" rtlCol="0" anchor="ctr">
+          <a:bodyPr vert="horz" lIns="68580" tIns="34290" rIns="68580" bIns="34290" rtlCol="0" anchor="ctr">
             <a:noAutofit/>
           </a:bodyPr>
           <a:lstStyle>
@@ -5264,7 +5279,7 @@
           <a:p>
             <a:pPr lvl="0" algn="r"/>
             <a:r>
-              <a:rPr lang="en-US" sz="8000" dirty="0">
+              <a:rPr lang="en-US" sz="6000" dirty="0">
                 <a:solidFill>
                   <a:schemeClr val="tx1"/>
                 </a:solidFill>
@@ -5283,15 +5298,15 @@
         </p:nvSpPr>
         <p:spPr>
           <a:xfrm>
-            <a:off x="10537370" y="2764972"/>
-            <a:ext cx="609600" cy="584776"/>
+            <a:off x="7903028" y="2073729"/>
+            <a:ext cx="457200" cy="438582"/>
           </a:xfrm>
           <a:prstGeom prst="rect">
             <a:avLst/>
           </a:prstGeom>
         </p:spPr>
         <p:txBody>
-          <a:bodyPr vert="horz" lIns="91440" tIns="45720" rIns="91440" bIns="45720" rtlCol="0" anchor="ctr">
+          <a:bodyPr vert="horz" lIns="68580" tIns="34290" rIns="68580" bIns="34290" rtlCol="0" anchor="ctr">
             <a:noAutofit/>
           </a:bodyPr>
           <a:lstStyle>
@@ -5383,7 +5398,7 @@
           <a:p>
             <a:pPr lvl="0" algn="r"/>
             <a:r>
-              <a:rPr lang="en-US" sz="8000" dirty="0">
+              <a:rPr lang="en-US" sz="6000" dirty="0">
                 <a:solidFill>
                   <a:schemeClr val="tx1"/>
                 </a:solidFill>
@@ -5395,6 +5410,11 @@
         </p:txBody>
       </p:sp>
     </p:spTree>
+    <p:extLst>
+      <p:ext uri="{BB962C8B-B14F-4D97-AF65-F5344CB8AC3E}">
+        <p14:creationId xmlns:p14="http://schemas.microsoft.com/office/powerpoint/2010/main" val="2546076455"/>
+      </p:ext>
+    </p:extLst>
   </p:cSld>
   <p:clrMapOvr>
     <a:masterClrMapping/>
@@ -5431,8 +5451,8 @@
         </p:nvSpPr>
         <p:spPr>
           <a:xfrm>
-            <a:off x="1141410" y="2134041"/>
-            <a:ext cx="9906001" cy="2511835"/>
+            <a:off x="856058" y="1600531"/>
+            <a:ext cx="7429501" cy="1883876"/>
           </a:xfrm>
         </p:spPr>
         <p:txBody>
@@ -5441,7 +5461,7 @@
           </a:bodyPr>
           <a:lstStyle>
             <a:lvl1pPr>
-              <a:defRPr sz="3600"/>
+              <a:defRPr sz="2700"/>
             </a:lvl1pPr>
           </a:lstStyle>
           <a:p>
@@ -5465,8 +5485,8 @@
         </p:nvSpPr>
         <p:spPr>
           <a:xfrm>
-            <a:off x="1141364" y="4657655"/>
-            <a:ext cx="9904505" cy="1140644"/>
+            <a:off x="856023" y="3493241"/>
+            <a:ext cx="7428379" cy="855483"/>
           </a:xfrm>
         </p:spPr>
         <p:txBody>
@@ -5476,39 +5496,39 @@
           <a:lstStyle>
             <a:lvl1pPr marL="0" indent="0">
               <a:buNone/>
-              <a:defRPr sz="1800"/>
+              <a:defRPr sz="1350"/>
             </a:lvl1pPr>
-            <a:lvl2pPr marL="457200" indent="0">
-              <a:buNone/>
-              <a:defRPr sz="1400"/>
+            <a:lvl2pPr marL="342900" indent="0">
+              <a:buNone/>
+              <a:defRPr sz="1050"/>
             </a:lvl2pPr>
-            <a:lvl3pPr marL="914400" indent="0">
-              <a:buNone/>
-              <a:defRPr sz="1200"/>
+            <a:lvl3pPr marL="685800" indent="0">
+              <a:buNone/>
+              <a:defRPr sz="900"/>
             </a:lvl3pPr>
-            <a:lvl4pPr marL="1371600" indent="0">
-              <a:buNone/>
-              <a:defRPr sz="1000"/>
+            <a:lvl4pPr marL="1028700" indent="0">
+              <a:buNone/>
+              <a:defRPr sz="750"/>
             </a:lvl4pPr>
-            <a:lvl5pPr marL="1828800" indent="0">
-              <a:buNone/>
-              <a:defRPr sz="1000"/>
+            <a:lvl5pPr marL="1371600" indent="0">
+              <a:buNone/>
+              <a:defRPr sz="750"/>
             </a:lvl5pPr>
-            <a:lvl6pPr marL="2286000" indent="0">
-              <a:buNone/>
-              <a:defRPr sz="1000"/>
+            <a:lvl6pPr marL="1714500" indent="0">
+              <a:buNone/>
+              <a:defRPr sz="750"/>
             </a:lvl6pPr>
-            <a:lvl7pPr marL="2743200" indent="0">
-              <a:buNone/>
-              <a:defRPr sz="1000"/>
+            <a:lvl7pPr marL="2057400" indent="0">
+              <a:buNone/>
+              <a:defRPr sz="750"/>
             </a:lvl7pPr>
-            <a:lvl8pPr marL="3200400" indent="0">
-              <a:buNone/>
-              <a:defRPr sz="1000"/>
+            <a:lvl8pPr marL="2400300" indent="0">
+              <a:buNone/>
+              <a:defRPr sz="750"/>
             </a:lvl8pPr>
-            <a:lvl9pPr marL="3657600" indent="0">
-              <a:buNone/>
-              <a:defRPr sz="1000"/>
+            <a:lvl9pPr marL="2743200" indent="0">
+              <a:buNone/>
+              <a:defRPr sz="750"/>
             </a:lvl9pPr>
           </a:lstStyle>
           <a:p>
@@ -5536,8 +5556,8 @@
           <a:lstStyle/>
           <a:p>
             <a:fld id="{48A87A34-81AB-432B-8DAE-1953F412C126}" type="datetimeFigureOut">
-              <a:rPr lang="en-US" dirty="0"/>
-              <a:t>3/15/22</a:t>
+              <a:rPr lang="en-US" smtClean="0"/>
+              <a:t>5/5/22</a:t>
             </a:fld>
             <a:endParaRPr lang="en-US" dirty="0"/>
           </a:p>
@@ -5578,7 +5598,7 @@
           <a:lstStyle/>
           <a:p>
             <a:fld id="{6D22F896-40B5-4ADD-8801-0D06FADFA095}" type="slidenum">
-              <a:rPr lang="en-US" dirty="0"/>
+              <a:rPr lang="en-US" smtClean="0"/>
               <a:t>‹#›</a:t>
             </a:fld>
             <a:endParaRPr lang="en-US" dirty="0"/>
@@ -5586,6 +5606,11 @@
         </p:txBody>
       </p:sp>
     </p:spTree>
+    <p:extLst>
+      <p:ext uri="{BB962C8B-B14F-4D97-AF65-F5344CB8AC3E}">
+        <p14:creationId xmlns:p14="http://schemas.microsoft.com/office/powerpoint/2010/main" val="1220660665"/>
+      </p:ext>
+    </p:extLst>
   </p:cSld>
   <p:clrMapOvr>
     <a:masterClrMapping/>
@@ -5622,8 +5647,8 @@
         </p:nvSpPr>
         <p:spPr>
           <a:xfrm>
-            <a:off x="1141413" y="609600"/>
-            <a:ext cx="9905998" cy="1905000"/>
+            <a:off x="856060" y="457200"/>
+            <a:ext cx="7429499" cy="1428750"/>
           </a:xfrm>
         </p:spPr>
         <p:txBody>
@@ -5650,8 +5675,8 @@
         </p:nvSpPr>
         <p:spPr>
           <a:xfrm>
-            <a:off x="1141410" y="2674463"/>
-            <a:ext cx="3196899" cy="685800"/>
+            <a:off x="856058" y="2005847"/>
+            <a:ext cx="2397674" cy="514350"/>
           </a:xfrm>
         </p:spPr>
         <p:txBody>
@@ -5664,43 +5689,43 @@
                 <a:spcPct val="90000"/>
               </a:lnSpc>
               <a:buNone/>
-              <a:defRPr sz="2400" b="0" cap="all" baseline="0">
+              <a:defRPr sz="1800" b="0" cap="all" baseline="0">
                 <a:solidFill>
                   <a:schemeClr val="tx1"/>
                 </a:solidFill>
               </a:defRPr>
             </a:lvl1pPr>
-            <a:lvl2pPr marL="457200" indent="0">
-              <a:buNone/>
-              <a:defRPr sz="2000" b="1"/>
+            <a:lvl2pPr marL="342900" indent="0">
+              <a:buNone/>
+              <a:defRPr sz="1500" b="1"/>
             </a:lvl2pPr>
-            <a:lvl3pPr marL="914400" indent="0">
-              <a:buNone/>
-              <a:defRPr sz="1800" b="1"/>
+            <a:lvl3pPr marL="685800" indent="0">
+              <a:buNone/>
+              <a:defRPr sz="1350" b="1"/>
             </a:lvl3pPr>
-            <a:lvl4pPr marL="1371600" indent="0">
-              <a:buNone/>
-              <a:defRPr sz="1600" b="1"/>
+            <a:lvl4pPr marL="1028700" indent="0">
+              <a:buNone/>
+              <a:defRPr sz="1200" b="1"/>
             </a:lvl4pPr>
-            <a:lvl5pPr marL="1828800" indent="0">
-              <a:buNone/>
-              <a:defRPr sz="1600" b="1"/>
+            <a:lvl5pPr marL="1371600" indent="0">
+              <a:buNone/>
+              <a:defRPr sz="1200" b="1"/>
             </a:lvl5pPr>
-            <a:lvl6pPr marL="2286000" indent="0">
-              <a:buNone/>
-              <a:defRPr sz="1600" b="1"/>
+            <a:lvl6pPr marL="1714500" indent="0">
+              <a:buNone/>
+              <a:defRPr sz="1200" b="1"/>
             </a:lvl6pPr>
-            <a:lvl7pPr marL="2743200" indent="0">
-              <a:buNone/>
-              <a:defRPr sz="1600" b="1"/>
+            <a:lvl7pPr marL="2057400" indent="0">
+              <a:buNone/>
+              <a:defRPr sz="1200" b="1"/>
             </a:lvl7pPr>
-            <a:lvl8pPr marL="3200400" indent="0">
-              <a:buNone/>
-              <a:defRPr sz="1600" b="1"/>
+            <a:lvl8pPr marL="2400300" indent="0">
+              <a:buNone/>
+              <a:defRPr sz="1200" b="1"/>
             </a:lvl8pPr>
-            <a:lvl9pPr marL="3657600" indent="0">
-              <a:buNone/>
-              <a:defRPr sz="1600" b="1"/>
+            <a:lvl9pPr marL="2743200" indent="0">
+              <a:buNone/>
+              <a:defRPr sz="1200" b="1"/>
             </a:lvl9pPr>
           </a:lstStyle>
           <a:p>
@@ -5724,8 +5749,8 @@
         </p:nvSpPr>
         <p:spPr>
           <a:xfrm>
-            <a:off x="1127918" y="3360263"/>
-            <a:ext cx="3208735" cy="2430936"/>
+            <a:off x="845939" y="2520197"/>
+            <a:ext cx="2406551" cy="1823202"/>
           </a:xfrm>
         </p:spPr>
         <p:txBody>
@@ -5735,39 +5760,39 @@
           <a:lstStyle>
             <a:lvl1pPr marL="0" indent="0">
               <a:buNone/>
-              <a:defRPr sz="1400"/>
+              <a:defRPr sz="1050"/>
             </a:lvl1pPr>
-            <a:lvl2pPr marL="457200" indent="0">
-              <a:buNone/>
-              <a:defRPr sz="1200"/>
+            <a:lvl2pPr marL="342900" indent="0">
+              <a:buNone/>
+              <a:defRPr sz="900"/>
             </a:lvl2pPr>
-            <a:lvl3pPr marL="914400" indent="0">
-              <a:buNone/>
-              <a:defRPr sz="1000"/>
+            <a:lvl3pPr marL="685800" indent="0">
+              <a:buNone/>
+              <a:defRPr sz="750"/>
             </a:lvl3pPr>
-            <a:lvl4pPr marL="1371600" indent="0">
-              <a:buNone/>
-              <a:defRPr sz="900"/>
+            <a:lvl4pPr marL="1028700" indent="0">
+              <a:buNone/>
+              <a:defRPr sz="675"/>
             </a:lvl4pPr>
-            <a:lvl5pPr marL="1828800" indent="0">
-              <a:buNone/>
-              <a:defRPr sz="900"/>
+            <a:lvl5pPr marL="1371600" indent="0">
+              <a:buNone/>
+              <a:defRPr sz="675"/>
             </a:lvl5pPr>
-            <a:lvl6pPr marL="2286000" indent="0">
-              <a:buNone/>
-              <a:defRPr sz="900"/>
+            <a:lvl6pPr marL="1714500" indent="0">
+              <a:buNone/>
+              <a:defRPr sz="675"/>
             </a:lvl6pPr>
-            <a:lvl7pPr marL="2743200" indent="0">
-              <a:buNone/>
-              <a:defRPr sz="900"/>
+            <a:lvl7pPr marL="2057400" indent="0">
+              <a:buNone/>
+              <a:defRPr sz="675"/>
             </a:lvl7pPr>
-            <a:lvl8pPr marL="3200400" indent="0">
-              <a:buNone/>
-              <a:defRPr sz="900"/>
+            <a:lvl8pPr marL="2400300" indent="0">
+              <a:buNone/>
+              <a:defRPr sz="675"/>
             </a:lvl8pPr>
-            <a:lvl9pPr marL="3657600" indent="0">
-              <a:buNone/>
-              <a:defRPr sz="900"/>
+            <a:lvl9pPr marL="2743200" indent="0">
+              <a:buNone/>
+              <a:defRPr sz="675"/>
             </a:lvl9pPr>
           </a:lstStyle>
           <a:p>
@@ -5791,8 +5816,8 @@
         </p:nvSpPr>
         <p:spPr>
           <a:xfrm>
-            <a:off x="4514766" y="2677635"/>
-            <a:ext cx="3184385" cy="685800"/>
+            <a:off x="3386075" y="2008226"/>
+            <a:ext cx="2388289" cy="514350"/>
           </a:xfrm>
         </p:spPr>
         <p:txBody>
@@ -5805,43 +5830,43 @@
                 <a:spcPct val="90000"/>
               </a:lnSpc>
               <a:buNone/>
-              <a:defRPr sz="2400" b="0" cap="all" baseline="0">
+              <a:defRPr sz="1800" b="0" cap="all" baseline="0">
                 <a:solidFill>
                   <a:schemeClr val="tx1"/>
                 </a:solidFill>
               </a:defRPr>
             </a:lvl1pPr>
-            <a:lvl2pPr marL="457200" indent="0">
-              <a:buNone/>
-              <a:defRPr sz="2000" b="1"/>
+            <a:lvl2pPr marL="342900" indent="0">
+              <a:buNone/>
+              <a:defRPr sz="1500" b="1"/>
             </a:lvl2pPr>
-            <a:lvl3pPr marL="914400" indent="0">
-              <a:buNone/>
-              <a:defRPr sz="1800" b="1"/>
+            <a:lvl3pPr marL="685800" indent="0">
+              <a:buNone/>
+              <a:defRPr sz="1350" b="1"/>
             </a:lvl3pPr>
-            <a:lvl4pPr marL="1371600" indent="0">
-              <a:buNone/>
-              <a:defRPr sz="1600" b="1"/>
+            <a:lvl4pPr marL="1028700" indent="0">
+              <a:buNone/>
+              <a:defRPr sz="1200" b="1"/>
             </a:lvl4pPr>
-            <a:lvl5pPr marL="1828800" indent="0">
-              <a:buNone/>
-              <a:defRPr sz="1600" b="1"/>
+            <a:lvl5pPr marL="1371600" indent="0">
+              <a:buNone/>
+              <a:defRPr sz="1200" b="1"/>
             </a:lvl5pPr>
-            <a:lvl6pPr marL="2286000" indent="0">
-              <a:buNone/>
-              <a:defRPr sz="1600" b="1"/>
+            <a:lvl6pPr marL="1714500" indent="0">
+              <a:buNone/>
+              <a:defRPr sz="1200" b="1"/>
             </a:lvl6pPr>
-            <a:lvl7pPr marL="2743200" indent="0">
-              <a:buNone/>
-              <a:defRPr sz="1600" b="1"/>
+            <a:lvl7pPr marL="2057400" indent="0">
+              <a:buNone/>
+              <a:defRPr sz="1200" b="1"/>
             </a:lvl7pPr>
-            <a:lvl8pPr marL="3200400" indent="0">
-              <a:buNone/>
-              <a:defRPr sz="1600" b="1"/>
+            <a:lvl8pPr marL="2400300" indent="0">
+              <a:buNone/>
+              <a:defRPr sz="1200" b="1"/>
             </a:lvl8pPr>
-            <a:lvl9pPr marL="3657600" indent="0">
-              <a:buNone/>
-              <a:defRPr sz="1600" b="1"/>
+            <a:lvl9pPr marL="2743200" indent="0">
+              <a:buNone/>
+              <a:defRPr sz="1200" b="1"/>
             </a:lvl9pPr>
           </a:lstStyle>
           <a:p>
@@ -5865,8 +5890,8 @@
         </p:nvSpPr>
         <p:spPr>
           <a:xfrm>
-            <a:off x="4504213" y="3363435"/>
-            <a:ext cx="3195830" cy="2430936"/>
+            <a:off x="3378160" y="2522576"/>
+            <a:ext cx="2396873" cy="1823202"/>
           </a:xfrm>
         </p:spPr>
         <p:txBody>
@@ -5876,39 +5901,39 @@
           <a:lstStyle>
             <a:lvl1pPr marL="0" indent="0">
               <a:buNone/>
-              <a:defRPr sz="1400"/>
+              <a:defRPr sz="1050"/>
             </a:lvl1pPr>
-            <a:lvl2pPr marL="457200" indent="0">
-              <a:buNone/>
-              <a:defRPr sz="1200"/>
+            <a:lvl2pPr marL="342900" indent="0">
+              <a:buNone/>
+              <a:defRPr sz="900"/>
             </a:lvl2pPr>
-            <a:lvl3pPr marL="914400" indent="0">
-              <a:buNone/>
-              <a:defRPr sz="1000"/>
+            <a:lvl3pPr marL="685800" indent="0">
+              <a:buNone/>
+              <a:defRPr sz="750"/>
             </a:lvl3pPr>
-            <a:lvl4pPr marL="1371600" indent="0">
-              <a:buNone/>
-              <a:defRPr sz="900"/>
+            <a:lvl4pPr marL="1028700" indent="0">
+              <a:buNone/>
+              <a:defRPr sz="675"/>
             </a:lvl4pPr>
-            <a:lvl5pPr marL="1828800" indent="0">
-              <a:buNone/>
-              <a:defRPr sz="900"/>
+            <a:lvl5pPr marL="1371600" indent="0">
+              <a:buNone/>
+              <a:defRPr sz="675"/>
             </a:lvl5pPr>
-            <a:lvl6pPr marL="2286000" indent="0">
-              <a:buNone/>
-              <a:defRPr sz="900"/>
+            <a:lvl6pPr marL="1714500" indent="0">
+              <a:buNone/>
+              <a:defRPr sz="675"/>
             </a:lvl6pPr>
-            <a:lvl7pPr marL="2743200" indent="0">
-              <a:buNone/>
-              <a:defRPr sz="900"/>
+            <a:lvl7pPr marL="2057400" indent="0">
+              <a:buNone/>
+              <a:defRPr sz="675"/>
             </a:lvl7pPr>
-            <a:lvl8pPr marL="3200400" indent="0">
-              <a:buNone/>
-              <a:defRPr sz="900"/>
+            <a:lvl8pPr marL="2400300" indent="0">
+              <a:buNone/>
+              <a:defRPr sz="675"/>
             </a:lvl8pPr>
-            <a:lvl9pPr marL="3657600" indent="0">
-              <a:buNone/>
-              <a:defRPr sz="900"/>
+            <a:lvl9pPr marL="2743200" indent="0">
+              <a:buNone/>
+              <a:defRPr sz="675"/>
             </a:lvl9pPr>
           </a:lstStyle>
           <a:p>
@@ -5932,8 +5957,8 @@
         </p:nvSpPr>
         <p:spPr>
           <a:xfrm>
-            <a:off x="7852442" y="2674463"/>
-            <a:ext cx="3194968" cy="685800"/>
+            <a:off x="5889332" y="2005847"/>
+            <a:ext cx="2396226" cy="514350"/>
           </a:xfrm>
         </p:spPr>
         <p:txBody>
@@ -5946,43 +5971,43 @@
                 <a:spcPct val="90000"/>
               </a:lnSpc>
               <a:buNone/>
-              <a:defRPr sz="2400" b="0" cap="all" baseline="0">
+              <a:defRPr sz="1800" b="0" cap="all" baseline="0">
                 <a:solidFill>
                   <a:schemeClr val="tx1"/>
                 </a:solidFill>
               </a:defRPr>
             </a:lvl1pPr>
-            <a:lvl2pPr marL="457200" indent="0">
-              <a:buNone/>
-              <a:defRPr sz="2000" b="1"/>
+            <a:lvl2pPr marL="342900" indent="0">
+              <a:buNone/>
+              <a:defRPr sz="1500" b="1"/>
             </a:lvl2pPr>
-            <a:lvl3pPr marL="914400" indent="0">
-              <a:buNone/>
-              <a:defRPr sz="1800" b="1"/>
+            <a:lvl3pPr marL="685800" indent="0">
+              <a:buNone/>
+              <a:defRPr sz="1350" b="1"/>
             </a:lvl3pPr>
-            <a:lvl4pPr marL="1371600" indent="0">
-              <a:buNone/>
-              <a:defRPr sz="1600" b="1"/>
+            <a:lvl4pPr marL="1028700" indent="0">
+              <a:buNone/>
+              <a:defRPr sz="1200" b="1"/>
             </a:lvl4pPr>
-            <a:lvl5pPr marL="1828800" indent="0">
-              <a:buNone/>
-              <a:defRPr sz="1600" b="1"/>
+            <a:lvl5pPr marL="1371600" indent="0">
+              <a:buNone/>
+              <a:defRPr sz="1200" b="1"/>
             </a:lvl5pPr>
-            <a:lvl6pPr marL="2286000" indent="0">
-              <a:buNone/>
-              <a:defRPr sz="1600" b="1"/>
+            <a:lvl6pPr marL="1714500" indent="0">
+              <a:buNone/>
+              <a:defRPr sz="1200" b="1"/>
             </a:lvl6pPr>
-            <a:lvl7pPr marL="2743200" indent="0">
-              <a:buNone/>
-              <a:defRPr sz="1600" b="1"/>
+            <a:lvl7pPr marL="2057400" indent="0">
+              <a:buNone/>
+              <a:defRPr sz="1200" b="1"/>
             </a:lvl7pPr>
-            <a:lvl8pPr marL="3200400" indent="0">
-              <a:buNone/>
-              <a:defRPr sz="1600" b="1"/>
+            <a:lvl8pPr marL="2400300" indent="0">
+              <a:buNone/>
+              <a:defRPr sz="1200" b="1"/>
             </a:lvl8pPr>
-            <a:lvl9pPr marL="3657600" indent="0">
-              <a:buNone/>
-              <a:defRPr sz="1600" b="1"/>
+            <a:lvl9pPr marL="2743200" indent="0">
+              <a:buNone/>
+              <a:defRPr sz="1200" b="1"/>
             </a:lvl9pPr>
           </a:lstStyle>
           <a:p>
@@ -6006,8 +6031,8 @@
         </p:nvSpPr>
         <p:spPr>
           <a:xfrm>
-            <a:off x="7852442" y="3360263"/>
-            <a:ext cx="3194968" cy="2430936"/>
+            <a:off x="5889332" y="2520197"/>
+            <a:ext cx="2396226" cy="1823202"/>
           </a:xfrm>
         </p:spPr>
         <p:txBody>
@@ -6017,39 +6042,39 @@
           <a:lstStyle>
             <a:lvl1pPr marL="0" indent="0">
               <a:buNone/>
-              <a:defRPr sz="1400"/>
+              <a:defRPr sz="1050"/>
             </a:lvl1pPr>
-            <a:lvl2pPr marL="457200" indent="0">
-              <a:buNone/>
-              <a:defRPr sz="1200"/>
+            <a:lvl2pPr marL="342900" indent="0">
+              <a:buNone/>
+              <a:defRPr sz="900"/>
             </a:lvl2pPr>
-            <a:lvl3pPr marL="914400" indent="0">
-              <a:buNone/>
-              <a:defRPr sz="1000"/>
+            <a:lvl3pPr marL="685800" indent="0">
+              <a:buNone/>
+              <a:defRPr sz="750"/>
             </a:lvl3pPr>
-            <a:lvl4pPr marL="1371600" indent="0">
-              <a:buNone/>
-              <a:defRPr sz="900"/>
+            <a:lvl4pPr marL="1028700" indent="0">
+              <a:buNone/>
+              <a:defRPr sz="675"/>
             </a:lvl4pPr>
-            <a:lvl5pPr marL="1828800" indent="0">
-              <a:buNone/>
-              <a:defRPr sz="900"/>
+            <a:lvl5pPr marL="1371600" indent="0">
+              <a:buNone/>
+              <a:defRPr sz="675"/>
             </a:lvl5pPr>
-            <a:lvl6pPr marL="2286000" indent="0">
-              <a:buNone/>
-              <a:defRPr sz="900"/>
+            <a:lvl6pPr marL="1714500" indent="0">
+              <a:buNone/>
+              <a:defRPr sz="675"/>
             </a:lvl6pPr>
-            <a:lvl7pPr marL="2743200" indent="0">
-              <a:buNone/>
-              <a:defRPr sz="900"/>
+            <a:lvl7pPr marL="2057400" indent="0">
+              <a:buNone/>
+              <a:defRPr sz="675"/>
             </a:lvl7pPr>
-            <a:lvl8pPr marL="3200400" indent="0">
-              <a:buNone/>
-              <a:defRPr sz="900"/>
+            <a:lvl8pPr marL="2400300" indent="0">
+              <a:buNone/>
+              <a:defRPr sz="675"/>
             </a:lvl8pPr>
-            <a:lvl9pPr marL="3657600" indent="0">
-              <a:buNone/>
-              <a:defRPr sz="900"/>
+            <a:lvl9pPr marL="2743200" indent="0">
+              <a:buNone/>
+              <a:defRPr sz="675"/>
             </a:lvl9pPr>
           </a:lstStyle>
           <a:p>
@@ -6077,8 +6102,8 @@
           <a:lstStyle/>
           <a:p>
             <a:fld id="{48A87A34-81AB-432B-8DAE-1953F412C126}" type="datetimeFigureOut">
-              <a:rPr lang="en-US" dirty="0"/>
-              <a:t>3/15/22</a:t>
+              <a:rPr lang="en-US" smtClean="0"/>
+              <a:t>5/5/22</a:t>
             </a:fld>
             <a:endParaRPr lang="en-US" dirty="0"/>
           </a:p>
@@ -6119,7 +6144,7 @@
           <a:lstStyle/>
           <a:p>
             <a:fld id="{6D22F896-40B5-4ADD-8801-0D06FADFA095}" type="slidenum">
-              <a:rPr lang="en-US" dirty="0"/>
+              <a:rPr lang="en-US" smtClean="0"/>
               <a:t>‹#›</a:t>
             </a:fld>
             <a:endParaRPr lang="en-US" dirty="0"/>
@@ -6127,6 +6152,11 @@
         </p:txBody>
       </p:sp>
     </p:spTree>
+    <p:extLst>
+      <p:ext uri="{BB962C8B-B14F-4D97-AF65-F5344CB8AC3E}">
+        <p14:creationId xmlns:p14="http://schemas.microsoft.com/office/powerpoint/2010/main" val="2314683632"/>
+      </p:ext>
+    </p:extLst>
   </p:cSld>
   <p:clrMapOvr>
     <a:masterClrMapping/>
@@ -6163,8 +6193,8 @@
         </p:nvSpPr>
         <p:spPr>
           <a:xfrm>
-            <a:off x="1141411" y="609600"/>
-            <a:ext cx="9905999" cy="1905000"/>
+            <a:off x="856059" y="457200"/>
+            <a:ext cx="7429499" cy="1428750"/>
           </a:xfrm>
         </p:spPr>
         <p:txBody>
@@ -6191,8 +6221,8 @@
         </p:nvSpPr>
         <p:spPr>
           <a:xfrm>
-            <a:off x="1141413" y="4404596"/>
-            <a:ext cx="3195240" cy="576262"/>
+            <a:off x="856060" y="3303447"/>
+            <a:ext cx="2396430" cy="432197"/>
           </a:xfrm>
         </p:spPr>
         <p:txBody>
@@ -6205,43 +6235,43 @@
                 <a:spcPct val="90000"/>
               </a:lnSpc>
               <a:buNone/>
-              <a:defRPr sz="2000" b="0" cap="all" baseline="0">
+              <a:defRPr sz="1500" b="0" cap="all" baseline="0">
                 <a:solidFill>
                   <a:schemeClr val="tx1"/>
                 </a:solidFill>
               </a:defRPr>
             </a:lvl1pPr>
-            <a:lvl2pPr marL="457200" indent="0">
-              <a:buNone/>
-              <a:defRPr sz="2000" b="1"/>
+            <a:lvl2pPr marL="342900" indent="0">
+              <a:buNone/>
+              <a:defRPr sz="1500" b="1"/>
             </a:lvl2pPr>
-            <a:lvl3pPr marL="914400" indent="0">
-              <a:buNone/>
-              <a:defRPr sz="1800" b="1"/>
+            <a:lvl3pPr marL="685800" indent="0">
+              <a:buNone/>
+              <a:defRPr sz="1350" b="1"/>
             </a:lvl3pPr>
-            <a:lvl4pPr marL="1371600" indent="0">
-              <a:buNone/>
-              <a:defRPr sz="1600" b="1"/>
+            <a:lvl4pPr marL="1028700" indent="0">
+              <a:buNone/>
+              <a:defRPr sz="1200" b="1"/>
             </a:lvl4pPr>
-            <a:lvl5pPr marL="1828800" indent="0">
-              <a:buNone/>
-              <a:defRPr sz="1600" b="1"/>
+            <a:lvl5pPr marL="1371600" indent="0">
+              <a:buNone/>
+              <a:defRPr sz="1200" b="1"/>
             </a:lvl5pPr>
-            <a:lvl6pPr marL="2286000" indent="0">
-              <a:buNone/>
-              <a:defRPr sz="1600" b="1"/>
+            <a:lvl6pPr marL="1714500" indent="0">
+              <a:buNone/>
+              <a:defRPr sz="1200" b="1"/>
             </a:lvl6pPr>
-            <a:lvl7pPr marL="2743200" indent="0">
-              <a:buNone/>
-              <a:defRPr sz="1600" b="1"/>
+            <a:lvl7pPr marL="2057400" indent="0">
+              <a:buNone/>
+              <a:defRPr sz="1200" b="1"/>
             </a:lvl7pPr>
-            <a:lvl8pPr marL="3200400" indent="0">
-              <a:buNone/>
-              <a:defRPr sz="1600" b="1"/>
+            <a:lvl8pPr marL="2400300" indent="0">
+              <a:buNone/>
+              <a:defRPr sz="1200" b="1"/>
             </a:lvl8pPr>
-            <a:lvl9pPr marL="3657600" indent="0">
-              <a:buNone/>
-              <a:defRPr sz="1600" b="1"/>
+            <a:lvl9pPr marL="2743200" indent="0">
+              <a:buNone/>
+              <a:defRPr sz="1200" b="1"/>
             </a:lvl9pPr>
           </a:lstStyle>
           <a:p>
@@ -6265,8 +6295,8 @@
         </p:nvSpPr>
         <p:spPr>
           <a:xfrm>
-            <a:off x="1141413" y="2666998"/>
-            <a:ext cx="3195240" cy="1524000"/>
+            <a:off x="856060" y="2000249"/>
+            <a:ext cx="2396430" cy="1143000"/>
           </a:xfrm>
           <a:prstGeom prst="round2DiagRect">
             <a:avLst/>
@@ -6296,7 +6326,7 @@
           <a:lstStyle>
             <a:lvl1pPr>
               <a:buNone/>
-              <a:defRPr lang="en-US" sz="2000" dirty="0"/>
+              <a:defRPr lang="en-US" sz="1500" dirty="0"/>
             </a:lvl1pPr>
           </a:lstStyle>
           <a:p>
@@ -6323,8 +6353,8 @@
         </p:nvSpPr>
         <p:spPr>
           <a:xfrm>
-            <a:off x="1141413" y="4980858"/>
-            <a:ext cx="3195240" cy="817843"/>
+            <a:off x="856060" y="3735644"/>
+            <a:ext cx="2396430" cy="613382"/>
           </a:xfrm>
         </p:spPr>
         <p:txBody>
@@ -6334,39 +6364,39 @@
           <a:lstStyle>
             <a:lvl1pPr marL="0" indent="0">
               <a:buNone/>
-              <a:defRPr sz="1400"/>
+              <a:defRPr sz="1050"/>
             </a:lvl1pPr>
-            <a:lvl2pPr marL="457200" indent="0">
-              <a:buNone/>
-              <a:defRPr sz="1200"/>
+            <a:lvl2pPr marL="342900" indent="0">
+              <a:buNone/>
+              <a:defRPr sz="900"/>
             </a:lvl2pPr>
-            <a:lvl3pPr marL="914400" indent="0">
-              <a:buNone/>
-              <a:defRPr sz="1000"/>
+            <a:lvl3pPr marL="685800" indent="0">
+              <a:buNone/>
+              <a:defRPr sz="750"/>
             </a:lvl3pPr>
-            <a:lvl4pPr marL="1371600" indent="0">
-              <a:buNone/>
-              <a:defRPr sz="900"/>
+            <a:lvl4pPr marL="1028700" indent="0">
+              <a:buNone/>
+              <a:defRPr sz="675"/>
             </a:lvl4pPr>
-            <a:lvl5pPr marL="1828800" indent="0">
-              <a:buNone/>
-              <a:defRPr sz="900"/>
+            <a:lvl5pPr marL="1371600" indent="0">
+              <a:buNone/>
+              <a:defRPr sz="675"/>
             </a:lvl5pPr>
-            <a:lvl6pPr marL="2286000" indent="0">
-              <a:buNone/>
-              <a:defRPr sz="900"/>
+            <a:lvl6pPr marL="1714500" indent="0">
+              <a:buNone/>
+              <a:defRPr sz="675"/>
             </a:lvl6pPr>
-            <a:lvl7pPr marL="2743200" indent="0">
-              <a:buNone/>
-              <a:defRPr sz="900"/>
+            <a:lvl7pPr marL="2057400" indent="0">
+              <a:buNone/>
+              <a:defRPr sz="675"/>
             </a:lvl7pPr>
-            <a:lvl8pPr marL="3200400" indent="0">
-              <a:buNone/>
-              <a:defRPr sz="900"/>
+            <a:lvl8pPr marL="2400300" indent="0">
+              <a:buNone/>
+              <a:defRPr sz="675"/>
             </a:lvl8pPr>
-            <a:lvl9pPr marL="3657600" indent="0">
-              <a:buNone/>
-              <a:defRPr sz="900"/>
+            <a:lvl9pPr marL="2743200" indent="0">
+              <a:buNone/>
+              <a:defRPr sz="675"/>
             </a:lvl9pPr>
           </a:lstStyle>
           <a:p>
@@ -6390,8 +6420,8 @@
         </p:nvSpPr>
         <p:spPr>
           <a:xfrm>
-            <a:off x="4489053" y="4404596"/>
-            <a:ext cx="3200400" cy="576262"/>
+            <a:off x="3366790" y="3303447"/>
+            <a:ext cx="2400300" cy="432197"/>
           </a:xfrm>
         </p:spPr>
         <p:txBody>
@@ -6404,43 +6434,43 @@
                 <a:spcPct val="90000"/>
               </a:lnSpc>
               <a:buNone/>
-              <a:defRPr sz="2000" b="0" cap="all" baseline="0">
+              <a:defRPr sz="1500" b="0" cap="all" baseline="0">
                 <a:solidFill>
                   <a:schemeClr val="tx1"/>
                 </a:solidFill>
               </a:defRPr>
             </a:lvl1pPr>
-            <a:lvl2pPr marL="457200" indent="0">
-              <a:buNone/>
-              <a:defRPr sz="2000" b="1"/>
+            <a:lvl2pPr marL="342900" indent="0">
+              <a:buNone/>
+              <a:defRPr sz="1500" b="1"/>
             </a:lvl2pPr>
-            <a:lvl3pPr marL="914400" indent="0">
-              <a:buNone/>
-              <a:defRPr sz="1800" b="1"/>
+            <a:lvl3pPr marL="685800" indent="0">
+              <a:buNone/>
+              <a:defRPr sz="1350" b="1"/>
             </a:lvl3pPr>
-            <a:lvl4pPr marL="1371600" indent="0">
-              <a:buNone/>
-              <a:defRPr sz="1600" b="1"/>
+            <a:lvl4pPr marL="1028700" indent="0">
+              <a:buNone/>
+              <a:defRPr sz="1200" b="1"/>
             </a:lvl4pPr>
-            <a:lvl5pPr marL="1828800" indent="0">
-              <a:buNone/>
-              <a:defRPr sz="1600" b="1"/>
+            <a:lvl5pPr marL="1371600" indent="0">
+              <a:buNone/>
+              <a:defRPr sz="1200" b="1"/>
             </a:lvl5pPr>
-            <a:lvl6pPr marL="2286000" indent="0">
-              <a:buNone/>
-              <a:defRPr sz="1600" b="1"/>
+            <a:lvl6pPr marL="1714500" indent="0">
+              <a:buNone/>
+              <a:defRPr sz="1200" b="1"/>
             </a:lvl6pPr>
-            <a:lvl7pPr marL="2743200" indent="0">
-              <a:buNone/>
-              <a:defRPr sz="1600" b="1"/>
+            <a:lvl7pPr marL="2057400" indent="0">
+              <a:buNone/>
+              <a:defRPr sz="1200" b="1"/>
             </a:lvl7pPr>
-            <a:lvl8pPr marL="3200400" indent="0">
-              <a:buNone/>
-              <a:defRPr sz="1600" b="1"/>
+            <a:lvl8pPr marL="2400300" indent="0">
+              <a:buNone/>
+              <a:defRPr sz="1200" b="1"/>
             </a:lvl8pPr>
-            <a:lvl9pPr marL="3657600" indent="0">
-              <a:buNone/>
-              <a:defRPr sz="1600" b="1"/>
+            <a:lvl9pPr marL="2743200" indent="0">
+              <a:buNone/>
+              <a:defRPr sz="1200" b="1"/>
             </a:lvl9pPr>
           </a:lstStyle>
           <a:p>
@@ -6464,8 +6494,8 @@
         </p:nvSpPr>
         <p:spPr>
           <a:xfrm>
-            <a:off x="4489053" y="2666998"/>
-            <a:ext cx="3198940" cy="1524000"/>
+            <a:off x="3366790" y="2000249"/>
+            <a:ext cx="2399205" cy="1143000"/>
           </a:xfrm>
           <a:prstGeom prst="round2DiagRect">
             <a:avLst/>
@@ -6495,7 +6525,7 @@
           <a:lstStyle>
             <a:lvl1pPr>
               <a:buNone/>
-              <a:defRPr lang="en-US" sz="2000" dirty="0"/>
+              <a:defRPr lang="en-US" sz="1500" dirty="0"/>
             </a:lvl1pPr>
           </a:lstStyle>
           <a:p>
@@ -6522,8 +6552,8 @@
         </p:nvSpPr>
         <p:spPr>
           <a:xfrm>
-            <a:off x="4487593" y="4980857"/>
-            <a:ext cx="3200400" cy="810342"/>
+            <a:off x="3365695" y="3735643"/>
+            <a:ext cx="2400300" cy="607757"/>
           </a:xfrm>
         </p:spPr>
         <p:txBody>
@@ -6533,39 +6563,39 @@
           <a:lstStyle>
             <a:lvl1pPr marL="0" indent="0">
               <a:buNone/>
-              <a:defRPr sz="1400"/>
+              <a:defRPr sz="1050"/>
             </a:lvl1pPr>
-            <a:lvl2pPr marL="457200" indent="0">
-              <a:buNone/>
-              <a:defRPr sz="1200"/>
+            <a:lvl2pPr marL="342900" indent="0">
+              <a:buNone/>
+              <a:defRPr sz="900"/>
             </a:lvl2pPr>
-            <a:lvl3pPr marL="914400" indent="0">
-              <a:buNone/>
-              <a:defRPr sz="1000"/>
+            <a:lvl3pPr marL="685800" indent="0">
+              <a:buNone/>
+              <a:defRPr sz="750"/>
             </a:lvl3pPr>
-            <a:lvl4pPr marL="1371600" indent="0">
-              <a:buNone/>
-              <a:defRPr sz="900"/>
+            <a:lvl4pPr marL="1028700" indent="0">
+              <a:buNone/>
+              <a:defRPr sz="675"/>
             </a:lvl4pPr>
-            <a:lvl5pPr marL="1828800" indent="0">
-              <a:buNone/>
-              <a:defRPr sz="900"/>
+            <a:lvl5pPr marL="1371600" indent="0">
+              <a:buNone/>
+              <a:defRPr sz="675"/>
             </a:lvl5pPr>
-            <a:lvl6pPr marL="2286000" indent="0">
-              <a:buNone/>
-              <a:defRPr sz="900"/>
+            <a:lvl6pPr marL="1714500" indent="0">
+              <a:buNone/>
+              <a:defRPr sz="675"/>
             </a:lvl6pPr>
-            <a:lvl7pPr marL="2743200" indent="0">
-              <a:buNone/>
-              <a:defRPr sz="900"/>
+            <a:lvl7pPr marL="2057400" indent="0">
+              <a:buNone/>
+              <a:defRPr sz="675"/>
             </a:lvl7pPr>
-            <a:lvl8pPr marL="3200400" indent="0">
-              <a:buNone/>
-              <a:defRPr sz="900"/>
+            <a:lvl8pPr marL="2400300" indent="0">
+              <a:buNone/>
+              <a:defRPr sz="675"/>
             </a:lvl8pPr>
-            <a:lvl9pPr marL="3657600" indent="0">
-              <a:buNone/>
-              <a:defRPr sz="900"/>
+            <a:lvl9pPr marL="2743200" indent="0">
+              <a:buNone/>
+              <a:defRPr sz="675"/>
             </a:lvl9pPr>
           </a:lstStyle>
           <a:p>
@@ -6589,8 +6619,8 @@
         </p:nvSpPr>
         <p:spPr>
           <a:xfrm>
-            <a:off x="7852567" y="4404595"/>
-            <a:ext cx="3190741" cy="576262"/>
+            <a:off x="5889426" y="3303446"/>
+            <a:ext cx="2393056" cy="432197"/>
           </a:xfrm>
         </p:spPr>
         <p:txBody>
@@ -6603,43 +6633,43 @@
                 <a:spcPct val="90000"/>
               </a:lnSpc>
               <a:buNone/>
-              <a:defRPr sz="2000" b="0" cap="all" baseline="0">
+              <a:defRPr sz="1500" b="0" cap="all" baseline="0">
                 <a:solidFill>
                   <a:schemeClr val="tx1"/>
                 </a:solidFill>
               </a:defRPr>
             </a:lvl1pPr>
-            <a:lvl2pPr marL="457200" indent="0">
-              <a:buNone/>
-              <a:defRPr sz="2000" b="1"/>
+            <a:lvl2pPr marL="342900" indent="0">
+              <a:buNone/>
+              <a:defRPr sz="1500" b="1"/>
             </a:lvl2pPr>
-            <a:lvl3pPr marL="914400" indent="0">
-              <a:buNone/>
-              <a:defRPr sz="1800" b="1"/>
+            <a:lvl3pPr marL="685800" indent="0">
+              <a:buNone/>
+              <a:defRPr sz="1350" b="1"/>
             </a:lvl3pPr>
-            <a:lvl4pPr marL="1371600" indent="0">
-              <a:buNone/>
-              <a:defRPr sz="1600" b="1"/>
+            <a:lvl4pPr marL="1028700" indent="0">
+              <a:buNone/>
+              <a:defRPr sz="1200" b="1"/>
             </a:lvl4pPr>
-            <a:lvl5pPr marL="1828800" indent="0">
-              <a:buNone/>
-              <a:defRPr sz="1600" b="1"/>
+            <a:lvl5pPr marL="1371600" indent="0">
+              <a:buNone/>
+              <a:defRPr sz="1200" b="1"/>
             </a:lvl5pPr>
-            <a:lvl6pPr marL="2286000" indent="0">
-              <a:buNone/>
-              <a:defRPr sz="1600" b="1"/>
+            <a:lvl6pPr marL="1714500" indent="0">
+              <a:buNone/>
+              <a:defRPr sz="1200" b="1"/>
             </a:lvl6pPr>
-            <a:lvl7pPr marL="2743200" indent="0">
-              <a:buNone/>
-              <a:defRPr sz="1600" b="1"/>
+            <a:lvl7pPr marL="2057400" indent="0">
+              <a:buNone/>
+              <a:defRPr sz="1200" b="1"/>
             </a:lvl7pPr>
-            <a:lvl8pPr marL="3200400" indent="0">
-              <a:buNone/>
-              <a:defRPr sz="1600" b="1"/>
+            <a:lvl8pPr marL="2400300" indent="0">
+              <a:buNone/>
+              <a:defRPr sz="1200" b="1"/>
             </a:lvl8pPr>
-            <a:lvl9pPr marL="3657600" indent="0">
-              <a:buNone/>
-              <a:defRPr sz="1600" b="1"/>
+            <a:lvl9pPr marL="2743200" indent="0">
+              <a:buNone/>
+              <a:defRPr sz="1200" b="1"/>
             </a:lvl9pPr>
           </a:lstStyle>
           <a:p>
@@ -6663,8 +6693,8 @@
         </p:nvSpPr>
         <p:spPr>
           <a:xfrm>
-            <a:off x="7852442" y="2666998"/>
-            <a:ext cx="3194969" cy="1524000"/>
+            <a:off x="5889332" y="2000249"/>
+            <a:ext cx="2396227" cy="1143000"/>
           </a:xfrm>
           <a:prstGeom prst="round2DiagRect">
             <a:avLst/>
@@ -6694,7 +6724,7 @@
           <a:lstStyle>
             <a:lvl1pPr>
               <a:buNone/>
-              <a:defRPr lang="en-US" sz="2000" dirty="0"/>
+              <a:defRPr lang="en-US" sz="1500" dirty="0"/>
             </a:lvl1pPr>
           </a:lstStyle>
           <a:p>
@@ -6721,8 +6751,8 @@
         </p:nvSpPr>
         <p:spPr>
           <a:xfrm>
-            <a:off x="7852442" y="4980854"/>
-            <a:ext cx="3194968" cy="810345"/>
+            <a:off x="5889332" y="3735641"/>
+            <a:ext cx="2396226" cy="607759"/>
           </a:xfrm>
         </p:spPr>
         <p:txBody>
@@ -6732,39 +6762,39 @@
           <a:lstStyle>
             <a:lvl1pPr marL="0" indent="0">
               <a:buNone/>
-              <a:defRPr sz="1400"/>
+              <a:defRPr sz="1050"/>
             </a:lvl1pPr>
-            <a:lvl2pPr marL="457200" indent="0">
-              <a:buNone/>
-              <a:defRPr sz="1200"/>
+            <a:lvl2pPr marL="342900" indent="0">
+              <a:buNone/>
+              <a:defRPr sz="900"/>
             </a:lvl2pPr>
-            <a:lvl3pPr marL="914400" indent="0">
-              <a:buNone/>
-              <a:defRPr sz="1000"/>
+            <a:lvl3pPr marL="685800" indent="0">
+              <a:buNone/>
+              <a:defRPr sz="750"/>
             </a:lvl3pPr>
-            <a:lvl4pPr marL="1371600" indent="0">
-              <a:buNone/>
-              <a:defRPr sz="900"/>
+            <a:lvl4pPr marL="1028700" indent="0">
+              <a:buNone/>
+              <a:defRPr sz="675"/>
             </a:lvl4pPr>
-            <a:lvl5pPr marL="1828800" indent="0">
-              <a:buNone/>
-              <a:defRPr sz="900"/>
+            <a:lvl5pPr marL="1371600" indent="0">
+              <a:buNone/>
+              <a:defRPr sz="675"/>
             </a:lvl5pPr>
-            <a:lvl6pPr marL="2286000" indent="0">
-              <a:buNone/>
-              <a:defRPr sz="900"/>
+            <a:lvl6pPr marL="1714500" indent="0">
+              <a:buNone/>
+              <a:defRPr sz="675"/>
             </a:lvl6pPr>
-            <a:lvl7pPr marL="2743200" indent="0">
-              <a:buNone/>
-              <a:defRPr sz="900"/>
+            <a:lvl7pPr marL="2057400" indent="0">
+              <a:buNone/>
+              <a:defRPr sz="675"/>
             </a:lvl7pPr>
-            <a:lvl8pPr marL="3200400" indent="0">
-              <a:buNone/>
-              <a:defRPr sz="900"/>
+            <a:lvl8pPr marL="2400300" indent="0">
+              <a:buNone/>
+              <a:defRPr sz="675"/>
             </a:lvl8pPr>
-            <a:lvl9pPr marL="3657600" indent="0">
-              <a:buNone/>
-              <a:defRPr sz="900"/>
+            <a:lvl9pPr marL="2743200" indent="0">
+              <a:buNone/>
+              <a:defRPr sz="675"/>
             </a:lvl9pPr>
           </a:lstStyle>
           <a:p>
@@ -6792,8 +6822,8 @@
           <a:lstStyle/>
           <a:p>
             <a:fld id="{48A87A34-81AB-432B-8DAE-1953F412C126}" type="datetimeFigureOut">
-              <a:rPr lang="en-US" dirty="0"/>
-              <a:t>3/15/22</a:t>
+              <a:rPr lang="en-US" smtClean="0"/>
+              <a:t>5/5/22</a:t>
             </a:fld>
             <a:endParaRPr lang="en-US" dirty="0"/>
           </a:p>
@@ -6834,7 +6864,7 @@
           <a:lstStyle/>
           <a:p>
             <a:fld id="{6D22F896-40B5-4ADD-8801-0D06FADFA095}" type="slidenum">
-              <a:rPr lang="en-US" dirty="0"/>
+              <a:rPr lang="en-US" smtClean="0"/>
               <a:t>‹#›</a:t>
             </a:fld>
             <a:endParaRPr lang="en-US" dirty="0"/>
@@ -6842,6 +6872,11 @@
         </p:txBody>
       </p:sp>
     </p:spTree>
+    <p:extLst>
+      <p:ext uri="{BB962C8B-B14F-4D97-AF65-F5344CB8AC3E}">
+        <p14:creationId xmlns:p14="http://schemas.microsoft.com/office/powerpoint/2010/main" val="2920512019"/>
+      </p:ext>
+    </p:extLst>
   </p:cSld>
   <p:clrMapOvr>
     <a:masterClrMapping/>
@@ -6957,8 +6992,8 @@
           <a:lstStyle/>
           <a:p>
             <a:fld id="{48A87A34-81AB-432B-8DAE-1953F412C126}" type="datetimeFigureOut">
-              <a:rPr lang="en-US" dirty="0"/>
-              <a:t>3/15/22</a:t>
+              <a:rPr lang="en-US" smtClean="0"/>
+              <a:t>5/5/22</a:t>
             </a:fld>
             <a:endParaRPr lang="en-US" dirty="0"/>
           </a:p>
@@ -6999,7 +7034,7 @@
           <a:lstStyle/>
           <a:p>
             <a:fld id="{6D22F896-40B5-4ADD-8801-0D06FADFA095}" type="slidenum">
-              <a:rPr lang="en-US" dirty="0"/>
+              <a:rPr lang="en-US" smtClean="0"/>
               <a:t>‹#›</a:t>
             </a:fld>
             <a:endParaRPr lang="en-US" dirty="0"/>
@@ -7007,6 +7042,11 @@
         </p:txBody>
       </p:sp>
     </p:spTree>
+    <p:extLst>
+      <p:ext uri="{BB962C8B-B14F-4D97-AF65-F5344CB8AC3E}">
+        <p14:creationId xmlns:p14="http://schemas.microsoft.com/office/powerpoint/2010/main" val="3088480790"/>
+      </p:ext>
+    </p:extLst>
   </p:cSld>
   <p:clrMapOvr>
     <a:masterClrMapping/>
@@ -7043,8 +7083,8 @@
         </p:nvSpPr>
         <p:spPr>
           <a:xfrm>
-            <a:off x="9042400" y="609599"/>
-            <a:ext cx="2005011" cy="5181601"/>
+            <a:off x="6781801" y="457200"/>
+            <a:ext cx="1503758" cy="3886201"/>
           </a:xfrm>
         </p:spPr>
         <p:txBody>
@@ -7071,8 +7111,8 @@
         </p:nvSpPr>
         <p:spPr>
           <a:xfrm>
-            <a:off x="1141410" y="609599"/>
-            <a:ext cx="7748590" cy="5181601"/>
+            <a:off x="856057" y="457200"/>
+            <a:ext cx="5811443" cy="3886201"/>
           </a:xfrm>
         </p:spPr>
         <p:txBody>
@@ -7132,8 +7172,8 @@
           <a:lstStyle/>
           <a:p>
             <a:fld id="{48A87A34-81AB-432B-8DAE-1953F412C126}" type="datetimeFigureOut">
-              <a:rPr lang="en-US" dirty="0"/>
-              <a:t>3/15/22</a:t>
+              <a:rPr lang="en-US" smtClean="0"/>
+              <a:t>5/5/22</a:t>
             </a:fld>
             <a:endParaRPr lang="en-US" dirty="0"/>
           </a:p>
@@ -7174,7 +7214,7 @@
           <a:lstStyle/>
           <a:p>
             <a:fld id="{6D22F896-40B5-4ADD-8801-0D06FADFA095}" type="slidenum">
-              <a:rPr lang="en-US" dirty="0"/>
+              <a:rPr lang="en-US" smtClean="0"/>
               <a:t>‹#›</a:t>
             </a:fld>
             <a:endParaRPr lang="en-US" dirty="0"/>
@@ -7182,6 +7222,11 @@
         </p:txBody>
       </p:sp>
     </p:spTree>
+    <p:extLst>
+      <p:ext uri="{BB962C8B-B14F-4D97-AF65-F5344CB8AC3E}">
+        <p14:creationId xmlns:p14="http://schemas.microsoft.com/office/powerpoint/2010/main" val="715477417"/>
+      </p:ext>
+    </p:extLst>
   </p:cSld>
   <p:clrMapOvr>
     <a:masterClrMapping/>
@@ -7297,8 +7342,8 @@
           <a:lstStyle/>
           <a:p>
             <a:fld id="{48A87A34-81AB-432B-8DAE-1953F412C126}" type="datetimeFigureOut">
-              <a:rPr lang="en-US" dirty="0"/>
-              <a:t>3/15/22</a:t>
+              <a:rPr lang="en-US" smtClean="0"/>
+              <a:t>5/5/22</a:t>
             </a:fld>
             <a:endParaRPr lang="en-US" dirty="0"/>
           </a:p>
@@ -7339,7 +7384,7 @@
           <a:lstStyle/>
           <a:p>
             <a:fld id="{6D22F896-40B5-4ADD-8801-0D06FADFA095}" type="slidenum">
-              <a:rPr lang="en-US" dirty="0"/>
+              <a:rPr lang="en-US" smtClean="0"/>
               <a:t>‹#›</a:t>
             </a:fld>
             <a:endParaRPr lang="en-US" dirty="0"/>
@@ -7347,6 +7392,11 @@
         </p:txBody>
       </p:sp>
     </p:spTree>
+    <p:extLst>
+      <p:ext uri="{BB962C8B-B14F-4D97-AF65-F5344CB8AC3E}">
+        <p14:creationId xmlns:p14="http://schemas.microsoft.com/office/powerpoint/2010/main" val="2061171349"/>
+      </p:ext>
+    </p:extLst>
   </p:cSld>
   <p:clrMapOvr>
     <a:masterClrMapping/>
@@ -7383,8 +7433,8 @@
         </p:nvSpPr>
         <p:spPr>
           <a:xfrm>
-            <a:off x="1141411" y="1419226"/>
-            <a:ext cx="9906000" cy="2852737"/>
+            <a:off x="856058" y="1064420"/>
+            <a:ext cx="7429500" cy="2139553"/>
           </a:xfrm>
         </p:spPr>
         <p:txBody>
@@ -7393,7 +7443,7 @@
           </a:bodyPr>
           <a:lstStyle>
             <a:lvl1pPr>
-              <a:defRPr sz="3600"/>
+              <a:defRPr sz="2700"/>
             </a:lvl1pPr>
           </a:lstStyle>
           <a:p>
@@ -7417,8 +7467,8 @@
         </p:nvSpPr>
         <p:spPr>
           <a:xfrm>
-            <a:off x="1141411" y="4424362"/>
-            <a:ext cx="9906000" cy="1374776"/>
+            <a:off x="856058" y="3318272"/>
+            <a:ext cx="7429500" cy="1031082"/>
           </a:xfrm>
         </p:spPr>
         <p:txBody>
@@ -7428,7 +7478,7 @@
           <a:lstStyle>
             <a:lvl1pPr marL="0" indent="0">
               <a:buNone/>
-              <a:defRPr sz="1800" cap="all" baseline="0">
+              <a:defRPr sz="1350" cap="all" baseline="0">
                 <a:solidFill>
                   <a:schemeClr val="tx1">
                     <a:tint val="75000"/>
@@ -7436,9 +7486,9 @@
                 </a:solidFill>
               </a:defRPr>
             </a:lvl1pPr>
-            <a:lvl2pPr marL="457200" indent="0">
-              <a:buNone/>
-              <a:defRPr sz="1800">
+            <a:lvl2pPr marL="342900" indent="0">
+              <a:buNone/>
+              <a:defRPr sz="1350">
                 <a:solidFill>
                   <a:schemeClr val="tx1">
                     <a:tint val="75000"/>
@@ -7446,9 +7496,9 @@
                 </a:solidFill>
               </a:defRPr>
             </a:lvl2pPr>
-            <a:lvl3pPr marL="914400" indent="0">
-              <a:buNone/>
-              <a:defRPr sz="1800">
+            <a:lvl3pPr marL="685800" indent="0">
+              <a:buNone/>
+              <a:defRPr sz="1350">
                 <a:solidFill>
                   <a:schemeClr val="tx1">
                     <a:tint val="75000"/>
@@ -7456,9 +7506,9 @@
                 </a:solidFill>
               </a:defRPr>
             </a:lvl3pPr>
-            <a:lvl4pPr marL="1371600" indent="0">
-              <a:buNone/>
-              <a:defRPr sz="1600">
+            <a:lvl4pPr marL="1028700" indent="0">
+              <a:buNone/>
+              <a:defRPr sz="1200">
                 <a:solidFill>
                   <a:schemeClr val="tx1">
                     <a:tint val="75000"/>
@@ -7466,9 +7516,9 @@
                 </a:solidFill>
               </a:defRPr>
             </a:lvl4pPr>
-            <a:lvl5pPr marL="1828800" indent="0">
-              <a:buNone/>
-              <a:defRPr sz="1600">
+            <a:lvl5pPr marL="1371600" indent="0">
+              <a:buNone/>
+              <a:defRPr sz="1200">
                 <a:solidFill>
                   <a:schemeClr val="tx1">
                     <a:tint val="75000"/>
@@ -7476,9 +7526,9 @@
                 </a:solidFill>
               </a:defRPr>
             </a:lvl5pPr>
-            <a:lvl6pPr marL="2286000" indent="0">
-              <a:buNone/>
-              <a:defRPr sz="1600">
+            <a:lvl6pPr marL="1714500" indent="0">
+              <a:buNone/>
+              <a:defRPr sz="1200">
                 <a:solidFill>
                   <a:schemeClr val="tx1">
                     <a:tint val="75000"/>
@@ -7486,9 +7536,9 @@
                 </a:solidFill>
               </a:defRPr>
             </a:lvl6pPr>
-            <a:lvl7pPr marL="2743200" indent="0">
-              <a:buNone/>
-              <a:defRPr sz="1600">
+            <a:lvl7pPr marL="2057400" indent="0">
+              <a:buNone/>
+              <a:defRPr sz="1200">
                 <a:solidFill>
                   <a:schemeClr val="tx1">
                     <a:tint val="75000"/>
@@ -7496,9 +7546,9 @@
                 </a:solidFill>
               </a:defRPr>
             </a:lvl7pPr>
-            <a:lvl8pPr marL="3200400" indent="0">
-              <a:buNone/>
-              <a:defRPr sz="1600">
+            <a:lvl8pPr marL="2400300" indent="0">
+              <a:buNone/>
+              <a:defRPr sz="1200">
                 <a:solidFill>
                   <a:schemeClr val="tx1">
                     <a:tint val="75000"/>
@@ -7506,9 +7556,9 @@
                 </a:solidFill>
               </a:defRPr>
             </a:lvl8pPr>
-            <a:lvl9pPr marL="3657600" indent="0">
-              <a:buNone/>
-              <a:defRPr sz="1600">
+            <a:lvl9pPr marL="2743200" indent="0">
+              <a:buNone/>
+              <a:defRPr sz="1200">
                 <a:solidFill>
                   <a:schemeClr val="tx1">
                     <a:tint val="75000"/>
@@ -7542,8 +7592,8 @@
           <a:lstStyle/>
           <a:p>
             <a:fld id="{48A87A34-81AB-432B-8DAE-1953F412C126}" type="datetimeFigureOut">
-              <a:rPr lang="en-US" dirty="0"/>
-              <a:t>3/15/22</a:t>
+              <a:rPr lang="en-US" smtClean="0"/>
+              <a:t>5/5/22</a:t>
             </a:fld>
             <a:endParaRPr lang="en-US" dirty="0"/>
           </a:p>
@@ -7584,7 +7634,7 @@
           <a:lstStyle/>
           <a:p>
             <a:fld id="{6D22F896-40B5-4ADD-8801-0D06FADFA095}" type="slidenum">
-              <a:rPr lang="en-US" dirty="0"/>
+              <a:rPr lang="en-US" smtClean="0"/>
               <a:t>‹#›</a:t>
             </a:fld>
             <a:endParaRPr lang="en-US" dirty="0"/>
@@ -7592,6 +7642,11 @@
         </p:txBody>
       </p:sp>
     </p:spTree>
+    <p:extLst>
+      <p:ext uri="{BB962C8B-B14F-4D97-AF65-F5344CB8AC3E}">
+        <p14:creationId xmlns:p14="http://schemas.microsoft.com/office/powerpoint/2010/main" val="673350159"/>
+      </p:ext>
+    </p:extLst>
   </p:cSld>
   <p:clrMapOvr>
     <a:masterClrMapping/>
@@ -7651,8 +7706,8 @@
         </p:nvSpPr>
         <p:spPr>
           <a:xfrm>
-            <a:off x="1141410" y="2249486"/>
-            <a:ext cx="4878389" cy="3541714"/>
+            <a:off x="856058" y="1687114"/>
+            <a:ext cx="3658792" cy="2656286"/>
           </a:xfrm>
         </p:spPr>
         <p:txBody>
@@ -7708,8 +7763,8 @@
         </p:nvSpPr>
         <p:spPr>
           <a:xfrm>
-            <a:off x="6172200" y="2249486"/>
-            <a:ext cx="4875211" cy="3541714"/>
+            <a:off x="4629151" y="1687114"/>
+            <a:ext cx="3656408" cy="2656286"/>
           </a:xfrm>
         </p:spPr>
         <p:txBody>
@@ -7769,8 +7824,8 @@
           <a:lstStyle/>
           <a:p>
             <a:fld id="{48A87A34-81AB-432B-8DAE-1953F412C126}" type="datetimeFigureOut">
-              <a:rPr lang="en-US" dirty="0"/>
-              <a:t>3/15/22</a:t>
+              <a:rPr lang="en-US" smtClean="0"/>
+              <a:t>5/5/22</a:t>
             </a:fld>
             <a:endParaRPr lang="en-US" dirty="0"/>
           </a:p>
@@ -7811,7 +7866,7 @@
           <a:lstStyle/>
           <a:p>
             <a:fld id="{6D22F896-40B5-4ADD-8801-0D06FADFA095}" type="slidenum">
-              <a:rPr lang="en-US" dirty="0"/>
+              <a:rPr lang="en-US" smtClean="0"/>
               <a:t>‹#›</a:t>
             </a:fld>
             <a:endParaRPr lang="en-US" dirty="0"/>
@@ -7819,6 +7874,11 @@
         </p:txBody>
       </p:sp>
     </p:spTree>
+    <p:extLst>
+      <p:ext uri="{BB962C8B-B14F-4D97-AF65-F5344CB8AC3E}">
+        <p14:creationId xmlns:p14="http://schemas.microsoft.com/office/powerpoint/2010/main" val="3736843208"/>
+      </p:ext>
+    </p:extLst>
   </p:cSld>
   <p:clrMapOvr>
     <a:masterClrMapping/>
@@ -7855,8 +7915,8 @@
         </p:nvSpPr>
         <p:spPr>
           <a:xfrm>
-            <a:off x="1141411" y="619126"/>
-            <a:ext cx="9906000" cy="1477961"/>
+            <a:off x="856058" y="464345"/>
+            <a:ext cx="7429500" cy="1108471"/>
           </a:xfrm>
         </p:spPr>
         <p:txBody>
@@ -7883,8 +7943,8 @@
         </p:nvSpPr>
         <p:spPr>
           <a:xfrm>
-            <a:off x="1370019" y="2249486"/>
-            <a:ext cx="4649783" cy="823912"/>
+            <a:off x="1027515" y="1687115"/>
+            <a:ext cx="3487337" cy="617934"/>
           </a:xfrm>
         </p:spPr>
         <p:txBody>
@@ -7895,43 +7955,43 @@
                 <a:spcPct val="90000"/>
               </a:lnSpc>
               <a:buNone/>
-              <a:defRPr sz="2400" b="0" cap="all" baseline="0">
+              <a:defRPr sz="1800" b="0" cap="all" baseline="0">
                 <a:solidFill>
                   <a:schemeClr val="tx1"/>
                 </a:solidFill>
               </a:defRPr>
             </a:lvl1pPr>
-            <a:lvl2pPr marL="457200" indent="0">
-              <a:buNone/>
-              <a:defRPr sz="2000" b="1"/>
+            <a:lvl2pPr marL="342900" indent="0">
+              <a:buNone/>
+              <a:defRPr sz="1500" b="1"/>
             </a:lvl2pPr>
-            <a:lvl3pPr marL="914400" indent="0">
-              <a:buNone/>
-              <a:defRPr sz="1800" b="1"/>
+            <a:lvl3pPr marL="685800" indent="0">
+              <a:buNone/>
+              <a:defRPr sz="1350" b="1"/>
             </a:lvl3pPr>
-            <a:lvl4pPr marL="1371600" indent="0">
-              <a:buNone/>
-              <a:defRPr sz="1600" b="1"/>
+            <a:lvl4pPr marL="1028700" indent="0">
+              <a:buNone/>
+              <a:defRPr sz="1200" b="1"/>
             </a:lvl4pPr>
-            <a:lvl5pPr marL="1828800" indent="0">
-              <a:buNone/>
-              <a:defRPr sz="1600" b="1"/>
+            <a:lvl5pPr marL="1371600" indent="0">
+              <a:buNone/>
+              <a:defRPr sz="1200" b="1"/>
             </a:lvl5pPr>
-            <a:lvl6pPr marL="2286000" indent="0">
-              <a:buNone/>
-              <a:defRPr sz="1600" b="1"/>
+            <a:lvl6pPr marL="1714500" indent="0">
+              <a:buNone/>
+              <a:defRPr sz="1200" b="1"/>
             </a:lvl6pPr>
-            <a:lvl7pPr marL="2743200" indent="0">
-              <a:buNone/>
-              <a:defRPr sz="1600" b="1"/>
+            <a:lvl7pPr marL="2057400" indent="0">
+              <a:buNone/>
+              <a:defRPr sz="1200" b="1"/>
             </a:lvl7pPr>
-            <a:lvl8pPr marL="3200400" indent="0">
-              <a:buNone/>
-              <a:defRPr sz="1600" b="1"/>
+            <a:lvl8pPr marL="2400300" indent="0">
+              <a:buNone/>
+              <a:defRPr sz="1200" b="1"/>
             </a:lvl8pPr>
-            <a:lvl9pPr marL="3657600" indent="0">
-              <a:buNone/>
-              <a:defRPr sz="1600" b="1"/>
+            <a:lvl9pPr marL="2743200" indent="0">
+              <a:buNone/>
+              <a:defRPr sz="1200" b="1"/>
             </a:lvl9pPr>
           </a:lstStyle>
           <a:p>
@@ -7955,8 +8015,8 @@
         </p:nvSpPr>
         <p:spPr>
           <a:xfrm>
-            <a:off x="1141410" y="3073397"/>
-            <a:ext cx="4878391" cy="2717801"/>
+            <a:off x="856058" y="2305048"/>
+            <a:ext cx="3658793" cy="2038351"/>
           </a:xfrm>
         </p:spPr>
         <p:txBody>
@@ -8012,8 +8072,8 @@
         </p:nvSpPr>
         <p:spPr>
           <a:xfrm>
-            <a:off x="6400808" y="2249485"/>
-            <a:ext cx="4646602" cy="823912"/>
+            <a:off x="4800606" y="1687114"/>
+            <a:ext cx="3484952" cy="617934"/>
           </a:xfrm>
         </p:spPr>
         <p:txBody>
@@ -8024,43 +8084,43 @@
                 <a:spcPct val="90000"/>
               </a:lnSpc>
               <a:buNone/>
-              <a:defRPr sz="2400" b="0" cap="all" baseline="0">
+              <a:defRPr sz="1800" b="0" cap="all" baseline="0">
                 <a:solidFill>
                   <a:schemeClr val="tx1"/>
                 </a:solidFill>
               </a:defRPr>
             </a:lvl1pPr>
-            <a:lvl2pPr marL="457200" indent="0">
-              <a:buNone/>
-              <a:defRPr sz="2000" b="1"/>
+            <a:lvl2pPr marL="342900" indent="0">
+              <a:buNone/>
+              <a:defRPr sz="1500" b="1"/>
             </a:lvl2pPr>
-            <a:lvl3pPr marL="914400" indent="0">
-              <a:buNone/>
-              <a:defRPr sz="1800" b="1"/>
+            <a:lvl3pPr marL="685800" indent="0">
+              <a:buNone/>
+              <a:defRPr sz="1350" b="1"/>
             </a:lvl3pPr>
-            <a:lvl4pPr marL="1371600" indent="0">
-              <a:buNone/>
-              <a:defRPr sz="1600" b="1"/>
+            <a:lvl4pPr marL="1028700" indent="0">
+              <a:buNone/>
+              <a:defRPr sz="1200" b="1"/>
             </a:lvl4pPr>
-            <a:lvl5pPr marL="1828800" indent="0">
-              <a:buNone/>
-              <a:defRPr sz="1600" b="1"/>
+            <a:lvl5pPr marL="1371600" indent="0">
+              <a:buNone/>
+              <a:defRPr sz="1200" b="1"/>
             </a:lvl5pPr>
-            <a:lvl6pPr marL="2286000" indent="0">
-              <a:buNone/>
-              <a:defRPr sz="1600" b="1"/>
+            <a:lvl6pPr marL="1714500" indent="0">
+              <a:buNone/>
+              <a:defRPr sz="1200" b="1"/>
             </a:lvl6pPr>
-            <a:lvl7pPr marL="2743200" indent="0">
-              <a:buNone/>
-              <a:defRPr sz="1600" b="1"/>
+            <a:lvl7pPr marL="2057400" indent="0">
+              <a:buNone/>
+              <a:defRPr sz="1200" b="1"/>
             </a:lvl7pPr>
-            <a:lvl8pPr marL="3200400" indent="0">
-              <a:buNone/>
-              <a:defRPr sz="1600" b="1"/>
+            <a:lvl8pPr marL="2400300" indent="0">
+              <a:buNone/>
+              <a:defRPr sz="1200" b="1"/>
             </a:lvl8pPr>
-            <a:lvl9pPr marL="3657600" indent="0">
-              <a:buNone/>
-              <a:defRPr sz="1600" b="1"/>
+            <a:lvl9pPr marL="2743200" indent="0">
+              <a:buNone/>
+              <a:defRPr sz="1200" b="1"/>
             </a:lvl9pPr>
           </a:lstStyle>
           <a:p>
@@ -8084,8 +8144,8 @@
         </p:nvSpPr>
         <p:spPr>
           <a:xfrm>
-            <a:off x="6172200" y="3073397"/>
-            <a:ext cx="4875210" cy="2717801"/>
+            <a:off x="4629150" y="2305048"/>
+            <a:ext cx="3656408" cy="2038351"/>
           </a:xfrm>
         </p:spPr>
         <p:txBody>
@@ -8145,8 +8205,8 @@
           <a:lstStyle/>
           <a:p>
             <a:fld id="{48A87A34-81AB-432B-8DAE-1953F412C126}" type="datetimeFigureOut">
-              <a:rPr lang="en-US" dirty="0"/>
-              <a:t>3/15/22</a:t>
+              <a:rPr lang="en-US" smtClean="0"/>
+              <a:t>5/5/22</a:t>
             </a:fld>
             <a:endParaRPr lang="en-US" dirty="0"/>
           </a:p>
@@ -8187,7 +8247,7 @@
           <a:lstStyle/>
           <a:p>
             <a:fld id="{6D22F896-40B5-4ADD-8801-0D06FADFA095}" type="slidenum">
-              <a:rPr lang="en-US" dirty="0"/>
+              <a:rPr lang="en-US" smtClean="0"/>
               <a:t>‹#›</a:t>
             </a:fld>
             <a:endParaRPr lang="en-US" dirty="0"/>
@@ -8195,6 +8255,11 @@
         </p:txBody>
       </p:sp>
     </p:spTree>
+    <p:extLst>
+      <p:ext uri="{BB962C8B-B14F-4D97-AF65-F5344CB8AC3E}">
+        <p14:creationId xmlns:p14="http://schemas.microsoft.com/office/powerpoint/2010/main" val="3676002418"/>
+      </p:ext>
+    </p:extLst>
   </p:cSld>
   <p:clrMapOvr>
     <a:masterClrMapping/>
@@ -8258,8 +8323,8 @@
           <a:lstStyle/>
           <a:p>
             <a:fld id="{48A87A34-81AB-432B-8DAE-1953F412C126}" type="datetimeFigureOut">
-              <a:rPr lang="en-US" dirty="0"/>
-              <a:t>3/15/22</a:t>
+              <a:rPr lang="en-US" smtClean="0"/>
+              <a:t>5/5/22</a:t>
             </a:fld>
             <a:endParaRPr lang="en-US" dirty="0"/>
           </a:p>
@@ -8300,7 +8365,7 @@
           <a:lstStyle/>
           <a:p>
             <a:fld id="{6D22F896-40B5-4ADD-8801-0D06FADFA095}" type="slidenum">
-              <a:rPr lang="en-US" dirty="0"/>
+              <a:rPr lang="en-US" smtClean="0"/>
               <a:t>‹#›</a:t>
             </a:fld>
             <a:endParaRPr lang="en-US" dirty="0"/>
@@ -8308,6 +8373,11 @@
         </p:txBody>
       </p:sp>
     </p:spTree>
+    <p:extLst>
+      <p:ext uri="{BB962C8B-B14F-4D97-AF65-F5344CB8AC3E}">
+        <p14:creationId xmlns:p14="http://schemas.microsoft.com/office/powerpoint/2010/main" val="591082401"/>
+      </p:ext>
+    </p:extLst>
   </p:cSld>
   <p:clrMapOvr>
     <a:masterClrMapping/>
@@ -8348,8 +8418,8 @@
           <a:lstStyle/>
           <a:p>
             <a:fld id="{48A87A34-81AB-432B-8DAE-1953F412C126}" type="datetimeFigureOut">
-              <a:rPr lang="en-US" dirty="0"/>
-              <a:t>3/15/22</a:t>
+              <a:rPr lang="en-US" smtClean="0"/>
+              <a:t>5/5/22</a:t>
             </a:fld>
             <a:endParaRPr lang="en-US" dirty="0"/>
           </a:p>
@@ -8390,7 +8460,7 @@
           <a:lstStyle/>
           <a:p>
             <a:fld id="{6D22F896-40B5-4ADD-8801-0D06FADFA095}" type="slidenum">
-              <a:rPr lang="en-US" dirty="0"/>
+              <a:rPr lang="en-US" smtClean="0"/>
               <a:t>‹#›</a:t>
             </a:fld>
             <a:endParaRPr lang="en-US" dirty="0"/>
@@ -8398,6 +8468,11 @@
         </p:txBody>
       </p:sp>
     </p:spTree>
+    <p:extLst>
+      <p:ext uri="{BB962C8B-B14F-4D97-AF65-F5344CB8AC3E}">
+        <p14:creationId xmlns:p14="http://schemas.microsoft.com/office/powerpoint/2010/main" val="2573697078"/>
+      </p:ext>
+    </p:extLst>
   </p:cSld>
   <p:clrMapOvr>
     <a:masterClrMapping/>
@@ -8434,15 +8509,15 @@
         </p:nvSpPr>
         <p:spPr>
           <a:xfrm>
-            <a:off x="1146705" y="609601"/>
-            <a:ext cx="3856037" cy="1639884"/>
+            <a:off x="860029" y="457201"/>
+            <a:ext cx="2892028" cy="1229913"/>
           </a:xfrm>
         </p:spPr>
         <p:txBody>
           <a:bodyPr anchor="b"/>
           <a:lstStyle>
             <a:lvl1pPr>
-              <a:defRPr sz="3200"/>
+              <a:defRPr sz="2400"/>
             </a:lvl1pPr>
           </a:lstStyle>
           <a:p>
@@ -8466,8 +8541,8 @@
         </p:nvSpPr>
         <p:spPr>
           <a:xfrm>
-            <a:off x="5156200" y="592666"/>
-            <a:ext cx="5891209" cy="5198534"/>
+            <a:off x="3867150" y="444499"/>
+            <a:ext cx="4418407" cy="3898901"/>
           </a:xfrm>
         </p:spPr>
         <p:txBody>
@@ -8523,8 +8598,8 @@
         </p:nvSpPr>
         <p:spPr>
           <a:xfrm>
-            <a:off x="1146705" y="2249486"/>
-            <a:ext cx="3856037" cy="3541714"/>
+            <a:off x="860029" y="1687114"/>
+            <a:ext cx="2892028" cy="2656286"/>
           </a:xfrm>
         </p:spPr>
         <p:txBody>
@@ -8532,39 +8607,39 @@
           <a:lstStyle>
             <a:lvl1pPr marL="0" indent="0">
               <a:buNone/>
-              <a:defRPr sz="1600"/>
+              <a:defRPr sz="1200"/>
             </a:lvl1pPr>
-            <a:lvl2pPr marL="457200" indent="0">
-              <a:buNone/>
-              <a:defRPr sz="1400"/>
+            <a:lvl2pPr marL="342900" indent="0">
+              <a:buNone/>
+              <a:defRPr sz="1050"/>
             </a:lvl2pPr>
-            <a:lvl3pPr marL="914400" indent="0">
-              <a:buNone/>
-              <a:defRPr sz="1200"/>
+            <a:lvl3pPr marL="685800" indent="0">
+              <a:buNone/>
+              <a:defRPr sz="900"/>
             </a:lvl3pPr>
-            <a:lvl4pPr marL="1371600" indent="0">
-              <a:buNone/>
-              <a:defRPr sz="1000"/>
+            <a:lvl4pPr marL="1028700" indent="0">
+              <a:buNone/>
+              <a:defRPr sz="750"/>
             </a:lvl4pPr>
-            <a:lvl5pPr marL="1828800" indent="0">
-              <a:buNone/>
-              <a:defRPr sz="1000"/>
+            <a:lvl5pPr marL="1371600" indent="0">
+              <a:buNone/>
+              <a:defRPr sz="750"/>
             </a:lvl5pPr>
-            <a:lvl6pPr marL="2286000" indent="0">
-              <a:buNone/>
-              <a:defRPr sz="1000"/>
+            <a:lvl6pPr marL="1714500" indent="0">
+              <a:buNone/>
+              <a:defRPr sz="750"/>
             </a:lvl6pPr>
-            <a:lvl7pPr marL="2743200" indent="0">
-              <a:buNone/>
-              <a:defRPr sz="1000"/>
+            <a:lvl7pPr marL="2057400" indent="0">
+              <a:buNone/>
+              <a:defRPr sz="750"/>
             </a:lvl7pPr>
-            <a:lvl8pPr marL="3200400" indent="0">
-              <a:buNone/>
-              <a:defRPr sz="1000"/>
+            <a:lvl8pPr marL="2400300" indent="0">
+              <a:buNone/>
+              <a:defRPr sz="750"/>
             </a:lvl8pPr>
-            <a:lvl9pPr marL="3657600" indent="0">
-              <a:buNone/>
-              <a:defRPr sz="1000"/>
+            <a:lvl9pPr marL="2743200" indent="0">
+              <a:buNone/>
+              <a:defRPr sz="750"/>
             </a:lvl9pPr>
           </a:lstStyle>
           <a:p>
@@ -8592,8 +8667,8 @@
           <a:lstStyle/>
           <a:p>
             <a:fld id="{48A87A34-81AB-432B-8DAE-1953F412C126}" type="datetimeFigureOut">
-              <a:rPr lang="en-US" dirty="0"/>
-              <a:t>3/15/22</a:t>
+              <a:rPr lang="en-US" smtClean="0"/>
+              <a:t>5/5/22</a:t>
             </a:fld>
             <a:endParaRPr lang="en-US" dirty="0"/>
           </a:p>
@@ -8634,7 +8709,7 @@
           <a:lstStyle/>
           <a:p>
             <a:fld id="{6D22F896-40B5-4ADD-8801-0D06FADFA095}" type="slidenum">
-              <a:rPr lang="en-US" dirty="0"/>
+              <a:rPr lang="en-US" smtClean="0"/>
               <a:t>‹#›</a:t>
             </a:fld>
             <a:endParaRPr lang="en-US" dirty="0"/>
@@ -8642,6 +8717,11 @@
         </p:txBody>
       </p:sp>
     </p:spTree>
+    <p:extLst>
+      <p:ext uri="{BB962C8B-B14F-4D97-AF65-F5344CB8AC3E}">
+        <p14:creationId xmlns:p14="http://schemas.microsoft.com/office/powerpoint/2010/main" val="4104055627"/>
+      </p:ext>
+    </p:extLst>
   </p:cSld>
   <p:clrMapOvr>
     <a:masterClrMapping/>
@@ -8678,15 +8758,15 @@
         </p:nvSpPr>
         <p:spPr>
           <a:xfrm>
-            <a:off x="1141413" y="609600"/>
-            <a:ext cx="5934508" cy="1639886"/>
+            <a:off x="856060" y="457200"/>
+            <a:ext cx="4450881" cy="1229915"/>
           </a:xfrm>
         </p:spPr>
         <p:txBody>
           <a:bodyPr anchor="b"/>
           <a:lstStyle>
             <a:lvl1pPr>
-              <a:defRPr sz="3200"/>
+              <a:defRPr sz="2400"/>
             </a:lvl1pPr>
           </a:lstStyle>
           <a:p>
@@ -8710,8 +8790,8 @@
         </p:nvSpPr>
         <p:spPr>
           <a:xfrm>
-            <a:off x="7380721" y="609601"/>
-            <a:ext cx="3666690" cy="5181599"/>
+            <a:off x="5535541" y="457201"/>
+            <a:ext cx="2750018" cy="3886199"/>
           </a:xfrm>
           <a:prstGeom prst="round2DiagRect">
             <a:avLst>
@@ -8742,39 +8822,39 @@
           <a:lstStyle>
             <a:lvl1pPr marL="0" indent="0">
               <a:buNone/>
-              <a:defRPr sz="3200"/>
+              <a:defRPr sz="2400"/>
             </a:lvl1pPr>
-            <a:lvl2pPr marL="457200" indent="0">
-              <a:buNone/>
-              <a:defRPr sz="2800"/>
+            <a:lvl2pPr marL="342900" indent="0">
+              <a:buNone/>
+              <a:defRPr sz="2100"/>
             </a:lvl2pPr>
-            <a:lvl3pPr marL="914400" indent="0">
-              <a:buNone/>
-              <a:defRPr sz="2400"/>
+            <a:lvl3pPr marL="685800" indent="0">
+              <a:buNone/>
+              <a:defRPr sz="1800"/>
             </a:lvl3pPr>
-            <a:lvl4pPr marL="1371600" indent="0">
-              <a:buNone/>
-              <a:defRPr sz="2000"/>
+            <a:lvl4pPr marL="1028700" indent="0">
+              <a:buNone/>
+              <a:defRPr sz="1500"/>
             </a:lvl4pPr>
-            <a:lvl5pPr marL="1828800" indent="0">
-              <a:buNone/>
-              <a:defRPr sz="2000"/>
+            <a:lvl5pPr marL="1371600" indent="0">
+              <a:buNone/>
+              <a:defRPr sz="1500"/>
             </a:lvl5pPr>
-            <a:lvl6pPr marL="2286000" indent="0">
-              <a:buNone/>
-              <a:defRPr sz="2000"/>
+            <a:lvl6pPr marL="1714500" indent="0">
+              <a:buNone/>
+              <a:defRPr sz="1500"/>
             </a:lvl6pPr>
-            <a:lvl7pPr marL="2743200" indent="0">
-              <a:buNone/>
-              <a:defRPr sz="2000"/>
+            <a:lvl7pPr marL="2057400" indent="0">
+              <a:buNone/>
+              <a:defRPr sz="1500"/>
             </a:lvl7pPr>
-            <a:lvl8pPr marL="3200400" indent="0">
-              <a:buNone/>
-              <a:defRPr sz="2000"/>
+            <a:lvl8pPr marL="2400300" indent="0">
+              <a:buNone/>
+              <a:defRPr sz="1500"/>
             </a:lvl8pPr>
-            <a:lvl9pPr marL="3657600" indent="0">
-              <a:buNone/>
-              <a:defRPr sz="2000"/>
+            <a:lvl9pPr marL="2743200" indent="0">
+              <a:buNone/>
+              <a:defRPr sz="1500"/>
             </a:lvl9pPr>
           </a:lstStyle>
           <a:p>
@@ -8798,8 +8878,8 @@
         </p:nvSpPr>
         <p:spPr>
           <a:xfrm>
-            <a:off x="1141410" y="2249486"/>
-            <a:ext cx="5934511" cy="3541714"/>
+            <a:off x="856058" y="1687114"/>
+            <a:ext cx="4450883" cy="2656286"/>
           </a:xfrm>
         </p:spPr>
         <p:txBody>
@@ -8807,39 +8887,39 @@
           <a:lstStyle>
             <a:lvl1pPr marL="0" indent="0">
               <a:buNone/>
-              <a:defRPr sz="1600"/>
+              <a:defRPr sz="1200"/>
             </a:lvl1pPr>
-            <a:lvl2pPr marL="457200" indent="0">
-              <a:buNone/>
-              <a:defRPr sz="1400"/>
+            <a:lvl2pPr marL="342900" indent="0">
+              <a:buNone/>
+              <a:defRPr sz="1050"/>
             </a:lvl2pPr>
-            <a:lvl3pPr marL="914400" indent="0">
-              <a:buNone/>
-              <a:defRPr sz="1200"/>
+            <a:lvl3pPr marL="685800" indent="0">
+              <a:buNone/>
+              <a:defRPr sz="900"/>
             </a:lvl3pPr>
-            <a:lvl4pPr marL="1371600" indent="0">
-              <a:buNone/>
-              <a:defRPr sz="1000"/>
+            <a:lvl4pPr marL="1028700" indent="0">
+              <a:buNone/>
+              <a:defRPr sz="750"/>
             </a:lvl4pPr>
-            <a:lvl5pPr marL="1828800" indent="0">
-              <a:buNone/>
-              <a:defRPr sz="1000"/>
+            <a:lvl5pPr marL="1371600" indent="0">
+              <a:buNone/>
+              <a:defRPr sz="750"/>
             </a:lvl5pPr>
-            <a:lvl6pPr marL="2286000" indent="0">
-              <a:buNone/>
-              <a:defRPr sz="1000"/>
+            <a:lvl6pPr marL="1714500" indent="0">
+              <a:buNone/>
+              <a:defRPr sz="750"/>
             </a:lvl6pPr>
-            <a:lvl7pPr marL="2743200" indent="0">
-              <a:buNone/>
-              <a:defRPr sz="1000"/>
+            <a:lvl7pPr marL="2057400" indent="0">
+              <a:buNone/>
+              <a:defRPr sz="750"/>
             </a:lvl7pPr>
-            <a:lvl8pPr marL="3200400" indent="0">
-              <a:buNone/>
-              <a:defRPr sz="1000"/>
+            <a:lvl8pPr marL="2400300" indent="0">
+              <a:buNone/>
+              <a:defRPr sz="750"/>
             </a:lvl8pPr>
-            <a:lvl9pPr marL="3657600" indent="0">
-              <a:buNone/>
-              <a:defRPr sz="1000"/>
+            <a:lvl9pPr marL="2743200" indent="0">
+              <a:buNone/>
+              <a:defRPr sz="750"/>
             </a:lvl9pPr>
           </a:lstStyle>
           <a:p>
@@ -8867,8 +8947,8 @@
           <a:lstStyle/>
           <a:p>
             <a:fld id="{48A87A34-81AB-432B-8DAE-1953F412C126}" type="datetimeFigureOut">
-              <a:rPr lang="en-US" dirty="0"/>
-              <a:t>3/15/22</a:t>
+              <a:rPr lang="en-US" smtClean="0"/>
+              <a:t>5/5/22</a:t>
             </a:fld>
             <a:endParaRPr lang="en-US" dirty="0"/>
           </a:p>
@@ -8909,7 +8989,7 @@
           <a:lstStyle/>
           <a:p>
             <a:fld id="{6D22F896-40B5-4ADD-8801-0D06FADFA095}" type="slidenum">
-              <a:rPr lang="en-US" dirty="0"/>
+              <a:rPr lang="en-US" smtClean="0"/>
               <a:t>‹#›</a:t>
             </a:fld>
             <a:endParaRPr lang="en-US" dirty="0"/>
@@ -8917,6 +8997,11 @@
         </p:txBody>
       </p:sp>
     </p:spTree>
+    <p:extLst>
+      <p:ext uri="{BB962C8B-B14F-4D97-AF65-F5344CB8AC3E}">
+        <p14:creationId xmlns:p14="http://schemas.microsoft.com/office/powerpoint/2010/main" val="1793912198"/>
+      </p:ext>
+    </p:extLst>
   </p:cSld>
   <p:clrMapOvr>
     <a:masterClrMapping/>
@@ -8970,8 +9055,8 @@
         </p:blipFill>
         <p:spPr bwMode="auto">
           <a:xfrm>
-            <a:off x="0" y="-1"/>
-            <a:ext cx="12192003" cy="6858001"/>
+            <a:off x="1" y="-1"/>
+            <a:ext cx="9144002" cy="5143501"/>
           </a:xfrm>
           <a:prstGeom prst="rect">
             <a:avLst/>
@@ -8996,8 +9081,8 @@
         </p:nvGrpSpPr>
         <p:grpSpPr>
           <a:xfrm>
-            <a:off x="-14288" y="0"/>
-            <a:ext cx="12053888" cy="6858001"/>
+            <a:off x="-10716" y="0"/>
+            <a:ext cx="9040416" cy="5143501"/>
             <a:chOff x="-14288" y="0"/>
             <a:chExt cx="12053888" cy="6858001"/>
           </a:xfrm>
@@ -11826,8 +11911,8 @@
         </p:nvSpPr>
         <p:spPr>
           <a:xfrm>
-            <a:off x="1141413" y="618518"/>
-            <a:ext cx="9905998" cy="1478570"/>
+            <a:off x="856060" y="463888"/>
+            <a:ext cx="7429499" cy="1108928"/>
           </a:xfrm>
           <a:prstGeom prst="rect">
             <a:avLst/>
@@ -11855,8 +11940,8 @@
         </p:nvSpPr>
         <p:spPr>
           <a:xfrm>
-            <a:off x="1141412" y="2249487"/>
-            <a:ext cx="9905999" cy="3541714"/>
+            <a:off x="856060" y="1687115"/>
+            <a:ext cx="7429499" cy="2656286"/>
           </a:xfrm>
           <a:prstGeom prst="rect">
             <a:avLst/>
@@ -11917,8 +12002,8 @@
         </p:nvSpPr>
         <p:spPr>
           <a:xfrm>
-            <a:off x="7456921" y="5883276"/>
-            <a:ext cx="2743200" cy="365125"/>
+            <a:off x="5592691" y="4412457"/>
+            <a:ext cx="2057400" cy="273844"/>
           </a:xfrm>
           <a:prstGeom prst="rect">
             <a:avLst/>
@@ -11928,7 +12013,7 @@
           <a:bodyPr vert="horz" lIns="91440" tIns="45720" rIns="91440" bIns="45720" rtlCol="0" anchor="ctr"/>
           <a:lstStyle>
             <a:lvl1pPr algn="r">
-              <a:defRPr sz="1050">
+              <a:defRPr sz="788">
                 <a:solidFill>
                   <a:schemeClr val="tx1">
                     <a:tint val="75000"/>
@@ -11939,9 +12024,9 @@
           </a:lstStyle>
           <a:p>
             <a:fld id="{48A87A34-81AB-432B-8DAE-1953F412C126}" type="datetimeFigureOut">
-              <a:rPr lang="en-US" dirty="0"/>
+              <a:rPr lang="en-US" smtClean="0"/>
               <a:pPr/>
-              <a:t>3/15/22</a:t>
+              <a:t>5/5/22</a:t>
             </a:fld>
             <a:endParaRPr lang="en-US" dirty="0"/>
           </a:p>
@@ -11959,8 +12044,8 @@
         </p:nvSpPr>
         <p:spPr>
           <a:xfrm>
-            <a:off x="1141411" y="5883275"/>
-            <a:ext cx="6239309" cy="365125"/>
+            <a:off x="856059" y="4412457"/>
+            <a:ext cx="4679482" cy="273844"/>
           </a:xfrm>
           <a:prstGeom prst="rect">
             <a:avLst/>
@@ -11970,7 +12055,7 @@
           <a:bodyPr vert="horz" lIns="91440" tIns="45720" rIns="91440" bIns="45720" rtlCol="0" anchor="ctr"/>
           <a:lstStyle>
             <a:lvl1pPr algn="l">
-              <a:defRPr sz="1050" cap="all" baseline="0">
+              <a:defRPr sz="788" cap="all" baseline="0">
                 <a:solidFill>
                   <a:schemeClr val="tx1">
                     <a:tint val="75000"/>
@@ -11996,8 +12081,8 @@
         </p:nvSpPr>
         <p:spPr>
           <a:xfrm>
-            <a:off x="10276321" y="5883274"/>
-            <a:ext cx="771089" cy="365125"/>
+            <a:off x="7707241" y="4412456"/>
+            <a:ext cx="578317" cy="273844"/>
           </a:xfrm>
           <a:prstGeom prst="rect">
             <a:avLst/>
@@ -12007,7 +12092,7 @@
           <a:bodyPr vert="horz" lIns="91440" tIns="45720" rIns="91440" bIns="45720" rtlCol="0" anchor="ctr"/>
           <a:lstStyle>
             <a:lvl1pPr algn="r">
-              <a:defRPr sz="1050">
+              <a:defRPr sz="788">
                 <a:solidFill>
                   <a:schemeClr val="tx1">
                     <a:tint val="75000"/>
@@ -12018,7 +12103,7 @@
           </a:lstStyle>
           <a:p>
             <a:fld id="{6D22F896-40B5-4ADD-8801-0D06FADFA095}" type="slidenum">
-              <a:rPr lang="en-US" dirty="0"/>
+              <a:rPr lang="en-US" smtClean="0"/>
               <a:pPr/>
               <a:t>‹#›</a:t>
             </a:fld>
@@ -12027,30 +12112,35 @@
         </p:txBody>
       </p:sp>
     </p:spTree>
+    <p:extLst>
+      <p:ext uri="{BB962C8B-B14F-4D97-AF65-F5344CB8AC3E}">
+        <p14:creationId xmlns:p14="http://schemas.microsoft.com/office/powerpoint/2010/main" val="1484954878"/>
+      </p:ext>
+    </p:extLst>
   </p:cSld>
   <p:clrMap bg1="dk1" tx1="lt1" bg2="dk2" tx2="lt2" accent1="accent1" accent2="accent2" accent3="accent3" accent4="accent4" accent5="accent5" accent6="accent6" hlink="hlink" folHlink="folHlink"/>
   <p:sldLayoutIdLst>
-    <p:sldLayoutId id="2147483649" r:id="rId1"/>
-    <p:sldLayoutId id="2147483650" r:id="rId2"/>
-    <p:sldLayoutId id="2147483651" r:id="rId3"/>
-    <p:sldLayoutId id="2147483652" r:id="rId4"/>
-    <p:sldLayoutId id="2147483653" r:id="rId5"/>
-    <p:sldLayoutId id="2147483654" r:id="rId6"/>
-    <p:sldLayoutId id="2147483655" r:id="rId7"/>
-    <p:sldLayoutId id="2147483656" r:id="rId8"/>
-    <p:sldLayoutId id="2147483657" r:id="rId9"/>
-    <p:sldLayoutId id="2147483660" r:id="rId10"/>
-    <p:sldLayoutId id="2147483661" r:id="rId11"/>
-    <p:sldLayoutId id="2147483666" r:id="rId12"/>
-    <p:sldLayoutId id="2147483663" r:id="rId13"/>
-    <p:sldLayoutId id="2147483667" r:id="rId14"/>
-    <p:sldLayoutId id="2147483668" r:id="rId15"/>
-    <p:sldLayoutId id="2147483658" r:id="rId16"/>
-    <p:sldLayoutId id="2147483659" r:id="rId17"/>
+    <p:sldLayoutId id="2147483670" r:id="rId1"/>
+    <p:sldLayoutId id="2147483671" r:id="rId2"/>
+    <p:sldLayoutId id="2147483672" r:id="rId3"/>
+    <p:sldLayoutId id="2147483673" r:id="rId4"/>
+    <p:sldLayoutId id="2147483674" r:id="rId5"/>
+    <p:sldLayoutId id="2147483675" r:id="rId6"/>
+    <p:sldLayoutId id="2147483676" r:id="rId7"/>
+    <p:sldLayoutId id="2147483677" r:id="rId8"/>
+    <p:sldLayoutId id="2147483678" r:id="rId9"/>
+    <p:sldLayoutId id="2147483679" r:id="rId10"/>
+    <p:sldLayoutId id="2147483680" r:id="rId11"/>
+    <p:sldLayoutId id="2147483681" r:id="rId12"/>
+    <p:sldLayoutId id="2147483682" r:id="rId13"/>
+    <p:sldLayoutId id="2147483683" r:id="rId14"/>
+    <p:sldLayoutId id="2147483684" r:id="rId15"/>
+    <p:sldLayoutId id="2147483685" r:id="rId16"/>
+    <p:sldLayoutId id="2147483686" r:id="rId17"/>
   </p:sldLayoutIdLst>
   <p:txStyles>
     <p:titleStyle>
-      <a:lvl1pPr algn="l" defTabSz="914400" rtl="0" eaLnBrk="1" latinLnBrk="0" hangingPunct="1">
+      <a:lvl1pPr algn="l" defTabSz="685800" rtl="0" eaLnBrk="1" latinLnBrk="0" hangingPunct="1">
         <a:lnSpc>
           <a:spcPct val="90000"/>
         </a:lnSpc>
@@ -12058,7 +12148,7 @@
           <a:spcPct val="0"/>
         </a:spcBef>
         <a:buNone/>
-        <a:defRPr sz="3600" kern="1200" cap="all" baseline="0">
+        <a:defRPr sz="2700" kern="1200" cap="all" baseline="0">
           <a:solidFill>
             <a:schemeClr val="tx1"/>
           </a:solidFill>
@@ -12069,50 +12159,12 @@
       </a:lvl1pPr>
     </p:titleStyle>
     <p:bodyStyle>
-      <a:lvl1pPr marL="228600" indent="-228600" algn="l" defTabSz="914400" rtl="0" eaLnBrk="1" latinLnBrk="0" hangingPunct="1">
+      <a:lvl1pPr marL="171450" indent="-171450" algn="l" defTabSz="685800" rtl="0" eaLnBrk="1" latinLnBrk="0" hangingPunct="1">
         <a:lnSpc>
           <a:spcPct val="120000"/>
         </a:lnSpc>
         <a:spcBef>
-          <a:spcPts val="1000"/>
-        </a:spcBef>
-        <a:buSzPct val="125000"/>
-        <a:buFont typeface="Arial" panose="020B0604020202020204" pitchFamily="34" charset="0"/>
-        <a:buChar char="•"/>
-        <a:defRPr sz="2400" kern="1200">
-          <a:solidFill>
-            <a:schemeClr val="tx1"/>
-          </a:solidFill>
-          <a:latin typeface="+mn-lt"/>
-          <a:ea typeface="+mn-ea"/>
-          <a:cs typeface="+mn-cs"/>
-        </a:defRPr>
-      </a:lvl1pPr>
-      <a:lvl2pPr marL="685800" indent="-228600" algn="l" defTabSz="914400" rtl="0" eaLnBrk="1" latinLnBrk="0" hangingPunct="1">
-        <a:lnSpc>
-          <a:spcPct val="120000"/>
-        </a:lnSpc>
-        <a:spcBef>
-          <a:spcPts val="500"/>
-        </a:spcBef>
-        <a:buSzPct val="125000"/>
-        <a:buFont typeface="Arial" panose="020B0604020202020204" pitchFamily="34" charset="0"/>
-        <a:buChar char="•"/>
-        <a:defRPr sz="2000" kern="1200">
-          <a:solidFill>
-            <a:schemeClr val="tx1"/>
-          </a:solidFill>
-          <a:latin typeface="+mn-lt"/>
-          <a:ea typeface="+mn-ea"/>
-          <a:cs typeface="+mn-cs"/>
-        </a:defRPr>
-      </a:lvl2pPr>
-      <a:lvl3pPr marL="1143000" indent="-228600" algn="l" defTabSz="914400" rtl="0" eaLnBrk="1" latinLnBrk="0" hangingPunct="1">
-        <a:lnSpc>
-          <a:spcPct val="120000"/>
-        </a:lnSpc>
-        <a:spcBef>
-          <a:spcPts val="500"/>
+          <a:spcPts val="750"/>
         </a:spcBef>
         <a:buSzPct val="125000"/>
         <a:buFont typeface="Arial" panose="020B0604020202020204" pitchFamily="34" charset="0"/>
@@ -12125,18 +12177,56 @@
           <a:ea typeface="+mn-ea"/>
           <a:cs typeface="+mn-cs"/>
         </a:defRPr>
-      </a:lvl3pPr>
-      <a:lvl4pPr marL="1600200" indent="-228600" algn="l" defTabSz="914400" rtl="0" eaLnBrk="1" latinLnBrk="0" hangingPunct="1">
+      </a:lvl1pPr>
+      <a:lvl2pPr marL="514350" indent="-171450" algn="l" defTabSz="685800" rtl="0" eaLnBrk="1" latinLnBrk="0" hangingPunct="1">
         <a:lnSpc>
           <a:spcPct val="120000"/>
         </a:lnSpc>
         <a:spcBef>
-          <a:spcPts val="500"/>
+          <a:spcPts val="375"/>
         </a:spcBef>
         <a:buSzPct val="125000"/>
         <a:buFont typeface="Arial" panose="020B0604020202020204" pitchFamily="34" charset="0"/>
         <a:buChar char="•"/>
-        <a:defRPr sz="1600" kern="1200">
+        <a:defRPr sz="1500" kern="1200">
+          <a:solidFill>
+            <a:schemeClr val="tx1"/>
+          </a:solidFill>
+          <a:latin typeface="+mn-lt"/>
+          <a:ea typeface="+mn-ea"/>
+          <a:cs typeface="+mn-cs"/>
+        </a:defRPr>
+      </a:lvl2pPr>
+      <a:lvl3pPr marL="857250" indent="-171450" algn="l" defTabSz="685800" rtl="0" eaLnBrk="1" latinLnBrk="0" hangingPunct="1">
+        <a:lnSpc>
+          <a:spcPct val="120000"/>
+        </a:lnSpc>
+        <a:spcBef>
+          <a:spcPts val="375"/>
+        </a:spcBef>
+        <a:buSzPct val="125000"/>
+        <a:buFont typeface="Arial" panose="020B0604020202020204" pitchFamily="34" charset="0"/>
+        <a:buChar char="•"/>
+        <a:defRPr sz="1350" kern="1200">
+          <a:solidFill>
+            <a:schemeClr val="tx1"/>
+          </a:solidFill>
+          <a:latin typeface="+mn-lt"/>
+          <a:ea typeface="+mn-ea"/>
+          <a:cs typeface="+mn-cs"/>
+        </a:defRPr>
+      </a:lvl3pPr>
+      <a:lvl4pPr marL="1200150" indent="-171450" algn="l" defTabSz="685800" rtl="0" eaLnBrk="1" latinLnBrk="0" hangingPunct="1">
+        <a:lnSpc>
+          <a:spcPct val="120000"/>
+        </a:lnSpc>
+        <a:spcBef>
+          <a:spcPts val="375"/>
+        </a:spcBef>
+        <a:buSzPct val="125000"/>
+        <a:buFont typeface="Arial" panose="020B0604020202020204" pitchFamily="34" charset="0"/>
+        <a:buChar char="•"/>
+        <a:defRPr sz="1200" kern="1200">
           <a:solidFill>
             <a:schemeClr val="tx1"/>
           </a:solidFill>
@@ -12145,17 +12235,17 @@
           <a:cs typeface="+mn-cs"/>
         </a:defRPr>
       </a:lvl4pPr>
-      <a:lvl5pPr marL="2057400" indent="-228600" algn="l" defTabSz="914400" rtl="0" eaLnBrk="1" latinLnBrk="0" hangingPunct="1">
+      <a:lvl5pPr marL="1543050" indent="-171450" algn="l" defTabSz="685800" rtl="0" eaLnBrk="1" latinLnBrk="0" hangingPunct="1">
         <a:lnSpc>
           <a:spcPct val="120000"/>
         </a:lnSpc>
         <a:spcBef>
-          <a:spcPts val="500"/>
+          <a:spcPts val="375"/>
         </a:spcBef>
         <a:buSzPct val="125000"/>
         <a:buFont typeface="Arial" panose="020B0604020202020204" pitchFamily="34" charset="0"/>
         <a:buChar char="•"/>
-        <a:defRPr sz="1600" kern="1200">
+        <a:defRPr sz="1200" kern="1200">
           <a:solidFill>
             <a:schemeClr val="tx1"/>
           </a:solidFill>
@@ -12164,17 +12254,17 @@
           <a:cs typeface="+mn-cs"/>
         </a:defRPr>
       </a:lvl5pPr>
-      <a:lvl6pPr marL="2514600" indent="-228600" algn="l" defTabSz="914400" rtl="0" eaLnBrk="1" latinLnBrk="0" hangingPunct="1">
+      <a:lvl6pPr marL="1885950" indent="-171450" algn="l" defTabSz="685800" rtl="0" eaLnBrk="1" latinLnBrk="0" hangingPunct="1">
         <a:lnSpc>
           <a:spcPct val="120000"/>
         </a:lnSpc>
         <a:spcBef>
-          <a:spcPts val="500"/>
+          <a:spcPts val="375"/>
         </a:spcBef>
         <a:buSzPct val="125000"/>
         <a:buFont typeface="Arial" panose="020B0604020202020204" pitchFamily="34" charset="0"/>
         <a:buChar char="•"/>
-        <a:defRPr sz="1400" kern="1200">
+        <a:defRPr sz="1050" kern="1200">
           <a:solidFill>
             <a:schemeClr val="tx1"/>
           </a:solidFill>
@@ -12183,17 +12273,17 @@
           <a:cs typeface="+mn-cs"/>
         </a:defRPr>
       </a:lvl6pPr>
-      <a:lvl7pPr marL="2971800" indent="-228600" algn="l" defTabSz="914400" rtl="0" eaLnBrk="1" latinLnBrk="0" hangingPunct="1">
+      <a:lvl7pPr marL="2228850" indent="-171450" algn="l" defTabSz="685800" rtl="0" eaLnBrk="1" latinLnBrk="0" hangingPunct="1">
         <a:lnSpc>
           <a:spcPct val="120000"/>
         </a:lnSpc>
         <a:spcBef>
-          <a:spcPts val="500"/>
+          <a:spcPts val="375"/>
         </a:spcBef>
         <a:buSzPct val="125000"/>
         <a:buFont typeface="Arial" panose="020B0604020202020204" pitchFamily="34" charset="0"/>
         <a:buChar char="•"/>
-        <a:defRPr sz="1400" kern="1200">
+        <a:defRPr sz="1050" kern="1200">
           <a:solidFill>
             <a:schemeClr val="tx1"/>
           </a:solidFill>
@@ -12202,17 +12292,17 @@
           <a:cs typeface="+mn-cs"/>
         </a:defRPr>
       </a:lvl7pPr>
-      <a:lvl8pPr marL="3429000" indent="-228600" algn="l" defTabSz="914400" rtl="0" eaLnBrk="1" latinLnBrk="0" hangingPunct="1">
+      <a:lvl8pPr marL="2571750" indent="-171450" algn="l" defTabSz="685800" rtl="0" eaLnBrk="1" latinLnBrk="0" hangingPunct="1">
         <a:lnSpc>
           <a:spcPct val="120000"/>
         </a:lnSpc>
         <a:spcBef>
-          <a:spcPts val="500"/>
+          <a:spcPts val="375"/>
         </a:spcBef>
         <a:buSzPct val="125000"/>
         <a:buFont typeface="Arial" panose="020B0604020202020204" pitchFamily="34" charset="0"/>
         <a:buChar char="•"/>
-        <a:defRPr sz="1400" kern="1200">
+        <a:defRPr sz="1050" kern="1200">
           <a:solidFill>
             <a:schemeClr val="tx1"/>
           </a:solidFill>
@@ -12221,17 +12311,17 @@
           <a:cs typeface="+mn-cs"/>
         </a:defRPr>
       </a:lvl8pPr>
-      <a:lvl9pPr marL="3886200" indent="-228600" algn="l" defTabSz="914400" rtl="0" eaLnBrk="1" latinLnBrk="0" hangingPunct="1">
+      <a:lvl9pPr marL="2914650" indent="-171450" algn="l" defTabSz="685800" rtl="0" eaLnBrk="1" latinLnBrk="0" hangingPunct="1">
         <a:lnSpc>
           <a:spcPct val="120000"/>
         </a:lnSpc>
         <a:spcBef>
-          <a:spcPts val="500"/>
+          <a:spcPts val="375"/>
         </a:spcBef>
         <a:buSzPct val="125000"/>
         <a:buFont typeface="Arial" panose="020B0604020202020204" pitchFamily="34" charset="0"/>
         <a:buChar char="•"/>
-        <a:defRPr sz="1400" kern="1200">
+        <a:defRPr sz="1050" kern="1200">
           <a:solidFill>
             <a:schemeClr val="tx1"/>
           </a:solidFill>
@@ -12245,8 +12335,8 @@
       <a:defPPr>
         <a:defRPr lang="en-US"/>
       </a:defPPr>
-      <a:lvl1pPr marL="0" algn="l" defTabSz="914400" rtl="0" eaLnBrk="1" latinLnBrk="0" hangingPunct="1">
-        <a:defRPr sz="1800" kern="1200">
+      <a:lvl1pPr marL="0" algn="l" defTabSz="685800" rtl="0" eaLnBrk="1" latinLnBrk="0" hangingPunct="1">
+        <a:defRPr sz="1350" kern="1200">
           <a:solidFill>
             <a:schemeClr val="tx1"/>
           </a:solidFill>
@@ -12255,8 +12345,8 @@
           <a:cs typeface="+mn-cs"/>
         </a:defRPr>
       </a:lvl1pPr>
-      <a:lvl2pPr marL="457200" algn="l" defTabSz="914400" rtl="0" eaLnBrk="1" latinLnBrk="0" hangingPunct="1">
-        <a:defRPr sz="1800" kern="1200">
+      <a:lvl2pPr marL="342900" algn="l" defTabSz="685800" rtl="0" eaLnBrk="1" latinLnBrk="0" hangingPunct="1">
+        <a:defRPr sz="1350" kern="1200">
           <a:solidFill>
             <a:schemeClr val="tx1"/>
           </a:solidFill>
@@ -12265,8 +12355,8 @@
           <a:cs typeface="+mn-cs"/>
         </a:defRPr>
       </a:lvl2pPr>
-      <a:lvl3pPr marL="914400" algn="l" defTabSz="914400" rtl="0" eaLnBrk="1" latinLnBrk="0" hangingPunct="1">
-        <a:defRPr sz="1800" kern="1200">
+      <a:lvl3pPr marL="685800" algn="l" defTabSz="685800" rtl="0" eaLnBrk="1" latinLnBrk="0" hangingPunct="1">
+        <a:defRPr sz="1350" kern="1200">
           <a:solidFill>
             <a:schemeClr val="tx1"/>
           </a:solidFill>
@@ -12275,8 +12365,8 @@
           <a:cs typeface="+mn-cs"/>
         </a:defRPr>
       </a:lvl3pPr>
-      <a:lvl4pPr marL="1371600" algn="l" defTabSz="914400" rtl="0" eaLnBrk="1" latinLnBrk="0" hangingPunct="1">
-        <a:defRPr sz="1800" kern="1200">
+      <a:lvl4pPr marL="1028700" algn="l" defTabSz="685800" rtl="0" eaLnBrk="1" latinLnBrk="0" hangingPunct="1">
+        <a:defRPr sz="1350" kern="1200">
           <a:solidFill>
             <a:schemeClr val="tx1"/>
           </a:solidFill>
@@ -12285,8 +12375,8 @@
           <a:cs typeface="+mn-cs"/>
         </a:defRPr>
       </a:lvl4pPr>
-      <a:lvl5pPr marL="1828800" algn="l" defTabSz="914400" rtl="0" eaLnBrk="1" latinLnBrk="0" hangingPunct="1">
-        <a:defRPr sz="1800" kern="1200">
+      <a:lvl5pPr marL="1371600" algn="l" defTabSz="685800" rtl="0" eaLnBrk="1" latinLnBrk="0" hangingPunct="1">
+        <a:defRPr sz="1350" kern="1200">
           <a:solidFill>
             <a:schemeClr val="tx1"/>
           </a:solidFill>
@@ -12295,8 +12385,8 @@
           <a:cs typeface="+mn-cs"/>
         </a:defRPr>
       </a:lvl5pPr>
-      <a:lvl6pPr marL="2286000" algn="l" defTabSz="914400" rtl="0" eaLnBrk="1" latinLnBrk="0" hangingPunct="1">
-        <a:defRPr sz="1800" kern="1200">
+      <a:lvl6pPr marL="1714500" algn="l" defTabSz="685800" rtl="0" eaLnBrk="1" latinLnBrk="0" hangingPunct="1">
+        <a:defRPr sz="1350" kern="1200">
           <a:solidFill>
             <a:schemeClr val="tx1"/>
           </a:solidFill>
@@ -12305,8 +12395,8 @@
           <a:cs typeface="+mn-cs"/>
         </a:defRPr>
       </a:lvl6pPr>
-      <a:lvl7pPr marL="2743200" algn="l" defTabSz="914400" rtl="0" eaLnBrk="1" latinLnBrk="0" hangingPunct="1">
-        <a:defRPr sz="1800" kern="1200">
+      <a:lvl7pPr marL="2057400" algn="l" defTabSz="685800" rtl="0" eaLnBrk="1" latinLnBrk="0" hangingPunct="1">
+        <a:defRPr sz="1350" kern="1200">
           <a:solidFill>
             <a:schemeClr val="tx1"/>
           </a:solidFill>
@@ -12315,8 +12405,8 @@
           <a:cs typeface="+mn-cs"/>
         </a:defRPr>
       </a:lvl7pPr>
-      <a:lvl8pPr marL="3200400" algn="l" defTabSz="914400" rtl="0" eaLnBrk="1" latinLnBrk="0" hangingPunct="1">
-        <a:defRPr sz="1800" kern="1200">
+      <a:lvl8pPr marL="2400300" algn="l" defTabSz="685800" rtl="0" eaLnBrk="1" latinLnBrk="0" hangingPunct="1">
+        <a:defRPr sz="1350" kern="1200">
           <a:solidFill>
             <a:schemeClr val="tx1"/>
           </a:solidFill>
@@ -12325,8 +12415,8 @@
           <a:cs typeface="+mn-cs"/>
         </a:defRPr>
       </a:lvl8pPr>
-      <a:lvl9pPr marL="3657600" algn="l" defTabSz="914400" rtl="0" eaLnBrk="1" latinLnBrk="0" hangingPunct="1">
-        <a:defRPr sz="1800" kern="1200">
+      <a:lvl9pPr marL="2743200" algn="l" defTabSz="685800" rtl="0" eaLnBrk="1" latinLnBrk="0" hangingPunct="1">
+        <a:defRPr sz="1350" kern="1200">
           <a:solidFill>
             <a:schemeClr val="tx1"/>
           </a:solidFill>
@@ -12375,16 +12465,19 @@
         </p:nvSpPr>
         <p:spPr>
           <a:xfrm>
-            <a:off x="2401357" y="2509838"/>
-            <a:ext cx="8791575" cy="919162"/>
+            <a:off x="1775515" y="876150"/>
+            <a:ext cx="3433134" cy="2569779"/>
           </a:xfrm>
         </p:spPr>
         <p:txBody>
-          <a:bodyPr/>
+          <a:bodyPr anchor="ctr">
+            <a:normAutofit/>
+          </a:bodyPr>
           <a:lstStyle/>
           <a:p>
+            <a:pPr algn="ctr"/>
             <a:r>
-              <a:rPr lang="en-US" cap="none" dirty="0">
+              <a:rPr lang="en-US" sz="4500" cap="none" dirty="0">
                 <a:effectLst>
                   <a:outerShdw blurRad="63500" dist="60484" dir="2700000" sx="100475" sy="100475" algn="tl" rotWithShape="0">
                     <a:schemeClr val="bg2"/>
@@ -12413,8 +12506,8 @@
         </p:nvSpPr>
         <p:spPr>
           <a:xfrm>
-            <a:off x="3132667" y="5409142"/>
-            <a:ext cx="8791575" cy="919162"/>
+            <a:off x="1992490" y="4295125"/>
+            <a:ext cx="6593681" cy="689372"/>
           </a:xfrm>
           <a:prstGeom prst="rect">
             <a:avLst/>
@@ -12426,7 +12519,7 @@
           </a:effectLst>
         </p:spPr>
         <p:txBody>
-          <a:bodyPr vert="horz" lIns="91440" tIns="45720" rIns="91440" bIns="45720" rtlCol="0" anchor="b">
+          <a:bodyPr vert="horz" lIns="68580" tIns="34290" rIns="68580" bIns="34290" rtlCol="0" anchor="b">
             <a:normAutofit/>
           </a:bodyPr>
           <a:lstStyle>
@@ -12450,7 +12543,7 @@
           </a:lstStyle>
           <a:p>
             <a:r>
-              <a:rPr lang="en-US" cap="none" dirty="0">
+              <a:rPr lang="en-US" sz="3300" i="1" cap="none" dirty="0">
                 <a:solidFill>
                   <a:srgbClr val="48A8E3"/>
                 </a:solidFill>
@@ -12461,11 +12554,48 @@
                 </a:effectLst>
                 <a:latin typeface="Ford Antenna Medium Cnd" panose="02000505000000020004" pitchFamily="2" charset="0"/>
               </a:rPr>
-              <a:t>HTTP API Building Blocks</a:t>
+              <a:t>Building Blocks for HTTP APIs</a:t>
             </a:r>
           </a:p>
         </p:txBody>
       </p:sp>
+      <p:pic>
+        <p:nvPicPr>
+          <p:cNvPr id="3" name="Picture 2">
+            <a:extLst>
+              <a:ext uri="{FF2B5EF4-FFF2-40B4-BE49-F238E27FC236}">
+                <a16:creationId xmlns:a16="http://schemas.microsoft.com/office/drawing/2014/main" id="{6C52BE20-FB02-465D-3754-4F5F47A74E10}"/>
+              </a:ext>
+            </a:extLst>
+          </p:cNvPr>
+          <p:cNvPicPr>
+            <a:picLocks noChangeAspect="1"/>
+          </p:cNvPicPr>
+          <p:nvPr/>
+        </p:nvPicPr>
+        <p:blipFill>
+          <a:blip r:embed="rId2"/>
+          <a:stretch>
+            <a:fillRect/>
+          </a:stretch>
+        </p:blipFill>
+        <p:spPr>
+          <a:xfrm>
+            <a:off x="5972899" y="503690"/>
+            <a:ext cx="2629808" cy="3314700"/>
+          </a:xfrm>
+          <a:prstGeom prst="rect">
+            <a:avLst/>
+          </a:prstGeom>
+          <a:effectLst>
+            <a:outerShdw blurRad="82798" dist="38100" dir="3480000" sx="101974" sy="101974" algn="tl" rotWithShape="0">
+              <a:prstClr val="black">
+                <a:alpha val="72766"/>
+              </a:prstClr>
+            </a:outerShdw>
+          </a:effectLst>
+        </p:spPr>
+      </p:pic>
     </p:spTree>
     <p:extLst>
       <p:ext uri="{BB962C8B-B14F-4D97-AF65-F5344CB8AC3E}">
@@ -12514,8 +12644,8 @@
         </p:nvSpPr>
         <p:spPr>
           <a:xfrm>
-            <a:off x="1876424" y="2590800"/>
-            <a:ext cx="8791575" cy="919162"/>
+            <a:off x="1407319" y="1943100"/>
+            <a:ext cx="6593681" cy="689372"/>
           </a:xfrm>
         </p:spPr>
         <p:txBody>
@@ -12554,8 +12684,8 @@
         </p:nvSpPr>
         <p:spPr>
           <a:xfrm>
-            <a:off x="2946400" y="3860799"/>
-            <a:ext cx="7721599" cy="2319867"/>
+            <a:off x="2209801" y="2895600"/>
+            <a:ext cx="5791199" cy="1739900"/>
           </a:xfrm>
         </p:spPr>
         <p:txBody>
@@ -12564,7 +12694,7 @@
           </a:bodyPr>
           <a:lstStyle/>
           <a:p>
-            <a:pPr marL="457200" indent="-457200">
+            <a:pPr marL="342900" indent="-342900">
               <a:buFont typeface="Arial" panose="020B0604020202020204" pitchFamily="34" charset="0"/>
               <a:buChar char="•"/>
             </a:pPr>
@@ -12576,7 +12706,7 @@
             </a:r>
           </a:p>
           <a:p>
-            <a:pPr marL="457200" indent="-457200">
+            <a:pPr marL="342900" indent="-342900">
               <a:buFont typeface="Arial" panose="020B0604020202020204" pitchFamily="34" charset="0"/>
               <a:buChar char="•"/>
             </a:pPr>
@@ -12605,15 +12735,15 @@
         </p:nvSpPr>
         <p:spPr>
           <a:xfrm>
-            <a:off x="2946400" y="1683808"/>
-            <a:ext cx="7721599" cy="919162"/>
+            <a:off x="2209801" y="1262856"/>
+            <a:ext cx="5791199" cy="689372"/>
           </a:xfrm>
           <a:prstGeom prst="rect">
             <a:avLst/>
           </a:prstGeom>
         </p:spPr>
         <p:txBody>
-          <a:bodyPr vert="horz" lIns="91440" tIns="45720" rIns="91440" bIns="45720" rtlCol="0">
+          <a:bodyPr vert="horz" lIns="68580" tIns="34290" rIns="68580" bIns="34290" rtlCol="0">
             <a:normAutofit/>
           </a:bodyPr>
           <a:lstStyle>
@@ -12791,7 +12921,7 @@
           </a:lstStyle>
           <a:p>
             <a:r>
-              <a:rPr lang="en-US" sz="3200" cap="none" dirty="0">
+              <a:rPr lang="en-US" sz="2400" cap="none" dirty="0">
                 <a:solidFill>
                   <a:schemeClr val="bg2"/>
                 </a:solidFill>
@@ -12818,8 +12948,8 @@
         </p:nvSpPr>
         <p:spPr>
           <a:xfrm>
-            <a:off x="2292878" y="6277503"/>
-            <a:ext cx="2346856" cy="508000"/>
+            <a:off x="1719658" y="4708127"/>
+            <a:ext cx="3033212" cy="381000"/>
           </a:xfrm>
           <a:prstGeom prst="rect">
             <a:avLst/>
@@ -12827,7 +12957,7 @@
           <a:effectLst/>
         </p:spPr>
         <p:txBody>
-          <a:bodyPr vert="horz" lIns="91440" tIns="45720" rIns="91440" bIns="45720" rtlCol="0" anchor="b">
+          <a:bodyPr vert="horz" lIns="68580" tIns="34290" rIns="68580" bIns="34290" rtlCol="0" anchor="b">
             <a:normAutofit/>
           </a:bodyPr>
           <a:lstStyle>
@@ -12851,7 +12981,7 @@
           </a:lstStyle>
           <a:p>
             <a:r>
-              <a:rPr lang="en-US" sz="2400" i="1" cap="none" dirty="0">
+              <a:rPr lang="en-US" sz="1800" i="1" cap="none" dirty="0">
                 <a:solidFill>
                   <a:srgbClr val="48A8E3"/>
                 </a:solidFill>
@@ -12862,7 +12992,7 @@
                 </a:effectLst>
                 <a:latin typeface="Ford Antenna Thin XCnd" panose="02000505000000020004" pitchFamily="2" charset="0"/>
               </a:rPr>
-              <a:t>HTTP API Building Blocks</a:t>
+              <a:t>Building Blocks for HTTP APIs</a:t>
             </a:r>
           </a:p>
         </p:txBody>
@@ -12915,8 +13045,8 @@
         </p:nvSpPr>
         <p:spPr>
           <a:xfrm>
-            <a:off x="1876424" y="2590800"/>
-            <a:ext cx="8791575" cy="919162"/>
+            <a:off x="1407319" y="1943100"/>
+            <a:ext cx="6593681" cy="689372"/>
           </a:xfrm>
         </p:spPr>
         <p:txBody>
@@ -12955,8 +13085,8 @@
         </p:nvSpPr>
         <p:spPr>
           <a:xfrm>
-            <a:off x="2946400" y="3860799"/>
-            <a:ext cx="7721599" cy="2319867"/>
+            <a:off x="2209801" y="2895600"/>
+            <a:ext cx="5791199" cy="1739900"/>
           </a:xfrm>
         </p:spPr>
         <p:txBody>
@@ -12966,7 +13096,7 @@
           <a:lstStyle/>
           <a:p>
             <a:r>
-              <a:rPr lang="en-US" sz="3200" cap="none" dirty="0">
+              <a:rPr lang="en-US" sz="2400" cap="none" dirty="0">
                 <a:latin typeface="Ford Antenna Medium Cnd" panose="02000505000000020004" pitchFamily="2" charset="0"/>
               </a:rPr>
               <a:t>Resources and APIs disappear at some point in time; the Sunset field allows to advertise that event to clients.</a:t>
@@ -12990,15 +13120,15 @@
         </p:nvSpPr>
         <p:spPr>
           <a:xfrm>
-            <a:off x="2946400" y="1683808"/>
-            <a:ext cx="7721599" cy="919162"/>
+            <a:off x="2209801" y="1262856"/>
+            <a:ext cx="5791199" cy="689372"/>
           </a:xfrm>
           <a:prstGeom prst="rect">
             <a:avLst/>
           </a:prstGeom>
         </p:spPr>
         <p:txBody>
-          <a:bodyPr vert="horz" lIns="91440" tIns="45720" rIns="91440" bIns="45720" rtlCol="0">
+          <a:bodyPr vert="horz" lIns="68580" tIns="34290" rIns="68580" bIns="34290" rtlCol="0">
             <a:normAutofit/>
           </a:bodyPr>
           <a:lstStyle>
@@ -13176,7 +13306,7 @@
           </a:lstStyle>
           <a:p>
             <a:r>
-              <a:rPr lang="en-US" sz="3200" cap="none" dirty="0">
+              <a:rPr lang="en-US" sz="2400" cap="none" dirty="0">
                 <a:solidFill>
                   <a:schemeClr val="bg2"/>
                 </a:solidFill>
@@ -13203,8 +13333,8 @@
         </p:nvSpPr>
         <p:spPr>
           <a:xfrm>
-            <a:off x="2292878" y="6277503"/>
-            <a:ext cx="2346856" cy="508000"/>
+            <a:off x="1719658" y="4708127"/>
+            <a:ext cx="2972921" cy="381000"/>
           </a:xfrm>
           <a:prstGeom prst="rect">
             <a:avLst/>
@@ -13212,7 +13342,7 @@
           <a:effectLst/>
         </p:spPr>
         <p:txBody>
-          <a:bodyPr vert="horz" lIns="91440" tIns="45720" rIns="91440" bIns="45720" rtlCol="0" anchor="b">
+          <a:bodyPr vert="horz" lIns="68580" tIns="34290" rIns="68580" bIns="34290" rtlCol="0" anchor="b">
             <a:normAutofit/>
           </a:bodyPr>
           <a:lstStyle>
@@ -13236,7 +13366,7 @@
           </a:lstStyle>
           <a:p>
             <a:r>
-              <a:rPr lang="en-US" sz="2400" i="1" cap="none" dirty="0">
+              <a:rPr lang="en-US" sz="1800" i="1" cap="none" dirty="0">
                 <a:solidFill>
                   <a:srgbClr val="48A8E3"/>
                 </a:solidFill>
@@ -13247,7 +13377,7 @@
                 </a:effectLst>
                 <a:latin typeface="Ford Antenna Thin XCnd" panose="02000505000000020004" pitchFamily="2" charset="0"/>
               </a:rPr>
-              <a:t>HTTP API Building Blocks</a:t>
+              <a:t>Building Blocks for HTTP APIs</a:t>
             </a:r>
           </a:p>
         </p:txBody>
@@ -13300,8 +13430,8 @@
         </p:nvSpPr>
         <p:spPr>
           <a:xfrm>
-            <a:off x="1344613" y="2445807"/>
-            <a:ext cx="9145586" cy="3081868"/>
+            <a:off x="1008460" y="1834355"/>
+            <a:ext cx="6859190" cy="2311401"/>
           </a:xfrm>
         </p:spPr>
         <p:txBody>
@@ -13336,15 +13466,15 @@
         </p:nvSpPr>
         <p:spPr>
           <a:xfrm>
-            <a:off x="1698623" y="607218"/>
-            <a:ext cx="8791575" cy="919162"/>
+            <a:off x="1273968" y="455413"/>
+            <a:ext cx="6593681" cy="689372"/>
           </a:xfrm>
           <a:prstGeom prst="rect">
             <a:avLst/>
           </a:prstGeom>
         </p:spPr>
         <p:txBody>
-          <a:bodyPr vert="horz" lIns="91440" tIns="45720" rIns="91440" bIns="45720" rtlCol="0" anchor="ctr">
+          <a:bodyPr vert="horz" lIns="68580" tIns="34290" rIns="68580" bIns="34290" rtlCol="0" anchor="ctr">
             <a:normAutofit/>
           </a:bodyPr>
           <a:lstStyle>
@@ -13368,7 +13498,7 @@
           </a:lstStyle>
           <a:p>
             <a:r>
-              <a:rPr lang="en-US" cap="none" dirty="0">
+              <a:rPr lang="en-US" sz="2700" cap="none" dirty="0">
                 <a:solidFill>
                   <a:schemeClr val="bg2"/>
                 </a:solidFill>
@@ -13395,15 +13525,15 @@
         </p:nvSpPr>
         <p:spPr>
           <a:xfrm>
-            <a:off x="1698623" y="1330325"/>
-            <a:ext cx="8791575" cy="919162"/>
+            <a:off x="1273968" y="997744"/>
+            <a:ext cx="6593681" cy="689372"/>
           </a:xfrm>
           <a:prstGeom prst="rect">
             <a:avLst/>
           </a:prstGeom>
         </p:spPr>
         <p:txBody>
-          <a:bodyPr vert="horz" lIns="91440" tIns="45720" rIns="91440" bIns="45720" rtlCol="0" anchor="ctr">
+          <a:bodyPr vert="horz" lIns="68580" tIns="34290" rIns="68580" bIns="34290" rtlCol="0" anchor="ctr">
             <a:normAutofit/>
           </a:bodyPr>
           <a:lstStyle>
@@ -13427,7 +13557,7 @@
           </a:lstStyle>
           <a:p>
             <a:r>
-              <a:rPr lang="en-US" sz="2800" cap="none" dirty="0">
+              <a:rPr lang="en-US" sz="2100" cap="none" dirty="0">
                 <a:latin typeface="Ford Antenna Medium Cnd" panose="02000505000000020004" pitchFamily="2" charset="0"/>
               </a:rPr>
               <a:t>Why this Building Block?</a:t>
@@ -13451,8 +13581,8 @@
         </p:nvSpPr>
         <p:spPr>
           <a:xfrm>
-            <a:off x="1192211" y="6284649"/>
-            <a:ext cx="2346856" cy="508000"/>
+            <a:off x="894158" y="4713487"/>
+            <a:ext cx="2984506" cy="381000"/>
           </a:xfrm>
           <a:prstGeom prst="rect">
             <a:avLst/>
@@ -13460,7 +13590,7 @@
           <a:effectLst/>
         </p:spPr>
         <p:txBody>
-          <a:bodyPr vert="horz" lIns="91440" tIns="45720" rIns="91440" bIns="45720" rtlCol="0" anchor="b">
+          <a:bodyPr vert="horz" lIns="68580" tIns="34290" rIns="68580" bIns="34290" rtlCol="0" anchor="b">
             <a:normAutofit/>
           </a:bodyPr>
           <a:lstStyle>
@@ -13484,7 +13614,7 @@
           </a:lstStyle>
           <a:p>
             <a:r>
-              <a:rPr lang="en-US" sz="2400" i="1" cap="none" dirty="0">
+              <a:rPr lang="en-US" sz="1800" i="1" cap="none" dirty="0">
                 <a:solidFill>
                   <a:srgbClr val="48A8E3"/>
                 </a:solidFill>
@@ -13495,7 +13625,7 @@
                 </a:effectLst>
                 <a:latin typeface="Ford Antenna Thin XCnd" panose="02000505000000020004" pitchFamily="2" charset="0"/>
               </a:rPr>
-              <a:t>HTTP API Building Blocks</a:t>
+              <a:t>Building Blocks for HTTP APIs</a:t>
             </a:r>
           </a:p>
         </p:txBody>
@@ -13548,8 +13678,8 @@
         </p:nvSpPr>
         <p:spPr>
           <a:xfrm>
-            <a:off x="1344613" y="2445807"/>
-            <a:ext cx="9145586" cy="3081868"/>
+            <a:off x="1008460" y="1834355"/>
+            <a:ext cx="6859190" cy="2311401"/>
           </a:xfrm>
         </p:spPr>
         <p:txBody>
@@ -13584,15 +13714,15 @@
         </p:nvSpPr>
         <p:spPr>
           <a:xfrm>
-            <a:off x="1698623" y="607218"/>
-            <a:ext cx="8791575" cy="919162"/>
+            <a:off x="1273968" y="455413"/>
+            <a:ext cx="6593681" cy="689372"/>
           </a:xfrm>
           <a:prstGeom prst="rect">
             <a:avLst/>
           </a:prstGeom>
         </p:spPr>
         <p:txBody>
-          <a:bodyPr vert="horz" lIns="91440" tIns="45720" rIns="91440" bIns="45720" rtlCol="0" anchor="ctr">
+          <a:bodyPr vert="horz" lIns="68580" tIns="34290" rIns="68580" bIns="34290" rtlCol="0" anchor="ctr">
             <a:normAutofit/>
           </a:bodyPr>
           <a:lstStyle>
@@ -13616,7 +13746,7 @@
           </a:lstStyle>
           <a:p>
             <a:r>
-              <a:rPr lang="en-US" cap="none" dirty="0">
+              <a:rPr lang="en-US" sz="2700" cap="none" dirty="0">
                 <a:solidFill>
                   <a:schemeClr val="bg2"/>
                 </a:solidFill>
@@ -13643,15 +13773,15 @@
         </p:nvSpPr>
         <p:spPr>
           <a:xfrm>
-            <a:off x="1698623" y="1330325"/>
-            <a:ext cx="8791575" cy="919162"/>
+            <a:off x="1273968" y="997744"/>
+            <a:ext cx="6593681" cy="689372"/>
           </a:xfrm>
           <a:prstGeom prst="rect">
             <a:avLst/>
           </a:prstGeom>
         </p:spPr>
         <p:txBody>
-          <a:bodyPr vert="horz" lIns="91440" tIns="45720" rIns="91440" bIns="45720" rtlCol="0" anchor="ctr">
+          <a:bodyPr vert="horz" lIns="68580" tIns="34290" rIns="68580" bIns="34290" rtlCol="0" anchor="ctr">
             <a:normAutofit/>
           </a:bodyPr>
           <a:lstStyle>
@@ -13675,7 +13805,7 @@
           </a:lstStyle>
           <a:p>
             <a:r>
-              <a:rPr lang="en-US" sz="2800" cap="none" dirty="0">
+              <a:rPr lang="en-US" sz="2100" cap="none" dirty="0">
                 <a:latin typeface="Ford Antenna Medium Cnd" panose="02000505000000020004" pitchFamily="2" charset="0"/>
               </a:rPr>
               <a:t>History</a:t>
@@ -13699,8 +13829,8 @@
         </p:nvSpPr>
         <p:spPr>
           <a:xfrm>
-            <a:off x="1192211" y="6284649"/>
-            <a:ext cx="2346856" cy="508000"/>
+            <a:off x="894157" y="4713487"/>
+            <a:ext cx="2894071" cy="381000"/>
           </a:xfrm>
           <a:prstGeom prst="rect">
             <a:avLst/>
@@ -13708,7 +13838,7 @@
           <a:effectLst/>
         </p:spPr>
         <p:txBody>
-          <a:bodyPr vert="horz" lIns="91440" tIns="45720" rIns="91440" bIns="45720" rtlCol="0" anchor="b">
+          <a:bodyPr vert="horz" lIns="68580" tIns="34290" rIns="68580" bIns="34290" rtlCol="0" anchor="b">
             <a:normAutofit/>
           </a:bodyPr>
           <a:lstStyle>
@@ -13732,7 +13862,7 @@
           </a:lstStyle>
           <a:p>
             <a:r>
-              <a:rPr lang="en-US" sz="2400" i="1" cap="none" dirty="0">
+              <a:rPr lang="en-US" sz="1800" i="1" cap="none" dirty="0">
                 <a:solidFill>
                   <a:srgbClr val="48A8E3"/>
                 </a:solidFill>
@@ -13743,7 +13873,7 @@
                 </a:effectLst>
                 <a:latin typeface="Ford Antenna Thin XCnd" panose="02000505000000020004" pitchFamily="2" charset="0"/>
               </a:rPr>
-              <a:t>HTTP API Building Blocks</a:t>
+              <a:t>Building Blocks for HTTP APIs</a:t>
             </a:r>
           </a:p>
         </p:txBody>
@@ -13796,8 +13926,8 @@
         </p:nvSpPr>
         <p:spPr>
           <a:xfrm>
-            <a:off x="1344613" y="2445807"/>
-            <a:ext cx="9145586" cy="3081868"/>
+            <a:off x="1008460" y="1834355"/>
+            <a:ext cx="6859190" cy="2311401"/>
           </a:xfrm>
         </p:spPr>
         <p:txBody>
@@ -13832,15 +13962,15 @@
         </p:nvSpPr>
         <p:spPr>
           <a:xfrm>
-            <a:off x="1698623" y="607218"/>
-            <a:ext cx="8791575" cy="919162"/>
+            <a:off x="1273968" y="455413"/>
+            <a:ext cx="6593681" cy="689372"/>
           </a:xfrm>
           <a:prstGeom prst="rect">
             <a:avLst/>
           </a:prstGeom>
         </p:spPr>
         <p:txBody>
-          <a:bodyPr vert="horz" lIns="91440" tIns="45720" rIns="91440" bIns="45720" rtlCol="0" anchor="ctr">
+          <a:bodyPr vert="horz" lIns="68580" tIns="34290" rIns="68580" bIns="34290" rtlCol="0" anchor="ctr">
             <a:normAutofit/>
           </a:bodyPr>
           <a:lstStyle>
@@ -13864,7 +13994,7 @@
           </a:lstStyle>
           <a:p>
             <a:r>
-              <a:rPr lang="en-US" cap="none" dirty="0">
+              <a:rPr lang="en-US" sz="2700" cap="none" dirty="0">
                 <a:solidFill>
                   <a:schemeClr val="bg2"/>
                 </a:solidFill>
@@ -13891,15 +14021,15 @@
         </p:nvSpPr>
         <p:spPr>
           <a:xfrm>
-            <a:off x="1698623" y="1330325"/>
-            <a:ext cx="8791575" cy="919162"/>
+            <a:off x="1273968" y="997744"/>
+            <a:ext cx="6593681" cy="689372"/>
           </a:xfrm>
           <a:prstGeom prst="rect">
             <a:avLst/>
           </a:prstGeom>
         </p:spPr>
         <p:txBody>
-          <a:bodyPr vert="horz" lIns="91440" tIns="45720" rIns="91440" bIns="45720" rtlCol="0" anchor="ctr">
+          <a:bodyPr vert="horz" lIns="68580" tIns="34290" rIns="68580" bIns="34290" rtlCol="0" anchor="ctr">
             <a:normAutofit/>
           </a:bodyPr>
           <a:lstStyle>
@@ -13923,7 +14053,7 @@
           </a:lstStyle>
           <a:p>
             <a:r>
-              <a:rPr lang="en-US" sz="2800" cap="none" dirty="0">
+              <a:rPr lang="en-US" sz="2100" cap="none" dirty="0">
                 <a:latin typeface="Ford Antenna Medium Cnd" panose="02000505000000020004" pitchFamily="2" charset="0"/>
               </a:rPr>
               <a:t>What does the Building Block do?</a:t>
@@ -13947,8 +14077,8 @@
         </p:nvSpPr>
         <p:spPr>
           <a:xfrm>
-            <a:off x="1192211" y="6284649"/>
-            <a:ext cx="2346856" cy="508000"/>
+            <a:off x="894157" y="4713487"/>
+            <a:ext cx="3064893" cy="381000"/>
           </a:xfrm>
           <a:prstGeom prst="rect">
             <a:avLst/>
@@ -13956,7 +14086,7 @@
           <a:effectLst/>
         </p:spPr>
         <p:txBody>
-          <a:bodyPr vert="horz" lIns="91440" tIns="45720" rIns="91440" bIns="45720" rtlCol="0" anchor="b">
+          <a:bodyPr vert="horz" lIns="68580" tIns="34290" rIns="68580" bIns="34290" rtlCol="0" anchor="b">
             <a:normAutofit/>
           </a:bodyPr>
           <a:lstStyle>
@@ -13980,7 +14110,7 @@
           </a:lstStyle>
           <a:p>
             <a:r>
-              <a:rPr lang="en-US" sz="2400" i="1" cap="none" dirty="0">
+              <a:rPr lang="en-US" sz="1800" i="1" cap="none" dirty="0">
                 <a:solidFill>
                   <a:srgbClr val="48A8E3"/>
                 </a:solidFill>
@@ -13991,7 +14121,7 @@
                 </a:effectLst>
                 <a:latin typeface="Ford Antenna Thin XCnd" panose="02000505000000020004" pitchFamily="2" charset="0"/>
               </a:rPr>
-              <a:t>HTTP API Building Blocks</a:t>
+              <a:t>Building Blocks for HTTP APIs</a:t>
             </a:r>
           </a:p>
         </p:txBody>
@@ -14048,8 +14178,8 @@
         </p:blipFill>
         <p:spPr>
           <a:xfrm>
-            <a:off x="1351408" y="1309874"/>
-            <a:ext cx="9489183" cy="4238252"/>
+            <a:off x="1013557" y="982406"/>
+            <a:ext cx="7116887" cy="3178689"/>
           </a:xfrm>
           <a:prstGeom prst="rect">
             <a:avLst/>
@@ -14079,8 +14209,8 @@
         </p:nvSpPr>
         <p:spPr>
           <a:xfrm>
-            <a:off x="1192211" y="6284649"/>
-            <a:ext cx="2346856" cy="508000"/>
+            <a:off x="894157" y="4713487"/>
+            <a:ext cx="3135231" cy="381000"/>
           </a:xfrm>
           <a:prstGeom prst="rect">
             <a:avLst/>
@@ -14088,7 +14218,7 @@
           <a:effectLst/>
         </p:spPr>
         <p:txBody>
-          <a:bodyPr vert="horz" lIns="91440" tIns="45720" rIns="91440" bIns="45720" rtlCol="0" anchor="b">
+          <a:bodyPr vert="horz" lIns="68580" tIns="34290" rIns="68580" bIns="34290" rtlCol="0" anchor="b">
             <a:normAutofit/>
           </a:bodyPr>
           <a:lstStyle>
@@ -14112,7 +14242,7 @@
           </a:lstStyle>
           <a:p>
             <a:r>
-              <a:rPr lang="en-US" sz="2400" i="1" cap="none" dirty="0">
+              <a:rPr lang="en-US" sz="1800" i="1" cap="none" dirty="0">
                 <a:solidFill>
                   <a:srgbClr val="48A8E3"/>
                 </a:solidFill>
@@ -14123,7 +14253,7 @@
                 </a:effectLst>
                 <a:latin typeface="Ford Antenna Thin XCnd" panose="02000505000000020004" pitchFamily="2" charset="0"/>
               </a:rPr>
-              <a:t>HTTP API Building Blocks</a:t>
+              <a:t>Building Blocks for HTTP APIs</a:t>
             </a:r>
           </a:p>
         </p:txBody>
@@ -14176,8 +14306,8 @@
         </p:nvSpPr>
         <p:spPr>
           <a:xfrm>
-            <a:off x="1344613" y="2445807"/>
-            <a:ext cx="9145586" cy="3081868"/>
+            <a:off x="1008460" y="1834355"/>
+            <a:ext cx="6859190" cy="2311401"/>
           </a:xfrm>
         </p:spPr>
         <p:txBody>
@@ -14231,15 +14361,15 @@
         </p:nvSpPr>
         <p:spPr>
           <a:xfrm>
-            <a:off x="1698623" y="607218"/>
-            <a:ext cx="8791575" cy="919162"/>
+            <a:off x="1273968" y="455413"/>
+            <a:ext cx="6593681" cy="689372"/>
           </a:xfrm>
           <a:prstGeom prst="rect">
             <a:avLst/>
           </a:prstGeom>
         </p:spPr>
         <p:txBody>
-          <a:bodyPr vert="horz" lIns="91440" tIns="45720" rIns="91440" bIns="45720" rtlCol="0" anchor="ctr">
+          <a:bodyPr vert="horz" lIns="68580" tIns="34290" rIns="68580" bIns="34290" rtlCol="0" anchor="ctr">
             <a:normAutofit/>
           </a:bodyPr>
           <a:lstStyle>
@@ -14263,7 +14393,7 @@
           </a:lstStyle>
           <a:p>
             <a:r>
-              <a:rPr lang="en-US" cap="none" dirty="0">
+              <a:rPr lang="en-US" sz="2700" cap="none" dirty="0">
                 <a:solidFill>
                   <a:schemeClr val="bg2"/>
                 </a:solidFill>
@@ -14290,15 +14420,15 @@
         </p:nvSpPr>
         <p:spPr>
           <a:xfrm>
-            <a:off x="1698623" y="1330325"/>
-            <a:ext cx="8791575" cy="919162"/>
+            <a:off x="1273968" y="997744"/>
+            <a:ext cx="6593681" cy="689372"/>
           </a:xfrm>
           <a:prstGeom prst="rect">
             <a:avLst/>
           </a:prstGeom>
         </p:spPr>
         <p:txBody>
-          <a:bodyPr vert="horz" lIns="91440" tIns="45720" rIns="91440" bIns="45720" rtlCol="0" anchor="ctr">
+          <a:bodyPr vert="horz" lIns="68580" tIns="34290" rIns="68580" bIns="34290" rtlCol="0" anchor="ctr">
             <a:normAutofit/>
           </a:bodyPr>
           <a:lstStyle>
@@ -14322,7 +14452,7 @@
           </a:lstStyle>
           <a:p>
             <a:r>
-              <a:rPr lang="en-US" sz="2800" cap="none" dirty="0">
+              <a:rPr lang="en-US" sz="2100" cap="none" dirty="0">
                 <a:latin typeface="Ford Antenna Medium Cnd" panose="02000505000000020004" pitchFamily="2" charset="0"/>
               </a:rPr>
               <a:t>Web Concepts:</a:t>
@@ -14346,8 +14476,8 @@
         </p:nvSpPr>
         <p:spPr>
           <a:xfrm>
-            <a:off x="1192211" y="6284649"/>
-            <a:ext cx="2346856" cy="508000"/>
+            <a:off x="894157" y="4713487"/>
+            <a:ext cx="3044797" cy="381000"/>
           </a:xfrm>
           <a:prstGeom prst="rect">
             <a:avLst/>
@@ -14355,7 +14485,7 @@
           <a:effectLst/>
         </p:spPr>
         <p:txBody>
-          <a:bodyPr vert="horz" lIns="91440" tIns="45720" rIns="91440" bIns="45720" rtlCol="0" anchor="b">
+          <a:bodyPr vert="horz" lIns="68580" tIns="34290" rIns="68580" bIns="34290" rtlCol="0" anchor="b">
             <a:normAutofit/>
           </a:bodyPr>
           <a:lstStyle>
@@ -14379,7 +14509,7 @@
           </a:lstStyle>
           <a:p>
             <a:r>
-              <a:rPr lang="en-US" sz="2400" i="1" cap="none" dirty="0">
+              <a:rPr lang="en-US" sz="1800" i="1" cap="none" dirty="0">
                 <a:solidFill>
                   <a:srgbClr val="48A8E3"/>
                 </a:solidFill>
@@ -14390,7 +14520,7 @@
                 </a:effectLst>
                 <a:latin typeface="Ford Antenna Thin XCnd" panose="02000505000000020004" pitchFamily="2" charset="0"/>
               </a:rPr>
-              <a:t>HTTP API Building Blocks</a:t>
+              <a:t>Building Blocks for HTTP APIs</a:t>
             </a:r>
           </a:p>
         </p:txBody>
@@ -14443,8 +14573,8 @@
         </p:nvSpPr>
         <p:spPr>
           <a:xfrm>
-            <a:off x="1344613" y="2445807"/>
-            <a:ext cx="9145586" cy="3081868"/>
+            <a:off x="1008460" y="1834355"/>
+            <a:ext cx="6859190" cy="2311401"/>
           </a:xfrm>
         </p:spPr>
         <p:txBody>
@@ -14480,15 +14610,15 @@
         </p:nvSpPr>
         <p:spPr>
           <a:xfrm>
-            <a:off x="1698623" y="607218"/>
-            <a:ext cx="8791575" cy="919162"/>
+            <a:off x="1273968" y="455413"/>
+            <a:ext cx="6593681" cy="689372"/>
           </a:xfrm>
           <a:prstGeom prst="rect">
             <a:avLst/>
           </a:prstGeom>
         </p:spPr>
         <p:txBody>
-          <a:bodyPr vert="horz" lIns="91440" tIns="45720" rIns="91440" bIns="45720" rtlCol="0" anchor="ctr">
+          <a:bodyPr vert="horz" lIns="68580" tIns="34290" rIns="68580" bIns="34290" rtlCol="0" anchor="ctr">
             <a:normAutofit/>
           </a:bodyPr>
           <a:lstStyle>
@@ -14512,7 +14642,7 @@
           </a:lstStyle>
           <a:p>
             <a:r>
-              <a:rPr lang="en-US" cap="none" dirty="0">
+              <a:rPr lang="en-US" sz="2700" cap="none" dirty="0">
                 <a:solidFill>
                   <a:schemeClr val="bg2"/>
                 </a:solidFill>
@@ -14539,15 +14669,15 @@
         </p:nvSpPr>
         <p:spPr>
           <a:xfrm>
-            <a:off x="1698623" y="1330325"/>
-            <a:ext cx="8791575" cy="919162"/>
+            <a:off x="1273968" y="997744"/>
+            <a:ext cx="6593681" cy="689372"/>
           </a:xfrm>
           <a:prstGeom prst="rect">
             <a:avLst/>
           </a:prstGeom>
         </p:spPr>
         <p:txBody>
-          <a:bodyPr vert="horz" lIns="91440" tIns="45720" rIns="91440" bIns="45720" rtlCol="0" anchor="ctr">
+          <a:bodyPr vert="horz" lIns="68580" tIns="34290" rIns="68580" bIns="34290" rtlCol="0" anchor="ctr">
             <a:normAutofit/>
           </a:bodyPr>
           <a:lstStyle>
@@ -14571,7 +14701,7 @@
           </a:lstStyle>
           <a:p>
             <a:r>
-              <a:rPr lang="en-US" sz="2800" cap="none" dirty="0">
+              <a:rPr lang="en-US" sz="2100" cap="none" dirty="0">
                 <a:latin typeface="Ford Antenna Medium Cnd" panose="02000505000000020004" pitchFamily="2" charset="0"/>
               </a:rPr>
               <a:t>Simple Example</a:t>
@@ -14595,8 +14725,8 @@
         </p:nvSpPr>
         <p:spPr>
           <a:xfrm>
-            <a:off x="1192211" y="6284649"/>
-            <a:ext cx="2346856" cy="508000"/>
+            <a:off x="894157" y="4713487"/>
+            <a:ext cx="3014652" cy="381000"/>
           </a:xfrm>
           <a:prstGeom prst="rect">
             <a:avLst/>
@@ -14604,7 +14734,7 @@
           <a:effectLst/>
         </p:spPr>
         <p:txBody>
-          <a:bodyPr vert="horz" lIns="91440" tIns="45720" rIns="91440" bIns="45720" rtlCol="0" anchor="b">
+          <a:bodyPr vert="horz" lIns="68580" tIns="34290" rIns="68580" bIns="34290" rtlCol="0" anchor="b">
             <a:normAutofit/>
           </a:bodyPr>
           <a:lstStyle>
@@ -14628,7 +14758,7 @@
           </a:lstStyle>
           <a:p>
             <a:r>
-              <a:rPr lang="en-US" sz="2400" i="1" cap="none" dirty="0">
+              <a:rPr lang="en-US" sz="1800" i="1" cap="none" dirty="0">
                 <a:solidFill>
                   <a:srgbClr val="48A8E3"/>
                 </a:solidFill>
@@ -14639,7 +14769,7 @@
                 </a:effectLst>
                 <a:latin typeface="Ford Antenna Thin XCnd" panose="02000505000000020004" pitchFamily="2" charset="0"/>
               </a:rPr>
-              <a:t>HTTP API Building Blocks</a:t>
+              <a:t>Building Blocks for HTTP APIs</a:t>
             </a:r>
           </a:p>
         </p:txBody>
@@ -14692,8 +14822,8 @@
         </p:nvSpPr>
         <p:spPr>
           <a:xfrm>
-            <a:off x="1344613" y="2445807"/>
-            <a:ext cx="9145586" cy="3081868"/>
+            <a:off x="1008460" y="1834355"/>
+            <a:ext cx="6859190" cy="2311401"/>
           </a:xfrm>
         </p:spPr>
         <p:txBody>
@@ -14824,15 +14954,15 @@
         </p:nvSpPr>
         <p:spPr>
           <a:xfrm>
-            <a:off x="1698623" y="607218"/>
-            <a:ext cx="8791575" cy="919162"/>
+            <a:off x="1273968" y="455413"/>
+            <a:ext cx="6593681" cy="689372"/>
           </a:xfrm>
           <a:prstGeom prst="rect">
             <a:avLst/>
           </a:prstGeom>
         </p:spPr>
         <p:txBody>
-          <a:bodyPr vert="horz" lIns="91440" tIns="45720" rIns="91440" bIns="45720" rtlCol="0" anchor="ctr">
+          <a:bodyPr vert="horz" lIns="68580" tIns="34290" rIns="68580" bIns="34290" rtlCol="0" anchor="ctr">
             <a:normAutofit/>
           </a:bodyPr>
           <a:lstStyle>
@@ -14856,7 +14986,7 @@
           </a:lstStyle>
           <a:p>
             <a:r>
-              <a:rPr lang="en-US" cap="none" dirty="0">
+              <a:rPr lang="en-US" sz="2700" cap="none" dirty="0">
                 <a:solidFill>
                   <a:schemeClr val="bg2"/>
                 </a:solidFill>
@@ -14883,15 +15013,15 @@
         </p:nvSpPr>
         <p:spPr>
           <a:xfrm>
-            <a:off x="1698623" y="1330325"/>
-            <a:ext cx="8791575" cy="919162"/>
+            <a:off x="1273968" y="997744"/>
+            <a:ext cx="6593681" cy="689372"/>
           </a:xfrm>
           <a:prstGeom prst="rect">
             <a:avLst/>
           </a:prstGeom>
         </p:spPr>
         <p:txBody>
-          <a:bodyPr vert="horz" lIns="91440" tIns="45720" rIns="91440" bIns="45720" rtlCol="0" anchor="ctr">
+          <a:bodyPr vert="horz" lIns="68580" tIns="34290" rIns="68580" bIns="34290" rtlCol="0" anchor="ctr">
             <a:normAutofit/>
           </a:bodyPr>
           <a:lstStyle>
@@ -14915,7 +15045,7 @@
           </a:lstStyle>
           <a:p>
             <a:r>
-              <a:rPr lang="en-US" sz="2800" cap="none" dirty="0">
+              <a:rPr lang="en-US" sz="2100" cap="none" dirty="0">
                 <a:latin typeface="Ford Antenna Medium Cnd" panose="02000505000000020004" pitchFamily="2" charset="0"/>
               </a:rPr>
               <a:t>Example in Context</a:t>
@@ -14939,8 +15069,8 @@
         </p:nvSpPr>
         <p:spPr>
           <a:xfrm>
-            <a:off x="1192211" y="6284649"/>
-            <a:ext cx="2346856" cy="508000"/>
+            <a:off x="894157" y="4713487"/>
+            <a:ext cx="3165377" cy="381000"/>
           </a:xfrm>
           <a:prstGeom prst="rect">
             <a:avLst/>
@@ -14948,7 +15078,7 @@
           <a:effectLst/>
         </p:spPr>
         <p:txBody>
-          <a:bodyPr vert="horz" lIns="91440" tIns="45720" rIns="91440" bIns="45720" rtlCol="0" anchor="b">
+          <a:bodyPr vert="horz" lIns="68580" tIns="34290" rIns="68580" bIns="34290" rtlCol="0" anchor="b">
             <a:normAutofit/>
           </a:bodyPr>
           <a:lstStyle>
@@ -14972,7 +15102,7 @@
           </a:lstStyle>
           <a:p>
             <a:r>
-              <a:rPr lang="en-US" sz="2400" i="1" cap="none" dirty="0">
+              <a:rPr lang="en-US" sz="1800" i="1" cap="none" dirty="0">
                 <a:solidFill>
                   <a:srgbClr val="48A8E3"/>
                 </a:solidFill>
@@ -14983,7 +15113,7 @@
                 </a:effectLst>
                 <a:latin typeface="Ford Antenna Thin XCnd" panose="02000505000000020004" pitchFamily="2" charset="0"/>
               </a:rPr>
-              <a:t>HTTP API Building Blocks</a:t>
+              <a:t>Building Blocks for HTTP APIs </a:t>
             </a:r>
           </a:p>
         </p:txBody>

--- a/assets/slides/rfc8594.pptx
+++ b/assets/slides/rfc8594.pptx
@@ -171,7 +171,7 @@
           <a:noFill/>
           <a:extLst>
             <a:ext uri="{909E8E84-426E-40dd-AFC4-6F175D3DCCD1}">
-              <a14:hiddenFill xmlns:a14="http://schemas.microsoft.com/office/drawing/2010/main" xmlns="">
+              <a14:hiddenFill xmlns="" xmlns:a14="http://schemas.microsoft.com/office/drawing/2010/main">
                 <a:solidFill>
                   <a:srgbClr val="FFFFFF"/>
                 </a:solidFill>
@@ -231,7 +231,7 @@
             </a:ln>
             <a:extLst>
               <a:ext uri="{91240B29-F687-4f45-9708-019B960494DF}">
-                <a14:hiddenLine xmlns:a14="http://schemas.microsoft.com/office/drawing/2010/main" xmlns="" w="9525">
+                <a14:hiddenLine xmlns="" xmlns:a14="http://schemas.microsoft.com/office/drawing/2010/main" w="9525">
                   <a:solidFill>
                     <a:srgbClr val="000000"/>
                   </a:solidFill>
@@ -321,7 +321,7 @@
             </a:ln>
             <a:extLst>
               <a:ext uri="{91240B29-F687-4f45-9708-019B960494DF}">
-                <a14:hiddenLine xmlns:a14="http://schemas.microsoft.com/office/drawing/2010/main" xmlns="" w="9525">
+                <a14:hiddenLine xmlns="" xmlns:a14="http://schemas.microsoft.com/office/drawing/2010/main" w="9525">
                   <a:solidFill>
                     <a:srgbClr val="000000"/>
                   </a:solidFill>
@@ -411,7 +411,7 @@
             </a:ln>
             <a:extLst>
               <a:ext uri="{91240B29-F687-4f45-9708-019B960494DF}">
-                <a14:hiddenLine xmlns:a14="http://schemas.microsoft.com/office/drawing/2010/main" xmlns="" w="9525">
+                <a14:hiddenLine xmlns="" xmlns:a14="http://schemas.microsoft.com/office/drawing/2010/main" w="9525">
                   <a:solidFill>
                     <a:srgbClr val="000000"/>
                   </a:solidFill>
@@ -445,7 +445,7 @@
             </a:ln>
             <a:extLst>
               <a:ext uri="{91240B29-F687-4f45-9708-019B960494DF}">
-                <a14:hiddenLine xmlns:a14="http://schemas.microsoft.com/office/drawing/2010/main" xmlns="" w="9525">
+                <a14:hiddenLine xmlns="" xmlns:a14="http://schemas.microsoft.com/office/drawing/2010/main" w="9525">
                   <a:solidFill>
                     <a:srgbClr val="000000"/>
                   </a:solidFill>
@@ -535,7 +535,7 @@
             </a:ln>
             <a:extLst>
               <a:ext uri="{91240B29-F687-4f45-9708-019B960494DF}">
-                <a14:hiddenLine xmlns:a14="http://schemas.microsoft.com/office/drawing/2010/main" xmlns="" w="9525">
+                <a14:hiddenLine xmlns="" xmlns:a14="http://schemas.microsoft.com/office/drawing/2010/main" w="9525">
                   <a:solidFill>
                     <a:srgbClr val="000000"/>
                   </a:solidFill>
@@ -597,7 +597,7 @@
             </a:ln>
             <a:extLst>
               <a:ext uri="{91240B29-F687-4f45-9708-019B960494DF}">
-                <a14:hiddenLine xmlns:a14="http://schemas.microsoft.com/office/drawing/2010/main" xmlns="" w="9525">
+                <a14:hiddenLine xmlns="" xmlns:a14="http://schemas.microsoft.com/office/drawing/2010/main" w="9525">
                   <a:solidFill>
                     <a:srgbClr val="000000"/>
                   </a:solidFill>
@@ -659,7 +659,7 @@
             </a:ln>
             <a:extLst>
               <a:ext uri="{91240B29-F687-4f45-9708-019B960494DF}">
-                <a14:hiddenLine xmlns:a14="http://schemas.microsoft.com/office/drawing/2010/main" xmlns="" w="9525">
+                <a14:hiddenLine xmlns="" xmlns:a14="http://schemas.microsoft.com/office/drawing/2010/main" w="9525">
                   <a:solidFill>
                     <a:srgbClr val="000000"/>
                   </a:solidFill>
@@ -749,7 +749,7 @@
             </a:ln>
             <a:extLst>
               <a:ext uri="{91240B29-F687-4f45-9708-019B960494DF}">
-                <a14:hiddenLine xmlns:a14="http://schemas.microsoft.com/office/drawing/2010/main" xmlns="" w="9525">
+                <a14:hiddenLine xmlns="" xmlns:a14="http://schemas.microsoft.com/office/drawing/2010/main" w="9525">
                   <a:solidFill>
                     <a:srgbClr val="000000"/>
                   </a:solidFill>
@@ -811,7 +811,7 @@
             </a:ln>
             <a:extLst>
               <a:ext uri="{91240B29-F687-4f45-9708-019B960494DF}">
-                <a14:hiddenLine xmlns:a14="http://schemas.microsoft.com/office/drawing/2010/main" xmlns="" w="9525">
+                <a14:hiddenLine xmlns="" xmlns:a14="http://schemas.microsoft.com/office/drawing/2010/main" w="9525">
                   <a:solidFill>
                     <a:srgbClr val="000000"/>
                   </a:solidFill>
@@ -873,7 +873,7 @@
             </a:ln>
             <a:extLst>
               <a:ext uri="{91240B29-F687-4f45-9708-019B960494DF}">
-                <a14:hiddenLine xmlns:a14="http://schemas.microsoft.com/office/drawing/2010/main" xmlns="" w="9525">
+                <a14:hiddenLine xmlns="" xmlns:a14="http://schemas.microsoft.com/office/drawing/2010/main" w="9525">
                   <a:solidFill>
                     <a:srgbClr val="000000"/>
                   </a:solidFill>
@@ -963,7 +963,7 @@
             </a:ln>
             <a:extLst>
               <a:ext uri="{91240B29-F687-4f45-9708-019B960494DF}">
-                <a14:hiddenLine xmlns:a14="http://schemas.microsoft.com/office/drawing/2010/main" xmlns="" w="9525">
+                <a14:hiddenLine xmlns="" xmlns:a14="http://schemas.microsoft.com/office/drawing/2010/main" w="9525">
                   <a:solidFill>
                     <a:srgbClr val="000000"/>
                   </a:solidFill>
@@ -1053,7 +1053,7 @@
             </a:ln>
             <a:extLst>
               <a:ext uri="{91240B29-F687-4f45-9708-019B960494DF}">
-                <a14:hiddenLine xmlns:a14="http://schemas.microsoft.com/office/drawing/2010/main" xmlns="" w="9525">
+                <a14:hiddenLine xmlns="" xmlns:a14="http://schemas.microsoft.com/office/drawing/2010/main" w="9525">
                   <a:solidFill>
                     <a:srgbClr val="000000"/>
                   </a:solidFill>
@@ -1115,7 +1115,7 @@
             </a:ln>
             <a:extLst>
               <a:ext uri="{91240B29-F687-4f45-9708-019B960494DF}">
-                <a14:hiddenLine xmlns:a14="http://schemas.microsoft.com/office/drawing/2010/main" xmlns="" w="9525">
+                <a14:hiddenLine xmlns="" xmlns:a14="http://schemas.microsoft.com/office/drawing/2010/main" w="9525">
                   <a:solidFill>
                     <a:srgbClr val="000000"/>
                   </a:solidFill>
@@ -1225,7 +1225,7 @@
             </a:ln>
             <a:extLst>
               <a:ext uri="{91240B29-F687-4f45-9708-019B960494DF}">
-                <a14:hiddenLine xmlns:a14="http://schemas.microsoft.com/office/drawing/2010/main" xmlns="" w="9525">
+                <a14:hiddenLine xmlns="" xmlns:a14="http://schemas.microsoft.com/office/drawing/2010/main" w="9525">
                   <a:solidFill>
                     <a:srgbClr val="000000"/>
                   </a:solidFill>
@@ -1287,7 +1287,7 @@
             </a:ln>
             <a:extLst>
               <a:ext uri="{91240B29-F687-4f45-9708-019B960494DF}">
-                <a14:hiddenLine xmlns:a14="http://schemas.microsoft.com/office/drawing/2010/main" xmlns="" w="9525">
+                <a14:hiddenLine xmlns="" xmlns:a14="http://schemas.microsoft.com/office/drawing/2010/main" w="9525">
                   <a:solidFill>
                     <a:srgbClr val="000000"/>
                   </a:solidFill>
@@ -1377,7 +1377,7 @@
             </a:ln>
             <a:extLst>
               <a:ext uri="{91240B29-F687-4f45-9708-019B960494DF}">
-                <a14:hiddenLine xmlns:a14="http://schemas.microsoft.com/office/drawing/2010/main" xmlns="" w="9525">
+                <a14:hiddenLine xmlns="" xmlns:a14="http://schemas.microsoft.com/office/drawing/2010/main" w="9525">
                   <a:solidFill>
                     <a:srgbClr val="000000"/>
                   </a:solidFill>
@@ -1467,7 +1467,7 @@
             </a:ln>
             <a:extLst>
               <a:ext uri="{91240B29-F687-4f45-9708-019B960494DF}">
-                <a14:hiddenLine xmlns:a14="http://schemas.microsoft.com/office/drawing/2010/main" xmlns="" w="9525">
+                <a14:hiddenLine xmlns="" xmlns:a14="http://schemas.microsoft.com/office/drawing/2010/main" w="9525">
                   <a:solidFill>
                     <a:srgbClr val="000000"/>
                   </a:solidFill>
@@ -1529,7 +1529,7 @@
             </a:ln>
             <a:extLst>
               <a:ext uri="{91240B29-F687-4f45-9708-019B960494DF}">
-                <a14:hiddenLine xmlns:a14="http://schemas.microsoft.com/office/drawing/2010/main" xmlns="" w="9525">
+                <a14:hiddenLine xmlns="" xmlns:a14="http://schemas.microsoft.com/office/drawing/2010/main" w="9525">
                   <a:solidFill>
                     <a:srgbClr val="000000"/>
                   </a:solidFill>
@@ -1619,7 +1619,7 @@
             </a:ln>
             <a:extLst>
               <a:ext uri="{91240B29-F687-4f45-9708-019B960494DF}">
-                <a14:hiddenLine xmlns:a14="http://schemas.microsoft.com/office/drawing/2010/main" xmlns="" w="9525">
+                <a14:hiddenLine xmlns="" xmlns:a14="http://schemas.microsoft.com/office/drawing/2010/main" w="9525">
                   <a:solidFill>
                     <a:srgbClr val="000000"/>
                   </a:solidFill>
@@ -1709,7 +1709,7 @@
             </a:ln>
             <a:extLst>
               <a:ext uri="{91240B29-F687-4f45-9708-019B960494DF}">
-                <a14:hiddenLine xmlns:a14="http://schemas.microsoft.com/office/drawing/2010/main" xmlns="" w="9525">
+                <a14:hiddenLine xmlns="" xmlns:a14="http://schemas.microsoft.com/office/drawing/2010/main" w="9525">
                   <a:solidFill>
                     <a:srgbClr val="000000"/>
                   </a:solidFill>
@@ -1765,7 +1765,7 @@
             </a:ln>
             <a:extLst>
               <a:ext uri="{91240B29-F687-4f45-9708-019B960494DF}">
-                <a14:hiddenLine xmlns:a14="http://schemas.microsoft.com/office/drawing/2010/main" xmlns="" w="9525">
+                <a14:hiddenLine xmlns="" xmlns:a14="http://schemas.microsoft.com/office/drawing/2010/main" w="9525">
                   <a:solidFill>
                     <a:srgbClr val="000000"/>
                   </a:solidFill>
@@ -1855,7 +1855,7 @@
             </a:ln>
             <a:extLst>
               <a:ext uri="{91240B29-F687-4f45-9708-019B960494DF}">
-                <a14:hiddenLine xmlns:a14="http://schemas.microsoft.com/office/drawing/2010/main" xmlns="" w="9525">
+                <a14:hiddenLine xmlns="" xmlns:a14="http://schemas.microsoft.com/office/drawing/2010/main" w="9525">
                   <a:solidFill>
                     <a:srgbClr val="000000"/>
                   </a:solidFill>
@@ -1911,7 +1911,7 @@
             </a:ln>
             <a:extLst>
               <a:ext uri="{91240B29-F687-4f45-9708-019B960494DF}">
-                <a14:hiddenLine xmlns:a14="http://schemas.microsoft.com/office/drawing/2010/main" xmlns="" w="9525">
+                <a14:hiddenLine xmlns="" xmlns:a14="http://schemas.microsoft.com/office/drawing/2010/main" w="9525">
                   <a:solidFill>
                     <a:srgbClr val="000000"/>
                   </a:solidFill>
@@ -2001,7 +2001,7 @@
             </a:ln>
             <a:extLst>
               <a:ext uri="{91240B29-F687-4f45-9708-019B960494DF}">
-                <a14:hiddenLine xmlns:a14="http://schemas.microsoft.com/office/drawing/2010/main" xmlns="" w="9525">
+                <a14:hiddenLine xmlns="" xmlns:a14="http://schemas.microsoft.com/office/drawing/2010/main" w="9525">
                   <a:solidFill>
                     <a:srgbClr val="000000"/>
                   </a:solidFill>
@@ -2069,7 +2069,7 @@
             </a:ln>
             <a:extLst>
               <a:ext uri="{91240B29-F687-4f45-9708-019B960494DF}">
-                <a14:hiddenLine xmlns:a14="http://schemas.microsoft.com/office/drawing/2010/main" xmlns="" w="9525">
+                <a14:hiddenLine xmlns="" xmlns:a14="http://schemas.microsoft.com/office/drawing/2010/main" w="9525">
                   <a:solidFill>
                     <a:srgbClr val="000000"/>
                   </a:solidFill>
@@ -2159,7 +2159,7 @@
             </a:ln>
             <a:extLst>
               <a:ext uri="{91240B29-F687-4f45-9708-019B960494DF}">
-                <a14:hiddenLine xmlns:a14="http://schemas.microsoft.com/office/drawing/2010/main" xmlns="" w="9525">
+                <a14:hiddenLine xmlns="" xmlns:a14="http://schemas.microsoft.com/office/drawing/2010/main" w="9525">
                   <a:solidFill>
                     <a:srgbClr val="000000"/>
                   </a:solidFill>
@@ -2227,7 +2227,7 @@
             </a:ln>
             <a:extLst>
               <a:ext uri="{91240B29-F687-4f45-9708-019B960494DF}">
-                <a14:hiddenLine xmlns:a14="http://schemas.microsoft.com/office/drawing/2010/main" xmlns="" w="9525">
+                <a14:hiddenLine xmlns="" xmlns:a14="http://schemas.microsoft.com/office/drawing/2010/main" w="9525">
                   <a:solidFill>
                     <a:srgbClr val="000000"/>
                   </a:solidFill>
@@ -2317,7 +2317,7 @@
             </a:ln>
             <a:extLst>
               <a:ext uri="{91240B29-F687-4f45-9708-019B960494DF}">
-                <a14:hiddenLine xmlns:a14="http://schemas.microsoft.com/office/drawing/2010/main" xmlns="" w="9525">
+                <a14:hiddenLine xmlns="" xmlns:a14="http://schemas.microsoft.com/office/drawing/2010/main" w="9525">
                   <a:solidFill>
                     <a:srgbClr val="000000"/>
                   </a:solidFill>
@@ -2351,7 +2351,7 @@
             </a:ln>
             <a:extLst>
               <a:ext uri="{91240B29-F687-4f45-9708-019B960494DF}">
-                <a14:hiddenLine xmlns:a14="http://schemas.microsoft.com/office/drawing/2010/main" xmlns="" w="9525">
+                <a14:hiddenLine xmlns="" xmlns:a14="http://schemas.microsoft.com/office/drawing/2010/main" w="9525">
                   <a:solidFill>
                     <a:srgbClr val="000000"/>
                   </a:solidFill>
@@ -2441,7 +2441,7 @@
             </a:ln>
             <a:extLst>
               <a:ext uri="{91240B29-F687-4f45-9708-019B960494DF}">
-                <a14:hiddenLine xmlns:a14="http://schemas.microsoft.com/office/drawing/2010/main" xmlns="" w="9525">
+                <a14:hiddenLine xmlns="" xmlns:a14="http://schemas.microsoft.com/office/drawing/2010/main" w="9525">
                   <a:solidFill>
                     <a:srgbClr val="000000"/>
                   </a:solidFill>
@@ -2503,7 +2503,7 @@
             </a:ln>
             <a:extLst>
               <a:ext uri="{91240B29-F687-4f45-9708-019B960494DF}">
-                <a14:hiddenLine xmlns:a14="http://schemas.microsoft.com/office/drawing/2010/main" xmlns="" w="9525">
+                <a14:hiddenLine xmlns="" xmlns:a14="http://schemas.microsoft.com/office/drawing/2010/main" w="9525">
                   <a:solidFill>
                     <a:srgbClr val="000000"/>
                   </a:solidFill>
@@ -2565,7 +2565,7 @@
             </a:ln>
             <a:extLst>
               <a:ext uri="{91240B29-F687-4f45-9708-019B960494DF}">
-                <a14:hiddenLine xmlns:a14="http://schemas.microsoft.com/office/drawing/2010/main" xmlns="" w="9525">
+                <a14:hiddenLine xmlns="" xmlns:a14="http://schemas.microsoft.com/office/drawing/2010/main" w="9525">
                   <a:solidFill>
                     <a:srgbClr val="000000"/>
                   </a:solidFill>
@@ -2655,7 +2655,7 @@
             </a:ln>
             <a:extLst>
               <a:ext uri="{91240B29-F687-4f45-9708-019B960494DF}">
-                <a14:hiddenLine xmlns:a14="http://schemas.microsoft.com/office/drawing/2010/main" xmlns="" w="9525">
+                <a14:hiddenLine xmlns="" xmlns:a14="http://schemas.microsoft.com/office/drawing/2010/main" w="9525">
                   <a:solidFill>
                     <a:srgbClr val="000000"/>
                   </a:solidFill>
@@ -2723,7 +2723,7 @@
             </a:ln>
             <a:extLst>
               <a:ext uri="{91240B29-F687-4f45-9708-019B960494DF}">
-                <a14:hiddenLine xmlns:a14="http://schemas.microsoft.com/office/drawing/2010/main" xmlns="" w="9525">
+                <a14:hiddenLine xmlns="" xmlns:a14="http://schemas.microsoft.com/office/drawing/2010/main" w="9525">
                   <a:solidFill>
                     <a:srgbClr val="000000"/>
                   </a:solidFill>
@@ -2785,7 +2785,7 @@
             </a:ln>
             <a:extLst>
               <a:ext uri="{91240B29-F687-4f45-9708-019B960494DF}">
-                <a14:hiddenLine xmlns:a14="http://schemas.microsoft.com/office/drawing/2010/main" xmlns="" w="9525">
+                <a14:hiddenLine xmlns="" xmlns:a14="http://schemas.microsoft.com/office/drawing/2010/main" w="9525">
                   <a:solidFill>
                     <a:srgbClr val="000000"/>
                   </a:solidFill>
@@ -2875,7 +2875,7 @@
             </a:ln>
             <a:extLst>
               <a:ext uri="{91240B29-F687-4f45-9708-019B960494DF}">
-                <a14:hiddenLine xmlns:a14="http://schemas.microsoft.com/office/drawing/2010/main" xmlns="" w="9525">
+                <a14:hiddenLine xmlns="" xmlns:a14="http://schemas.microsoft.com/office/drawing/2010/main" w="9525">
                   <a:solidFill>
                     <a:srgbClr val="000000"/>
                   </a:solidFill>
@@ -2937,7 +2937,7 @@
             </a:ln>
             <a:extLst>
               <a:ext uri="{91240B29-F687-4f45-9708-019B960494DF}">
-                <a14:hiddenLine xmlns:a14="http://schemas.microsoft.com/office/drawing/2010/main" xmlns="" w="9525">
+                <a14:hiddenLine xmlns="" xmlns:a14="http://schemas.microsoft.com/office/drawing/2010/main" w="9525">
                   <a:solidFill>
                     <a:srgbClr val="000000"/>
                   </a:solidFill>
@@ -3027,7 +3027,7 @@
             </a:ln>
             <a:extLst>
               <a:ext uri="{91240B29-F687-4f45-9708-019B960494DF}">
-                <a14:hiddenLine xmlns:a14="http://schemas.microsoft.com/office/drawing/2010/main" xmlns="" w="9525">
+                <a14:hiddenLine xmlns="" xmlns:a14="http://schemas.microsoft.com/office/drawing/2010/main" w="9525">
                   <a:solidFill>
                     <a:srgbClr val="000000"/>
                   </a:solidFill>
@@ -3089,7 +3089,7 @@
             </a:ln>
             <a:extLst>
               <a:ext uri="{91240B29-F687-4f45-9708-019B960494DF}">
-                <a14:hiddenLine xmlns:a14="http://schemas.microsoft.com/office/drawing/2010/main" xmlns="" w="9525">
+                <a14:hiddenLine xmlns="" xmlns:a14="http://schemas.microsoft.com/office/drawing/2010/main" w="9525">
                   <a:solidFill>
                     <a:srgbClr val="000000"/>
                   </a:solidFill>
@@ -3179,7 +3179,7 @@
             </a:ln>
             <a:extLst>
               <a:ext uri="{91240B29-F687-4f45-9708-019B960494DF}">
-                <a14:hiddenLine xmlns:a14="http://schemas.microsoft.com/office/drawing/2010/main" xmlns="" w="9525">
+                <a14:hiddenLine xmlns="" xmlns:a14="http://schemas.microsoft.com/office/drawing/2010/main" w="9525">
                   <a:solidFill>
                     <a:srgbClr val="000000"/>
                   </a:solidFill>
@@ -3213,7 +3213,7 @@
             </a:ln>
             <a:extLst>
               <a:ext uri="{91240B29-F687-4f45-9708-019B960494DF}">
-                <a14:hiddenLine xmlns:a14="http://schemas.microsoft.com/office/drawing/2010/main" xmlns="" w="9525">
+                <a14:hiddenLine xmlns="" xmlns:a14="http://schemas.microsoft.com/office/drawing/2010/main" w="9525">
                   <a:solidFill>
                     <a:srgbClr val="000000"/>
                   </a:solidFill>
@@ -3278,7 +3278,7 @@
             </a:ln>
             <a:extLst>
               <a:ext uri="{91240B29-F687-4f45-9708-019B960494DF}">
-                <a14:hiddenLine xmlns:a14="http://schemas.microsoft.com/office/drawing/2010/main" xmlns="" w="9525">
+                <a14:hiddenLine xmlns="" xmlns:a14="http://schemas.microsoft.com/office/drawing/2010/main" w="9525">
                   <a:solidFill>
                     <a:srgbClr val="000000"/>
                   </a:solidFill>
@@ -3368,7 +3368,7 @@
             </a:ln>
             <a:extLst>
               <a:ext uri="{91240B29-F687-4f45-9708-019B960494DF}">
-                <a14:hiddenLine xmlns:a14="http://schemas.microsoft.com/office/drawing/2010/main" xmlns="" w="9525">
+                <a14:hiddenLine xmlns="" xmlns:a14="http://schemas.microsoft.com/office/drawing/2010/main" w="9525">
                   <a:solidFill>
                     <a:srgbClr val="000000"/>
                   </a:solidFill>
@@ -3430,7 +3430,7 @@
             </a:ln>
             <a:extLst>
               <a:ext uri="{91240B29-F687-4f45-9708-019B960494DF}">
-                <a14:hiddenLine xmlns:a14="http://schemas.microsoft.com/office/drawing/2010/main" xmlns="" w="9525">
+                <a14:hiddenLine xmlns="" xmlns:a14="http://schemas.microsoft.com/office/drawing/2010/main" w="9525">
                   <a:solidFill>
                     <a:srgbClr val="000000"/>
                   </a:solidFill>
@@ -3520,7 +3520,7 @@
             </a:ln>
             <a:extLst>
               <a:ext uri="{91240B29-F687-4f45-9708-019B960494DF}">
-                <a14:hiddenLine xmlns:a14="http://schemas.microsoft.com/office/drawing/2010/main" xmlns="" w="9525">
+                <a14:hiddenLine xmlns="" xmlns:a14="http://schemas.microsoft.com/office/drawing/2010/main" w="9525">
                   <a:solidFill>
                     <a:srgbClr val="000000"/>
                   </a:solidFill>
@@ -3610,7 +3610,7 @@
             </a:ln>
             <a:extLst>
               <a:ext uri="{91240B29-F687-4f45-9708-019B960494DF}">
-                <a14:hiddenLine xmlns:a14="http://schemas.microsoft.com/office/drawing/2010/main" xmlns="" w="9525">
+                <a14:hiddenLine xmlns="" xmlns:a14="http://schemas.microsoft.com/office/drawing/2010/main" w="9525">
                   <a:solidFill>
                     <a:srgbClr val="000000"/>
                   </a:solidFill>
@@ -3675,7 +3675,7 @@
             </a:ln>
             <a:extLst>
               <a:ext uri="{91240B29-F687-4f45-9708-019B960494DF}">
-                <a14:hiddenLine xmlns:a14="http://schemas.microsoft.com/office/drawing/2010/main" xmlns="" w="9525">
+                <a14:hiddenLine xmlns="" xmlns:a14="http://schemas.microsoft.com/office/drawing/2010/main" w="9525">
                   <a:solidFill>
                     <a:srgbClr val="000000"/>
                   </a:solidFill>
@@ -3737,7 +3737,7 @@
             </a:ln>
             <a:extLst>
               <a:ext uri="{91240B29-F687-4f45-9708-019B960494DF}">
-                <a14:hiddenLine xmlns:a14="http://schemas.microsoft.com/office/drawing/2010/main" xmlns="" w="9525">
+                <a14:hiddenLine xmlns="" xmlns:a14="http://schemas.microsoft.com/office/drawing/2010/main" w="9525">
                   <a:solidFill>
                     <a:srgbClr val="000000"/>
                   </a:solidFill>
@@ -3827,7 +3827,7 @@
             </a:ln>
             <a:extLst>
               <a:ext uri="{91240B29-F687-4f45-9708-019B960494DF}">
-                <a14:hiddenLine xmlns:a14="http://schemas.microsoft.com/office/drawing/2010/main" xmlns="" w="9525">
+                <a14:hiddenLine xmlns="" xmlns:a14="http://schemas.microsoft.com/office/drawing/2010/main" w="9525">
                   <a:solidFill>
                     <a:srgbClr val="000000"/>
                   </a:solidFill>
@@ -3917,7 +3917,7 @@
             </a:ln>
             <a:extLst>
               <a:ext uri="{91240B29-F687-4f45-9708-019B960494DF}">
-                <a14:hiddenLine xmlns:a14="http://schemas.microsoft.com/office/drawing/2010/main" xmlns="" w="9525">
+                <a14:hiddenLine xmlns="" xmlns:a14="http://schemas.microsoft.com/office/drawing/2010/main" w="9525">
                   <a:solidFill>
                     <a:srgbClr val="000000"/>
                   </a:solidFill>
@@ -3979,7 +3979,7 @@
             </a:ln>
             <a:extLst>
               <a:ext uri="{91240B29-F687-4f45-9708-019B960494DF}">
-                <a14:hiddenLine xmlns:a14="http://schemas.microsoft.com/office/drawing/2010/main" xmlns="" w="9525">
+                <a14:hiddenLine xmlns="" xmlns:a14="http://schemas.microsoft.com/office/drawing/2010/main" w="9525">
                   <a:solidFill>
                     <a:srgbClr val="000000"/>
                   </a:solidFill>
@@ -4099,7 +4099,7 @@
             </a:ln>
             <a:extLst>
               <a:ext uri="{91240B29-F687-4f45-9708-019B960494DF}">
-                <a14:hiddenLine xmlns:a14="http://schemas.microsoft.com/office/drawing/2010/main" xmlns="" w="9525">
+                <a14:hiddenLine xmlns="" xmlns:a14="http://schemas.microsoft.com/office/drawing/2010/main" w="9525">
                   <a:solidFill>
                     <a:srgbClr val="000000"/>
                   </a:solidFill>
@@ -4167,7 +4167,7 @@
             </a:ln>
             <a:extLst>
               <a:ext uri="{91240B29-F687-4f45-9708-019B960494DF}">
-                <a14:hiddenLine xmlns:a14="http://schemas.microsoft.com/office/drawing/2010/main" xmlns="" w="9525">
+                <a14:hiddenLine xmlns="" xmlns:a14="http://schemas.microsoft.com/office/drawing/2010/main" w="9525">
                   <a:solidFill>
                     <a:srgbClr val="000000"/>
                   </a:solidFill>
@@ -4257,7 +4257,7 @@
             </a:ln>
             <a:extLst>
               <a:ext uri="{91240B29-F687-4f45-9708-019B960494DF}">
-                <a14:hiddenLine xmlns:a14="http://schemas.microsoft.com/office/drawing/2010/main" xmlns="" w="9525">
+                <a14:hiddenLine xmlns="" xmlns:a14="http://schemas.microsoft.com/office/drawing/2010/main" w="9525">
                   <a:solidFill>
                     <a:srgbClr val="000000"/>
                   </a:solidFill>
@@ -4397,7 +4397,7 @@
           <a:p>
             <a:fld id="{48A87A34-81AB-432B-8DAE-1953F412C126}" type="datetimeFigureOut">
               <a:rPr lang="en-US" smtClean="0"/>
-              <a:t>5/5/22</a:t>
+              <a:t>8/16/22</a:t>
             </a:fld>
             <a:endParaRPr lang="en-US" dirty="0"/>
           </a:p>
@@ -4664,7 +4664,7 @@
           <a:p>
             <a:fld id="{48A87A34-81AB-432B-8DAE-1953F412C126}" type="datetimeFigureOut">
               <a:rPr lang="en-US" smtClean="0"/>
-              <a:t>5/5/22</a:t>
+              <a:t>8/16/22</a:t>
             </a:fld>
             <a:endParaRPr lang="en-US" dirty="0"/>
           </a:p>
@@ -4860,7 +4860,7 @@
           <a:p>
             <a:fld id="{48A87A34-81AB-432B-8DAE-1953F412C126}" type="datetimeFigureOut">
               <a:rPr lang="en-US" smtClean="0"/>
-              <a:t>5/5/22</a:t>
+              <a:t>8/16/22</a:t>
             </a:fld>
             <a:endParaRPr lang="en-US" dirty="0"/>
           </a:p>
@@ -5123,7 +5123,7 @@
           <a:p>
             <a:fld id="{48A87A34-81AB-432B-8DAE-1953F412C126}" type="datetimeFigureOut">
               <a:rPr lang="en-US" smtClean="0"/>
-              <a:t>5/5/22</a:t>
+              <a:t>8/16/22</a:t>
             </a:fld>
             <a:endParaRPr lang="en-US" dirty="0"/>
           </a:p>
@@ -5557,7 +5557,7 @@
           <a:p>
             <a:fld id="{48A87A34-81AB-432B-8DAE-1953F412C126}" type="datetimeFigureOut">
               <a:rPr lang="en-US" smtClean="0"/>
-              <a:t>5/5/22</a:t>
+              <a:t>8/16/22</a:t>
             </a:fld>
             <a:endParaRPr lang="en-US" dirty="0"/>
           </a:p>
@@ -6103,7 +6103,7 @@
           <a:p>
             <a:fld id="{48A87A34-81AB-432B-8DAE-1953F412C126}" type="datetimeFigureOut">
               <a:rPr lang="en-US" smtClean="0"/>
-              <a:t>5/5/22</a:t>
+              <a:t>8/16/22</a:t>
             </a:fld>
             <a:endParaRPr lang="en-US" dirty="0"/>
           </a:p>
@@ -6823,7 +6823,7 @@
           <a:p>
             <a:fld id="{48A87A34-81AB-432B-8DAE-1953F412C126}" type="datetimeFigureOut">
               <a:rPr lang="en-US" smtClean="0"/>
-              <a:t>5/5/22</a:t>
+              <a:t>8/16/22</a:t>
             </a:fld>
             <a:endParaRPr lang="en-US" dirty="0"/>
           </a:p>
@@ -6993,7 +6993,7 @@
           <a:p>
             <a:fld id="{48A87A34-81AB-432B-8DAE-1953F412C126}" type="datetimeFigureOut">
               <a:rPr lang="en-US" smtClean="0"/>
-              <a:t>5/5/22</a:t>
+              <a:t>8/16/22</a:t>
             </a:fld>
             <a:endParaRPr lang="en-US" dirty="0"/>
           </a:p>
@@ -7173,7 +7173,7 @@
           <a:p>
             <a:fld id="{48A87A34-81AB-432B-8DAE-1953F412C126}" type="datetimeFigureOut">
               <a:rPr lang="en-US" smtClean="0"/>
-              <a:t>5/5/22</a:t>
+              <a:t>8/16/22</a:t>
             </a:fld>
             <a:endParaRPr lang="en-US" dirty="0"/>
           </a:p>
@@ -7343,7 +7343,7 @@
           <a:p>
             <a:fld id="{48A87A34-81AB-432B-8DAE-1953F412C126}" type="datetimeFigureOut">
               <a:rPr lang="en-US" smtClean="0"/>
-              <a:t>5/5/22</a:t>
+              <a:t>8/16/22</a:t>
             </a:fld>
             <a:endParaRPr lang="en-US" dirty="0"/>
           </a:p>
@@ -7593,7 +7593,7 @@
           <a:p>
             <a:fld id="{48A87A34-81AB-432B-8DAE-1953F412C126}" type="datetimeFigureOut">
               <a:rPr lang="en-US" smtClean="0"/>
-              <a:t>5/5/22</a:t>
+              <a:t>8/16/22</a:t>
             </a:fld>
             <a:endParaRPr lang="en-US" dirty="0"/>
           </a:p>
@@ -7825,7 +7825,7 @@
           <a:p>
             <a:fld id="{48A87A34-81AB-432B-8DAE-1953F412C126}" type="datetimeFigureOut">
               <a:rPr lang="en-US" smtClean="0"/>
-              <a:t>5/5/22</a:t>
+              <a:t>8/16/22</a:t>
             </a:fld>
             <a:endParaRPr lang="en-US" dirty="0"/>
           </a:p>
@@ -8206,7 +8206,7 @@
           <a:p>
             <a:fld id="{48A87A34-81AB-432B-8DAE-1953F412C126}" type="datetimeFigureOut">
               <a:rPr lang="en-US" smtClean="0"/>
-              <a:t>5/5/22</a:t>
+              <a:t>8/16/22</a:t>
             </a:fld>
             <a:endParaRPr lang="en-US" dirty="0"/>
           </a:p>
@@ -8324,7 +8324,7 @@
           <a:p>
             <a:fld id="{48A87A34-81AB-432B-8DAE-1953F412C126}" type="datetimeFigureOut">
               <a:rPr lang="en-US" smtClean="0"/>
-              <a:t>5/5/22</a:t>
+              <a:t>8/16/22</a:t>
             </a:fld>
             <a:endParaRPr lang="en-US" dirty="0"/>
           </a:p>
@@ -8419,7 +8419,7 @@
           <a:p>
             <a:fld id="{48A87A34-81AB-432B-8DAE-1953F412C126}" type="datetimeFigureOut">
               <a:rPr lang="en-US" smtClean="0"/>
-              <a:t>5/5/22</a:t>
+              <a:t>8/16/22</a:t>
             </a:fld>
             <a:endParaRPr lang="en-US" dirty="0"/>
           </a:p>
@@ -8668,7 +8668,7 @@
           <a:p>
             <a:fld id="{48A87A34-81AB-432B-8DAE-1953F412C126}" type="datetimeFigureOut">
               <a:rPr lang="en-US" smtClean="0"/>
-              <a:t>5/5/22</a:t>
+              <a:t>8/16/22</a:t>
             </a:fld>
             <a:endParaRPr lang="en-US" dirty="0"/>
           </a:p>
@@ -8948,7 +8948,7 @@
           <a:p>
             <a:fld id="{48A87A34-81AB-432B-8DAE-1953F412C126}" type="datetimeFigureOut">
               <a:rPr lang="en-US" smtClean="0"/>
-              <a:t>5/5/22</a:t>
+              <a:t>8/16/22</a:t>
             </a:fld>
             <a:endParaRPr lang="en-US" dirty="0"/>
           </a:p>
@@ -9064,7 +9064,7 @@
           <a:noFill/>
           <a:extLst>
             <a:ext uri="{909E8E84-426E-40dd-AFC4-6F175D3DCCD1}">
-              <a14:hiddenFill xmlns:a14="http://schemas.microsoft.com/office/drawing/2010/main" xmlns="">
+              <a14:hiddenFill xmlns="" xmlns:a14="http://schemas.microsoft.com/office/drawing/2010/main">
                 <a:solidFill>
                   <a:srgbClr val="FFFFFF"/>
                 </a:solidFill>
@@ -9138,7 +9138,7 @@
               </a:ln>
               <a:extLst>
                 <a:ext uri="{91240B29-F687-4f45-9708-019B960494DF}">
-                  <a14:hiddenLine xmlns:a14="http://schemas.microsoft.com/office/drawing/2010/main" xmlns="" w="9525">
+                  <a14:hiddenLine xmlns="" xmlns:a14="http://schemas.microsoft.com/office/drawing/2010/main" w="9525">
                     <a:solidFill>
                       <a:srgbClr val="000000"/>
                     </a:solidFill>
@@ -9228,7 +9228,7 @@
               </a:ln>
               <a:extLst>
                 <a:ext uri="{91240B29-F687-4f45-9708-019B960494DF}">
-                  <a14:hiddenLine xmlns:a14="http://schemas.microsoft.com/office/drawing/2010/main" xmlns="" w="9525">
+                  <a14:hiddenLine xmlns="" xmlns:a14="http://schemas.microsoft.com/office/drawing/2010/main" w="9525">
                     <a:solidFill>
                       <a:srgbClr val="000000"/>
                     </a:solidFill>
@@ -9318,7 +9318,7 @@
               </a:ln>
               <a:extLst>
                 <a:ext uri="{91240B29-F687-4f45-9708-019B960494DF}">
-                  <a14:hiddenLine xmlns:a14="http://schemas.microsoft.com/office/drawing/2010/main" xmlns="" w="9525">
+                  <a14:hiddenLine xmlns="" xmlns:a14="http://schemas.microsoft.com/office/drawing/2010/main" w="9525">
                     <a:solidFill>
                       <a:srgbClr val="000000"/>
                     </a:solidFill>
@@ -9380,7 +9380,7 @@
               </a:ln>
               <a:extLst>
                 <a:ext uri="{91240B29-F687-4f45-9708-019B960494DF}">
-                  <a14:hiddenLine xmlns:a14="http://schemas.microsoft.com/office/drawing/2010/main" xmlns="" w="9525">
+                  <a14:hiddenLine xmlns="" xmlns:a14="http://schemas.microsoft.com/office/drawing/2010/main" w="9525">
                     <a:solidFill>
                       <a:srgbClr val="000000"/>
                     </a:solidFill>
@@ -9470,7 +9470,7 @@
               </a:ln>
               <a:extLst>
                 <a:ext uri="{91240B29-F687-4f45-9708-019B960494DF}">
-                  <a14:hiddenLine xmlns:a14="http://schemas.microsoft.com/office/drawing/2010/main" xmlns="" w="9525">
+                  <a14:hiddenLine xmlns="" xmlns:a14="http://schemas.microsoft.com/office/drawing/2010/main" w="9525">
                     <a:solidFill>
                       <a:srgbClr val="000000"/>
                     </a:solidFill>
@@ -9532,7 +9532,7 @@
               </a:ln>
               <a:extLst>
                 <a:ext uri="{91240B29-F687-4f45-9708-019B960494DF}">
-                  <a14:hiddenLine xmlns:a14="http://schemas.microsoft.com/office/drawing/2010/main" xmlns="" w="9525">
+                  <a14:hiddenLine xmlns="" xmlns:a14="http://schemas.microsoft.com/office/drawing/2010/main" w="9525">
                     <a:solidFill>
                       <a:srgbClr val="000000"/>
                     </a:solidFill>
@@ -9594,7 +9594,7 @@
               </a:ln>
               <a:extLst>
                 <a:ext uri="{91240B29-F687-4f45-9708-019B960494DF}">
-                  <a14:hiddenLine xmlns:a14="http://schemas.microsoft.com/office/drawing/2010/main" xmlns="" w="9525">
+                  <a14:hiddenLine xmlns="" xmlns:a14="http://schemas.microsoft.com/office/drawing/2010/main" w="9525">
                     <a:solidFill>
                       <a:srgbClr val="000000"/>
                     </a:solidFill>
@@ -9684,7 +9684,7 @@
               </a:ln>
               <a:extLst>
                 <a:ext uri="{91240B29-F687-4f45-9708-019B960494DF}">
-                  <a14:hiddenLine xmlns:a14="http://schemas.microsoft.com/office/drawing/2010/main" xmlns="" w="9525">
+                  <a14:hiddenLine xmlns="" xmlns:a14="http://schemas.microsoft.com/office/drawing/2010/main" w="9525">
                     <a:solidFill>
                       <a:srgbClr val="000000"/>
                     </a:solidFill>
@@ -9774,7 +9774,7 @@
               </a:ln>
               <a:extLst>
                 <a:ext uri="{91240B29-F687-4f45-9708-019B960494DF}">
-                  <a14:hiddenLine xmlns:a14="http://schemas.microsoft.com/office/drawing/2010/main" xmlns="" w="9525">
+                  <a14:hiddenLine xmlns="" xmlns:a14="http://schemas.microsoft.com/office/drawing/2010/main" w="9525">
                     <a:solidFill>
                       <a:srgbClr val="000000"/>
                     </a:solidFill>
@@ -9836,7 +9836,7 @@
               </a:ln>
               <a:extLst>
                 <a:ext uri="{91240B29-F687-4f45-9708-019B960494DF}">
-                  <a14:hiddenLine xmlns:a14="http://schemas.microsoft.com/office/drawing/2010/main" xmlns="" w="9525">
+                  <a14:hiddenLine xmlns="" xmlns:a14="http://schemas.microsoft.com/office/drawing/2010/main" w="9525">
                     <a:solidFill>
                       <a:srgbClr val="000000"/>
                     </a:solidFill>
@@ -9946,7 +9946,7 @@
               </a:ln>
               <a:extLst>
                 <a:ext uri="{91240B29-F687-4f45-9708-019B960494DF}">
-                  <a14:hiddenLine xmlns:a14="http://schemas.microsoft.com/office/drawing/2010/main" xmlns="" w="9525">
+                  <a14:hiddenLine xmlns="" xmlns:a14="http://schemas.microsoft.com/office/drawing/2010/main" w="9525">
                     <a:solidFill>
                       <a:srgbClr val="000000"/>
                     </a:solidFill>
@@ -10030,7 +10030,7 @@
               </a:ln>
               <a:extLst>
                 <a:ext uri="{91240B29-F687-4f45-9708-019B960494DF}">
-                  <a14:hiddenLine xmlns:a14="http://schemas.microsoft.com/office/drawing/2010/main" xmlns="" w="9525">
+                  <a14:hiddenLine xmlns="" xmlns:a14="http://schemas.microsoft.com/office/drawing/2010/main" w="9525">
                     <a:solidFill>
                       <a:srgbClr val="000000"/>
                     </a:solidFill>
@@ -10092,7 +10092,7 @@
               </a:ln>
               <a:extLst>
                 <a:ext uri="{91240B29-F687-4f45-9708-019B960494DF}">
-                  <a14:hiddenLine xmlns:a14="http://schemas.microsoft.com/office/drawing/2010/main" xmlns="" w="9525">
+                  <a14:hiddenLine xmlns="" xmlns:a14="http://schemas.microsoft.com/office/drawing/2010/main" w="9525">
                     <a:solidFill>
                       <a:srgbClr val="000000"/>
                     </a:solidFill>
@@ -10154,7 +10154,7 @@
               </a:ln>
               <a:extLst>
                 <a:ext uri="{91240B29-F687-4f45-9708-019B960494DF}">
-                  <a14:hiddenLine xmlns:a14="http://schemas.microsoft.com/office/drawing/2010/main" xmlns="" w="9525">
+                  <a14:hiddenLine xmlns="" xmlns:a14="http://schemas.microsoft.com/office/drawing/2010/main" w="9525">
                     <a:solidFill>
                       <a:srgbClr val="000000"/>
                     </a:solidFill>
@@ -10244,7 +10244,7 @@
               </a:ln>
               <a:extLst>
                 <a:ext uri="{91240B29-F687-4f45-9708-019B960494DF}">
-                  <a14:hiddenLine xmlns:a14="http://schemas.microsoft.com/office/drawing/2010/main" xmlns="" w="9525">
+                  <a14:hiddenLine xmlns="" xmlns:a14="http://schemas.microsoft.com/office/drawing/2010/main" w="9525">
                     <a:solidFill>
                       <a:srgbClr val="000000"/>
                     </a:solidFill>
@@ -10278,7 +10278,7 @@
               </a:ln>
               <a:extLst>
                 <a:ext uri="{91240B29-F687-4f45-9708-019B960494DF}">
-                  <a14:hiddenLine xmlns:a14="http://schemas.microsoft.com/office/drawing/2010/main" xmlns="" w="9525">
+                  <a14:hiddenLine xmlns="" xmlns:a14="http://schemas.microsoft.com/office/drawing/2010/main" w="9525">
                     <a:solidFill>
                       <a:srgbClr val="000000"/>
                     </a:solidFill>
@@ -10343,7 +10343,7 @@
               </a:ln>
               <a:extLst>
                 <a:ext uri="{91240B29-F687-4f45-9708-019B960494DF}">
-                  <a14:hiddenLine xmlns:a14="http://schemas.microsoft.com/office/drawing/2010/main" xmlns="" w="9525">
+                  <a14:hiddenLine xmlns="" xmlns:a14="http://schemas.microsoft.com/office/drawing/2010/main" w="9525">
                     <a:solidFill>
                       <a:srgbClr val="000000"/>
                     </a:solidFill>
@@ -10433,7 +10433,7 @@
               </a:ln>
               <a:extLst>
                 <a:ext uri="{91240B29-F687-4f45-9708-019B960494DF}">
-                  <a14:hiddenLine xmlns:a14="http://schemas.microsoft.com/office/drawing/2010/main" xmlns="" w="9525">
+                  <a14:hiddenLine xmlns="" xmlns:a14="http://schemas.microsoft.com/office/drawing/2010/main" w="9525">
                     <a:solidFill>
                       <a:srgbClr val="000000"/>
                     </a:solidFill>
@@ -10495,7 +10495,7 @@
               </a:ln>
               <a:extLst>
                 <a:ext uri="{91240B29-F687-4f45-9708-019B960494DF}">
-                  <a14:hiddenLine xmlns:a14="http://schemas.microsoft.com/office/drawing/2010/main" xmlns="" w="9525">
+                  <a14:hiddenLine xmlns="" xmlns:a14="http://schemas.microsoft.com/office/drawing/2010/main" w="9525">
                     <a:solidFill>
                       <a:srgbClr val="000000"/>
                     </a:solidFill>
@@ -10585,7 +10585,7 @@
               </a:ln>
               <a:extLst>
                 <a:ext uri="{91240B29-F687-4f45-9708-019B960494DF}">
-                  <a14:hiddenLine xmlns:a14="http://schemas.microsoft.com/office/drawing/2010/main" xmlns="" w="9525">
+                  <a14:hiddenLine xmlns="" xmlns:a14="http://schemas.microsoft.com/office/drawing/2010/main" w="9525">
                     <a:solidFill>
                       <a:srgbClr val="000000"/>
                     </a:solidFill>
@@ -10650,7 +10650,7 @@
               </a:ln>
               <a:extLst>
                 <a:ext uri="{91240B29-F687-4f45-9708-019B960494DF}">
-                  <a14:hiddenLine xmlns:a14="http://schemas.microsoft.com/office/drawing/2010/main" xmlns="" w="9525">
+                  <a14:hiddenLine xmlns="" xmlns:a14="http://schemas.microsoft.com/office/drawing/2010/main" w="9525">
                     <a:solidFill>
                       <a:srgbClr val="000000"/>
                     </a:solidFill>
@@ -10712,7 +10712,7 @@
               </a:ln>
               <a:extLst>
                 <a:ext uri="{91240B29-F687-4f45-9708-019B960494DF}">
-                  <a14:hiddenLine xmlns:a14="http://schemas.microsoft.com/office/drawing/2010/main" xmlns="" w="9525">
+                  <a14:hiddenLine xmlns="" xmlns:a14="http://schemas.microsoft.com/office/drawing/2010/main" w="9525">
                     <a:solidFill>
                       <a:srgbClr val="000000"/>
                     </a:solidFill>
@@ -10802,7 +10802,7 @@
               </a:ln>
               <a:extLst>
                 <a:ext uri="{91240B29-F687-4f45-9708-019B960494DF}">
-                  <a14:hiddenLine xmlns:a14="http://schemas.microsoft.com/office/drawing/2010/main" xmlns="" w="9525">
+                  <a14:hiddenLine xmlns="" xmlns:a14="http://schemas.microsoft.com/office/drawing/2010/main" w="9525">
                     <a:solidFill>
                       <a:srgbClr val="000000"/>
                     </a:solidFill>
@@ -10892,7 +10892,7 @@
               </a:ln>
               <a:extLst>
                 <a:ext uri="{91240B29-F687-4f45-9708-019B960494DF}">
-                  <a14:hiddenLine xmlns:a14="http://schemas.microsoft.com/office/drawing/2010/main" xmlns="" w="9525">
+                  <a14:hiddenLine xmlns="" xmlns:a14="http://schemas.microsoft.com/office/drawing/2010/main" w="9525">
                     <a:solidFill>
                       <a:srgbClr val="000000"/>
                     </a:solidFill>
@@ -10957,7 +10957,7 @@
               </a:ln>
               <a:extLst>
                 <a:ext uri="{91240B29-F687-4f45-9708-019B960494DF}">
-                  <a14:hiddenLine xmlns:a14="http://schemas.microsoft.com/office/drawing/2010/main" xmlns="" w="9525">
+                  <a14:hiddenLine xmlns="" xmlns:a14="http://schemas.microsoft.com/office/drawing/2010/main" w="9525">
                     <a:solidFill>
                       <a:srgbClr val="000000"/>
                     </a:solidFill>
@@ -11077,7 +11077,7 @@
               </a:ln>
               <a:extLst>
                 <a:ext uri="{91240B29-F687-4f45-9708-019B960494DF}">
-                  <a14:hiddenLine xmlns:a14="http://schemas.microsoft.com/office/drawing/2010/main" xmlns="" w="9525">
+                  <a14:hiddenLine xmlns="" xmlns:a14="http://schemas.microsoft.com/office/drawing/2010/main" w="9525">
                     <a:solidFill>
                       <a:srgbClr val="000000"/>
                     </a:solidFill>
@@ -11175,7 +11175,7 @@
               </a:ln>
               <a:extLst>
                 <a:ext uri="{91240B29-F687-4f45-9708-019B960494DF}">
-                  <a14:hiddenLine xmlns:a14="http://schemas.microsoft.com/office/drawing/2010/main" xmlns="" w="9525">
+                  <a14:hiddenLine xmlns="" xmlns:a14="http://schemas.microsoft.com/office/drawing/2010/main" w="9525">
                     <a:solidFill>
                       <a:srgbClr val="000000"/>
                     </a:solidFill>
@@ -11290,7 +11290,7 @@
               </a:ln>
               <a:extLst>
                 <a:ext uri="{91240B29-F687-4f45-9708-019B960494DF}">
-                  <a14:hiddenLine xmlns:a14="http://schemas.microsoft.com/office/drawing/2010/main" xmlns="" w="9525">
+                  <a14:hiddenLine xmlns="" xmlns:a14="http://schemas.microsoft.com/office/drawing/2010/main" w="9525">
                     <a:solidFill>
                       <a:srgbClr val="000000"/>
                     </a:solidFill>
@@ -11380,7 +11380,7 @@
               </a:ln>
               <a:extLst>
                 <a:ext uri="{91240B29-F687-4f45-9708-019B960494DF}">
-                  <a14:hiddenLine xmlns:a14="http://schemas.microsoft.com/office/drawing/2010/main" xmlns="" w="9525">
+                  <a14:hiddenLine xmlns="" xmlns:a14="http://schemas.microsoft.com/office/drawing/2010/main" w="9525">
                     <a:solidFill>
                       <a:srgbClr val="000000"/>
                     </a:solidFill>
@@ -11445,7 +11445,7 @@
               </a:ln>
               <a:extLst>
                 <a:ext uri="{91240B29-F687-4f45-9708-019B960494DF}">
-                  <a14:hiddenLine xmlns:a14="http://schemas.microsoft.com/office/drawing/2010/main" xmlns="" w="9525">
+                  <a14:hiddenLine xmlns="" xmlns:a14="http://schemas.microsoft.com/office/drawing/2010/main" w="9525">
                     <a:solidFill>
                       <a:srgbClr val="000000"/>
                     </a:solidFill>
@@ -11535,7 +11535,7 @@
               </a:ln>
               <a:extLst>
                 <a:ext uri="{91240B29-F687-4f45-9708-019B960494DF}">
-                  <a14:hiddenLine xmlns:a14="http://schemas.microsoft.com/office/drawing/2010/main" xmlns="" w="9525">
+                  <a14:hiddenLine xmlns="" xmlns:a14="http://schemas.microsoft.com/office/drawing/2010/main" w="9525">
                     <a:solidFill>
                       <a:srgbClr val="000000"/>
                     </a:solidFill>
@@ -11603,7 +11603,7 @@
               </a:ln>
               <a:extLst>
                 <a:ext uri="{91240B29-F687-4f45-9708-019B960494DF}">
-                  <a14:hiddenLine xmlns:a14="http://schemas.microsoft.com/office/drawing/2010/main" xmlns="" w="9525">
+                  <a14:hiddenLine xmlns="" xmlns:a14="http://schemas.microsoft.com/office/drawing/2010/main" w="9525">
                     <a:solidFill>
                       <a:srgbClr val="000000"/>
                     </a:solidFill>
@@ -11693,7 +11693,7 @@
               </a:ln>
               <a:extLst>
                 <a:ext uri="{91240B29-F687-4f45-9708-019B960494DF}">
-                  <a14:hiddenLine xmlns:a14="http://schemas.microsoft.com/office/drawing/2010/main" xmlns="" w="9525">
+                  <a14:hiddenLine xmlns="" xmlns:a14="http://schemas.microsoft.com/office/drawing/2010/main" w="9525">
                     <a:solidFill>
                       <a:srgbClr val="000000"/>
                     </a:solidFill>
@@ -11761,7 +11761,7 @@
               </a:ln>
               <a:extLst>
                 <a:ext uri="{91240B29-F687-4f45-9708-019B960494DF}">
-                  <a14:hiddenLine xmlns:a14="http://schemas.microsoft.com/office/drawing/2010/main" xmlns="" w="9525">
+                  <a14:hiddenLine xmlns="" xmlns:a14="http://schemas.microsoft.com/office/drawing/2010/main" w="9525">
                     <a:solidFill>
                       <a:srgbClr val="000000"/>
                     </a:solidFill>
@@ -11851,7 +11851,7 @@
               </a:ln>
               <a:extLst>
                 <a:ext uri="{91240B29-F687-4f45-9708-019B960494DF}">
-                  <a14:hiddenLine xmlns:a14="http://schemas.microsoft.com/office/drawing/2010/main" xmlns="" w="9525">
+                  <a14:hiddenLine xmlns="" xmlns:a14="http://schemas.microsoft.com/office/drawing/2010/main" w="9525">
                     <a:solidFill>
                       <a:srgbClr val="000000"/>
                     </a:solidFill>
@@ -11885,7 +11885,7 @@
               </a:ln>
               <a:extLst>
                 <a:ext uri="{91240B29-F687-4f45-9708-019B960494DF}">
-                  <a14:hiddenLine xmlns:a14="http://schemas.microsoft.com/office/drawing/2010/main" xmlns="" w="9525">
+                  <a14:hiddenLine xmlns="" xmlns:a14="http://schemas.microsoft.com/office/drawing/2010/main" w="9525">
                     <a:solidFill>
                       <a:srgbClr val="000000"/>
                     </a:solidFill>
@@ -12026,7 +12026,7 @@
             <a:fld id="{48A87A34-81AB-432B-8DAE-1953F412C126}" type="datetimeFigureOut">
               <a:rPr lang="en-US" smtClean="0"/>
               <a:pPr/>
-              <a:t>5/5/22</a:t>
+              <a:t>8/16/22</a:t>
             </a:fld>
             <a:endParaRPr lang="en-US" dirty="0"/>
           </a:p>
@@ -13099,7 +13099,7 @@
               <a:rPr lang="en-US" sz="2400" cap="none" dirty="0">
                 <a:latin typeface="Ford Antenna Medium Cnd" panose="02000505000000020004" pitchFamily="2" charset="0"/>
               </a:rPr>
-              <a:t>Resources and APIs disappear at some point in time; the Sunset field allows to advertise that event to clients.</a:t>
+              <a:t>Resources and APIs disappear at some point in time; the HTTP Sunset header field allows to advertise that event to clients.</a:t>
             </a:r>
           </a:p>
         </p:txBody>
@@ -13445,7 +13445,7 @@
               <a:rPr lang="en-US" dirty="0">
                 <a:latin typeface="Ford Antenna Medium" panose="02000505000000020004" pitchFamily="2" charset="0"/>
               </a:rPr>
-              <a:t>When a resource or an API is about to be retired, it would be useful for consumers of that resource/API to be notified in advance. By using an HTTP field, this information can be conveyed in-band, instead of having to rely on out-of-band channels such as announcements that are published on Web pages or sent by email.</a:t>
+              <a:t>When a resource or an API is about to be retired, it would be useful for consumers of that resource/API to be notified in advance. By using an HTTP header field, this information can be conveyed in-band, instead of having to rely on out-of-band channels such as announcements that are published on Web pages or sent by email.</a:t>
             </a:r>
           </a:p>
         </p:txBody>
@@ -13927,11 +13927,13 @@
         <p:spPr>
           <a:xfrm>
             <a:off x="1008460" y="1834355"/>
-            <a:ext cx="6859190" cy="2311401"/>
+            <a:ext cx="6961164" cy="2441810"/>
           </a:xfrm>
         </p:spPr>
         <p:txBody>
-          <a:bodyPr/>
+          <a:bodyPr>
+            <a:normAutofit/>
+          </a:bodyPr>
           <a:lstStyle/>
           <a:p>
             <a:pPr marL="0" indent="0">
@@ -13941,7 +13943,7 @@
               <a:rPr lang="en-US" dirty="0">
                 <a:latin typeface="Ford Antenna Medium" panose="02000505000000020004" pitchFamily="2" charset="0"/>
               </a:rPr>
-              <a:t>RFC 8594 defines the HTTP field "Sunset" which is used to advertise the timestamp when a resource/API will become unavailable. Providers can use this field to advertise the sunset when it is known. Consumers can use the field to react to such an advertisement, for example by raising alarms or by writing information to a log.</a:t>
+              <a:t>RFC 8594 defines the HTTP header field "Sunset" which is used to advertise the timestamp when a resource/API will become unavailable. Providers can use this header field to advertise the sunset when it is known. Consumers can use the header field to react to such an advertisement, for example by raising alarms or by writing information to a log.</a:t>
             </a:r>
           </a:p>
         </p:txBody>
@@ -14318,7 +14320,7 @@
               <a:rPr lang="en-US" dirty="0">
                 <a:latin typeface="Ford Antenna Medium" panose="02000505000000020004" pitchFamily="2" charset="0"/>
               </a:rPr>
-              <a:t>Header Field: </a:t>
+              <a:t>HTTP Header Field: </a:t>
             </a:r>
             <a:r>
               <a:rPr lang="en-US" dirty="0">
